--- a/卒業論文/2012/工藤亮/卒論中間ポスター.pptx
+++ b/卒業論文/2012/工藤亮/卒論中間ポスター.pptx
@@ -2,7 +2,7 @@
 <file path=ppt/presentation.xml><?xml version="1.0" encoding="utf-8"?>
 <p:presentation xmlns:a="http://schemas.openxmlformats.org/drawingml/2006/main" xmlns:r="http://schemas.openxmlformats.org/officeDocument/2006/relationships" xmlns:p="http://schemas.openxmlformats.org/presentationml/2006/main" saveSubsetFonts="1">
   <p:sldMasterIdLst>
-    <p:sldMasterId id="2147483924" r:id="rId1"/>
+    <p:sldMasterId id="2147484032" r:id="rId1"/>
   </p:sldMasterIdLst>
   <p:sldIdLst>
     <p:sldId id="256" r:id="rId2"/>
@@ -1110,11 +1110,11 @@
         </c:dLbls>
         <c:marker val="1"/>
         <c:smooth val="0"/>
-        <c:axId val="461127680"/>
-        <c:axId val="461129216"/>
+        <c:axId val="84108032"/>
+        <c:axId val="84109568"/>
       </c:lineChart>
       <c:dateAx>
-        <c:axId val="461127680"/>
+        <c:axId val="84108032"/>
         <c:scaling>
           <c:orientation val="minMax"/>
         </c:scaling>
@@ -1124,14 +1124,14 @@
         <c:majorTickMark val="out"/>
         <c:minorTickMark val="none"/>
         <c:tickLblPos val="nextTo"/>
-        <c:crossAx val="461129216"/>
+        <c:crossAx val="84109568"/>
         <c:crosses val="autoZero"/>
         <c:auto val="1"/>
         <c:lblOffset val="100"/>
         <c:baseTimeUnit val="days"/>
       </c:dateAx>
       <c:valAx>
-        <c:axId val="461129216"/>
+        <c:axId val="84109568"/>
         <c:scaling>
           <c:orientation val="minMax"/>
         </c:scaling>
@@ -1142,7 +1142,7 @@
         <c:majorTickMark val="out"/>
         <c:minorTickMark val="none"/>
         <c:tickLblPos val="nextTo"/>
-        <c:crossAx val="461127680"/>
+        <c:crossAx val="84108032"/>
         <c:crosses val="autoZero"/>
         <c:crossBetween val="between"/>
       </c:valAx>
@@ -2281,23 +2281,19 @@
           </a:r>
           <a:r>
             <a:rPr kumimoji="1" lang="ja-JP" altLang="en-US" dirty="0" smtClean="0"/>
-            <a:t>に必要なデータ</a:t>
-          </a:r>
-          <a:r>
-            <a:rPr kumimoji="1" lang="en-US" altLang="ja-JP" dirty="0" smtClean="0"/>
-            <a:t>(</a:t>
+            <a:t>に必要な</a:t>
           </a:r>
           <a:r>
             <a:rPr kumimoji="1" lang="ja-JP" altLang="en-US" dirty="0" smtClean="0"/>
-            <a:t>コスト，時間，計画時のコスト・時間</a:t>
-          </a:r>
-          <a:r>
-            <a:rPr kumimoji="1" lang="en-US" altLang="ja-JP" dirty="0" smtClean="0"/>
-            <a:t>)</a:t>
+            <a:t>データ（コスト</a:t>
           </a:r>
           <a:r>
             <a:rPr kumimoji="1" lang="ja-JP" altLang="en-US" dirty="0" smtClean="0"/>
-            <a:t>を</a:t>
+            <a:t>，時間，計画時のコスト・</a:t>
+          </a:r>
+          <a:r>
+            <a:rPr kumimoji="1" lang="ja-JP" altLang="en-US" dirty="0" smtClean="0"/>
+            <a:t>時間）を</a:t>
           </a:r>
           <a:r>
             <a:rPr kumimoji="1" lang="en-US" altLang="ja-JP" dirty="0" smtClean="0"/>
@@ -2510,6 +2506,13 @@
         </dgm:presLayoutVars>
       </dgm:prSet>
       <dgm:spPr/>
+      <dgm:t>
+        <a:bodyPr/>
+        <a:lstStyle/>
+        <a:p>
+          <a:endParaRPr kumimoji="1" lang="ja-JP" altLang="en-US"/>
+        </a:p>
+      </dgm:t>
     </dgm:pt>
     <dgm:pt modelId="{D034EBC2-B05D-4DE8-A0E4-ED2290AFC4C6}" type="pres">
       <dgm:prSet presAssocID="{6B83C9BC-7F35-4419-BCED-0DAA0DF6437C}" presName="composite" presStyleCnt="0"/>
@@ -2523,6 +2526,13 @@
         </dgm:presLayoutVars>
       </dgm:prSet>
       <dgm:spPr/>
+      <dgm:t>
+        <a:bodyPr/>
+        <a:lstStyle/>
+        <a:p>
+          <a:endParaRPr kumimoji="1" lang="ja-JP" altLang="en-US"/>
+        </a:p>
+      </dgm:t>
     </dgm:pt>
     <dgm:pt modelId="{5355FF61-3BE0-4BAB-83BB-0504E6450B2C}" type="pres">
       <dgm:prSet presAssocID="{6B83C9BC-7F35-4419-BCED-0DAA0DF6437C}" presName="descendantText" presStyleLbl="alignAcc1" presStyleIdx="0" presStyleCnt="4">
@@ -2555,9 +2565,16 @@
         </dgm:presLayoutVars>
       </dgm:prSet>
       <dgm:spPr/>
+      <dgm:t>
+        <a:bodyPr/>
+        <a:lstStyle/>
+        <a:p>
+          <a:endParaRPr kumimoji="1" lang="ja-JP" altLang="en-US"/>
+        </a:p>
+      </dgm:t>
     </dgm:pt>
     <dgm:pt modelId="{242F59E1-7251-4DC9-B8E8-4CD6A059E088}" type="pres">
-      <dgm:prSet presAssocID="{11506BC2-BD67-4CBA-A2E6-3711F1FA3EA3}" presName="descendantText" presStyleLbl="alignAcc1" presStyleIdx="1" presStyleCnt="4">
+      <dgm:prSet presAssocID="{11506BC2-BD67-4CBA-A2E6-3711F1FA3EA3}" presName="descendantText" presStyleLbl="alignAcc1" presStyleIdx="1" presStyleCnt="4" custScaleY="91408">
         <dgm:presLayoutVars>
           <dgm:bulletEnabled val="1"/>
         </dgm:presLayoutVars>
@@ -2587,9 +2604,16 @@
         </dgm:presLayoutVars>
       </dgm:prSet>
       <dgm:spPr/>
+      <dgm:t>
+        <a:bodyPr/>
+        <a:lstStyle/>
+        <a:p>
+          <a:endParaRPr kumimoji="1" lang="ja-JP" altLang="en-US"/>
+        </a:p>
+      </dgm:t>
     </dgm:pt>
     <dgm:pt modelId="{3108D008-6C89-4228-A052-2877C687190E}" type="pres">
-      <dgm:prSet presAssocID="{6EF7E05D-0571-4A2B-9F95-8FAFC7BC0D20}" presName="descendantText" presStyleLbl="alignAcc1" presStyleIdx="2" presStyleCnt="4">
+      <dgm:prSet presAssocID="{6EF7E05D-0571-4A2B-9F95-8FAFC7BC0D20}" presName="descendantText" presStyleLbl="alignAcc1" presStyleIdx="2" presStyleCnt="4" custLinFactNeighborY="40">
         <dgm:presLayoutVars>
           <dgm:bulletEnabled val="1"/>
         </dgm:presLayoutVars>
@@ -2612,16 +2636,23 @@
       <dgm:spPr/>
     </dgm:pt>
     <dgm:pt modelId="{A780158D-3E2D-4AB3-B956-DF48B06B892C}" type="pres">
-      <dgm:prSet presAssocID="{D4EB4BDA-2816-414B-A0D0-30CD9CFF7E41}" presName="parentText" presStyleLbl="alignNode1" presStyleIdx="3" presStyleCnt="4">
+      <dgm:prSet presAssocID="{D4EB4BDA-2816-414B-A0D0-30CD9CFF7E41}" presName="parentText" presStyleLbl="alignNode1" presStyleIdx="3" presStyleCnt="4" custLinFactNeighborY="5645">
         <dgm:presLayoutVars>
           <dgm:chMax val="1"/>
           <dgm:bulletEnabled val="1"/>
         </dgm:presLayoutVars>
       </dgm:prSet>
       <dgm:spPr/>
+      <dgm:t>
+        <a:bodyPr/>
+        <a:lstStyle/>
+        <a:p>
+          <a:endParaRPr kumimoji="1" lang="ja-JP" altLang="en-US"/>
+        </a:p>
+      </dgm:t>
     </dgm:pt>
     <dgm:pt modelId="{12646483-D4EA-42A7-9220-C3F8FA689101}" type="pres">
-      <dgm:prSet presAssocID="{D4EB4BDA-2816-414B-A0D0-30CD9CFF7E41}" presName="descendantText" presStyleLbl="alignAcc1" presStyleIdx="3" presStyleCnt="4">
+      <dgm:prSet presAssocID="{D4EB4BDA-2816-414B-A0D0-30CD9CFF7E41}" presName="descendantText" presStyleLbl="alignAcc1" presStyleIdx="3" presStyleCnt="4" custLinFactNeighborY="4338">
         <dgm:presLayoutVars>
           <dgm:bulletEnabled val="1"/>
         </dgm:presLayoutVars>
@@ -2637,23 +2668,23 @@
     </dgm:pt>
   </dgm:ptLst>
   <dgm:cxnLst>
+    <dgm:cxn modelId="{65C871BF-1CC5-4B43-9B5B-334D1CE60B64}" type="presOf" srcId="{D4EB4BDA-2816-414B-A0D0-30CD9CFF7E41}" destId="{A780158D-3E2D-4AB3-B956-DF48B06B892C}" srcOrd="0" destOrd="0" presId="urn:microsoft.com/office/officeart/2005/8/layout/chevron2"/>
+    <dgm:cxn modelId="{14910AF5-9EFB-45E3-A8BA-B198022DA32A}" type="presOf" srcId="{6B83C9BC-7F35-4419-BCED-0DAA0DF6437C}" destId="{C2E92F25-E4DA-425C-BC5B-66E278DDF481}" srcOrd="0" destOrd="0" presId="urn:microsoft.com/office/officeart/2005/8/layout/chevron2"/>
+    <dgm:cxn modelId="{860B315F-2409-4366-9AEF-9FEA846EFDAC}" srcId="{6EF7E05D-0571-4A2B-9F95-8FAFC7BC0D20}" destId="{9725B5A9-DD33-4F9A-B30E-4F3255344582}" srcOrd="0" destOrd="0" parTransId="{76A2140C-0E74-4D08-8CAD-46EAA996AF34}" sibTransId="{3D98D2F9-44CD-45E0-B264-597F056AA384}"/>
+    <dgm:cxn modelId="{56068D84-85DE-49FA-840B-C9E3F3F14EA4}" type="presOf" srcId="{193300ED-FB11-4356-AB1D-78C63D6871D5}" destId="{5355FF61-3BE0-4BAB-83BB-0504E6450B2C}" srcOrd="0" destOrd="0" presId="urn:microsoft.com/office/officeart/2005/8/layout/chevron2"/>
+    <dgm:cxn modelId="{E8F9AA87-F5A2-4D38-9B25-F10A5CEBED30}" srcId="{6B83C9BC-7F35-4419-BCED-0DAA0DF6437C}" destId="{193300ED-FB11-4356-AB1D-78C63D6871D5}" srcOrd="0" destOrd="0" parTransId="{75101AD3-E898-4F8D-96F4-50D54A15F211}" sibTransId="{5A09A160-FEFE-4C9A-96FC-4A8D06D9A685}"/>
+    <dgm:cxn modelId="{8738D2AA-0C7A-4831-A92B-3FE68B71C62B}" srcId="{11506BC2-BD67-4CBA-A2E6-3711F1FA3EA3}" destId="{DDB8A94E-B486-4BB6-8EFE-7311419ED10F}" srcOrd="0" destOrd="0" parTransId="{F357E6C4-F3CF-43BF-8CB4-11EF6D6134DE}" sibTransId="{CE4C95C6-5C83-4026-BC7D-3C2E48E52F2B}"/>
+    <dgm:cxn modelId="{0A264429-DED1-4FBD-883C-7C59E3FE22F8}" srcId="{EBF0821C-5C89-47AC-87A3-A1AAF50E0DD0}" destId="{11506BC2-BD67-4CBA-A2E6-3711F1FA3EA3}" srcOrd="1" destOrd="0" parTransId="{25B025DE-DCDC-4F5C-94E3-EDEEEDEE61C3}" sibTransId="{6B1EDB6F-9AFD-4B9C-A829-4E87E8B48D0E}"/>
     <dgm:cxn modelId="{40588391-1416-4B6A-B239-5FE52DC46327}" type="presOf" srcId="{A578D795-4A90-496E-B0F2-D82A0CD3B4D1}" destId="{12646483-D4EA-42A7-9220-C3F8FA689101}" srcOrd="0" destOrd="0" presId="urn:microsoft.com/office/officeart/2005/8/layout/chevron2"/>
-    <dgm:cxn modelId="{B1BA5873-E213-4341-86A6-9585109F0479}" srcId="{EBF0821C-5C89-47AC-87A3-A1AAF50E0DD0}" destId="{6EF7E05D-0571-4A2B-9F95-8FAFC7BC0D20}" srcOrd="2" destOrd="0" parTransId="{38CF81FB-3752-439E-8F0A-CFEF1F8776D7}" sibTransId="{E41228BF-236C-46E9-8D38-4EF23B53AA90}"/>
-    <dgm:cxn modelId="{E8F9AA87-F5A2-4D38-9B25-F10A5CEBED30}" srcId="{6B83C9BC-7F35-4419-BCED-0DAA0DF6437C}" destId="{193300ED-FB11-4356-AB1D-78C63D6871D5}" srcOrd="0" destOrd="0" parTransId="{75101AD3-E898-4F8D-96F4-50D54A15F211}" sibTransId="{5A09A160-FEFE-4C9A-96FC-4A8D06D9A685}"/>
-    <dgm:cxn modelId="{3F596AE5-1D8F-42D1-8284-FCB88ADF833A}" srcId="{D4EB4BDA-2816-414B-A0D0-30CD9CFF7E41}" destId="{A578D795-4A90-496E-B0F2-D82A0CD3B4D1}" srcOrd="0" destOrd="0" parTransId="{F740508B-12FD-44F0-800F-D16CB28F36BC}" sibTransId="{04A47A73-2EF1-40CF-9A70-3900F97C3BBF}"/>
-    <dgm:cxn modelId="{5D4EAD7C-E449-4645-A44D-345D49D88039}" type="presOf" srcId="{11506BC2-BD67-4CBA-A2E6-3711F1FA3EA3}" destId="{0618404E-1295-49F6-A11B-E8318C77F3FF}" srcOrd="0" destOrd="0" presId="urn:microsoft.com/office/officeart/2005/8/layout/chevron2"/>
-    <dgm:cxn modelId="{860B315F-2409-4366-9AEF-9FEA846EFDAC}" srcId="{6EF7E05D-0571-4A2B-9F95-8FAFC7BC0D20}" destId="{9725B5A9-DD33-4F9A-B30E-4F3255344582}" srcOrd="0" destOrd="0" parTransId="{76A2140C-0E74-4D08-8CAD-46EAA996AF34}" sibTransId="{3D98D2F9-44CD-45E0-B264-597F056AA384}"/>
-    <dgm:cxn modelId="{14910AF5-9EFB-45E3-A8BA-B198022DA32A}" type="presOf" srcId="{6B83C9BC-7F35-4419-BCED-0DAA0DF6437C}" destId="{C2E92F25-E4DA-425C-BC5B-66E278DDF481}" srcOrd="0" destOrd="0" presId="urn:microsoft.com/office/officeart/2005/8/layout/chevron2"/>
     <dgm:cxn modelId="{E29F6CA8-D623-4CCD-BD71-57C49867671B}" type="presOf" srcId="{6EF7E05D-0571-4A2B-9F95-8FAFC7BC0D20}" destId="{5BED2712-BD5C-4F45-8103-D8CD453E749E}" srcOrd="0" destOrd="0" presId="urn:microsoft.com/office/officeart/2005/8/layout/chevron2"/>
-    <dgm:cxn modelId="{0A264429-DED1-4FBD-883C-7C59E3FE22F8}" srcId="{EBF0821C-5C89-47AC-87A3-A1AAF50E0DD0}" destId="{11506BC2-BD67-4CBA-A2E6-3711F1FA3EA3}" srcOrd="1" destOrd="0" parTransId="{25B025DE-DCDC-4F5C-94E3-EDEEEDEE61C3}" sibTransId="{6B1EDB6F-9AFD-4B9C-A829-4E87E8B48D0E}"/>
-    <dgm:cxn modelId="{7E9122B9-F69B-4DF5-8F76-7D3E79450588}" srcId="{EBF0821C-5C89-47AC-87A3-A1AAF50E0DD0}" destId="{6B83C9BC-7F35-4419-BCED-0DAA0DF6437C}" srcOrd="0" destOrd="0" parTransId="{C71D32B6-C9A5-46D4-B1AD-69DDFAEF269F}" sibTransId="{55CB0206-D5E8-4C9E-8D10-4B2EA3FCC6E0}"/>
-    <dgm:cxn modelId="{7C0BFA40-5AA1-4F66-86BA-25D2CA79F77B}" srcId="{EBF0821C-5C89-47AC-87A3-A1AAF50E0DD0}" destId="{D4EB4BDA-2816-414B-A0D0-30CD9CFF7E41}" srcOrd="3" destOrd="0" parTransId="{CC399391-40FC-4814-8643-8D299A24A209}" sibTransId="{68C9A7CB-A630-4E09-BC11-47224F56339C}"/>
     <dgm:cxn modelId="{FDA2B789-7139-468B-8FC4-0ABBF3291651}" type="presOf" srcId="{9725B5A9-DD33-4F9A-B30E-4F3255344582}" destId="{3108D008-6C89-4228-A052-2877C687190E}" srcOrd="0" destOrd="0" presId="urn:microsoft.com/office/officeart/2005/8/layout/chevron2"/>
     <dgm:cxn modelId="{049EF6E2-E97D-4B9E-BADC-3AD40D53A055}" type="presOf" srcId="{EBF0821C-5C89-47AC-87A3-A1AAF50E0DD0}" destId="{7BA8B87A-2EBA-446B-8A97-483B28650B32}" srcOrd="0" destOrd="0" presId="urn:microsoft.com/office/officeart/2005/8/layout/chevron2"/>
+    <dgm:cxn modelId="{7E9122B9-F69B-4DF5-8F76-7D3E79450588}" srcId="{EBF0821C-5C89-47AC-87A3-A1AAF50E0DD0}" destId="{6B83C9BC-7F35-4419-BCED-0DAA0DF6437C}" srcOrd="0" destOrd="0" parTransId="{C71D32B6-C9A5-46D4-B1AD-69DDFAEF269F}" sibTransId="{55CB0206-D5E8-4C9E-8D10-4B2EA3FCC6E0}"/>
+    <dgm:cxn modelId="{5D4EAD7C-E449-4645-A44D-345D49D88039}" type="presOf" srcId="{11506BC2-BD67-4CBA-A2E6-3711F1FA3EA3}" destId="{0618404E-1295-49F6-A11B-E8318C77F3FF}" srcOrd="0" destOrd="0" presId="urn:microsoft.com/office/officeart/2005/8/layout/chevron2"/>
+    <dgm:cxn modelId="{7C0BFA40-5AA1-4F66-86BA-25D2CA79F77B}" srcId="{EBF0821C-5C89-47AC-87A3-A1AAF50E0DD0}" destId="{D4EB4BDA-2816-414B-A0D0-30CD9CFF7E41}" srcOrd="3" destOrd="0" parTransId="{CC399391-40FC-4814-8643-8D299A24A209}" sibTransId="{68C9A7CB-A630-4E09-BC11-47224F56339C}"/>
     <dgm:cxn modelId="{CD91A533-2CB7-4C3B-B2DB-2B8DFEB64934}" type="presOf" srcId="{DDB8A94E-B486-4BB6-8EFE-7311419ED10F}" destId="{242F59E1-7251-4DC9-B8E8-4CD6A059E088}" srcOrd="0" destOrd="0" presId="urn:microsoft.com/office/officeart/2005/8/layout/chevron2"/>
-    <dgm:cxn modelId="{8738D2AA-0C7A-4831-A92B-3FE68B71C62B}" srcId="{11506BC2-BD67-4CBA-A2E6-3711F1FA3EA3}" destId="{DDB8A94E-B486-4BB6-8EFE-7311419ED10F}" srcOrd="0" destOrd="0" parTransId="{F357E6C4-F3CF-43BF-8CB4-11EF6D6134DE}" sibTransId="{CE4C95C6-5C83-4026-BC7D-3C2E48E52F2B}"/>
-    <dgm:cxn modelId="{56068D84-85DE-49FA-840B-C9E3F3F14EA4}" type="presOf" srcId="{193300ED-FB11-4356-AB1D-78C63D6871D5}" destId="{5355FF61-3BE0-4BAB-83BB-0504E6450B2C}" srcOrd="0" destOrd="0" presId="urn:microsoft.com/office/officeart/2005/8/layout/chevron2"/>
-    <dgm:cxn modelId="{65C871BF-1CC5-4B43-9B5B-334D1CE60B64}" type="presOf" srcId="{D4EB4BDA-2816-414B-A0D0-30CD9CFF7E41}" destId="{A780158D-3E2D-4AB3-B956-DF48B06B892C}" srcOrd="0" destOrd="0" presId="urn:microsoft.com/office/officeart/2005/8/layout/chevron2"/>
+    <dgm:cxn modelId="{B1BA5873-E213-4341-86A6-9585109F0479}" srcId="{EBF0821C-5C89-47AC-87A3-A1AAF50E0DD0}" destId="{6EF7E05D-0571-4A2B-9F95-8FAFC7BC0D20}" srcOrd="2" destOrd="0" parTransId="{38CF81FB-3752-439E-8F0A-CFEF1F8776D7}" sibTransId="{E41228BF-236C-46E9-8D38-4EF23B53AA90}"/>
+    <dgm:cxn modelId="{3F596AE5-1D8F-42D1-8284-FCB88ADF833A}" srcId="{D4EB4BDA-2816-414B-A0D0-30CD9CFF7E41}" destId="{A578D795-4A90-496E-B0F2-D82A0CD3B4D1}" srcOrd="0" destOrd="0" parTransId="{F740508B-12FD-44F0-800F-D16CB28F36BC}" sibTransId="{04A47A73-2EF1-40CF-9A70-3900F97C3BBF}"/>
     <dgm:cxn modelId="{DE816FA0-3095-4481-8E0A-B4CDDA66CF98}" type="presParOf" srcId="{7BA8B87A-2EBA-446B-8A97-483B28650B32}" destId="{D034EBC2-B05D-4DE8-A0E4-ED2290AFC4C6}" srcOrd="0" destOrd="0" presId="urn:microsoft.com/office/officeart/2005/8/layout/chevron2"/>
     <dgm:cxn modelId="{202E9A16-250A-40F9-AD49-8AA618383793}" type="presParOf" srcId="{D034EBC2-B05D-4DE8-A0E4-ED2290AFC4C6}" destId="{C2E92F25-E4DA-425C-BC5B-66E278DDF481}" srcOrd="0" destOrd="0" presId="urn:microsoft.com/office/officeart/2005/8/layout/chevron2"/>
     <dgm:cxn modelId="{4DF497BB-5E86-45FB-8C88-E1E3A04DF3DD}" type="presParOf" srcId="{D034EBC2-B05D-4DE8-A0E4-ED2290AFC4C6}" destId="{5355FF61-3BE0-4BAB-83BB-0504E6450B2C}" srcOrd="1" destOrd="0" presId="urn:microsoft.com/office/officeart/2005/8/layout/chevron2"/>
@@ -2709,7 +2740,7 @@
             <a:alphaOff val="0"/>
           </a:schemeClr>
         </a:solidFill>
-        <a:ln w="38100" cap="flat" cmpd="sng" algn="ctr">
+        <a:ln w="25400" cap="flat" cmpd="sng" algn="ctr">
           <a:solidFill>
             <a:schemeClr val="accent2">
               <a:hueOff val="0"/>
@@ -2787,7 +2818,7 @@
             <a:alphaOff val="0"/>
           </a:schemeClr>
         </a:solidFill>
-        <a:ln w="38100" cap="flat" cmpd="sng" algn="ctr">
+        <a:ln w="25400" cap="flat" cmpd="sng" algn="ctr">
           <a:solidFill>
             <a:schemeClr val="accent2">
               <a:hueOff val="0"/>
@@ -2813,12 +2844,12 @@
         <a:fontRef idx="minor"/>
       </dsp:style>
       <dsp:txBody>
-        <a:bodyPr spcFirstLastPara="0" vert="horz" wrap="square" lIns="241808" tIns="21590" rIns="21590" bIns="21590" numCol="1" spcCol="1270" anchor="ctr" anchorCtr="0">
+        <a:bodyPr spcFirstLastPara="0" vert="horz" wrap="square" lIns="263144" tIns="23495" rIns="23495" bIns="23495" numCol="1" spcCol="1270" anchor="ctr" anchorCtr="0">
           <a:noAutofit/>
         </a:bodyPr>
         <a:lstStyle/>
         <a:p>
-          <a:pPr marL="285750" lvl="1" indent="-285750" algn="l" defTabSz="1511300">
+          <a:pPr marL="285750" lvl="1" indent="-285750" algn="l" defTabSz="1644650">
             <a:lnSpc>
               <a:spcPct val="90000"/>
             </a:lnSpc>
@@ -2831,14 +2862,14 @@
             <a:buChar char="••"/>
           </a:pPr>
           <a:r>
-            <a:rPr kumimoji="1" lang="en-US" altLang="ja-JP" sz="3400" kern="1200" dirty="0" err="1" smtClean="0"/>
+            <a:rPr kumimoji="1" lang="en-US" altLang="ja-JP" sz="3700" kern="1200" dirty="0" err="1" smtClean="0"/>
             <a:t>GitHub</a:t>
           </a:r>
           <a:r>
-            <a:rPr kumimoji="1" lang="ja-JP" altLang="en-US" sz="3400" kern="1200" dirty="0" smtClean="0"/>
+            <a:rPr kumimoji="1" lang="ja-JP" altLang="en-US" sz="3700" kern="1200" dirty="0" smtClean="0"/>
             <a:t>を調査する．</a:t>
           </a:r>
-          <a:endParaRPr kumimoji="1" lang="ja-JP" altLang="en-US" sz="3400" kern="1200" dirty="0"/>
+          <a:endParaRPr kumimoji="1" lang="ja-JP" altLang="en-US" sz="3700" kern="1200" dirty="0"/>
         </a:p>
       </dsp:txBody>
       <dsp:txXfrm rot="-5400000">
@@ -2867,7 +2898,7 @@
             <a:alphaOff val="0"/>
           </a:schemeClr>
         </a:solidFill>
-        <a:ln w="38100" cap="flat" cmpd="sng" algn="ctr">
+        <a:ln w="25400" cap="flat" cmpd="sng" algn="ctr">
           <a:solidFill>
             <a:schemeClr val="accent3">
               <a:hueOff val="0"/>
@@ -2930,8 +2961,8 @@
       </dsp:nvSpPr>
       <dsp:spPr>
         <a:xfrm rot="5400000">
-          <a:off x="9996072" y="-7873136"/>
-          <a:ext cx="866186" cy="18992698"/>
+          <a:off x="10033283" y="-7873136"/>
+          <a:ext cx="791764" cy="18992698"/>
         </a:xfrm>
         <a:prstGeom prst="round2SameRect">
           <a:avLst/>
@@ -2945,7 +2976,7 @@
             <a:alphaOff val="0"/>
           </a:schemeClr>
         </a:solidFill>
-        <a:ln w="38100" cap="flat" cmpd="sng" algn="ctr">
+        <a:ln w="25400" cap="flat" cmpd="sng" algn="ctr">
           <a:solidFill>
             <a:schemeClr val="accent3">
               <a:hueOff val="0"/>
@@ -2971,12 +3002,12 @@
         <a:fontRef idx="minor"/>
       </dsp:style>
       <dsp:txBody>
-        <a:bodyPr spcFirstLastPara="0" vert="horz" wrap="square" lIns="241808" tIns="21590" rIns="21590" bIns="21590" numCol="1" spcCol="1270" anchor="ctr" anchorCtr="0">
+        <a:bodyPr spcFirstLastPara="0" vert="horz" wrap="square" lIns="263144" tIns="23495" rIns="23495" bIns="23495" numCol="1" spcCol="1270" anchor="ctr" anchorCtr="0">
           <a:noAutofit/>
         </a:bodyPr>
         <a:lstStyle/>
         <a:p>
-          <a:pPr marL="285750" lvl="1" indent="-285750" algn="l" defTabSz="1511300">
+          <a:pPr marL="285750" lvl="1" indent="-285750" algn="l" defTabSz="1644650">
             <a:lnSpc>
               <a:spcPct val="90000"/>
             </a:lnSpc>
@@ -2989,43 +3020,39 @@
             <a:buChar char="••"/>
           </a:pPr>
           <a:r>
-            <a:rPr kumimoji="1" lang="en-US" altLang="ja-JP" sz="3400" kern="1200" dirty="0" smtClean="0"/>
+            <a:rPr kumimoji="1" lang="en-US" altLang="ja-JP" sz="3700" kern="1200" dirty="0" smtClean="0"/>
             <a:t>EVM</a:t>
           </a:r>
           <a:r>
-            <a:rPr kumimoji="1" lang="ja-JP" altLang="en-US" sz="3400" kern="1200" dirty="0" smtClean="0"/>
-            <a:t>に必要なデータ</a:t>
+            <a:rPr kumimoji="1" lang="ja-JP" altLang="en-US" sz="3700" kern="1200" dirty="0" smtClean="0"/>
+            <a:t>に必要な</a:t>
           </a:r>
           <a:r>
-            <a:rPr kumimoji="1" lang="en-US" altLang="ja-JP" sz="3400" kern="1200" dirty="0" smtClean="0"/>
-            <a:t>(</a:t>
+            <a:rPr kumimoji="1" lang="ja-JP" altLang="en-US" sz="3700" kern="1200" dirty="0" smtClean="0"/>
+            <a:t>データ（コスト</a:t>
           </a:r>
           <a:r>
-            <a:rPr kumimoji="1" lang="ja-JP" altLang="en-US" sz="3400" kern="1200" dirty="0" smtClean="0"/>
-            <a:t>コスト，時間，計画時のコスト・時間</a:t>
+            <a:rPr kumimoji="1" lang="ja-JP" altLang="en-US" sz="3700" kern="1200" dirty="0" smtClean="0"/>
+            <a:t>，時間，計画時のコスト・</a:t>
           </a:r>
           <a:r>
-            <a:rPr kumimoji="1" lang="en-US" altLang="ja-JP" sz="3400" kern="1200" dirty="0" smtClean="0"/>
-            <a:t>)</a:t>
+            <a:rPr kumimoji="1" lang="ja-JP" altLang="en-US" sz="3700" kern="1200" dirty="0" smtClean="0"/>
+            <a:t>時間）を</a:t>
           </a:r>
           <a:r>
-            <a:rPr kumimoji="1" lang="ja-JP" altLang="en-US" sz="3400" kern="1200" dirty="0" smtClean="0"/>
-            <a:t>を</a:t>
-          </a:r>
-          <a:r>
-            <a:rPr kumimoji="1" lang="en-US" altLang="ja-JP" sz="3400" kern="1200" dirty="0" smtClean="0"/>
+            <a:rPr kumimoji="1" lang="en-US" altLang="ja-JP" sz="3700" kern="1200" dirty="0" smtClean="0"/>
             <a:t>Issue</a:t>
           </a:r>
           <a:r>
-            <a:rPr kumimoji="1" lang="ja-JP" altLang="en-US" sz="3400" kern="1200" dirty="0" smtClean="0"/>
+            <a:rPr kumimoji="1" lang="ja-JP" altLang="en-US" sz="3700" kern="1200" dirty="0" smtClean="0"/>
             <a:t>に記述する仕様を決定する．</a:t>
           </a:r>
-          <a:endParaRPr kumimoji="1" lang="ja-JP" altLang="en-US" sz="3400" kern="1200" dirty="0"/>
+          <a:endParaRPr kumimoji="1" lang="ja-JP" altLang="en-US" sz="3700" kern="1200" dirty="0"/>
         </a:p>
       </dsp:txBody>
       <dsp:txXfrm rot="-5400000">
-        <a:off x="932816" y="1232404"/>
-        <a:ext cx="18950414" cy="781618"/>
+        <a:off x="932817" y="1265981"/>
+        <a:ext cx="18954047" cy="714462"/>
       </dsp:txXfrm>
     </dsp:sp>
     <dsp:sp modelId="{5BED2712-BD5C-4F45-8103-D8CD453E749E}">
@@ -3049,7 +3076,7 @@
             <a:alphaOff val="0"/>
           </a:schemeClr>
         </a:solidFill>
-        <a:ln w="38100" cap="flat" cmpd="sng" algn="ctr">
+        <a:ln w="25400" cap="flat" cmpd="sng" algn="ctr">
           <a:solidFill>
             <a:schemeClr val="accent4">
               <a:hueOff val="0"/>
@@ -3112,7 +3139,7 @@
       </dsp:nvSpPr>
       <dsp:spPr>
         <a:xfrm rot="5400000">
-          <a:off x="9996072" y="-6686231"/>
+          <a:off x="9996072" y="-6685885"/>
           <a:ext cx="866186" cy="18992698"/>
         </a:xfrm>
         <a:prstGeom prst="round2SameRect">
@@ -3127,7 +3154,7 @@
             <a:alphaOff val="0"/>
           </a:schemeClr>
         </a:solidFill>
-        <a:ln w="38100" cap="flat" cmpd="sng" algn="ctr">
+        <a:ln w="25400" cap="flat" cmpd="sng" algn="ctr">
           <a:solidFill>
             <a:schemeClr val="accent4">
               <a:hueOff val="0"/>
@@ -3153,12 +3180,12 @@
         <a:fontRef idx="minor"/>
       </dsp:style>
       <dsp:txBody>
-        <a:bodyPr spcFirstLastPara="0" vert="horz" wrap="square" lIns="241808" tIns="21590" rIns="21590" bIns="21590" numCol="1" spcCol="1270" anchor="ctr" anchorCtr="0">
+        <a:bodyPr spcFirstLastPara="0" vert="horz" wrap="square" lIns="263144" tIns="23495" rIns="23495" bIns="23495" numCol="1" spcCol="1270" anchor="ctr" anchorCtr="0">
           <a:noAutofit/>
         </a:bodyPr>
         <a:lstStyle/>
         <a:p>
-          <a:pPr marL="285750" lvl="1" indent="-285750" algn="l" defTabSz="1511300">
+          <a:pPr marL="285750" lvl="1" indent="-285750" algn="l" defTabSz="1644650">
             <a:lnSpc>
               <a:spcPct val="90000"/>
             </a:lnSpc>
@@ -3171,18 +3198,18 @@
             <a:buChar char="••"/>
           </a:pPr>
           <a:r>
-            <a:rPr kumimoji="1" lang="en-US" altLang="ja-JP" sz="3400" kern="1200" dirty="0" smtClean="0"/>
+            <a:rPr kumimoji="1" lang="en-US" altLang="ja-JP" sz="3700" kern="1200" dirty="0" smtClean="0"/>
             <a:t>Issue</a:t>
           </a:r>
           <a:r>
-            <a:rPr kumimoji="1" lang="ja-JP" altLang="en-US" sz="3400" kern="1200" dirty="0" smtClean="0"/>
+            <a:rPr kumimoji="1" lang="ja-JP" altLang="en-US" sz="3700" kern="1200" dirty="0" smtClean="0"/>
             <a:t>に記述されたデータを抽出するプログラムを作成する．</a:t>
           </a:r>
-          <a:endParaRPr kumimoji="1" lang="ja-JP" altLang="en-US" sz="3400" kern="1200" dirty="0"/>
+          <a:endParaRPr kumimoji="1" lang="ja-JP" altLang="en-US" sz="3700" kern="1200" dirty="0"/>
         </a:p>
       </dsp:txBody>
       <dsp:txXfrm rot="-5400000">
-        <a:off x="932816" y="2419309"/>
+        <a:off x="932816" y="2419655"/>
         <a:ext cx="18950414" cy="781618"/>
       </dsp:txXfrm>
     </dsp:sp>
@@ -3193,7 +3220,7 @@
       </dsp:nvSpPr>
       <dsp:spPr>
         <a:xfrm rot="5400000">
-          <a:off x="-199889" y="3763818"/>
+          <a:off x="-199889" y="3767033"/>
           <a:ext cx="1332595" cy="932816"/>
         </a:xfrm>
         <a:prstGeom prst="chevron">
@@ -3207,7 +3234,7 @@
             <a:alphaOff val="0"/>
           </a:schemeClr>
         </a:solidFill>
-        <a:ln w="38100" cap="flat" cmpd="sng" algn="ctr">
+        <a:ln w="25400" cap="flat" cmpd="sng" algn="ctr">
           <a:solidFill>
             <a:schemeClr val="accent5">
               <a:hueOff val="0"/>
@@ -3259,7 +3286,7 @@
         </a:p>
       </dsp:txBody>
       <dsp:txXfrm rot="-5400000">
-        <a:off x="1" y="4030336"/>
+        <a:off x="1" y="4033551"/>
         <a:ext cx="932816" cy="399779"/>
       </dsp:txXfrm>
     </dsp:sp>
@@ -3270,7 +3297,7 @@
       </dsp:nvSpPr>
       <dsp:spPr>
         <a:xfrm rot="5400000">
-          <a:off x="9996072" y="-5499326"/>
+          <a:off x="9996072" y="-5461751"/>
           <a:ext cx="866186" cy="18992698"/>
         </a:xfrm>
         <a:prstGeom prst="round2SameRect">
@@ -3285,7 +3312,7 @@
             <a:alphaOff val="0"/>
           </a:schemeClr>
         </a:solidFill>
-        <a:ln w="38100" cap="flat" cmpd="sng" algn="ctr">
+        <a:ln w="25400" cap="flat" cmpd="sng" algn="ctr">
           <a:solidFill>
             <a:schemeClr val="accent5">
               <a:hueOff val="0"/>
@@ -3311,12 +3338,12 @@
         <a:fontRef idx="minor"/>
       </dsp:style>
       <dsp:txBody>
-        <a:bodyPr spcFirstLastPara="0" vert="horz" wrap="square" lIns="241808" tIns="21590" rIns="21590" bIns="21590" numCol="1" spcCol="1270" anchor="ctr" anchorCtr="0">
+        <a:bodyPr spcFirstLastPara="0" vert="horz" wrap="square" lIns="263144" tIns="23495" rIns="23495" bIns="23495" numCol="1" spcCol="1270" anchor="ctr" anchorCtr="0">
           <a:noAutofit/>
         </a:bodyPr>
         <a:lstStyle/>
         <a:p>
-          <a:pPr marL="285750" lvl="1" indent="-285750" algn="l" defTabSz="1511300">
+          <a:pPr marL="285750" lvl="1" indent="-285750" algn="l" defTabSz="1644650">
             <a:lnSpc>
               <a:spcPct val="90000"/>
             </a:lnSpc>
@@ -3329,30 +3356,30 @@
             <a:buChar char="••"/>
           </a:pPr>
           <a:r>
-            <a:rPr kumimoji="1" lang="en-US" altLang="ja-JP" sz="3400" kern="1200" dirty="0" smtClean="0"/>
+            <a:rPr kumimoji="1" lang="en-US" altLang="ja-JP" sz="3700" kern="1200" dirty="0" smtClean="0"/>
             <a:t>Issue</a:t>
           </a:r>
           <a:r>
-            <a:rPr kumimoji="1" lang="ja-JP" altLang="en-US" sz="3400" kern="1200" dirty="0" smtClean="0"/>
+            <a:rPr kumimoji="1" lang="ja-JP" altLang="en-US" sz="3700" kern="1200" dirty="0" smtClean="0"/>
             <a:t>から抽出されたデータをもとに</a:t>
           </a:r>
           <a:r>
-            <a:rPr kumimoji="1" lang="en-US" altLang="ja-JP" sz="3400" kern="1200" dirty="0" smtClean="0"/>
+            <a:rPr kumimoji="1" lang="en-US" altLang="ja-JP" sz="3700" kern="1200" dirty="0" smtClean="0"/>
             <a:t>EVM</a:t>
           </a:r>
           <a:r>
-            <a:rPr kumimoji="1" lang="ja-JP" altLang="en-US" sz="3400" kern="1200" dirty="0" err="1" smtClean="0"/>
+            <a:rPr kumimoji="1" lang="ja-JP" altLang="en-US" sz="3700" kern="1200" dirty="0" err="1" smtClean="0"/>
             <a:t>を描</a:t>
           </a:r>
           <a:r>
-            <a:rPr kumimoji="1" lang="ja-JP" altLang="en-US" sz="3400" kern="1200" dirty="0" smtClean="0"/>
+            <a:rPr kumimoji="1" lang="ja-JP" altLang="en-US" sz="3700" kern="1200" dirty="0" smtClean="0"/>
             <a:t>画するシステムを構築する．</a:t>
           </a:r>
-          <a:endParaRPr kumimoji="1" lang="ja-JP" altLang="en-US" sz="3400" kern="1200" dirty="0"/>
+          <a:endParaRPr kumimoji="1" lang="ja-JP" altLang="en-US" sz="3700" kern="1200" dirty="0"/>
         </a:p>
       </dsp:txBody>
       <dsp:txXfrm rot="-5400000">
-        <a:off x="932816" y="3606214"/>
+        <a:off x="932816" y="3643789"/>
         <a:ext cx="18950414" cy="781618"/>
       </dsp:txXfrm>
     </dsp:sp>
@@ -4651,7 +4678,7 @@
 </file>
 
 <file path=ppt/slideLayouts/slideLayout1.xml><?xml version="1.0" encoding="utf-8"?>
-<p:sldLayout xmlns:a="http://schemas.openxmlformats.org/drawingml/2006/main" xmlns:r="http://schemas.openxmlformats.org/officeDocument/2006/relationships" xmlns:p="http://schemas.openxmlformats.org/presentationml/2006/main" showMasterSp="0" type="title" preserve="1">
+<p:sldLayout xmlns:a="http://schemas.openxmlformats.org/drawingml/2006/main" xmlns:r="http://schemas.openxmlformats.org/officeDocument/2006/relationships" xmlns:p="http://schemas.openxmlformats.org/presentationml/2006/main" type="title" preserve="1">
   <p:cSld name="タイトル スライド">
     <p:spTree>
       <p:nvGrpSpPr>
@@ -4669,75 +4696,7 @@
       </p:grpSpPr>
       <p:sp>
         <p:nvSpPr>
-          <p:cNvPr id="7" name="対角する 2 つの角を丸めた四角形 6"/>
-          <p:cNvSpPr/>
-          <p:nvPr/>
-        </p:nvSpPr>
-        <p:spPr>
-          <a:xfrm>
-            <a:off x="384963" y="645973"/>
-            <a:ext cx="20616875" cy="11062284"/>
-          </a:xfrm>
-          <a:prstGeom prst="round2DiagRect">
-            <a:avLst>
-              <a:gd name="adj1" fmla="val 11807"/>
-              <a:gd name="adj2" fmla="val 0"/>
-            </a:avLst>
-          </a:prstGeom>
-          <a:solidFill>
-            <a:schemeClr val="bg2">
-              <a:tint val="85000"/>
-              <a:shade val="90000"/>
-              <a:satMod val="150000"/>
-              <a:alpha val="65000"/>
-            </a:schemeClr>
-          </a:solidFill>
-          <a:ln w="11000" cap="rnd" cmpd="sng" algn="ctr">
-            <a:solidFill>
-              <a:schemeClr val="bg2">
-                <a:tint val="78000"/>
-                <a:satMod val="180000"/>
-                <a:alpha val="88000"/>
-              </a:schemeClr>
-            </a:solidFill>
-            <a:prstDash val="solid"/>
-          </a:ln>
-          <a:effectLst>
-            <a:innerShdw blurRad="114300">
-              <a:srgbClr val="000000">
-                <a:alpha val="100000"/>
-              </a:srgbClr>
-            </a:innerShdw>
-          </a:effectLst>
-        </p:spPr>
-        <p:style>
-          <a:lnRef idx="3">
-            <a:schemeClr val="lt1"/>
-          </a:lnRef>
-          <a:fillRef idx="1">
-            <a:schemeClr val="accent1"/>
-          </a:fillRef>
-          <a:effectRef idx="1">
-            <a:schemeClr val="accent1"/>
-          </a:effectRef>
-          <a:fontRef idx="minor">
-            <a:schemeClr val="lt1"/>
-          </a:fontRef>
-        </p:style>
-        <p:txBody>
-          <a:bodyPr lIns="295232" tIns="147616" rIns="295232" bIns="147616" anchor="ctr"/>
-          <a:lstStyle>
-            <a:extLst/>
-          </a:lstStyle>
-          <a:p>
-            <a:pPr algn="ctr" eaLnBrk="1" latinLnBrk="0" hangingPunct="1"/>
-            <a:endParaRPr kumimoji="0" lang="en-US"/>
-          </a:p>
-        </p:txBody>
-      </p:sp>
-      <p:sp>
-        <p:nvSpPr>
-          <p:cNvPr id="8" name="タイトル 7"/>
+          <p:cNvPr id="2" name="タイトル 1"/>
           <p:cNvSpPr>
             <a:spLocks noGrp="1"/>
           </p:cNvSpPr>
@@ -4747,32 +4706,25 @@
         </p:nvSpPr>
         <p:spPr>
           <a:xfrm>
-            <a:off x="1085792" y="1682225"/>
-            <a:ext cx="19248120" cy="9756881"/>
+            <a:off x="1604010" y="9406451"/>
+            <a:ext cx="18178780" cy="6490569"/>
           </a:xfrm>
         </p:spPr>
         <p:txBody>
-          <a:bodyPr lIns="147616" rIns="738081" anchor="b">
-            <a:normAutofit/>
-          </a:bodyPr>
-          <a:lstStyle>
-            <a:lvl1pPr marL="0" algn="r">
-              <a:defRPr sz="15500"/>
-            </a:lvl1pPr>
-            <a:extLst/>
-          </a:lstStyle>
-          <a:p>
-            <a:r>
-              <a:rPr kumimoji="0" lang="ja-JP" altLang="en-US" smtClean="0"/>
+          <a:bodyPr/>
+          <a:lstStyle/>
+          <a:p>
+            <a:r>
+              <a:rPr kumimoji="1" lang="ja-JP" altLang="en-US" smtClean="0"/>
               <a:t>マスター タイトルの書式設定</a:t>
             </a:r>
-            <a:endParaRPr kumimoji="0" lang="en-US"/>
+            <a:endParaRPr kumimoji="1" lang="ja-JP" altLang="en-US"/>
           </a:p>
         </p:txBody>
       </p:sp>
       <p:sp>
         <p:nvSpPr>
-          <p:cNvPr id="9" name="サブタイトル 8"/>
+          <p:cNvPr id="3" name="サブタイトル 2"/>
           <p:cNvSpPr>
             <a:spLocks noGrp="1"/>
           </p:cNvSpPr>
@@ -4782,60 +4734,116 @@
         </p:nvSpPr>
         <p:spPr>
           <a:xfrm>
-            <a:off x="4990254" y="12448434"/>
-            <a:ext cx="15343658" cy="7738216"/>
+            <a:off x="3208020" y="17158652"/>
+            <a:ext cx="14970760" cy="7738216"/>
           </a:xfrm>
         </p:spPr>
         <p:txBody>
-          <a:bodyPr lIns="147616" rIns="797127"/>
+          <a:bodyPr/>
           <a:lstStyle>
-            <a:lvl1pPr marL="0" indent="0" algn="r">
-              <a:spcBef>
-                <a:spcPts val="0"/>
-              </a:spcBef>
+            <a:lvl1pPr marL="0" indent="0" algn="ctr">
               <a:buNone/>
               <a:defRPr>
-                <a:effectLst/>
+                <a:solidFill>
+                  <a:schemeClr val="tx1">
+                    <a:tint val="75000"/>
+                  </a:schemeClr>
+                </a:solidFill>
               </a:defRPr>
             </a:lvl1pPr>
-            <a:lvl2pPr marL="1476162" indent="0" algn="ctr">
+            <a:lvl2pPr marL="1475416" indent="0" algn="ctr">
               <a:buNone/>
+              <a:defRPr>
+                <a:solidFill>
+                  <a:schemeClr val="tx1">
+                    <a:tint val="75000"/>
+                  </a:schemeClr>
+                </a:solidFill>
+              </a:defRPr>
             </a:lvl2pPr>
-            <a:lvl3pPr marL="2952323" indent="0" algn="ctr">
+            <a:lvl3pPr marL="2950838" indent="0" algn="ctr">
               <a:buNone/>
+              <a:defRPr>
+                <a:solidFill>
+                  <a:schemeClr val="tx1">
+                    <a:tint val="75000"/>
+                  </a:schemeClr>
+                </a:solidFill>
+              </a:defRPr>
             </a:lvl3pPr>
-            <a:lvl4pPr marL="4428485" indent="0" algn="ctr">
+            <a:lvl4pPr marL="4426270" indent="0" algn="ctr">
               <a:buNone/>
+              <a:defRPr>
+                <a:solidFill>
+                  <a:schemeClr val="tx1">
+                    <a:tint val="75000"/>
+                  </a:schemeClr>
+                </a:solidFill>
+              </a:defRPr>
             </a:lvl4pPr>
-            <a:lvl5pPr marL="5904647" indent="0" algn="ctr">
+            <a:lvl5pPr marL="5901686" indent="0" algn="ctr">
               <a:buNone/>
+              <a:defRPr>
+                <a:solidFill>
+                  <a:schemeClr val="tx1">
+                    <a:tint val="75000"/>
+                  </a:schemeClr>
+                </a:solidFill>
+              </a:defRPr>
             </a:lvl5pPr>
-            <a:lvl6pPr marL="7380808" indent="0" algn="ctr">
+            <a:lvl6pPr marL="7377102" indent="0" algn="ctr">
               <a:buNone/>
+              <a:defRPr>
+                <a:solidFill>
+                  <a:schemeClr val="tx1">
+                    <a:tint val="75000"/>
+                  </a:schemeClr>
+                </a:solidFill>
+              </a:defRPr>
             </a:lvl6pPr>
-            <a:lvl7pPr marL="8856970" indent="0" algn="ctr">
+            <a:lvl7pPr marL="8852534" indent="0" algn="ctr">
               <a:buNone/>
+              <a:defRPr>
+                <a:solidFill>
+                  <a:schemeClr val="tx1">
+                    <a:tint val="75000"/>
+                  </a:schemeClr>
+                </a:solidFill>
+              </a:defRPr>
             </a:lvl7pPr>
-            <a:lvl8pPr marL="10333131" indent="0" algn="ctr">
+            <a:lvl8pPr marL="10327956" indent="0" algn="ctr">
               <a:buNone/>
+              <a:defRPr>
+                <a:solidFill>
+                  <a:schemeClr val="tx1">
+                    <a:tint val="75000"/>
+                  </a:schemeClr>
+                </a:solidFill>
+              </a:defRPr>
             </a:lvl8pPr>
-            <a:lvl9pPr marL="11809293" indent="0" algn="ctr">
+            <a:lvl9pPr marL="11803372" indent="0" algn="ctr">
               <a:buNone/>
+              <a:defRPr>
+                <a:solidFill>
+                  <a:schemeClr val="tx1">
+                    <a:tint val="75000"/>
+                  </a:schemeClr>
+                </a:solidFill>
+              </a:defRPr>
             </a:lvl9pPr>
-            <a:extLst/>
           </a:lstStyle>
           <a:p>
             <a:r>
-              <a:rPr kumimoji="0" lang="ja-JP" altLang="en-US" smtClean="0"/>
+              <a:rPr kumimoji="1" lang="ja-JP" altLang="en-US" smtClean="0"/>
               <a:t>マスター サブタイトルの書式設定</a:t>
             </a:r>
-            <a:endParaRPr kumimoji="0" lang="en-US"/>
+            <a:endParaRPr kumimoji="1" lang="ja-JP" altLang="en-US"/>
           </a:p>
         </p:txBody>
       </p:sp>
       <p:sp>
         <p:nvSpPr>
-          <p:cNvPr id="10" name="日付プレースホルダー 9"/>
+          <p:cNvPr id="4" name="日付プレースホルダー 3"/>
           <p:cNvSpPr>
             <a:spLocks noGrp="1"/>
           </p:cNvSpPr>
@@ -4843,21 +4851,14 @@
             <p:ph type="dt" sz="half" idx="10"/>
           </p:nvPr>
         </p:nvSpPr>
-        <p:spPr>
-          <a:xfrm>
-            <a:off x="13010304" y="28739061"/>
-            <a:ext cx="7021999" cy="1211199"/>
-          </a:xfrm>
-        </p:spPr>
+        <p:spPr/>
         <p:txBody>
-          <a:bodyPr vert="horz" rtlCol="0"/>
-          <a:lstStyle>
-            <a:extLst/>
-          </a:lstStyle>
+          <a:bodyPr/>
+          <a:lstStyle/>
           <a:p>
             <a:fld id="{EE10D230-42F9-4781-839B-449B1E3F917A}" type="datetimeFigureOut">
               <a:rPr kumimoji="1" lang="ja-JP" altLang="en-US" smtClean="0"/>
-              <a:t>2013/10/3</a:t>
+              <a:t>2013/10/8</a:t>
             </a:fld>
             <a:endParaRPr kumimoji="1" lang="ja-JP" altLang="en-US"/>
           </a:p>
@@ -4865,70 +4866,52 @@
       </p:sp>
       <p:sp>
         <p:nvSpPr>
-          <p:cNvPr id="11" name="スライド番号プレースホルダー 10"/>
+          <p:cNvPr id="5" name="フッター プレースホルダー 4"/>
           <p:cNvSpPr>
             <a:spLocks noGrp="1"/>
           </p:cNvSpPr>
           <p:nvPr>
-            <p:ph type="sldNum" sz="quarter" idx="11"/>
+            <p:ph type="ftr" sz="quarter" idx="11"/>
           </p:nvPr>
         </p:nvSpPr>
-        <p:spPr>
-          <a:xfrm>
-            <a:off x="20205549" y="28739061"/>
-            <a:ext cx="1085918" cy="1211199"/>
-          </a:xfrm>
-        </p:spPr>
+        <p:spPr/>
         <p:txBody>
-          <a:bodyPr vert="horz" rtlCol="0"/>
-          <a:lstStyle>
-            <a:lvl1pPr>
-              <a:defRPr>
-                <a:solidFill>
-                  <a:schemeClr val="tx2">
-                    <a:shade val="90000"/>
-                  </a:schemeClr>
-                </a:solidFill>
-              </a:defRPr>
-            </a:lvl1pPr>
-            <a:extLst/>
-          </a:lstStyle>
-          <a:p>
-            <a:fld id="{8B3C8E2B-7327-4910-BE51-AD93222E085A}" type="slidenum">
-              <a:rPr kumimoji="1" lang="ja-JP" altLang="en-US" smtClean="0"/>
-              <a:t>‹#›</a:t>
-            </a:fld>
+          <a:bodyPr/>
+          <a:lstStyle/>
+          <a:p>
             <a:endParaRPr kumimoji="1" lang="ja-JP" altLang="en-US"/>
           </a:p>
         </p:txBody>
       </p:sp>
       <p:sp>
         <p:nvSpPr>
-          <p:cNvPr id="12" name="フッター プレースホルダー 11"/>
+          <p:cNvPr id="6" name="スライド番号プレースホルダー 5"/>
           <p:cNvSpPr>
             <a:spLocks noGrp="1"/>
           </p:cNvSpPr>
           <p:nvPr>
-            <p:ph type="ftr" sz="quarter" idx="12"/>
+            <p:ph type="sldNum" sz="quarter" idx="12"/>
           </p:nvPr>
         </p:nvSpPr>
-        <p:spPr>
-          <a:xfrm>
-            <a:off x="3742690" y="28739061"/>
-            <a:ext cx="9139124" cy="1211199"/>
-          </a:xfrm>
-        </p:spPr>
+        <p:spPr/>
         <p:txBody>
-          <a:bodyPr vert="horz" rtlCol="0"/>
-          <a:lstStyle>
-            <a:extLst/>
-          </a:lstStyle>
-          <a:p>
+          <a:bodyPr/>
+          <a:lstStyle/>
+          <a:p>
+            <a:fld id="{8B3C8E2B-7327-4910-BE51-AD93222E085A}" type="slidenum">
+              <a:rPr kumimoji="1" lang="ja-JP" altLang="en-US" smtClean="0"/>
+              <a:t>‹#›</a:t>
+            </a:fld>
             <a:endParaRPr kumimoji="1" lang="ja-JP" altLang="en-US"/>
           </a:p>
         </p:txBody>
       </p:sp>
     </p:spTree>
+    <p:extLst>
+      <p:ext uri="{BB962C8B-B14F-4D97-AF65-F5344CB8AC3E}">
+        <p14:creationId xmlns:p14="http://schemas.microsoft.com/office/powerpoint/2010/main" val="1534664035"/>
+      </p:ext>
+    </p:extLst>
   </p:cSld>
   <p:clrMapOvr>
     <a:masterClrMapping/>
@@ -4966,15 +4949,13 @@
         <p:spPr/>
         <p:txBody>
           <a:bodyPr/>
-          <a:lstStyle>
-            <a:extLst/>
-          </a:lstStyle>
-          <a:p>
-            <a:r>
-              <a:rPr kumimoji="0" lang="ja-JP" altLang="en-US" smtClean="0"/>
+          <a:lstStyle/>
+          <a:p>
+            <a:r>
+              <a:rPr kumimoji="1" lang="ja-JP" altLang="en-US" smtClean="0"/>
               <a:t>マスター タイトルの書式設定</a:t>
             </a:r>
-            <a:endParaRPr kumimoji="0" lang="en-US"/>
+            <a:endParaRPr kumimoji="1" lang="ja-JP" altLang="en-US"/>
           </a:p>
         </p:txBody>
       </p:sp>
@@ -4991,76 +4972,74 @@
         <p:spPr/>
         <p:txBody>
           <a:bodyPr vert="eaVert"/>
-          <a:lstStyle>
-            <a:extLst/>
-          </a:lstStyle>
-          <a:p>
-            <a:pPr lvl="0" eaLnBrk="1" latinLnBrk="0" hangingPunct="1"/>
-            <a:r>
-              <a:rPr lang="ja-JP" altLang="en-US" smtClean="0"/>
+          <a:lstStyle/>
+          <a:p>
+            <a:pPr lvl="0"/>
+            <a:r>
+              <a:rPr kumimoji="1" lang="ja-JP" altLang="en-US" smtClean="0"/>
               <a:t>マスター テキストの書式設定</a:t>
             </a:r>
           </a:p>
           <a:p>
-            <a:pPr lvl="1" eaLnBrk="1" latinLnBrk="0" hangingPunct="1"/>
-            <a:r>
-              <a:rPr lang="ja-JP" altLang="en-US" smtClean="0"/>
+            <a:pPr lvl="1"/>
+            <a:r>
+              <a:rPr kumimoji="1" lang="ja-JP" altLang="en-US" smtClean="0"/>
               <a:t>第 </a:t>
             </a:r>
             <a:r>
-              <a:rPr lang="en-US" altLang="ja-JP" smtClean="0"/>
+              <a:rPr kumimoji="1" lang="en-US" altLang="ja-JP" smtClean="0"/>
               <a:t>2 </a:t>
             </a:r>
             <a:r>
-              <a:rPr lang="ja-JP" altLang="en-US" smtClean="0"/>
+              <a:rPr kumimoji="1" lang="ja-JP" altLang="en-US" smtClean="0"/>
               <a:t>レベル</a:t>
             </a:r>
           </a:p>
           <a:p>
-            <a:pPr lvl="2" eaLnBrk="1" latinLnBrk="0" hangingPunct="1"/>
-            <a:r>
-              <a:rPr lang="ja-JP" altLang="en-US" smtClean="0"/>
+            <a:pPr lvl="2"/>
+            <a:r>
+              <a:rPr kumimoji="1" lang="ja-JP" altLang="en-US" smtClean="0"/>
               <a:t>第 </a:t>
             </a:r>
             <a:r>
-              <a:rPr lang="en-US" altLang="ja-JP" smtClean="0"/>
+              <a:rPr kumimoji="1" lang="en-US" altLang="ja-JP" smtClean="0"/>
               <a:t>3 </a:t>
             </a:r>
             <a:r>
-              <a:rPr lang="ja-JP" altLang="en-US" smtClean="0"/>
+              <a:rPr kumimoji="1" lang="ja-JP" altLang="en-US" smtClean="0"/>
               <a:t>レベル</a:t>
             </a:r>
           </a:p>
           <a:p>
-            <a:pPr lvl="3" eaLnBrk="1" latinLnBrk="0" hangingPunct="1"/>
-            <a:r>
-              <a:rPr lang="ja-JP" altLang="en-US" smtClean="0"/>
+            <a:pPr lvl="3"/>
+            <a:r>
+              <a:rPr kumimoji="1" lang="ja-JP" altLang="en-US" smtClean="0"/>
               <a:t>第 </a:t>
             </a:r>
             <a:r>
-              <a:rPr lang="en-US" altLang="ja-JP" smtClean="0"/>
+              <a:rPr kumimoji="1" lang="en-US" altLang="ja-JP" smtClean="0"/>
               <a:t>4 </a:t>
             </a:r>
             <a:r>
-              <a:rPr lang="ja-JP" altLang="en-US" smtClean="0"/>
+              <a:rPr kumimoji="1" lang="ja-JP" altLang="en-US" smtClean="0"/>
               <a:t>レベル</a:t>
             </a:r>
           </a:p>
           <a:p>
-            <a:pPr lvl="4" eaLnBrk="1" latinLnBrk="0" hangingPunct="1"/>
-            <a:r>
-              <a:rPr lang="ja-JP" altLang="en-US" smtClean="0"/>
+            <a:pPr lvl="4"/>
+            <a:r>
+              <a:rPr kumimoji="1" lang="ja-JP" altLang="en-US" smtClean="0"/>
               <a:t>第 </a:t>
             </a:r>
             <a:r>
-              <a:rPr lang="en-US" altLang="ja-JP" smtClean="0"/>
+              <a:rPr kumimoji="1" lang="en-US" altLang="ja-JP" smtClean="0"/>
               <a:t>5 </a:t>
             </a:r>
             <a:r>
-              <a:rPr lang="ja-JP" altLang="en-US" smtClean="0"/>
+              <a:rPr kumimoji="1" lang="ja-JP" altLang="en-US" smtClean="0"/>
               <a:t>レベル</a:t>
             </a:r>
-            <a:endParaRPr kumimoji="0" lang="en-US"/>
+            <a:endParaRPr kumimoji="1" lang="ja-JP" altLang="en-US"/>
           </a:p>
         </p:txBody>
       </p:sp>
@@ -5077,13 +5056,11 @@
         <p:spPr/>
         <p:txBody>
           <a:bodyPr/>
-          <a:lstStyle>
-            <a:extLst/>
-          </a:lstStyle>
+          <a:lstStyle/>
           <a:p>
             <a:fld id="{EE10D230-42F9-4781-839B-449B1E3F917A}" type="datetimeFigureOut">
               <a:rPr kumimoji="1" lang="ja-JP" altLang="en-US" smtClean="0"/>
-              <a:t>2013/10/3</a:t>
+              <a:t>2013/10/8</a:t>
             </a:fld>
             <a:endParaRPr kumimoji="1" lang="ja-JP" altLang="en-US"/>
           </a:p>
@@ -5102,9 +5079,7 @@
         <p:spPr/>
         <p:txBody>
           <a:bodyPr/>
-          <a:lstStyle>
-            <a:extLst/>
-          </a:lstStyle>
+          <a:lstStyle/>
           <a:p>
             <a:endParaRPr kumimoji="1" lang="ja-JP" altLang="en-US"/>
           </a:p>
@@ -5123,9 +5098,7 @@
         <p:spPr/>
         <p:txBody>
           <a:bodyPr/>
-          <a:lstStyle>
-            <a:extLst/>
-          </a:lstStyle>
+          <a:lstStyle/>
           <a:p>
             <a:fld id="{8B3C8E2B-7327-4910-BE51-AD93222E085A}" type="slidenum">
               <a:rPr kumimoji="1" lang="ja-JP" altLang="en-US" smtClean="0"/>
@@ -5136,6 +5109,11 @@
         </p:txBody>
       </p:sp>
     </p:spTree>
+    <p:extLst>
+      <p:ext uri="{BB962C8B-B14F-4D97-AF65-F5344CB8AC3E}">
+        <p14:creationId xmlns:p14="http://schemas.microsoft.com/office/powerpoint/2010/main" val="3871439354"/>
+      </p:ext>
+    </p:extLst>
   </p:cSld>
   <p:clrMapOvr>
     <a:masterClrMapping/>
@@ -5178,18 +5156,13 @@
         </p:spPr>
         <p:txBody>
           <a:bodyPr vert="eaVert"/>
-          <a:lstStyle>
-            <a:lvl1pPr algn="l">
-              <a:defRPr/>
-            </a:lvl1pPr>
-            <a:extLst/>
-          </a:lstStyle>
-          <a:p>
-            <a:r>
-              <a:rPr kumimoji="0" lang="ja-JP" altLang="en-US" smtClean="0"/>
+          <a:lstStyle/>
+          <a:p>
+            <a:r>
+              <a:rPr kumimoji="1" lang="ja-JP" altLang="en-US" smtClean="0"/>
               <a:t>マスター タイトルの書式設定</a:t>
             </a:r>
-            <a:endParaRPr kumimoji="0" lang="en-US"/>
+            <a:endParaRPr kumimoji="1" lang="ja-JP" altLang="en-US"/>
           </a:p>
         </p:txBody>
       </p:sp>
@@ -5211,76 +5184,74 @@
         </p:spPr>
         <p:txBody>
           <a:bodyPr vert="eaVert"/>
-          <a:lstStyle>
-            <a:extLst/>
-          </a:lstStyle>
-          <a:p>
-            <a:pPr lvl="0" eaLnBrk="1" latinLnBrk="0" hangingPunct="1"/>
-            <a:r>
-              <a:rPr lang="ja-JP" altLang="en-US" smtClean="0"/>
+          <a:lstStyle/>
+          <a:p>
+            <a:pPr lvl="0"/>
+            <a:r>
+              <a:rPr kumimoji="1" lang="ja-JP" altLang="en-US" smtClean="0"/>
               <a:t>マスター テキストの書式設定</a:t>
             </a:r>
           </a:p>
           <a:p>
-            <a:pPr lvl="1" eaLnBrk="1" latinLnBrk="0" hangingPunct="1"/>
-            <a:r>
-              <a:rPr lang="ja-JP" altLang="en-US" smtClean="0"/>
+            <a:pPr lvl="1"/>
+            <a:r>
+              <a:rPr kumimoji="1" lang="ja-JP" altLang="en-US" smtClean="0"/>
               <a:t>第 </a:t>
             </a:r>
             <a:r>
-              <a:rPr lang="en-US" altLang="ja-JP" smtClean="0"/>
+              <a:rPr kumimoji="1" lang="en-US" altLang="ja-JP" smtClean="0"/>
               <a:t>2 </a:t>
             </a:r>
             <a:r>
-              <a:rPr lang="ja-JP" altLang="en-US" smtClean="0"/>
+              <a:rPr kumimoji="1" lang="ja-JP" altLang="en-US" smtClean="0"/>
               <a:t>レベル</a:t>
             </a:r>
           </a:p>
           <a:p>
-            <a:pPr lvl="2" eaLnBrk="1" latinLnBrk="0" hangingPunct="1"/>
-            <a:r>
-              <a:rPr lang="ja-JP" altLang="en-US" smtClean="0"/>
+            <a:pPr lvl="2"/>
+            <a:r>
+              <a:rPr kumimoji="1" lang="ja-JP" altLang="en-US" smtClean="0"/>
               <a:t>第 </a:t>
             </a:r>
             <a:r>
-              <a:rPr lang="en-US" altLang="ja-JP" smtClean="0"/>
+              <a:rPr kumimoji="1" lang="en-US" altLang="ja-JP" smtClean="0"/>
               <a:t>3 </a:t>
             </a:r>
             <a:r>
-              <a:rPr lang="ja-JP" altLang="en-US" smtClean="0"/>
+              <a:rPr kumimoji="1" lang="ja-JP" altLang="en-US" smtClean="0"/>
               <a:t>レベル</a:t>
             </a:r>
           </a:p>
           <a:p>
-            <a:pPr lvl="3" eaLnBrk="1" latinLnBrk="0" hangingPunct="1"/>
-            <a:r>
-              <a:rPr lang="ja-JP" altLang="en-US" smtClean="0"/>
+            <a:pPr lvl="3"/>
+            <a:r>
+              <a:rPr kumimoji="1" lang="ja-JP" altLang="en-US" smtClean="0"/>
               <a:t>第 </a:t>
             </a:r>
             <a:r>
-              <a:rPr lang="en-US" altLang="ja-JP" smtClean="0"/>
+              <a:rPr kumimoji="1" lang="en-US" altLang="ja-JP" smtClean="0"/>
               <a:t>4 </a:t>
             </a:r>
             <a:r>
-              <a:rPr lang="ja-JP" altLang="en-US" smtClean="0"/>
+              <a:rPr kumimoji="1" lang="ja-JP" altLang="en-US" smtClean="0"/>
               <a:t>レベル</a:t>
             </a:r>
           </a:p>
           <a:p>
-            <a:pPr lvl="4" eaLnBrk="1" latinLnBrk="0" hangingPunct="1"/>
-            <a:r>
-              <a:rPr lang="ja-JP" altLang="en-US" smtClean="0"/>
+            <a:pPr lvl="4"/>
+            <a:r>
+              <a:rPr kumimoji="1" lang="ja-JP" altLang="en-US" smtClean="0"/>
               <a:t>第 </a:t>
             </a:r>
             <a:r>
-              <a:rPr lang="en-US" altLang="ja-JP" smtClean="0"/>
+              <a:rPr kumimoji="1" lang="en-US" altLang="ja-JP" smtClean="0"/>
               <a:t>5 </a:t>
             </a:r>
             <a:r>
-              <a:rPr lang="ja-JP" altLang="en-US" smtClean="0"/>
+              <a:rPr kumimoji="1" lang="ja-JP" altLang="en-US" smtClean="0"/>
               <a:t>レベル</a:t>
             </a:r>
-            <a:endParaRPr kumimoji="0" lang="en-US"/>
+            <a:endParaRPr kumimoji="1" lang="ja-JP" altLang="en-US"/>
           </a:p>
         </p:txBody>
       </p:sp>
@@ -5297,13 +5268,11 @@
         <p:spPr/>
         <p:txBody>
           <a:bodyPr/>
-          <a:lstStyle>
-            <a:extLst/>
-          </a:lstStyle>
+          <a:lstStyle/>
           <a:p>
             <a:fld id="{EE10D230-42F9-4781-839B-449B1E3F917A}" type="datetimeFigureOut">
               <a:rPr kumimoji="1" lang="ja-JP" altLang="en-US" smtClean="0"/>
-              <a:t>2013/10/3</a:t>
+              <a:t>2013/10/8</a:t>
             </a:fld>
             <a:endParaRPr kumimoji="1" lang="ja-JP" altLang="en-US"/>
           </a:p>
@@ -5322,9 +5291,7 @@
         <p:spPr/>
         <p:txBody>
           <a:bodyPr/>
-          <a:lstStyle>
-            <a:extLst/>
-          </a:lstStyle>
+          <a:lstStyle/>
           <a:p>
             <a:endParaRPr kumimoji="1" lang="ja-JP" altLang="en-US"/>
           </a:p>
@@ -5343,9 +5310,7 @@
         <p:spPr/>
         <p:txBody>
           <a:bodyPr/>
-          <a:lstStyle>
-            <a:extLst/>
-          </a:lstStyle>
+          <a:lstStyle/>
           <a:p>
             <a:fld id="{8B3C8E2B-7327-4910-BE51-AD93222E085A}" type="slidenum">
               <a:rPr kumimoji="1" lang="ja-JP" altLang="en-US" smtClean="0"/>
@@ -5356,6 +5321,11 @@
         </p:txBody>
       </p:sp>
     </p:spTree>
+    <p:extLst>
+      <p:ext uri="{BB962C8B-B14F-4D97-AF65-F5344CB8AC3E}">
+        <p14:creationId xmlns:p14="http://schemas.microsoft.com/office/powerpoint/2010/main" val="2007168927"/>
+      </p:ext>
+    </p:extLst>
   </p:cSld>
   <p:clrMapOvr>
     <a:masterClrMapping/>
@@ -5382,60 +5352,6 @@
       </p:grpSpPr>
       <p:sp>
         <p:nvSpPr>
-          <p:cNvPr id="7" name="正方形/長方形 6"/>
-          <p:cNvSpPr/>
-          <p:nvPr/>
-        </p:nvSpPr>
-        <p:spPr>
-          <a:xfrm>
-            <a:off x="1376184" y="6289952"/>
-            <a:ext cx="18713450" cy="40373"/>
-          </a:xfrm>
-          <a:prstGeom prst="rect">
-            <a:avLst/>
-          </a:prstGeom>
-          <a:solidFill>
-            <a:schemeClr val="accent1"/>
-          </a:solidFill>
-          <a:ln w="38100" cap="rnd" cmpd="sng" algn="ctr">
-            <a:noFill/>
-            <a:prstDash val="solid"/>
-          </a:ln>
-          <a:effectLst>
-            <a:outerShdw blurRad="12700" dist="12900" dir="5400000" algn="tl" rotWithShape="0">
-              <a:srgbClr val="000000">
-                <a:alpha val="75000"/>
-              </a:srgbClr>
-            </a:outerShdw>
-          </a:effectLst>
-        </p:spPr>
-        <p:style>
-          <a:lnRef idx="3">
-            <a:schemeClr val="lt1"/>
-          </a:lnRef>
-          <a:fillRef idx="1">
-            <a:schemeClr val="accent1"/>
-          </a:fillRef>
-          <a:effectRef idx="1">
-            <a:schemeClr val="accent1"/>
-          </a:effectRef>
-          <a:fontRef idx="minor">
-            <a:schemeClr val="lt1"/>
-          </a:fontRef>
-        </p:style>
-        <p:txBody>
-          <a:bodyPr lIns="295232" tIns="147616" rIns="295232" bIns="147616" anchor="ctr"/>
-          <a:lstStyle>
-            <a:extLst/>
-          </a:lstStyle>
-          <a:p>
-            <a:pPr algn="ctr" eaLnBrk="1" latinLnBrk="0" hangingPunct="1"/>
-            <a:endParaRPr kumimoji="0" lang="en-US"/>
-          </a:p>
-        </p:txBody>
-      </p:sp>
-      <p:sp>
-        <p:nvSpPr>
           <p:cNvPr id="2" name="タイトル 1"/>
           <p:cNvSpPr>
             <a:spLocks noGrp="1"/>
@@ -5447,15 +5363,13 @@
         <p:spPr/>
         <p:txBody>
           <a:bodyPr/>
-          <a:lstStyle>
-            <a:extLst/>
-          </a:lstStyle>
-          <a:p>
-            <a:r>
-              <a:rPr kumimoji="0" lang="ja-JP" altLang="en-US" smtClean="0"/>
+          <a:lstStyle/>
+          <a:p>
+            <a:r>
+              <a:rPr kumimoji="1" lang="ja-JP" altLang="en-US" smtClean="0"/>
               <a:t>マスター タイトルの書式設定</a:t>
             </a:r>
-            <a:endParaRPr kumimoji="0" lang="en-US"/>
+            <a:endParaRPr kumimoji="1" lang="ja-JP" altLang="en-US"/>
           </a:p>
         </p:txBody>
       </p:sp>
@@ -5472,76 +5386,74 @@
         <p:spPr/>
         <p:txBody>
           <a:bodyPr/>
-          <a:lstStyle>
-            <a:extLst/>
-          </a:lstStyle>
-          <a:p>
-            <a:pPr lvl="0" eaLnBrk="1" latinLnBrk="0" hangingPunct="1"/>
-            <a:r>
-              <a:rPr lang="ja-JP" altLang="en-US" smtClean="0"/>
+          <a:lstStyle/>
+          <a:p>
+            <a:pPr lvl="0"/>
+            <a:r>
+              <a:rPr kumimoji="1" lang="ja-JP" altLang="en-US" smtClean="0"/>
               <a:t>マスター テキストの書式設定</a:t>
             </a:r>
           </a:p>
           <a:p>
-            <a:pPr lvl="1" eaLnBrk="1" latinLnBrk="0" hangingPunct="1"/>
-            <a:r>
-              <a:rPr lang="ja-JP" altLang="en-US" smtClean="0"/>
+            <a:pPr lvl="1"/>
+            <a:r>
+              <a:rPr kumimoji="1" lang="ja-JP" altLang="en-US" smtClean="0"/>
               <a:t>第 </a:t>
             </a:r>
             <a:r>
-              <a:rPr lang="en-US" altLang="ja-JP" smtClean="0"/>
+              <a:rPr kumimoji="1" lang="en-US" altLang="ja-JP" smtClean="0"/>
               <a:t>2 </a:t>
             </a:r>
             <a:r>
-              <a:rPr lang="ja-JP" altLang="en-US" smtClean="0"/>
+              <a:rPr kumimoji="1" lang="ja-JP" altLang="en-US" smtClean="0"/>
               <a:t>レベル</a:t>
             </a:r>
           </a:p>
           <a:p>
-            <a:pPr lvl="2" eaLnBrk="1" latinLnBrk="0" hangingPunct="1"/>
-            <a:r>
-              <a:rPr lang="ja-JP" altLang="en-US" smtClean="0"/>
+            <a:pPr lvl="2"/>
+            <a:r>
+              <a:rPr kumimoji="1" lang="ja-JP" altLang="en-US" smtClean="0"/>
               <a:t>第 </a:t>
             </a:r>
             <a:r>
-              <a:rPr lang="en-US" altLang="ja-JP" smtClean="0"/>
+              <a:rPr kumimoji="1" lang="en-US" altLang="ja-JP" smtClean="0"/>
               <a:t>3 </a:t>
             </a:r>
             <a:r>
-              <a:rPr lang="ja-JP" altLang="en-US" smtClean="0"/>
+              <a:rPr kumimoji="1" lang="ja-JP" altLang="en-US" smtClean="0"/>
               <a:t>レベル</a:t>
             </a:r>
           </a:p>
           <a:p>
-            <a:pPr lvl="3" eaLnBrk="1" latinLnBrk="0" hangingPunct="1"/>
-            <a:r>
-              <a:rPr lang="ja-JP" altLang="en-US" smtClean="0"/>
+            <a:pPr lvl="3"/>
+            <a:r>
+              <a:rPr kumimoji="1" lang="ja-JP" altLang="en-US" smtClean="0"/>
               <a:t>第 </a:t>
             </a:r>
             <a:r>
-              <a:rPr lang="en-US" altLang="ja-JP" smtClean="0"/>
+              <a:rPr kumimoji="1" lang="en-US" altLang="ja-JP" smtClean="0"/>
               <a:t>4 </a:t>
             </a:r>
             <a:r>
-              <a:rPr lang="ja-JP" altLang="en-US" smtClean="0"/>
+              <a:rPr kumimoji="1" lang="ja-JP" altLang="en-US" smtClean="0"/>
               <a:t>レベル</a:t>
             </a:r>
           </a:p>
           <a:p>
-            <a:pPr lvl="4" eaLnBrk="1" latinLnBrk="0" hangingPunct="1"/>
-            <a:r>
-              <a:rPr lang="ja-JP" altLang="en-US" smtClean="0"/>
+            <a:pPr lvl="4"/>
+            <a:r>
+              <a:rPr kumimoji="1" lang="ja-JP" altLang="en-US" smtClean="0"/>
               <a:t>第 </a:t>
             </a:r>
             <a:r>
-              <a:rPr lang="en-US" altLang="ja-JP" smtClean="0"/>
+              <a:rPr kumimoji="1" lang="en-US" altLang="ja-JP" smtClean="0"/>
               <a:t>5 </a:t>
             </a:r>
             <a:r>
-              <a:rPr lang="ja-JP" altLang="en-US" smtClean="0"/>
+              <a:rPr kumimoji="1" lang="ja-JP" altLang="en-US" smtClean="0"/>
               <a:t>レベル</a:t>
             </a:r>
-            <a:endParaRPr kumimoji="0" lang="en-US"/>
+            <a:endParaRPr kumimoji="1" lang="ja-JP" altLang="en-US"/>
           </a:p>
         </p:txBody>
       </p:sp>
@@ -5558,13 +5470,11 @@
         <p:spPr/>
         <p:txBody>
           <a:bodyPr/>
-          <a:lstStyle>
-            <a:extLst/>
-          </a:lstStyle>
+          <a:lstStyle/>
           <a:p>
             <a:fld id="{EE10D230-42F9-4781-839B-449B1E3F917A}" type="datetimeFigureOut">
               <a:rPr kumimoji="1" lang="ja-JP" altLang="en-US" smtClean="0"/>
-              <a:t>2013/10/3</a:t>
+              <a:t>2013/10/8</a:t>
             </a:fld>
             <a:endParaRPr kumimoji="1" lang="ja-JP" altLang="en-US"/>
           </a:p>
@@ -5583,9 +5493,7 @@
         <p:spPr/>
         <p:txBody>
           <a:bodyPr/>
-          <a:lstStyle>
-            <a:extLst/>
-          </a:lstStyle>
+          <a:lstStyle/>
           <a:p>
             <a:endParaRPr kumimoji="1" lang="ja-JP" altLang="en-US"/>
           </a:p>
@@ -5604,9 +5512,7 @@
         <p:spPr/>
         <p:txBody>
           <a:bodyPr/>
-          <a:lstStyle>
-            <a:extLst/>
-          </a:lstStyle>
+          <a:lstStyle/>
           <a:p>
             <a:fld id="{8B3C8E2B-7327-4910-BE51-AD93222E085A}" type="slidenum">
               <a:rPr kumimoji="1" lang="ja-JP" altLang="en-US" smtClean="0"/>
@@ -5617,6 +5523,11 @@
         </p:txBody>
       </p:sp>
     </p:spTree>
+    <p:extLst>
+      <p:ext uri="{BB962C8B-B14F-4D97-AF65-F5344CB8AC3E}">
+        <p14:creationId xmlns:p14="http://schemas.microsoft.com/office/powerpoint/2010/main" val="3871017951"/>
+      </p:ext>
+    </p:extLst>
   </p:cSld>
   <p:clrMapOvr>
     <a:masterClrMapping/>
@@ -5625,7 +5536,7 @@
 </file>
 
 <file path=ppt/slideLayouts/slideLayout3.xml><?xml version="1.0" encoding="utf-8"?>
-<p:sldLayout xmlns:a="http://schemas.openxmlformats.org/drawingml/2006/main" xmlns:r="http://schemas.openxmlformats.org/officeDocument/2006/relationships" xmlns:p="http://schemas.openxmlformats.org/presentationml/2006/main" showMasterSp="0" type="secHead" preserve="1">
+<p:sldLayout xmlns:a="http://schemas.openxmlformats.org/drawingml/2006/main" xmlns:r="http://schemas.openxmlformats.org/officeDocument/2006/relationships" xmlns:p="http://schemas.openxmlformats.org/presentationml/2006/main" type="secHead" preserve="1">
   <p:cSld name="セクション見出し">
     <p:spTree>
       <p:nvGrpSpPr>
@@ -5643,60 +5554,6 @@
       </p:grpSpPr>
       <p:sp>
         <p:nvSpPr>
-          <p:cNvPr id="7" name="正方形/長方形 6"/>
-          <p:cNvSpPr/>
-          <p:nvPr/>
-        </p:nvSpPr>
-        <p:spPr>
-          <a:xfrm>
-            <a:off x="2339188" y="14426726"/>
-            <a:ext cx="17323308" cy="40373"/>
-          </a:xfrm>
-          <a:prstGeom prst="rect">
-            <a:avLst/>
-          </a:prstGeom>
-          <a:solidFill>
-            <a:schemeClr val="accent1"/>
-          </a:solidFill>
-          <a:ln w="38100" cap="rnd" cmpd="sng" algn="ctr">
-            <a:noFill/>
-            <a:prstDash val="solid"/>
-          </a:ln>
-          <a:effectLst>
-            <a:outerShdw blurRad="12700" dist="12900" dir="5400000" algn="tl" rotWithShape="0">
-              <a:srgbClr val="000000">
-                <a:alpha val="75000"/>
-              </a:srgbClr>
-            </a:outerShdw>
-          </a:effectLst>
-        </p:spPr>
-        <p:style>
-          <a:lnRef idx="3">
-            <a:schemeClr val="lt1"/>
-          </a:lnRef>
-          <a:fillRef idx="1">
-            <a:schemeClr val="accent1"/>
-          </a:fillRef>
-          <a:effectRef idx="1">
-            <a:schemeClr val="accent1"/>
-          </a:effectRef>
-          <a:fontRef idx="minor">
-            <a:schemeClr val="lt1"/>
-          </a:fontRef>
-        </p:style>
-        <p:txBody>
-          <a:bodyPr lIns="295232" tIns="147616" rIns="295232" bIns="147616" anchor="ctr"/>
-          <a:lstStyle>
-            <a:extLst/>
-          </a:lstStyle>
-          <a:p>
-            <a:pPr algn="ctr" eaLnBrk="1" latinLnBrk="0" hangingPunct="1"/>
-            <a:endParaRPr kumimoji="0" lang="en-US"/>
-          </a:p>
-        </p:txBody>
-      </p:sp>
-      <p:sp>
-        <p:nvSpPr>
           <p:cNvPr id="2" name="タイトル 1"/>
           <p:cNvSpPr>
             <a:spLocks noGrp="1"/>
@@ -5707,32 +5564,23 @@
         </p:nvSpPr>
         <p:spPr>
           <a:xfrm>
-            <a:off x="1689557" y="2199824"/>
-            <a:ext cx="18178780" cy="12058159"/>
+            <a:off x="1689410" y="19457721"/>
+            <a:ext cx="18178780" cy="6013939"/>
           </a:xfrm>
         </p:spPr>
         <p:txBody>
-          <a:bodyPr rIns="324756"/>
+          <a:bodyPr anchor="t"/>
           <a:lstStyle>
-            <a:lvl1pPr algn="r">
-              <a:buNone/>
-              <a:defRPr sz="12900" b="1" cap="none">
-                <a:solidFill>
-                  <a:schemeClr val="accent1">
-                    <a:tint val="95000"/>
-                    <a:satMod val="200000"/>
-                  </a:schemeClr>
-                </a:solidFill>
-              </a:defRPr>
+            <a:lvl1pPr algn="l">
+              <a:defRPr sz="12900" b="1" cap="all"/>
             </a:lvl1pPr>
-            <a:extLst/>
           </a:lstStyle>
           <a:p>
             <a:r>
-              <a:rPr kumimoji="0" lang="ja-JP" altLang="en-US" smtClean="0"/>
+              <a:rPr kumimoji="1" lang="ja-JP" altLang="en-US" smtClean="0"/>
               <a:t>マスター タイトルの書式設定</a:t>
             </a:r>
-            <a:endParaRPr kumimoji="0" lang="en-US"/>
+            <a:endParaRPr kumimoji="1" lang="ja-JP" altLang="en-US"/>
           </a:p>
         </p:txBody>
       </p:sp>
@@ -5748,14 +5596,14 @@
         </p:nvSpPr>
         <p:spPr>
           <a:xfrm>
-            <a:off x="1689410" y="14516166"/>
-            <a:ext cx="18178780" cy="6665798"/>
+            <a:off x="1689410" y="12833952"/>
+            <a:ext cx="18178780" cy="6623742"/>
           </a:xfrm>
         </p:spPr>
         <p:txBody>
-          <a:bodyPr rIns="413325" anchor="t"/>
+          <a:bodyPr anchor="b"/>
           <a:lstStyle>
-            <a:lvl1pPr marL="0" indent="0" algn="r">
+            <a:lvl1pPr marL="0" indent="0">
               <a:buNone/>
               <a:defRPr sz="6500">
                 <a:solidFill>
@@ -5765,7 +5613,7 @@
                 </a:solidFill>
               </a:defRPr>
             </a:lvl1pPr>
-            <a:lvl2pPr>
+            <a:lvl2pPr marL="1475416" indent="0">
               <a:buNone/>
               <a:defRPr sz="5800">
                 <a:solidFill>
@@ -5775,7 +5623,7 @@
                 </a:solidFill>
               </a:defRPr>
             </a:lvl2pPr>
-            <a:lvl3pPr>
+            <a:lvl3pPr marL="2950838" indent="0">
               <a:buNone/>
               <a:defRPr sz="5200">
                 <a:solidFill>
@@ -5785,7 +5633,7 @@
                 </a:solidFill>
               </a:defRPr>
             </a:lvl3pPr>
-            <a:lvl4pPr>
+            <a:lvl4pPr marL="4426270" indent="0">
               <a:buNone/>
               <a:defRPr sz="4500">
                 <a:solidFill>
@@ -5795,7 +5643,7 @@
                 </a:solidFill>
               </a:defRPr>
             </a:lvl4pPr>
-            <a:lvl5pPr>
+            <a:lvl5pPr marL="5901686" indent="0">
               <a:buNone/>
               <a:defRPr sz="4500">
                 <a:solidFill>
@@ -5805,12 +5653,51 @@
                 </a:solidFill>
               </a:defRPr>
             </a:lvl5pPr>
-            <a:extLst/>
+            <a:lvl6pPr marL="7377102" indent="0">
+              <a:buNone/>
+              <a:defRPr sz="4500">
+                <a:solidFill>
+                  <a:schemeClr val="tx1">
+                    <a:tint val="75000"/>
+                  </a:schemeClr>
+                </a:solidFill>
+              </a:defRPr>
+            </a:lvl6pPr>
+            <a:lvl7pPr marL="8852534" indent="0">
+              <a:buNone/>
+              <a:defRPr sz="4500">
+                <a:solidFill>
+                  <a:schemeClr val="tx1">
+                    <a:tint val="75000"/>
+                  </a:schemeClr>
+                </a:solidFill>
+              </a:defRPr>
+            </a:lvl7pPr>
+            <a:lvl8pPr marL="10327956" indent="0">
+              <a:buNone/>
+              <a:defRPr sz="4500">
+                <a:solidFill>
+                  <a:schemeClr val="tx1">
+                    <a:tint val="75000"/>
+                  </a:schemeClr>
+                </a:solidFill>
+              </a:defRPr>
+            </a:lvl8pPr>
+            <a:lvl9pPr marL="11803372" indent="0">
+              <a:buNone/>
+              <a:defRPr sz="4500">
+                <a:solidFill>
+                  <a:schemeClr val="tx1">
+                    <a:tint val="75000"/>
+                  </a:schemeClr>
+                </a:solidFill>
+              </a:defRPr>
+            </a:lvl9pPr>
           </a:lstStyle>
           <a:p>
-            <a:pPr lvl="0" eaLnBrk="1" latinLnBrk="0" hangingPunct="1"/>
-            <a:r>
-              <a:rPr kumimoji="0" lang="ja-JP" altLang="en-US" smtClean="0"/>
+            <a:pPr lvl="0"/>
+            <a:r>
+              <a:rPr kumimoji="1" lang="ja-JP" altLang="en-US" smtClean="0"/>
               <a:t>マスター テキストの書式設定</a:t>
             </a:r>
           </a:p>
@@ -5818,7 +5705,7 @@
       </p:sp>
       <p:sp>
         <p:nvSpPr>
-          <p:cNvPr id="8" name="日付プレースホルダー 7"/>
+          <p:cNvPr id="4" name="日付プレースホルダー 3"/>
           <p:cNvSpPr>
             <a:spLocks noGrp="1"/>
           </p:cNvSpPr>
@@ -5826,21 +5713,14 @@
             <p:ph type="dt" sz="half" idx="10"/>
           </p:nvPr>
         </p:nvSpPr>
-        <p:spPr>
-          <a:xfrm>
-            <a:off x="13010304" y="28759662"/>
-            <a:ext cx="7021999" cy="1211199"/>
-          </a:xfrm>
-        </p:spPr>
+        <p:spPr/>
         <p:txBody>
-          <a:bodyPr vert="horz" rtlCol="0"/>
-          <a:lstStyle>
-            <a:extLst/>
-          </a:lstStyle>
+          <a:bodyPr/>
+          <a:lstStyle/>
           <a:p>
             <a:fld id="{EE10D230-42F9-4781-839B-449B1E3F917A}" type="datetimeFigureOut">
               <a:rPr kumimoji="1" lang="ja-JP" altLang="en-US" smtClean="0"/>
-              <a:t>2013/10/3</a:t>
+              <a:t>2013/10/8</a:t>
             </a:fld>
             <a:endParaRPr kumimoji="1" lang="ja-JP" altLang="en-US"/>
           </a:p>
@@ -5848,70 +5728,52 @@
       </p:sp>
       <p:sp>
         <p:nvSpPr>
-          <p:cNvPr id="9" name="スライド番号プレースホルダー 8"/>
+          <p:cNvPr id="5" name="フッター プレースホルダー 4"/>
           <p:cNvSpPr>
             <a:spLocks noGrp="1"/>
           </p:cNvSpPr>
           <p:nvPr>
-            <p:ph type="sldNum" sz="quarter" idx="11"/>
+            <p:ph type="ftr" sz="quarter" idx="11"/>
           </p:nvPr>
         </p:nvSpPr>
-        <p:spPr>
-          <a:xfrm>
-            <a:off x="20205549" y="28759662"/>
-            <a:ext cx="1085918" cy="1211199"/>
-          </a:xfrm>
-        </p:spPr>
+        <p:spPr/>
         <p:txBody>
-          <a:bodyPr vert="horz" rtlCol="0"/>
-          <a:lstStyle>
-            <a:lvl1pPr>
-              <a:defRPr>
-                <a:solidFill>
-                  <a:schemeClr val="tx2">
-                    <a:shade val="90000"/>
-                  </a:schemeClr>
-                </a:solidFill>
-              </a:defRPr>
-            </a:lvl1pPr>
-            <a:extLst/>
-          </a:lstStyle>
-          <a:p>
-            <a:fld id="{8B3C8E2B-7327-4910-BE51-AD93222E085A}" type="slidenum">
-              <a:rPr kumimoji="1" lang="ja-JP" altLang="en-US" smtClean="0"/>
-              <a:t>‹#›</a:t>
-            </a:fld>
+          <a:bodyPr/>
+          <a:lstStyle/>
+          <a:p>
             <a:endParaRPr kumimoji="1" lang="ja-JP" altLang="en-US"/>
           </a:p>
         </p:txBody>
       </p:sp>
       <p:sp>
         <p:nvSpPr>
-          <p:cNvPr id="10" name="フッター プレースホルダー 9"/>
+          <p:cNvPr id="6" name="スライド番号プレースホルダー 5"/>
           <p:cNvSpPr>
             <a:spLocks noGrp="1"/>
           </p:cNvSpPr>
           <p:nvPr>
-            <p:ph type="ftr" sz="quarter" idx="12"/>
+            <p:ph type="sldNum" sz="quarter" idx="12"/>
           </p:nvPr>
         </p:nvSpPr>
-        <p:spPr>
-          <a:xfrm>
-            <a:off x="3742690" y="28759662"/>
-            <a:ext cx="9139124" cy="1211199"/>
-          </a:xfrm>
-        </p:spPr>
+        <p:spPr/>
         <p:txBody>
-          <a:bodyPr vert="horz" rtlCol="0"/>
-          <a:lstStyle>
-            <a:extLst/>
-          </a:lstStyle>
-          <a:p>
+          <a:bodyPr/>
+          <a:lstStyle/>
+          <a:p>
+            <a:fld id="{8B3C8E2B-7327-4910-BE51-AD93222E085A}" type="slidenum">
+              <a:rPr kumimoji="1" lang="ja-JP" altLang="en-US" smtClean="0"/>
+              <a:t>‹#›</a:t>
+            </a:fld>
             <a:endParaRPr kumimoji="1" lang="ja-JP" altLang="en-US"/>
           </a:p>
         </p:txBody>
       </p:sp>
     </p:spTree>
+    <p:extLst>
+      <p:ext uri="{BB962C8B-B14F-4D97-AF65-F5344CB8AC3E}">
+        <p14:creationId xmlns:p14="http://schemas.microsoft.com/office/powerpoint/2010/main" val="353853330"/>
+      </p:ext>
+    </p:extLst>
   </p:cSld>
   <p:clrMapOvr>
     <a:masterClrMapping/>
@@ -5949,15 +5811,13 @@
         <p:spPr/>
         <p:txBody>
           <a:bodyPr/>
-          <a:lstStyle>
-            <a:extLst/>
-          </a:lstStyle>
-          <a:p>
-            <a:r>
-              <a:rPr kumimoji="0" lang="ja-JP" altLang="en-US" smtClean="0"/>
+          <a:lstStyle/>
+          <a:p>
+            <a:r>
+              <a:rPr kumimoji="1" lang="ja-JP" altLang="en-US" smtClean="0"/>
               <a:t>マスター タイトルの書式設定</a:t>
             </a:r>
-            <a:endParaRPr kumimoji="0" lang="en-US"/>
+            <a:endParaRPr kumimoji="1" lang="ja-JP" altLang="en-US"/>
           </a:p>
         </p:txBody>
       </p:sp>
@@ -5973,8 +5833,8 @@
         </p:nvSpPr>
         <p:spPr>
           <a:xfrm>
-            <a:off x="1069340" y="7267194"/>
-            <a:ext cx="9445837" cy="19984784"/>
+            <a:off x="1069340" y="7065334"/>
+            <a:ext cx="9445837" cy="19983384"/>
           </a:xfrm>
         </p:spPr>
         <p:txBody>
@@ -5995,75 +5855,86 @@
             <a:lvl5pPr>
               <a:defRPr sz="5800"/>
             </a:lvl5pPr>
-            <a:extLst/>
+            <a:lvl6pPr>
+              <a:defRPr sz="5800"/>
+            </a:lvl6pPr>
+            <a:lvl7pPr>
+              <a:defRPr sz="5800"/>
+            </a:lvl7pPr>
+            <a:lvl8pPr>
+              <a:defRPr sz="5800"/>
+            </a:lvl8pPr>
+            <a:lvl9pPr>
+              <a:defRPr sz="5800"/>
+            </a:lvl9pPr>
           </a:lstStyle>
           <a:p>
-            <a:pPr lvl="0" eaLnBrk="1" latinLnBrk="0" hangingPunct="1"/>
-            <a:r>
-              <a:rPr lang="ja-JP" altLang="en-US" smtClean="0"/>
+            <a:pPr lvl="0"/>
+            <a:r>
+              <a:rPr kumimoji="1" lang="ja-JP" altLang="en-US" smtClean="0"/>
               <a:t>マスター テキストの書式設定</a:t>
             </a:r>
           </a:p>
           <a:p>
-            <a:pPr lvl="1" eaLnBrk="1" latinLnBrk="0" hangingPunct="1"/>
-            <a:r>
-              <a:rPr lang="ja-JP" altLang="en-US" smtClean="0"/>
+            <a:pPr lvl="1"/>
+            <a:r>
+              <a:rPr kumimoji="1" lang="ja-JP" altLang="en-US" smtClean="0"/>
               <a:t>第 </a:t>
             </a:r>
             <a:r>
-              <a:rPr lang="en-US" altLang="ja-JP" smtClean="0"/>
+              <a:rPr kumimoji="1" lang="en-US" altLang="ja-JP" smtClean="0"/>
               <a:t>2 </a:t>
             </a:r>
             <a:r>
-              <a:rPr lang="ja-JP" altLang="en-US" smtClean="0"/>
+              <a:rPr kumimoji="1" lang="ja-JP" altLang="en-US" smtClean="0"/>
               <a:t>レベル</a:t>
             </a:r>
           </a:p>
           <a:p>
-            <a:pPr lvl="2" eaLnBrk="1" latinLnBrk="0" hangingPunct="1"/>
-            <a:r>
-              <a:rPr lang="ja-JP" altLang="en-US" smtClean="0"/>
+            <a:pPr lvl="2"/>
+            <a:r>
+              <a:rPr kumimoji="1" lang="ja-JP" altLang="en-US" smtClean="0"/>
               <a:t>第 </a:t>
             </a:r>
             <a:r>
-              <a:rPr lang="en-US" altLang="ja-JP" smtClean="0"/>
+              <a:rPr kumimoji="1" lang="en-US" altLang="ja-JP" smtClean="0"/>
               <a:t>3 </a:t>
             </a:r>
             <a:r>
-              <a:rPr lang="ja-JP" altLang="en-US" smtClean="0"/>
+              <a:rPr kumimoji="1" lang="ja-JP" altLang="en-US" smtClean="0"/>
               <a:t>レベル</a:t>
             </a:r>
           </a:p>
           <a:p>
-            <a:pPr lvl="3" eaLnBrk="1" latinLnBrk="0" hangingPunct="1"/>
-            <a:r>
-              <a:rPr lang="ja-JP" altLang="en-US" smtClean="0"/>
+            <a:pPr lvl="3"/>
+            <a:r>
+              <a:rPr kumimoji="1" lang="ja-JP" altLang="en-US" smtClean="0"/>
               <a:t>第 </a:t>
             </a:r>
             <a:r>
-              <a:rPr lang="en-US" altLang="ja-JP" smtClean="0"/>
+              <a:rPr kumimoji="1" lang="en-US" altLang="ja-JP" smtClean="0"/>
               <a:t>4 </a:t>
             </a:r>
             <a:r>
-              <a:rPr lang="ja-JP" altLang="en-US" smtClean="0"/>
+              <a:rPr kumimoji="1" lang="ja-JP" altLang="en-US" smtClean="0"/>
               <a:t>レベル</a:t>
             </a:r>
           </a:p>
           <a:p>
-            <a:pPr lvl="4" eaLnBrk="1" latinLnBrk="0" hangingPunct="1"/>
-            <a:r>
-              <a:rPr lang="ja-JP" altLang="en-US" smtClean="0"/>
+            <a:pPr lvl="4"/>
+            <a:r>
+              <a:rPr kumimoji="1" lang="ja-JP" altLang="en-US" smtClean="0"/>
               <a:t>第 </a:t>
             </a:r>
             <a:r>
-              <a:rPr lang="en-US" altLang="ja-JP" smtClean="0"/>
+              <a:rPr kumimoji="1" lang="en-US" altLang="ja-JP" smtClean="0"/>
               <a:t>5 </a:t>
             </a:r>
             <a:r>
-              <a:rPr lang="ja-JP" altLang="en-US" smtClean="0"/>
+              <a:rPr kumimoji="1" lang="ja-JP" altLang="en-US" smtClean="0"/>
               <a:t>レベル</a:t>
             </a:r>
-            <a:endParaRPr kumimoji="0" lang="en-US"/>
+            <a:endParaRPr kumimoji="1" lang="ja-JP" altLang="en-US"/>
           </a:p>
         </p:txBody>
       </p:sp>
@@ -6079,8 +5950,8 @@
         </p:nvSpPr>
         <p:spPr>
           <a:xfrm>
-            <a:off x="10871623" y="7267194"/>
-            <a:ext cx="9445837" cy="19984784"/>
+            <a:off x="10871623" y="7065334"/>
+            <a:ext cx="9445837" cy="19983384"/>
           </a:xfrm>
         </p:spPr>
         <p:txBody>
@@ -6101,75 +5972,86 @@
             <a:lvl5pPr>
               <a:defRPr sz="5800"/>
             </a:lvl5pPr>
-            <a:extLst/>
+            <a:lvl6pPr>
+              <a:defRPr sz="5800"/>
+            </a:lvl6pPr>
+            <a:lvl7pPr>
+              <a:defRPr sz="5800"/>
+            </a:lvl7pPr>
+            <a:lvl8pPr>
+              <a:defRPr sz="5800"/>
+            </a:lvl8pPr>
+            <a:lvl9pPr>
+              <a:defRPr sz="5800"/>
+            </a:lvl9pPr>
           </a:lstStyle>
           <a:p>
-            <a:pPr lvl="0" eaLnBrk="1" latinLnBrk="0" hangingPunct="1"/>
-            <a:r>
-              <a:rPr lang="ja-JP" altLang="en-US" smtClean="0"/>
+            <a:pPr lvl="0"/>
+            <a:r>
+              <a:rPr kumimoji="1" lang="ja-JP" altLang="en-US" smtClean="0"/>
               <a:t>マスター テキストの書式設定</a:t>
             </a:r>
           </a:p>
           <a:p>
-            <a:pPr lvl="1" eaLnBrk="1" latinLnBrk="0" hangingPunct="1"/>
-            <a:r>
-              <a:rPr lang="ja-JP" altLang="en-US" smtClean="0"/>
+            <a:pPr lvl="1"/>
+            <a:r>
+              <a:rPr kumimoji="1" lang="ja-JP" altLang="en-US" smtClean="0"/>
               <a:t>第 </a:t>
             </a:r>
             <a:r>
-              <a:rPr lang="en-US" altLang="ja-JP" smtClean="0"/>
+              <a:rPr kumimoji="1" lang="en-US" altLang="ja-JP" smtClean="0"/>
               <a:t>2 </a:t>
             </a:r>
             <a:r>
-              <a:rPr lang="ja-JP" altLang="en-US" smtClean="0"/>
+              <a:rPr kumimoji="1" lang="ja-JP" altLang="en-US" smtClean="0"/>
               <a:t>レベル</a:t>
             </a:r>
           </a:p>
           <a:p>
-            <a:pPr lvl="2" eaLnBrk="1" latinLnBrk="0" hangingPunct="1"/>
-            <a:r>
-              <a:rPr lang="ja-JP" altLang="en-US" smtClean="0"/>
+            <a:pPr lvl="2"/>
+            <a:r>
+              <a:rPr kumimoji="1" lang="ja-JP" altLang="en-US" smtClean="0"/>
               <a:t>第 </a:t>
             </a:r>
             <a:r>
-              <a:rPr lang="en-US" altLang="ja-JP" smtClean="0"/>
+              <a:rPr kumimoji="1" lang="en-US" altLang="ja-JP" smtClean="0"/>
               <a:t>3 </a:t>
             </a:r>
             <a:r>
-              <a:rPr lang="ja-JP" altLang="en-US" smtClean="0"/>
+              <a:rPr kumimoji="1" lang="ja-JP" altLang="en-US" smtClean="0"/>
               <a:t>レベル</a:t>
             </a:r>
           </a:p>
           <a:p>
-            <a:pPr lvl="3" eaLnBrk="1" latinLnBrk="0" hangingPunct="1"/>
-            <a:r>
-              <a:rPr lang="ja-JP" altLang="en-US" smtClean="0"/>
+            <a:pPr lvl="3"/>
+            <a:r>
+              <a:rPr kumimoji="1" lang="ja-JP" altLang="en-US" smtClean="0"/>
               <a:t>第 </a:t>
             </a:r>
             <a:r>
-              <a:rPr lang="en-US" altLang="ja-JP" smtClean="0"/>
+              <a:rPr kumimoji="1" lang="en-US" altLang="ja-JP" smtClean="0"/>
               <a:t>4 </a:t>
             </a:r>
             <a:r>
-              <a:rPr lang="ja-JP" altLang="en-US" smtClean="0"/>
+              <a:rPr kumimoji="1" lang="ja-JP" altLang="en-US" smtClean="0"/>
               <a:t>レベル</a:t>
             </a:r>
           </a:p>
           <a:p>
-            <a:pPr lvl="4" eaLnBrk="1" latinLnBrk="0" hangingPunct="1"/>
-            <a:r>
-              <a:rPr lang="ja-JP" altLang="en-US" smtClean="0"/>
+            <a:pPr lvl="4"/>
+            <a:r>
+              <a:rPr kumimoji="1" lang="ja-JP" altLang="en-US" smtClean="0"/>
               <a:t>第 </a:t>
             </a:r>
             <a:r>
-              <a:rPr lang="en-US" altLang="ja-JP" smtClean="0"/>
+              <a:rPr kumimoji="1" lang="en-US" altLang="ja-JP" smtClean="0"/>
               <a:t>5 </a:t>
             </a:r>
             <a:r>
-              <a:rPr lang="ja-JP" altLang="en-US" smtClean="0"/>
+              <a:rPr kumimoji="1" lang="ja-JP" altLang="en-US" smtClean="0"/>
               <a:t>レベル</a:t>
             </a:r>
-            <a:endParaRPr kumimoji="0" lang="en-US"/>
+            <a:endParaRPr kumimoji="1" lang="ja-JP" altLang="en-US"/>
           </a:p>
         </p:txBody>
       </p:sp>
@@ -6186,13 +6068,11 @@
         <p:spPr/>
         <p:txBody>
           <a:bodyPr/>
-          <a:lstStyle>
-            <a:extLst/>
-          </a:lstStyle>
+          <a:lstStyle/>
           <a:p>
             <a:fld id="{EE10D230-42F9-4781-839B-449B1E3F917A}" type="datetimeFigureOut">
               <a:rPr kumimoji="1" lang="ja-JP" altLang="en-US" smtClean="0"/>
-              <a:t>2013/10/3</a:t>
+              <a:t>2013/10/8</a:t>
             </a:fld>
             <a:endParaRPr kumimoji="1" lang="ja-JP" altLang="en-US"/>
           </a:p>
@@ -6211,9 +6091,7 @@
         <p:spPr/>
         <p:txBody>
           <a:bodyPr/>
-          <a:lstStyle>
-            <a:extLst/>
-          </a:lstStyle>
+          <a:lstStyle/>
           <a:p>
             <a:endParaRPr kumimoji="1" lang="ja-JP" altLang="en-US"/>
           </a:p>
@@ -6229,17 +6107,10 @@
             <p:ph type="sldNum" sz="quarter" idx="12"/>
           </p:nvPr>
         </p:nvSpPr>
-        <p:spPr>
-          <a:xfrm>
-            <a:off x="20210526" y="28763627"/>
-            <a:ext cx="1085918" cy="1211199"/>
-          </a:xfrm>
-        </p:spPr>
+        <p:spPr/>
         <p:txBody>
           <a:bodyPr/>
-          <a:lstStyle>
-            <a:extLst/>
-          </a:lstStyle>
+          <a:lstStyle/>
           <a:p>
             <a:fld id="{8B3C8E2B-7327-4910-BE51-AD93222E085A}" type="slidenum">
               <a:rPr kumimoji="1" lang="ja-JP" altLang="en-US" smtClean="0"/>
@@ -6249,61 +6120,12 @@
           </a:p>
         </p:txBody>
       </p:sp>
-      <p:sp>
-        <p:nvSpPr>
-          <p:cNvPr id="10" name="正方形/長方形 9"/>
-          <p:cNvSpPr/>
-          <p:nvPr/>
-        </p:nvSpPr>
-        <p:spPr>
-          <a:xfrm>
-            <a:off x="1376184" y="6289952"/>
-            <a:ext cx="18713450" cy="40373"/>
-          </a:xfrm>
-          <a:prstGeom prst="rect">
-            <a:avLst/>
-          </a:prstGeom>
-          <a:solidFill>
-            <a:schemeClr val="accent1"/>
-          </a:solidFill>
-          <a:ln w="38100" cap="rnd" cmpd="sng" algn="ctr">
-            <a:noFill/>
-            <a:prstDash val="solid"/>
-          </a:ln>
-          <a:effectLst>
-            <a:outerShdw blurRad="12700" dist="12900" dir="5400000" algn="tl" rotWithShape="0">
-              <a:srgbClr val="000000">
-                <a:alpha val="75000"/>
-              </a:srgbClr>
-            </a:outerShdw>
-          </a:effectLst>
-        </p:spPr>
-        <p:style>
-          <a:lnRef idx="3">
-            <a:schemeClr val="lt1"/>
-          </a:lnRef>
-          <a:fillRef idx="1">
-            <a:schemeClr val="accent1"/>
-          </a:fillRef>
-          <a:effectRef idx="1">
-            <a:schemeClr val="accent1"/>
-          </a:effectRef>
-          <a:fontRef idx="minor">
-            <a:schemeClr val="lt1"/>
-          </a:fontRef>
-        </p:style>
-        <p:txBody>
-          <a:bodyPr lIns="295232" tIns="147616" rIns="295232" bIns="147616" anchor="ctr"/>
-          <a:lstStyle>
-            <a:extLst/>
-          </a:lstStyle>
-          <a:p>
-            <a:pPr algn="ctr" eaLnBrk="1" latinLnBrk="0" hangingPunct="1"/>
-            <a:endParaRPr kumimoji="0" lang="en-US"/>
-          </a:p>
-        </p:txBody>
-      </p:sp>
     </p:spTree>
+    <p:extLst>
+      <p:ext uri="{BB962C8B-B14F-4D97-AF65-F5344CB8AC3E}">
+        <p14:creationId xmlns:p14="http://schemas.microsoft.com/office/powerpoint/2010/main" val="4126798385"/>
+      </p:ext>
+    </p:extLst>
   </p:cSld>
   <p:clrMapOvr>
     <a:masterClrMapping/>
@@ -6330,114 +6152,6 @@
       </p:grpSpPr>
       <p:sp>
         <p:nvSpPr>
-          <p:cNvPr id="10" name="正方形/長方形 9"/>
-          <p:cNvSpPr/>
-          <p:nvPr/>
-        </p:nvSpPr>
-        <p:spPr>
-          <a:xfrm>
-            <a:off x="1442496" y="9560030"/>
-            <a:ext cx="8768588" cy="40373"/>
-          </a:xfrm>
-          <a:prstGeom prst="rect">
-            <a:avLst/>
-          </a:prstGeom>
-          <a:solidFill>
-            <a:schemeClr val="accent1"/>
-          </a:solidFill>
-          <a:ln w="38100" cap="rnd" cmpd="sng" algn="ctr">
-            <a:noFill/>
-            <a:prstDash val="solid"/>
-          </a:ln>
-          <a:effectLst>
-            <a:outerShdw blurRad="12700" dist="12900" dir="5400000" algn="tl" rotWithShape="0">
-              <a:srgbClr val="000000">
-                <a:alpha val="75000"/>
-              </a:srgbClr>
-            </a:outerShdw>
-          </a:effectLst>
-        </p:spPr>
-        <p:style>
-          <a:lnRef idx="3">
-            <a:schemeClr val="lt1"/>
-          </a:lnRef>
-          <a:fillRef idx="1">
-            <a:schemeClr val="accent1"/>
-          </a:fillRef>
-          <a:effectRef idx="1">
-            <a:schemeClr val="accent1"/>
-          </a:effectRef>
-          <a:fontRef idx="minor">
-            <a:schemeClr val="lt1"/>
-          </a:fontRef>
-        </p:style>
-        <p:txBody>
-          <a:bodyPr lIns="295232" tIns="147616" rIns="295232" bIns="147616" anchor="b"/>
-          <a:lstStyle>
-            <a:extLst/>
-          </a:lstStyle>
-          <a:p>
-            <a:pPr algn="ctr" eaLnBrk="1" latinLnBrk="0" hangingPunct="1"/>
-            <a:endParaRPr kumimoji="0" lang="en-US"/>
-          </a:p>
-        </p:txBody>
-      </p:sp>
-      <p:sp>
-        <p:nvSpPr>
-          <p:cNvPr id="11" name="正方形/長方形 10"/>
-          <p:cNvSpPr/>
-          <p:nvPr/>
-        </p:nvSpPr>
-        <p:spPr>
-          <a:xfrm>
-            <a:off x="11228070" y="9560030"/>
-            <a:ext cx="8768588" cy="40373"/>
-          </a:xfrm>
-          <a:prstGeom prst="rect">
-            <a:avLst/>
-          </a:prstGeom>
-          <a:solidFill>
-            <a:schemeClr val="accent1"/>
-          </a:solidFill>
-          <a:ln w="38100" cap="rnd" cmpd="sng" algn="ctr">
-            <a:noFill/>
-            <a:prstDash val="solid"/>
-          </a:ln>
-          <a:effectLst>
-            <a:outerShdw blurRad="12700" dist="12900" dir="5400000" algn="tl" rotWithShape="0">
-              <a:srgbClr val="000000">
-                <a:alpha val="75000"/>
-              </a:srgbClr>
-            </a:outerShdw>
-          </a:effectLst>
-        </p:spPr>
-        <p:style>
-          <a:lnRef idx="3">
-            <a:schemeClr val="lt1"/>
-          </a:lnRef>
-          <a:fillRef idx="1">
-            <a:schemeClr val="accent1"/>
-          </a:fillRef>
-          <a:effectRef idx="1">
-            <a:schemeClr val="accent1"/>
-          </a:effectRef>
-          <a:fontRef idx="minor">
-            <a:schemeClr val="lt1"/>
-          </a:fontRef>
-        </p:style>
-        <p:txBody>
-          <a:bodyPr lIns="295232" tIns="147616" rIns="295232" bIns="147616" anchor="b"/>
-          <a:lstStyle>
-            <a:extLst/>
-          </a:lstStyle>
-          <a:p>
-            <a:pPr algn="ctr" eaLnBrk="1" latinLnBrk="0" hangingPunct="1"/>
-            <a:endParaRPr kumimoji="0" lang="en-US"/>
-          </a:p>
-        </p:txBody>
-      </p:sp>
-      <p:sp>
-        <p:nvSpPr>
           <p:cNvPr id="2" name="タイトル 1"/>
           <p:cNvSpPr>
             <a:spLocks noGrp="1"/>
@@ -6446,26 +6160,20 @@
             <p:ph type="title"/>
           </p:nvPr>
         </p:nvSpPr>
-        <p:spPr>
-          <a:xfrm>
-            <a:off x="1069340" y="1112420"/>
-            <a:ext cx="19248120" cy="5046663"/>
-          </a:xfrm>
-        </p:spPr>
+        <p:spPr/>
         <p:txBody>
-          <a:bodyPr anchor="b"/>
+          <a:bodyPr/>
           <a:lstStyle>
             <a:lvl1pPr>
               <a:defRPr/>
             </a:lvl1pPr>
-            <a:extLst/>
           </a:lstStyle>
           <a:p>
             <a:r>
-              <a:rPr kumimoji="0" lang="ja-JP" altLang="en-US" smtClean="0"/>
+              <a:rPr kumimoji="1" lang="ja-JP" altLang="en-US" smtClean="0"/>
               <a:t>マスター タイトルの書式設定</a:t>
             </a:r>
-            <a:endParaRPr kumimoji="0" lang="en-US"/>
+            <a:endParaRPr kumimoji="1" lang="ja-JP" altLang="en-US"/>
           </a:p>
         </p:txBody>
       </p:sp>
@@ -6486,39 +6194,49 @@
           </a:xfrm>
         </p:spPr>
         <p:txBody>
-          <a:bodyPr anchor="b">
-            <a:noAutofit/>
-          </a:bodyPr>
+          <a:bodyPr anchor="b"/>
           <a:lstStyle>
-            <a:lvl1pPr marL="295232" indent="0" algn="l">
-              <a:spcBef>
-                <a:spcPts val="0"/>
-              </a:spcBef>
+            <a:lvl1pPr marL="0" indent="0">
               <a:buNone/>
-              <a:defRPr sz="7100" b="0" cap="all" baseline="0"/>
+              <a:defRPr sz="7700" b="1"/>
             </a:lvl1pPr>
-            <a:lvl2pPr>
+            <a:lvl2pPr marL="1475416" indent="0">
               <a:buNone/>
               <a:defRPr sz="6500" b="1"/>
             </a:lvl2pPr>
-            <a:lvl3pPr>
+            <a:lvl3pPr marL="2950838" indent="0">
               <a:buNone/>
               <a:defRPr sz="5800" b="1"/>
             </a:lvl3pPr>
-            <a:lvl4pPr>
+            <a:lvl4pPr marL="4426270" indent="0">
               <a:buNone/>
               <a:defRPr sz="5200" b="1"/>
             </a:lvl4pPr>
-            <a:lvl5pPr>
+            <a:lvl5pPr marL="5901686" indent="0">
               <a:buNone/>
               <a:defRPr sz="5200" b="1"/>
             </a:lvl5pPr>
-            <a:extLst/>
+            <a:lvl6pPr marL="7377102" indent="0">
+              <a:buNone/>
+              <a:defRPr sz="5200" b="1"/>
+            </a:lvl6pPr>
+            <a:lvl7pPr marL="8852534" indent="0">
+              <a:buNone/>
+              <a:defRPr sz="5200" b="1"/>
+            </a:lvl7pPr>
+            <a:lvl8pPr marL="10327956" indent="0">
+              <a:buNone/>
+              <a:defRPr sz="5200" b="1"/>
+            </a:lvl8pPr>
+            <a:lvl9pPr marL="11803372" indent="0">
+              <a:buNone/>
+              <a:defRPr sz="5200" b="1"/>
+            </a:lvl9pPr>
           </a:lstStyle>
           <a:p>
-            <a:pPr lvl="0" eaLnBrk="1" latinLnBrk="0" hangingPunct="1"/>
-            <a:r>
-              <a:rPr kumimoji="0" lang="ja-JP" altLang="en-US" smtClean="0"/>
+            <a:pPr lvl="0"/>
+            <a:r>
+              <a:rPr kumimoji="1" lang="ja-JP" altLang="en-US" smtClean="0"/>
               <a:t>マスター テキストの書式設定</a:t>
             </a:r>
           </a:p>
@@ -6526,80 +6244,25 @@
       </p:sp>
       <p:sp>
         <p:nvSpPr>
-          <p:cNvPr id="4" name="テキスト プレースホルダー 3"/>
+          <p:cNvPr id="4" name="コンテンツ プレースホルダー 3"/>
           <p:cNvSpPr>
             <a:spLocks noGrp="1"/>
           </p:cNvSpPr>
           <p:nvPr>
-            <p:ph type="body" sz="half" idx="3"/>
+            <p:ph sz="half" idx="2"/>
           </p:nvPr>
         </p:nvSpPr>
         <p:spPr>
           <a:xfrm>
-            <a:off x="10864198" y="6777950"/>
-            <a:ext cx="9453263" cy="2824727"/>
+            <a:off x="1069340" y="9602677"/>
+            <a:ext cx="9449551" cy="17446034"/>
           </a:xfrm>
         </p:spPr>
         <p:txBody>
-          <a:bodyPr anchor="b">
-            <a:noAutofit/>
-          </a:bodyPr>
-          <a:lstStyle>
-            <a:lvl1pPr marL="295232" indent="0" algn="l">
-              <a:spcBef>
-                <a:spcPts val="0"/>
-              </a:spcBef>
-              <a:buNone/>
-              <a:defRPr sz="7100" b="0" cap="all" baseline="0"/>
-            </a:lvl1pPr>
-            <a:lvl2pPr>
-              <a:buNone/>
-              <a:defRPr sz="6500" b="1"/>
-            </a:lvl2pPr>
-            <a:lvl3pPr>
-              <a:buNone/>
-              <a:defRPr sz="5800" b="1"/>
-            </a:lvl3pPr>
-            <a:lvl4pPr>
-              <a:buNone/>
-              <a:defRPr sz="5200" b="1"/>
-            </a:lvl4pPr>
-            <a:lvl5pPr>
-              <a:buNone/>
-              <a:defRPr sz="5200" b="1"/>
-            </a:lvl5pPr>
-            <a:extLst/>
-          </a:lstStyle>
-          <a:p>
-            <a:pPr lvl="0" eaLnBrk="1" latinLnBrk="0" hangingPunct="1"/>
-            <a:r>
-              <a:rPr kumimoji="0" lang="ja-JP" altLang="en-US" smtClean="0"/>
-              <a:t>マスター テキストの書式設定</a:t>
-            </a:r>
-          </a:p>
-        </p:txBody>
-      </p:sp>
-      <p:sp>
-        <p:nvSpPr>
-          <p:cNvPr id="5" name="コンテンツ プレースホルダー 4"/>
-          <p:cNvSpPr>
-            <a:spLocks noGrp="1"/>
-          </p:cNvSpPr>
-          <p:nvPr>
-            <p:ph sz="quarter" idx="2"/>
-          </p:nvPr>
-        </p:nvSpPr>
-        <p:spPr>
-          <a:xfrm>
-            <a:off x="1069340" y="10429771"/>
-            <a:ext cx="9449551" cy="17403979"/>
-          </a:xfrm>
-        </p:spPr>
-        <p:txBody>
-          <a:bodyPr lIns="295232"/>
+          <a:bodyPr/>
           <a:lstStyle>
             <a:lvl1pPr>
-              <a:defRPr sz="7100"/>
+              <a:defRPr sz="7700"/>
             </a:lvl1pPr>
             <a:lvl2pPr>
               <a:defRPr sz="6500"/>
@@ -6613,75 +6276,151 @@
             <a:lvl5pPr>
               <a:defRPr sz="5200"/>
             </a:lvl5pPr>
-            <a:extLst/>
+            <a:lvl6pPr>
+              <a:defRPr sz="5200"/>
+            </a:lvl6pPr>
+            <a:lvl7pPr>
+              <a:defRPr sz="5200"/>
+            </a:lvl7pPr>
+            <a:lvl8pPr>
+              <a:defRPr sz="5200"/>
+            </a:lvl8pPr>
+            <a:lvl9pPr>
+              <a:defRPr sz="5200"/>
+            </a:lvl9pPr>
           </a:lstStyle>
           <a:p>
-            <a:pPr lvl="0" eaLnBrk="1" latinLnBrk="0" hangingPunct="1"/>
-            <a:r>
-              <a:rPr lang="ja-JP" altLang="en-US" smtClean="0"/>
+            <a:pPr lvl="0"/>
+            <a:r>
+              <a:rPr kumimoji="1" lang="ja-JP" altLang="en-US" smtClean="0"/>
               <a:t>マスター テキストの書式設定</a:t>
             </a:r>
           </a:p>
           <a:p>
-            <a:pPr lvl="1" eaLnBrk="1" latinLnBrk="0" hangingPunct="1"/>
-            <a:r>
-              <a:rPr lang="ja-JP" altLang="en-US" smtClean="0"/>
+            <a:pPr lvl="1"/>
+            <a:r>
+              <a:rPr kumimoji="1" lang="ja-JP" altLang="en-US" smtClean="0"/>
               <a:t>第 </a:t>
             </a:r>
             <a:r>
-              <a:rPr lang="en-US" altLang="ja-JP" smtClean="0"/>
+              <a:rPr kumimoji="1" lang="en-US" altLang="ja-JP" smtClean="0"/>
               <a:t>2 </a:t>
             </a:r>
             <a:r>
-              <a:rPr lang="ja-JP" altLang="en-US" smtClean="0"/>
+              <a:rPr kumimoji="1" lang="ja-JP" altLang="en-US" smtClean="0"/>
               <a:t>レベル</a:t>
             </a:r>
           </a:p>
           <a:p>
-            <a:pPr lvl="2" eaLnBrk="1" latinLnBrk="0" hangingPunct="1"/>
-            <a:r>
-              <a:rPr lang="ja-JP" altLang="en-US" smtClean="0"/>
+            <a:pPr lvl="2"/>
+            <a:r>
+              <a:rPr kumimoji="1" lang="ja-JP" altLang="en-US" smtClean="0"/>
               <a:t>第 </a:t>
             </a:r>
             <a:r>
-              <a:rPr lang="en-US" altLang="ja-JP" smtClean="0"/>
+              <a:rPr kumimoji="1" lang="en-US" altLang="ja-JP" smtClean="0"/>
               <a:t>3 </a:t>
             </a:r>
             <a:r>
-              <a:rPr lang="ja-JP" altLang="en-US" smtClean="0"/>
+              <a:rPr kumimoji="1" lang="ja-JP" altLang="en-US" smtClean="0"/>
               <a:t>レベル</a:t>
             </a:r>
           </a:p>
           <a:p>
-            <a:pPr lvl="3" eaLnBrk="1" latinLnBrk="0" hangingPunct="1"/>
-            <a:r>
-              <a:rPr lang="ja-JP" altLang="en-US" smtClean="0"/>
+            <a:pPr lvl="3"/>
+            <a:r>
+              <a:rPr kumimoji="1" lang="ja-JP" altLang="en-US" smtClean="0"/>
               <a:t>第 </a:t>
             </a:r>
             <a:r>
-              <a:rPr lang="en-US" altLang="ja-JP" smtClean="0"/>
+              <a:rPr kumimoji="1" lang="en-US" altLang="ja-JP" smtClean="0"/>
               <a:t>4 </a:t>
             </a:r>
             <a:r>
-              <a:rPr lang="ja-JP" altLang="en-US" smtClean="0"/>
+              <a:rPr kumimoji="1" lang="ja-JP" altLang="en-US" smtClean="0"/>
               <a:t>レベル</a:t>
             </a:r>
           </a:p>
           <a:p>
-            <a:pPr lvl="4" eaLnBrk="1" latinLnBrk="0" hangingPunct="1"/>
-            <a:r>
-              <a:rPr lang="ja-JP" altLang="en-US" smtClean="0"/>
+            <a:pPr lvl="4"/>
+            <a:r>
+              <a:rPr kumimoji="1" lang="ja-JP" altLang="en-US" smtClean="0"/>
               <a:t>第 </a:t>
             </a:r>
             <a:r>
-              <a:rPr lang="en-US" altLang="ja-JP" smtClean="0"/>
+              <a:rPr kumimoji="1" lang="en-US" altLang="ja-JP" smtClean="0"/>
               <a:t>5 </a:t>
             </a:r>
             <a:r>
-              <a:rPr lang="ja-JP" altLang="en-US" smtClean="0"/>
+              <a:rPr kumimoji="1" lang="ja-JP" altLang="en-US" smtClean="0"/>
               <a:t>レベル</a:t>
             </a:r>
-            <a:endParaRPr kumimoji="0" lang="en-US"/>
+            <a:endParaRPr kumimoji="1" lang="ja-JP" altLang="en-US"/>
+          </a:p>
+        </p:txBody>
+      </p:sp>
+      <p:sp>
+        <p:nvSpPr>
+          <p:cNvPr id="5" name="テキスト プレースホルダー 4"/>
+          <p:cNvSpPr>
+            <a:spLocks noGrp="1"/>
+          </p:cNvSpPr>
+          <p:nvPr>
+            <p:ph type="body" sz="quarter" idx="3"/>
+          </p:nvPr>
+        </p:nvSpPr>
+        <p:spPr>
+          <a:xfrm>
+            <a:off x="10864215" y="6777950"/>
+            <a:ext cx="9453263" cy="2824727"/>
+          </a:xfrm>
+        </p:spPr>
+        <p:txBody>
+          <a:bodyPr anchor="b"/>
+          <a:lstStyle>
+            <a:lvl1pPr marL="0" indent="0">
+              <a:buNone/>
+              <a:defRPr sz="7700" b="1"/>
+            </a:lvl1pPr>
+            <a:lvl2pPr marL="1475416" indent="0">
+              <a:buNone/>
+              <a:defRPr sz="6500" b="1"/>
+            </a:lvl2pPr>
+            <a:lvl3pPr marL="2950838" indent="0">
+              <a:buNone/>
+              <a:defRPr sz="5800" b="1"/>
+            </a:lvl3pPr>
+            <a:lvl4pPr marL="4426270" indent="0">
+              <a:buNone/>
+              <a:defRPr sz="5200" b="1"/>
+            </a:lvl4pPr>
+            <a:lvl5pPr marL="5901686" indent="0">
+              <a:buNone/>
+              <a:defRPr sz="5200" b="1"/>
+            </a:lvl5pPr>
+            <a:lvl6pPr marL="7377102" indent="0">
+              <a:buNone/>
+              <a:defRPr sz="5200" b="1"/>
+            </a:lvl6pPr>
+            <a:lvl7pPr marL="8852534" indent="0">
+              <a:buNone/>
+              <a:defRPr sz="5200" b="1"/>
+            </a:lvl7pPr>
+            <a:lvl8pPr marL="10327956" indent="0">
+              <a:buNone/>
+              <a:defRPr sz="5200" b="1"/>
+            </a:lvl8pPr>
+            <a:lvl9pPr marL="11803372" indent="0">
+              <a:buNone/>
+              <a:defRPr sz="5200" b="1"/>
+            </a:lvl9pPr>
+          </a:lstStyle>
+          <a:p>
+            <a:pPr lvl="0"/>
+            <a:r>
+              <a:rPr kumimoji="1" lang="ja-JP" altLang="en-US" smtClean="0"/>
+              <a:t>マスター テキストの書式設定</a:t>
+            </a:r>
           </a:p>
         </p:txBody>
       </p:sp>
@@ -6697,15 +6436,15 @@
         </p:nvSpPr>
         <p:spPr>
           <a:xfrm>
-            <a:off x="10864198" y="10429771"/>
-            <a:ext cx="9453263" cy="17403979"/>
+            <a:off x="10864215" y="9602677"/>
+            <a:ext cx="9453263" cy="17446034"/>
           </a:xfrm>
         </p:spPr>
         <p:txBody>
           <a:bodyPr/>
           <a:lstStyle>
             <a:lvl1pPr>
-              <a:defRPr sz="7100"/>
+              <a:defRPr sz="7700"/>
             </a:lvl1pPr>
             <a:lvl2pPr>
               <a:defRPr sz="6500"/>
@@ -6719,75 +6458,86 @@
             <a:lvl5pPr>
               <a:defRPr sz="5200"/>
             </a:lvl5pPr>
-            <a:extLst/>
+            <a:lvl6pPr>
+              <a:defRPr sz="5200"/>
+            </a:lvl6pPr>
+            <a:lvl7pPr>
+              <a:defRPr sz="5200"/>
+            </a:lvl7pPr>
+            <a:lvl8pPr>
+              <a:defRPr sz="5200"/>
+            </a:lvl8pPr>
+            <a:lvl9pPr>
+              <a:defRPr sz="5200"/>
+            </a:lvl9pPr>
           </a:lstStyle>
           <a:p>
-            <a:pPr lvl="0" eaLnBrk="1" latinLnBrk="0" hangingPunct="1"/>
-            <a:r>
-              <a:rPr lang="ja-JP" altLang="en-US" smtClean="0"/>
+            <a:pPr lvl="0"/>
+            <a:r>
+              <a:rPr kumimoji="1" lang="ja-JP" altLang="en-US" smtClean="0"/>
               <a:t>マスター テキストの書式設定</a:t>
             </a:r>
           </a:p>
           <a:p>
-            <a:pPr lvl="1" eaLnBrk="1" latinLnBrk="0" hangingPunct="1"/>
-            <a:r>
-              <a:rPr lang="ja-JP" altLang="en-US" smtClean="0"/>
+            <a:pPr lvl="1"/>
+            <a:r>
+              <a:rPr kumimoji="1" lang="ja-JP" altLang="en-US" smtClean="0"/>
               <a:t>第 </a:t>
             </a:r>
             <a:r>
-              <a:rPr lang="en-US" altLang="ja-JP" smtClean="0"/>
+              <a:rPr kumimoji="1" lang="en-US" altLang="ja-JP" smtClean="0"/>
               <a:t>2 </a:t>
             </a:r>
             <a:r>
-              <a:rPr lang="ja-JP" altLang="en-US" smtClean="0"/>
+              <a:rPr kumimoji="1" lang="ja-JP" altLang="en-US" smtClean="0"/>
               <a:t>レベル</a:t>
             </a:r>
           </a:p>
           <a:p>
-            <a:pPr lvl="2" eaLnBrk="1" latinLnBrk="0" hangingPunct="1"/>
-            <a:r>
-              <a:rPr lang="ja-JP" altLang="en-US" smtClean="0"/>
+            <a:pPr lvl="2"/>
+            <a:r>
+              <a:rPr kumimoji="1" lang="ja-JP" altLang="en-US" smtClean="0"/>
               <a:t>第 </a:t>
             </a:r>
             <a:r>
-              <a:rPr lang="en-US" altLang="ja-JP" smtClean="0"/>
+              <a:rPr kumimoji="1" lang="en-US" altLang="ja-JP" smtClean="0"/>
               <a:t>3 </a:t>
             </a:r>
             <a:r>
-              <a:rPr lang="ja-JP" altLang="en-US" smtClean="0"/>
+              <a:rPr kumimoji="1" lang="ja-JP" altLang="en-US" smtClean="0"/>
               <a:t>レベル</a:t>
             </a:r>
           </a:p>
           <a:p>
-            <a:pPr lvl="3" eaLnBrk="1" latinLnBrk="0" hangingPunct="1"/>
-            <a:r>
-              <a:rPr lang="ja-JP" altLang="en-US" smtClean="0"/>
+            <a:pPr lvl="3"/>
+            <a:r>
+              <a:rPr kumimoji="1" lang="ja-JP" altLang="en-US" smtClean="0"/>
               <a:t>第 </a:t>
             </a:r>
             <a:r>
-              <a:rPr lang="en-US" altLang="ja-JP" smtClean="0"/>
+              <a:rPr kumimoji="1" lang="en-US" altLang="ja-JP" smtClean="0"/>
               <a:t>4 </a:t>
             </a:r>
             <a:r>
-              <a:rPr lang="ja-JP" altLang="en-US" smtClean="0"/>
+              <a:rPr kumimoji="1" lang="ja-JP" altLang="en-US" smtClean="0"/>
               <a:t>レベル</a:t>
             </a:r>
           </a:p>
           <a:p>
-            <a:pPr lvl="4" eaLnBrk="1" latinLnBrk="0" hangingPunct="1"/>
-            <a:r>
-              <a:rPr lang="ja-JP" altLang="en-US" smtClean="0"/>
+            <a:pPr lvl="4"/>
+            <a:r>
+              <a:rPr kumimoji="1" lang="ja-JP" altLang="en-US" smtClean="0"/>
               <a:t>第 </a:t>
             </a:r>
             <a:r>
-              <a:rPr lang="en-US" altLang="ja-JP" smtClean="0"/>
+              <a:rPr kumimoji="1" lang="en-US" altLang="ja-JP" smtClean="0"/>
               <a:t>5 </a:t>
             </a:r>
             <a:r>
-              <a:rPr lang="ja-JP" altLang="en-US" smtClean="0"/>
+              <a:rPr kumimoji="1" lang="ja-JP" altLang="en-US" smtClean="0"/>
               <a:t>レベル</a:t>
             </a:r>
-            <a:endParaRPr kumimoji="0" lang="en-US"/>
+            <a:endParaRPr kumimoji="1" lang="ja-JP" altLang="en-US"/>
           </a:p>
         </p:txBody>
       </p:sp>
@@ -6804,13 +6554,11 @@
         <p:spPr/>
         <p:txBody>
           <a:bodyPr/>
-          <a:lstStyle>
-            <a:extLst/>
-          </a:lstStyle>
+          <a:lstStyle/>
           <a:p>
             <a:fld id="{EE10D230-42F9-4781-839B-449B1E3F917A}" type="datetimeFigureOut">
               <a:rPr kumimoji="1" lang="ja-JP" altLang="en-US" smtClean="0"/>
-              <a:t>2013/10/3</a:t>
+              <a:t>2013/10/8</a:t>
             </a:fld>
             <a:endParaRPr kumimoji="1" lang="ja-JP" altLang="en-US"/>
           </a:p>
@@ -6829,9 +6577,7 @@
         <p:spPr/>
         <p:txBody>
           <a:bodyPr/>
-          <a:lstStyle>
-            <a:extLst/>
-          </a:lstStyle>
+          <a:lstStyle/>
           <a:p>
             <a:endParaRPr kumimoji="1" lang="ja-JP" altLang="en-US"/>
           </a:p>
@@ -6847,17 +6593,10 @@
             <p:ph type="sldNum" sz="quarter" idx="12"/>
           </p:nvPr>
         </p:nvSpPr>
-        <p:spPr>
-          <a:xfrm>
-            <a:off x="20210526" y="28763627"/>
-            <a:ext cx="1085918" cy="1211199"/>
-          </a:xfrm>
-        </p:spPr>
+        <p:spPr/>
         <p:txBody>
           <a:bodyPr/>
-          <a:lstStyle>
-            <a:extLst/>
-          </a:lstStyle>
+          <a:lstStyle/>
           <a:p>
             <a:fld id="{8B3C8E2B-7327-4910-BE51-AD93222E085A}" type="slidenum">
               <a:rPr kumimoji="1" lang="ja-JP" altLang="en-US" smtClean="0"/>
@@ -6868,6 +6607,11 @@
         </p:txBody>
       </p:sp>
     </p:spTree>
+    <p:extLst>
+      <p:ext uri="{BB962C8B-B14F-4D97-AF65-F5344CB8AC3E}">
+        <p14:creationId xmlns:p14="http://schemas.microsoft.com/office/powerpoint/2010/main" val="3080647168"/>
+      </p:ext>
+    </p:extLst>
   </p:cSld>
   <p:clrMapOvr>
     <a:masterClrMapping/>
@@ -6902,23 +6646,16 @@
             <p:ph type="title"/>
           </p:nvPr>
         </p:nvSpPr>
-        <p:spPr>
-          <a:xfrm>
-            <a:off x="1069340" y="1118028"/>
-            <a:ext cx="19248120" cy="5046663"/>
-          </a:xfrm>
-        </p:spPr>
+        <p:spPr/>
         <p:txBody>
           <a:bodyPr/>
-          <a:lstStyle>
-            <a:extLst/>
-          </a:lstStyle>
-          <a:p>
-            <a:r>
-              <a:rPr kumimoji="0" lang="ja-JP" altLang="en-US" smtClean="0"/>
+          <a:lstStyle/>
+          <a:p>
+            <a:r>
+              <a:rPr kumimoji="1" lang="ja-JP" altLang="en-US" smtClean="0"/>
               <a:t>マスター タイトルの書式設定</a:t>
             </a:r>
-            <a:endParaRPr kumimoji="0" lang="en-US"/>
+            <a:endParaRPr kumimoji="1" lang="ja-JP" altLang="en-US"/>
           </a:p>
         </p:txBody>
       </p:sp>
@@ -6935,13 +6672,11 @@
         <p:spPr/>
         <p:txBody>
           <a:bodyPr/>
-          <a:lstStyle>
-            <a:extLst/>
-          </a:lstStyle>
+          <a:lstStyle/>
           <a:p>
             <a:fld id="{EE10D230-42F9-4781-839B-449B1E3F917A}" type="datetimeFigureOut">
               <a:rPr kumimoji="1" lang="ja-JP" altLang="en-US" smtClean="0"/>
-              <a:t>2013/10/3</a:t>
+              <a:t>2013/10/8</a:t>
             </a:fld>
             <a:endParaRPr kumimoji="1" lang="ja-JP" altLang="en-US"/>
           </a:p>
@@ -6960,9 +6695,7 @@
         <p:spPr/>
         <p:txBody>
           <a:bodyPr/>
-          <a:lstStyle>
-            <a:extLst/>
-          </a:lstStyle>
+          <a:lstStyle/>
           <a:p>
             <a:endParaRPr kumimoji="1" lang="ja-JP" altLang="en-US"/>
           </a:p>
@@ -6981,9 +6714,7 @@
         <p:spPr/>
         <p:txBody>
           <a:bodyPr/>
-          <a:lstStyle>
-            <a:extLst/>
-          </a:lstStyle>
+          <a:lstStyle/>
           <a:p>
             <a:fld id="{8B3C8E2B-7327-4910-BE51-AD93222E085A}" type="slidenum">
               <a:rPr kumimoji="1" lang="ja-JP" altLang="en-US" smtClean="0"/>
@@ -6993,61 +6724,12 @@
           </a:p>
         </p:txBody>
       </p:sp>
-      <p:sp>
-        <p:nvSpPr>
-          <p:cNvPr id="7" name="正方形/長方形 6"/>
-          <p:cNvSpPr/>
-          <p:nvPr/>
-        </p:nvSpPr>
-        <p:spPr>
-          <a:xfrm>
-            <a:off x="1376184" y="6289952"/>
-            <a:ext cx="18713450" cy="40373"/>
-          </a:xfrm>
-          <a:prstGeom prst="rect">
-            <a:avLst/>
-          </a:prstGeom>
-          <a:solidFill>
-            <a:schemeClr val="accent1"/>
-          </a:solidFill>
-          <a:ln w="38100" cap="rnd" cmpd="sng" algn="ctr">
-            <a:noFill/>
-            <a:prstDash val="solid"/>
-          </a:ln>
-          <a:effectLst>
-            <a:outerShdw blurRad="12700" dist="12900" dir="5400000" algn="tl" rotWithShape="0">
-              <a:srgbClr val="000000">
-                <a:alpha val="75000"/>
-              </a:srgbClr>
-            </a:outerShdw>
-          </a:effectLst>
-        </p:spPr>
-        <p:style>
-          <a:lnRef idx="3">
-            <a:schemeClr val="lt1"/>
-          </a:lnRef>
-          <a:fillRef idx="1">
-            <a:schemeClr val="accent1"/>
-          </a:fillRef>
-          <a:effectRef idx="1">
-            <a:schemeClr val="accent1"/>
-          </a:effectRef>
-          <a:fontRef idx="minor">
-            <a:schemeClr val="lt1"/>
-          </a:fontRef>
-        </p:style>
-        <p:txBody>
-          <a:bodyPr lIns="295232" tIns="147616" rIns="295232" bIns="147616" anchor="ctr"/>
-          <a:lstStyle>
-            <a:extLst/>
-          </a:lstStyle>
-          <a:p>
-            <a:pPr algn="ctr" eaLnBrk="1" latinLnBrk="0" hangingPunct="1"/>
-            <a:endParaRPr kumimoji="0" lang="en-US"/>
-          </a:p>
-        </p:txBody>
-      </p:sp>
     </p:spTree>
+    <p:extLst>
+      <p:ext uri="{BB962C8B-B14F-4D97-AF65-F5344CB8AC3E}">
+        <p14:creationId xmlns:p14="http://schemas.microsoft.com/office/powerpoint/2010/main" val="315958050"/>
+      </p:ext>
+    </p:extLst>
   </p:cSld>
   <p:clrMapOvr>
     <a:masterClrMapping/>
@@ -7085,13 +6767,11 @@
         <p:spPr/>
         <p:txBody>
           <a:bodyPr/>
-          <a:lstStyle>
-            <a:extLst/>
-          </a:lstStyle>
+          <a:lstStyle/>
           <a:p>
             <a:fld id="{EE10D230-42F9-4781-839B-449B1E3F917A}" type="datetimeFigureOut">
               <a:rPr kumimoji="1" lang="ja-JP" altLang="en-US" smtClean="0"/>
-              <a:t>2013/10/3</a:t>
+              <a:t>2013/10/8</a:t>
             </a:fld>
             <a:endParaRPr kumimoji="1" lang="ja-JP" altLang="en-US"/>
           </a:p>
@@ -7110,9 +6790,7 @@
         <p:spPr/>
         <p:txBody>
           <a:bodyPr/>
-          <a:lstStyle>
-            <a:extLst/>
-          </a:lstStyle>
+          <a:lstStyle/>
           <a:p>
             <a:endParaRPr kumimoji="1" lang="ja-JP" altLang="en-US"/>
           </a:p>
@@ -7131,9 +6809,7 @@
         <p:spPr/>
         <p:txBody>
           <a:bodyPr/>
-          <a:lstStyle>
-            <a:extLst/>
-          </a:lstStyle>
+          <a:lstStyle/>
           <a:p>
             <a:fld id="{8B3C8E2B-7327-4910-BE51-AD93222E085A}" type="slidenum">
               <a:rPr kumimoji="1" lang="ja-JP" altLang="en-US" smtClean="0"/>
@@ -7144,6 +6820,11 @@
         </p:txBody>
       </p:sp>
     </p:spTree>
+    <p:extLst>
+      <p:ext uri="{BB962C8B-B14F-4D97-AF65-F5344CB8AC3E}">
+        <p14:creationId xmlns:p14="http://schemas.microsoft.com/office/powerpoint/2010/main" val="1787108190"/>
+      </p:ext>
+    </p:extLst>
   </p:cSld>
   <p:clrMapOvr>
     <a:masterClrMapping/>
@@ -7152,7 +6833,7 @@
 </file>
 
 <file path=ppt/slideLayouts/slideLayout8.xml><?xml version="1.0" encoding="utf-8"?>
-<p:sldLayout xmlns:a="http://schemas.openxmlformats.org/drawingml/2006/main" xmlns:r="http://schemas.openxmlformats.org/officeDocument/2006/relationships" xmlns:p="http://schemas.openxmlformats.org/presentationml/2006/main" showMasterSp="0" type="objTx" preserve="1">
+<p:sldLayout xmlns:a="http://schemas.openxmlformats.org/drawingml/2006/main" xmlns:r="http://schemas.openxmlformats.org/officeDocument/2006/relationships" xmlns:p="http://schemas.openxmlformats.org/presentationml/2006/main" type="objTx" preserve="1">
   <p:cSld name="タイトル付きの&#10;コンテンツ">
     <p:spTree>
       <p:nvGrpSpPr>
@@ -7170,60 +6851,6 @@
       </p:grpSpPr>
       <p:sp>
         <p:nvSpPr>
-          <p:cNvPr id="8" name="正方形/長方形 7"/>
-          <p:cNvSpPr/>
-          <p:nvPr/>
-        </p:nvSpPr>
-        <p:spPr>
-          <a:xfrm>
-            <a:off x="11829052" y="4669845"/>
-            <a:ext cx="8768588" cy="40373"/>
-          </a:xfrm>
-          <a:prstGeom prst="rect">
-            <a:avLst/>
-          </a:prstGeom>
-          <a:solidFill>
-            <a:schemeClr val="accent1"/>
-          </a:solidFill>
-          <a:ln w="38100" cap="rnd" cmpd="sng" algn="ctr">
-            <a:noFill/>
-            <a:prstDash val="solid"/>
-          </a:ln>
-          <a:effectLst>
-            <a:outerShdw blurRad="12700" dist="12900" dir="5400000" algn="tl" rotWithShape="0">
-              <a:srgbClr val="000000">
-                <a:alpha val="75000"/>
-              </a:srgbClr>
-            </a:outerShdw>
-          </a:effectLst>
-        </p:spPr>
-        <p:style>
-          <a:lnRef idx="3">
-            <a:schemeClr val="lt1"/>
-          </a:lnRef>
-          <a:fillRef idx="1">
-            <a:schemeClr val="accent1"/>
-          </a:fillRef>
-          <a:effectRef idx="1">
-            <a:schemeClr val="accent1"/>
-          </a:effectRef>
-          <a:fontRef idx="minor">
-            <a:schemeClr val="lt1"/>
-          </a:fontRef>
-        </p:style>
-        <p:txBody>
-          <a:bodyPr lIns="295232" tIns="147616" rIns="295232" bIns="147616" anchor="ctr"/>
-          <a:lstStyle>
-            <a:extLst/>
-          </a:lstStyle>
-          <a:p>
-            <a:pPr algn="ctr" eaLnBrk="1" latinLnBrk="0" hangingPunct="1"/>
-            <a:endParaRPr kumimoji="0" lang="en-US"/>
-          </a:p>
-        </p:txBody>
-      </p:sp>
-      <p:sp>
-        <p:nvSpPr>
           <p:cNvPr id="2" name="タイトル 1"/>
           <p:cNvSpPr>
             <a:spLocks noGrp="1"/>
@@ -7234,190 +6861,211 @@
         </p:nvSpPr>
         <p:spPr>
           <a:xfrm>
-            <a:off x="11608224" y="1345777"/>
-            <a:ext cx="9196324" cy="3364442"/>
+            <a:off x="1069341" y="1205591"/>
+            <a:ext cx="7036110" cy="5130774"/>
           </a:xfrm>
         </p:spPr>
         <p:txBody>
           <a:bodyPr anchor="b"/>
           <a:lstStyle>
-            <a:lvl1pPr marL="0" algn="r">
-              <a:buNone/>
+            <a:lvl1pPr algn="l">
               <a:defRPr sz="6500" b="1"/>
             </a:lvl1pPr>
-            <a:extLst/>
           </a:lstStyle>
           <a:p>
             <a:r>
-              <a:rPr kumimoji="0" lang="ja-JP" altLang="en-US" smtClean="0"/>
+              <a:rPr kumimoji="1" lang="ja-JP" altLang="en-US" smtClean="0"/>
               <a:t>マスター タイトルの書式設定</a:t>
             </a:r>
-            <a:endParaRPr kumimoji="0" lang="en-US"/>
+            <a:endParaRPr kumimoji="1" lang="ja-JP" altLang="en-US"/>
           </a:p>
         </p:txBody>
       </p:sp>
       <p:sp>
         <p:nvSpPr>
-          <p:cNvPr id="3" name="テキスト プレースホルダー 2"/>
+          <p:cNvPr id="3" name="コンテンツ プレースホルダー 2"/>
           <p:cNvSpPr>
             <a:spLocks noGrp="1"/>
           </p:cNvSpPr>
           <p:nvPr>
-            <p:ph type="body" idx="2"/>
+            <p:ph idx="1"/>
           </p:nvPr>
         </p:nvSpPr>
         <p:spPr>
           <a:xfrm>
-            <a:off x="11608224" y="4890185"/>
-            <a:ext cx="9196324" cy="4710218"/>
+            <a:off x="8361645" y="1205598"/>
+            <a:ext cx="11955815" cy="25843120"/>
           </a:xfrm>
         </p:spPr>
         <p:txBody>
           <a:bodyPr/>
           <a:lstStyle>
-            <a:lvl1pPr marL="0" indent="0" algn="r">
-              <a:spcBef>
-                <a:spcPts val="0"/>
-              </a:spcBef>
-              <a:buNone/>
-              <a:defRPr sz="4500"/>
+            <a:lvl1pPr>
+              <a:defRPr sz="10300"/>
             </a:lvl1pPr>
             <a:lvl2pPr>
-              <a:buNone/>
-              <a:defRPr sz="3900"/>
+              <a:defRPr sz="9000"/>
             </a:lvl2pPr>
             <a:lvl3pPr>
-              <a:buNone/>
-              <a:defRPr sz="3200"/>
+              <a:defRPr sz="7700"/>
             </a:lvl3pPr>
             <a:lvl4pPr>
-              <a:buNone/>
-              <a:defRPr sz="2900"/>
+              <a:defRPr sz="6500"/>
             </a:lvl4pPr>
             <a:lvl5pPr>
-              <a:buNone/>
-              <a:defRPr sz="2900"/>
+              <a:defRPr sz="6500"/>
             </a:lvl5pPr>
-            <a:extLst/>
+            <a:lvl6pPr>
+              <a:defRPr sz="6500"/>
+            </a:lvl6pPr>
+            <a:lvl7pPr>
+              <a:defRPr sz="6500"/>
+            </a:lvl7pPr>
+            <a:lvl8pPr>
+              <a:defRPr sz="6500"/>
+            </a:lvl8pPr>
+            <a:lvl9pPr>
+              <a:defRPr sz="6500"/>
+            </a:lvl9pPr>
           </a:lstStyle>
           <a:p>
-            <a:pPr lvl="0" eaLnBrk="1" latinLnBrk="0" hangingPunct="1"/>
-            <a:r>
-              <a:rPr kumimoji="0" lang="ja-JP" altLang="en-US" smtClean="0"/>
+            <a:pPr lvl="0"/>
+            <a:r>
+              <a:rPr kumimoji="1" lang="ja-JP" altLang="en-US" smtClean="0"/>
               <a:t>マスター テキストの書式設定</a:t>
             </a:r>
+          </a:p>
+          <a:p>
+            <a:pPr lvl="1"/>
+            <a:r>
+              <a:rPr kumimoji="1" lang="ja-JP" altLang="en-US" smtClean="0"/>
+              <a:t>第 </a:t>
+            </a:r>
+            <a:r>
+              <a:rPr kumimoji="1" lang="en-US" altLang="ja-JP" smtClean="0"/>
+              <a:t>2 </a:t>
+            </a:r>
+            <a:r>
+              <a:rPr kumimoji="1" lang="ja-JP" altLang="en-US" smtClean="0"/>
+              <a:t>レベル</a:t>
+            </a:r>
+          </a:p>
+          <a:p>
+            <a:pPr lvl="2"/>
+            <a:r>
+              <a:rPr kumimoji="1" lang="ja-JP" altLang="en-US" smtClean="0"/>
+              <a:t>第 </a:t>
+            </a:r>
+            <a:r>
+              <a:rPr kumimoji="1" lang="en-US" altLang="ja-JP" smtClean="0"/>
+              <a:t>3 </a:t>
+            </a:r>
+            <a:r>
+              <a:rPr kumimoji="1" lang="ja-JP" altLang="en-US" smtClean="0"/>
+              <a:t>レベル</a:t>
+            </a:r>
+          </a:p>
+          <a:p>
+            <a:pPr lvl="3"/>
+            <a:r>
+              <a:rPr kumimoji="1" lang="ja-JP" altLang="en-US" smtClean="0"/>
+              <a:t>第 </a:t>
+            </a:r>
+            <a:r>
+              <a:rPr kumimoji="1" lang="en-US" altLang="ja-JP" smtClean="0"/>
+              <a:t>4 </a:t>
+            </a:r>
+            <a:r>
+              <a:rPr kumimoji="1" lang="ja-JP" altLang="en-US" smtClean="0"/>
+              <a:t>レベル</a:t>
+            </a:r>
+          </a:p>
+          <a:p>
+            <a:pPr lvl="4"/>
+            <a:r>
+              <a:rPr kumimoji="1" lang="ja-JP" altLang="en-US" smtClean="0"/>
+              <a:t>第 </a:t>
+            </a:r>
+            <a:r>
+              <a:rPr kumimoji="1" lang="en-US" altLang="ja-JP" smtClean="0"/>
+              <a:t>5 </a:t>
+            </a:r>
+            <a:r>
+              <a:rPr kumimoji="1" lang="ja-JP" altLang="en-US" smtClean="0"/>
+              <a:t>レベル</a:t>
+            </a:r>
+            <a:endParaRPr kumimoji="1" lang="ja-JP" altLang="en-US"/>
           </a:p>
         </p:txBody>
       </p:sp>
       <p:sp>
         <p:nvSpPr>
-          <p:cNvPr id="4" name="コンテンツ プレースホルダー 3"/>
+          <p:cNvPr id="4" name="テキスト プレースホルダー 3"/>
           <p:cNvSpPr>
             <a:spLocks noGrp="1"/>
           </p:cNvSpPr>
           <p:nvPr>
-            <p:ph sz="half" idx="1"/>
+            <p:ph type="body" sz="half" idx="2"/>
           </p:nvPr>
         </p:nvSpPr>
         <p:spPr>
           <a:xfrm>
-            <a:off x="534670" y="9756881"/>
-            <a:ext cx="20269878" cy="17562386"/>
+            <a:off x="1069341" y="6336367"/>
+            <a:ext cx="7036110" cy="20712346"/>
           </a:xfrm>
         </p:spPr>
         <p:txBody>
           <a:bodyPr/>
           <a:lstStyle>
-            <a:lvl1pPr marL="944743">
-              <a:defRPr sz="10300"/>
+            <a:lvl1pPr marL="0" indent="0">
+              <a:buNone/>
+              <a:defRPr sz="4500"/>
             </a:lvl1pPr>
-            <a:lvl2pPr marL="1919010">
-              <a:defRPr sz="9000"/>
+            <a:lvl2pPr marL="1475416" indent="0">
+              <a:buNone/>
+              <a:defRPr sz="3900"/>
             </a:lvl2pPr>
-            <a:lvl3pPr marL="2657091">
-              <a:defRPr sz="7700"/>
+            <a:lvl3pPr marL="2950838" indent="0">
+              <a:buNone/>
+              <a:defRPr sz="3200"/>
             </a:lvl3pPr>
-            <a:lvl4pPr marL="3395172">
-              <a:defRPr sz="6500"/>
+            <a:lvl4pPr marL="4426270" indent="0">
+              <a:buNone/>
+              <a:defRPr sz="2900"/>
             </a:lvl4pPr>
-            <a:lvl5pPr marL="4074206">
-              <a:defRPr sz="6500"/>
+            <a:lvl5pPr marL="5901686" indent="0">
+              <a:buNone/>
+              <a:defRPr sz="2900"/>
             </a:lvl5pPr>
-            <a:extLst/>
+            <a:lvl6pPr marL="7377102" indent="0">
+              <a:buNone/>
+              <a:defRPr sz="2900"/>
+            </a:lvl6pPr>
+            <a:lvl7pPr marL="8852534" indent="0">
+              <a:buNone/>
+              <a:defRPr sz="2900"/>
+            </a:lvl7pPr>
+            <a:lvl8pPr marL="10327956" indent="0">
+              <a:buNone/>
+              <a:defRPr sz="2900"/>
+            </a:lvl8pPr>
+            <a:lvl9pPr marL="11803372" indent="0">
+              <a:buNone/>
+              <a:defRPr sz="2900"/>
+            </a:lvl9pPr>
           </a:lstStyle>
           <a:p>
-            <a:pPr lvl="0" eaLnBrk="1" latinLnBrk="0" hangingPunct="1"/>
-            <a:r>
-              <a:rPr lang="ja-JP" altLang="en-US" smtClean="0"/>
+            <a:pPr lvl="0"/>
+            <a:r>
+              <a:rPr kumimoji="1" lang="ja-JP" altLang="en-US" smtClean="0"/>
               <a:t>マスター テキストの書式設定</a:t>
             </a:r>
-          </a:p>
-          <a:p>
-            <a:pPr lvl="1" eaLnBrk="1" latinLnBrk="0" hangingPunct="1"/>
-            <a:r>
-              <a:rPr lang="ja-JP" altLang="en-US" smtClean="0"/>
-              <a:t>第 </a:t>
-            </a:r>
-            <a:r>
-              <a:rPr lang="en-US" altLang="ja-JP" smtClean="0"/>
-              <a:t>2 </a:t>
-            </a:r>
-            <a:r>
-              <a:rPr lang="ja-JP" altLang="en-US" smtClean="0"/>
-              <a:t>レベル</a:t>
-            </a:r>
-          </a:p>
-          <a:p>
-            <a:pPr lvl="2" eaLnBrk="1" latinLnBrk="0" hangingPunct="1"/>
-            <a:r>
-              <a:rPr lang="ja-JP" altLang="en-US" smtClean="0"/>
-              <a:t>第 </a:t>
-            </a:r>
-            <a:r>
-              <a:rPr lang="en-US" altLang="ja-JP" smtClean="0"/>
-              <a:t>3 </a:t>
-            </a:r>
-            <a:r>
-              <a:rPr lang="ja-JP" altLang="en-US" smtClean="0"/>
-              <a:t>レベル</a:t>
-            </a:r>
-          </a:p>
-          <a:p>
-            <a:pPr lvl="3" eaLnBrk="1" latinLnBrk="0" hangingPunct="1"/>
-            <a:r>
-              <a:rPr lang="ja-JP" altLang="en-US" smtClean="0"/>
-              <a:t>第 </a:t>
-            </a:r>
-            <a:r>
-              <a:rPr lang="en-US" altLang="ja-JP" smtClean="0"/>
-              <a:t>4 </a:t>
-            </a:r>
-            <a:r>
-              <a:rPr lang="ja-JP" altLang="en-US" smtClean="0"/>
-              <a:t>レベル</a:t>
-            </a:r>
-          </a:p>
-          <a:p>
-            <a:pPr lvl="4" eaLnBrk="1" latinLnBrk="0" hangingPunct="1"/>
-            <a:r>
-              <a:rPr lang="ja-JP" altLang="en-US" smtClean="0"/>
-              <a:t>第 </a:t>
-            </a:r>
-            <a:r>
-              <a:rPr lang="en-US" altLang="ja-JP" smtClean="0"/>
-              <a:t>5 </a:t>
-            </a:r>
-            <a:r>
-              <a:rPr lang="ja-JP" altLang="en-US" smtClean="0"/>
-              <a:t>レベル</a:t>
-            </a:r>
-            <a:endParaRPr kumimoji="0" lang="en-US"/>
           </a:p>
         </p:txBody>
       </p:sp>
       <p:sp>
         <p:nvSpPr>
-          <p:cNvPr id="9" name="日付プレースホルダー 8"/>
+          <p:cNvPr id="5" name="日付プレースホルダー 4"/>
           <p:cNvSpPr>
             <a:spLocks noGrp="1"/>
           </p:cNvSpPr>
@@ -7425,21 +7073,14 @@
             <p:ph type="dt" sz="half" idx="10"/>
           </p:nvPr>
         </p:nvSpPr>
-        <p:spPr>
-          <a:xfrm>
-            <a:off x="13010304" y="28759662"/>
-            <a:ext cx="7021999" cy="1211199"/>
-          </a:xfrm>
-        </p:spPr>
+        <p:spPr/>
         <p:txBody>
-          <a:bodyPr vert="horz" rtlCol="0"/>
-          <a:lstStyle>
-            <a:extLst/>
-          </a:lstStyle>
+          <a:bodyPr/>
+          <a:lstStyle/>
           <a:p>
             <a:fld id="{EE10D230-42F9-4781-839B-449B1E3F917A}" type="datetimeFigureOut">
               <a:rPr kumimoji="1" lang="ja-JP" altLang="en-US" smtClean="0"/>
-              <a:t>2013/10/3</a:t>
+              <a:t>2013/10/8</a:t>
             </a:fld>
             <a:endParaRPr kumimoji="1" lang="ja-JP" altLang="en-US"/>
           </a:p>
@@ -7447,70 +7088,52 @@
       </p:sp>
       <p:sp>
         <p:nvSpPr>
-          <p:cNvPr id="10" name="スライド番号プレースホルダー 9"/>
+          <p:cNvPr id="6" name="フッター プレースホルダー 5"/>
           <p:cNvSpPr>
             <a:spLocks noGrp="1"/>
           </p:cNvSpPr>
           <p:nvPr>
-            <p:ph type="sldNum" sz="quarter" idx="11"/>
+            <p:ph type="ftr" sz="quarter" idx="11"/>
           </p:nvPr>
         </p:nvSpPr>
-        <p:spPr>
-          <a:xfrm>
-            <a:off x="20205549" y="28759662"/>
-            <a:ext cx="1085918" cy="1211199"/>
-          </a:xfrm>
-        </p:spPr>
+        <p:spPr/>
         <p:txBody>
-          <a:bodyPr vert="horz" rtlCol="0"/>
-          <a:lstStyle>
-            <a:lvl1pPr>
-              <a:defRPr>
-                <a:solidFill>
-                  <a:schemeClr val="tx2">
-                    <a:shade val="90000"/>
-                  </a:schemeClr>
-                </a:solidFill>
-              </a:defRPr>
-            </a:lvl1pPr>
-            <a:extLst/>
-          </a:lstStyle>
-          <a:p>
-            <a:fld id="{8B3C8E2B-7327-4910-BE51-AD93222E085A}" type="slidenum">
-              <a:rPr kumimoji="1" lang="ja-JP" altLang="en-US" smtClean="0"/>
-              <a:t>‹#›</a:t>
-            </a:fld>
+          <a:bodyPr/>
+          <a:lstStyle/>
+          <a:p>
             <a:endParaRPr kumimoji="1" lang="ja-JP" altLang="en-US"/>
           </a:p>
         </p:txBody>
       </p:sp>
       <p:sp>
         <p:nvSpPr>
-          <p:cNvPr id="11" name="フッター プレースホルダー 10"/>
+          <p:cNvPr id="7" name="スライド番号プレースホルダー 6"/>
           <p:cNvSpPr>
             <a:spLocks noGrp="1"/>
           </p:cNvSpPr>
           <p:nvPr>
-            <p:ph type="ftr" sz="quarter" idx="12"/>
+            <p:ph type="sldNum" sz="quarter" idx="12"/>
           </p:nvPr>
         </p:nvSpPr>
-        <p:spPr>
-          <a:xfrm>
-            <a:off x="3742690" y="28759662"/>
-            <a:ext cx="9139124" cy="1211199"/>
-          </a:xfrm>
-        </p:spPr>
+        <p:spPr/>
         <p:txBody>
-          <a:bodyPr vert="horz" rtlCol="0"/>
-          <a:lstStyle>
-            <a:extLst/>
-          </a:lstStyle>
-          <a:p>
+          <a:bodyPr/>
+          <a:lstStyle/>
+          <a:p>
+            <a:fld id="{8B3C8E2B-7327-4910-BE51-AD93222E085A}" type="slidenum">
+              <a:rPr kumimoji="1" lang="ja-JP" altLang="en-US" smtClean="0"/>
+              <a:t>‹#›</a:t>
+            </a:fld>
             <a:endParaRPr kumimoji="1" lang="ja-JP" altLang="en-US"/>
           </a:p>
         </p:txBody>
       </p:sp>
     </p:spTree>
+    <p:extLst>
+      <p:ext uri="{BB962C8B-B14F-4D97-AF65-F5344CB8AC3E}">
+        <p14:creationId xmlns:p14="http://schemas.microsoft.com/office/powerpoint/2010/main" val="2261763457"/>
+      </p:ext>
+    </p:extLst>
   </p:cSld>
   <p:clrMapOvr>
     <a:masterClrMapping/>
@@ -7519,7 +7142,7 @@
 </file>
 
 <file path=ppt/slideLayouts/slideLayout9.xml><?xml version="1.0" encoding="utf-8"?>
-<p:sldLayout xmlns:a="http://schemas.openxmlformats.org/drawingml/2006/main" xmlns:r="http://schemas.openxmlformats.org/officeDocument/2006/relationships" xmlns:p="http://schemas.openxmlformats.org/presentationml/2006/main" showMasterSp="0" type="picTx" preserve="1">
+<p:sldLayout xmlns:a="http://schemas.openxmlformats.org/drawingml/2006/main" xmlns:r="http://schemas.openxmlformats.org/officeDocument/2006/relationships" xmlns:p="http://schemas.openxmlformats.org/presentationml/2006/main" type="picTx" preserve="1">
   <p:cSld name="タイトル付きの図">
     <p:spTree>
       <p:nvGrpSpPr>
@@ -7547,25 +7170,84 @@
         </p:nvSpPr>
         <p:spPr>
           <a:xfrm>
-            <a:off x="7111258" y="20859538"/>
-            <a:ext cx="12832080" cy="2934111"/>
+            <a:off x="4191962" y="21195982"/>
+            <a:ext cx="12832080" cy="2502306"/>
           </a:xfrm>
         </p:spPr>
         <p:txBody>
           <a:bodyPr anchor="b"/>
           <a:lstStyle>
-            <a:lvl1pPr marL="0" algn="r">
-              <a:buNone/>
+            <a:lvl1pPr algn="l">
               <a:defRPr sz="6500" b="1"/>
             </a:lvl1pPr>
-            <a:extLst/>
           </a:lstStyle>
           <a:p>
             <a:r>
-              <a:rPr kumimoji="0" lang="ja-JP" altLang="en-US" smtClean="0"/>
+              <a:rPr kumimoji="1" lang="ja-JP" altLang="en-US" smtClean="0"/>
               <a:t>マスター タイトルの書式設定</a:t>
             </a:r>
-            <a:endParaRPr kumimoji="0" lang="en-US"/>
+            <a:endParaRPr kumimoji="1" lang="ja-JP" altLang="en-US"/>
+          </a:p>
+        </p:txBody>
+      </p:sp>
+      <p:sp>
+        <p:nvSpPr>
+          <p:cNvPr id="3" name="図プレースホルダー 2"/>
+          <p:cNvSpPr>
+            <a:spLocks noGrp="1"/>
+          </p:cNvSpPr>
+          <p:nvPr>
+            <p:ph type="pic" idx="1"/>
+          </p:nvPr>
+        </p:nvSpPr>
+        <p:spPr>
+          <a:xfrm>
+            <a:off x="4191962" y="2705572"/>
+            <a:ext cx="12832080" cy="18167985"/>
+          </a:xfrm>
+        </p:spPr>
+        <p:txBody>
+          <a:bodyPr/>
+          <a:lstStyle>
+            <a:lvl1pPr marL="0" indent="0">
+              <a:buNone/>
+              <a:defRPr sz="10300"/>
+            </a:lvl1pPr>
+            <a:lvl2pPr marL="1475416" indent="0">
+              <a:buNone/>
+              <a:defRPr sz="9000"/>
+            </a:lvl2pPr>
+            <a:lvl3pPr marL="2950838" indent="0">
+              <a:buNone/>
+              <a:defRPr sz="7700"/>
+            </a:lvl3pPr>
+            <a:lvl4pPr marL="4426270" indent="0">
+              <a:buNone/>
+              <a:defRPr sz="6500"/>
+            </a:lvl4pPr>
+            <a:lvl5pPr marL="5901686" indent="0">
+              <a:buNone/>
+              <a:defRPr sz="6500"/>
+            </a:lvl5pPr>
+            <a:lvl6pPr marL="7377102" indent="0">
+              <a:buNone/>
+              <a:defRPr sz="6500"/>
+            </a:lvl6pPr>
+            <a:lvl7pPr marL="8852534" indent="0">
+              <a:buNone/>
+              <a:defRPr sz="6500"/>
+            </a:lvl7pPr>
+            <a:lvl8pPr marL="10327956" indent="0">
+              <a:buNone/>
+              <a:defRPr sz="6500"/>
+            </a:lvl8pPr>
+            <a:lvl9pPr marL="11803372" indent="0">
+              <a:buNone/>
+              <a:defRPr sz="6500"/>
+            </a:lvl9pPr>
+          </a:lstStyle>
+          <a:p>
+            <a:endParaRPr kumimoji="1" lang="ja-JP" altLang="en-US"/>
           </a:p>
         </p:txBody>
       </p:sp>
@@ -7581,38 +7263,54 @@
         </p:nvSpPr>
         <p:spPr>
           <a:xfrm>
-            <a:off x="7111258" y="23793652"/>
-            <a:ext cx="12832080" cy="4027859"/>
+            <a:off x="4191962" y="23698288"/>
+            <a:ext cx="12832080" cy="3553689"/>
           </a:xfrm>
         </p:spPr>
         <p:txBody>
           <a:bodyPr/>
           <a:lstStyle>
-            <a:lvl1pPr marL="0" indent="0" algn="r">
-              <a:spcBef>
-                <a:spcPts val="0"/>
-              </a:spcBef>
+            <a:lvl1pPr marL="0" indent="0">
               <a:buNone/>
               <a:defRPr sz="4500"/>
             </a:lvl1pPr>
-            <a:lvl2pPr>
+            <a:lvl2pPr marL="1475416" indent="0">
+              <a:buNone/>
               <a:defRPr sz="3900"/>
             </a:lvl2pPr>
-            <a:lvl3pPr>
+            <a:lvl3pPr marL="2950838" indent="0">
+              <a:buNone/>
               <a:defRPr sz="3200"/>
             </a:lvl3pPr>
-            <a:lvl4pPr>
+            <a:lvl4pPr marL="4426270" indent="0">
+              <a:buNone/>
               <a:defRPr sz="2900"/>
             </a:lvl4pPr>
-            <a:lvl5pPr>
+            <a:lvl5pPr marL="5901686" indent="0">
+              <a:buNone/>
               <a:defRPr sz="2900"/>
             </a:lvl5pPr>
-            <a:extLst/>
+            <a:lvl6pPr marL="7377102" indent="0">
+              <a:buNone/>
+              <a:defRPr sz="2900"/>
+            </a:lvl6pPr>
+            <a:lvl7pPr marL="8852534" indent="0">
+              <a:buNone/>
+              <a:defRPr sz="2900"/>
+            </a:lvl7pPr>
+            <a:lvl8pPr marL="10327956" indent="0">
+              <a:buNone/>
+              <a:defRPr sz="2900"/>
+            </a:lvl8pPr>
+            <a:lvl9pPr marL="11803372" indent="0">
+              <a:buNone/>
+              <a:defRPr sz="2900"/>
+            </a:lvl9pPr>
           </a:lstStyle>
           <a:p>
-            <a:pPr lvl="0" eaLnBrk="1" latinLnBrk="0" hangingPunct="1"/>
-            <a:r>
-              <a:rPr kumimoji="0" lang="ja-JP" altLang="en-US" smtClean="0"/>
+            <a:pPr lvl="0"/>
+            <a:r>
+              <a:rPr kumimoji="1" lang="ja-JP" altLang="en-US" smtClean="0"/>
               <a:t>マスター テキストの書式設定</a:t>
             </a:r>
           </a:p>
@@ -7620,101 +7318,7 @@
       </p:sp>
       <p:sp>
         <p:nvSpPr>
-          <p:cNvPr id="13" name="図プレースホルダー 12"/>
-          <p:cNvSpPr>
-            <a:spLocks noGrp="1"/>
-          </p:cNvSpPr>
-          <p:nvPr>
-            <p:ph type="pic" idx="1"/>
-          </p:nvPr>
-        </p:nvSpPr>
-        <p:spPr>
-          <a:xfrm>
-            <a:off x="712894" y="1103219"/>
-            <a:ext cx="19961013" cy="19177318"/>
-          </a:xfrm>
-          <a:prstGeom prst="round2DiagRect">
-            <a:avLst>
-              <a:gd name="adj1" fmla="val 11403"/>
-              <a:gd name="adj2" fmla="val 0"/>
-            </a:avLst>
-          </a:prstGeom>
-          <a:solidFill>
-            <a:schemeClr val="bg2">
-              <a:tint val="85000"/>
-              <a:shade val="90000"/>
-              <a:satMod val="150000"/>
-              <a:alpha val="65000"/>
-            </a:schemeClr>
-          </a:solidFill>
-          <a:ln w="11000" cap="rnd" cmpd="sng" algn="ctr">
-            <a:solidFill>
-              <a:schemeClr val="bg2">
-                <a:tint val="78000"/>
-                <a:satMod val="180000"/>
-                <a:alpha val="88000"/>
-              </a:schemeClr>
-            </a:solidFill>
-            <a:prstDash val="solid"/>
-          </a:ln>
-          <a:effectLst>
-            <a:innerShdw blurRad="114300">
-              <a:srgbClr val="000000">
-                <a:alpha val="100000"/>
-              </a:srgbClr>
-            </a:innerShdw>
-          </a:effectLst>
-        </p:spPr>
-        <p:style>
-          <a:lnRef idx="3">
-            <a:schemeClr val="lt1"/>
-          </a:lnRef>
-          <a:fillRef idx="1">
-            <a:schemeClr val="accent1"/>
-          </a:fillRef>
-          <a:effectRef idx="1">
-            <a:schemeClr val="accent1"/>
-          </a:effectRef>
-          <a:fontRef idx="minor">
-            <a:schemeClr val="lt1"/>
-          </a:fontRef>
-        </p:style>
-        <p:txBody>
-          <a:bodyPr anchor="t"/>
-          <a:lstStyle>
-            <a:lvl1pPr marL="0" indent="0" algn="l" rtl="0" eaLnBrk="1" latinLnBrk="0" hangingPunct="1">
-              <a:buNone/>
-              <a:defRPr sz="10300"/>
-            </a:lvl1pPr>
-            <a:extLst/>
-          </a:lstStyle>
-          <a:p>
-            <a:pPr marL="0" algn="l" rtl="0" eaLnBrk="1" latinLnBrk="0" hangingPunct="1"/>
-            <a:r>
-              <a:rPr kumimoji="0" lang="ja-JP" altLang="en-US" smtClean="0">
-                <a:solidFill>
-                  <a:schemeClr val="lt1"/>
-                </a:solidFill>
-                <a:latin typeface="+mn-lt"/>
-                <a:ea typeface="+mn-ea"/>
-                <a:cs typeface="+mn-cs"/>
-              </a:rPr>
-              <a:t>アイコンをクリックして図を追加</a:t>
-            </a:r>
-            <a:endParaRPr kumimoji="0" lang="en-US" dirty="0">
-              <a:solidFill>
-                <a:schemeClr val="lt1"/>
-              </a:solidFill>
-              <a:latin typeface="+mn-lt"/>
-              <a:ea typeface="+mn-ea"/>
-              <a:cs typeface="+mn-cs"/>
-            </a:endParaRPr>
-          </a:p>
-        </p:txBody>
-      </p:sp>
-      <p:sp>
-        <p:nvSpPr>
-          <p:cNvPr id="8" name="日付プレースホルダー 7"/>
+          <p:cNvPr id="5" name="日付プレースホルダー 4"/>
           <p:cNvSpPr>
             <a:spLocks noGrp="1"/>
           </p:cNvSpPr>
@@ -7722,21 +7326,14 @@
             <p:ph type="dt" sz="half" idx="10"/>
           </p:nvPr>
         </p:nvSpPr>
-        <p:spPr>
-          <a:xfrm>
-            <a:off x="13010304" y="28739061"/>
-            <a:ext cx="7021999" cy="1211199"/>
-          </a:xfrm>
-        </p:spPr>
+        <p:spPr/>
         <p:txBody>
-          <a:bodyPr vert="horz" rtlCol="0"/>
-          <a:lstStyle>
-            <a:extLst/>
-          </a:lstStyle>
+          <a:bodyPr/>
+          <a:lstStyle/>
           <a:p>
             <a:fld id="{EE10D230-42F9-4781-839B-449B1E3F917A}" type="datetimeFigureOut">
               <a:rPr kumimoji="1" lang="ja-JP" altLang="en-US" smtClean="0"/>
-              <a:t>2013/10/3</a:t>
+              <a:t>2013/10/8</a:t>
             </a:fld>
             <a:endParaRPr kumimoji="1" lang="ja-JP" altLang="en-US"/>
           </a:p>
@@ -7744,70 +7341,52 @@
       </p:sp>
       <p:sp>
         <p:nvSpPr>
-          <p:cNvPr id="9" name="スライド番号プレースホルダー 8"/>
+          <p:cNvPr id="6" name="フッター プレースホルダー 5"/>
           <p:cNvSpPr>
             <a:spLocks noGrp="1"/>
           </p:cNvSpPr>
           <p:nvPr>
-            <p:ph type="sldNum" sz="quarter" idx="11"/>
+            <p:ph type="ftr" sz="quarter" idx="11"/>
           </p:nvPr>
         </p:nvSpPr>
-        <p:spPr>
-          <a:xfrm>
-            <a:off x="20205549" y="28739061"/>
-            <a:ext cx="1085918" cy="1211199"/>
-          </a:xfrm>
-        </p:spPr>
+        <p:spPr/>
         <p:txBody>
-          <a:bodyPr vert="horz" rtlCol="0"/>
-          <a:lstStyle>
-            <a:lvl1pPr>
-              <a:defRPr>
-                <a:solidFill>
-                  <a:schemeClr val="tx2">
-                    <a:shade val="90000"/>
-                  </a:schemeClr>
-                </a:solidFill>
-              </a:defRPr>
-            </a:lvl1pPr>
-            <a:extLst/>
-          </a:lstStyle>
-          <a:p>
-            <a:fld id="{8B3C8E2B-7327-4910-BE51-AD93222E085A}" type="slidenum">
-              <a:rPr kumimoji="1" lang="ja-JP" altLang="en-US" smtClean="0"/>
-              <a:t>‹#›</a:t>
-            </a:fld>
+          <a:bodyPr/>
+          <a:lstStyle/>
+          <a:p>
             <a:endParaRPr kumimoji="1" lang="ja-JP" altLang="en-US"/>
           </a:p>
         </p:txBody>
       </p:sp>
       <p:sp>
         <p:nvSpPr>
-          <p:cNvPr id="10" name="フッター プレースホルダー 9"/>
+          <p:cNvPr id="7" name="スライド番号プレースホルダー 6"/>
           <p:cNvSpPr>
             <a:spLocks noGrp="1"/>
           </p:cNvSpPr>
           <p:nvPr>
-            <p:ph type="ftr" sz="quarter" idx="12"/>
+            <p:ph type="sldNum" sz="quarter" idx="12"/>
           </p:nvPr>
         </p:nvSpPr>
-        <p:spPr>
-          <a:xfrm>
-            <a:off x="3742690" y="28739061"/>
-            <a:ext cx="9139124" cy="1211199"/>
-          </a:xfrm>
-        </p:spPr>
+        <p:spPr/>
         <p:txBody>
-          <a:bodyPr vert="horz" rtlCol="0"/>
-          <a:lstStyle>
-            <a:extLst/>
-          </a:lstStyle>
-          <a:p>
+          <a:bodyPr/>
+          <a:lstStyle/>
+          <a:p>
+            <a:fld id="{8B3C8E2B-7327-4910-BE51-AD93222E085A}" type="slidenum">
+              <a:rPr kumimoji="1" lang="ja-JP" altLang="en-US" smtClean="0"/>
+              <a:t>‹#›</a:t>
+            </a:fld>
             <a:endParaRPr kumimoji="1" lang="ja-JP" altLang="en-US"/>
           </a:p>
         </p:txBody>
       </p:sp>
     </p:spTree>
+    <p:extLst>
+      <p:ext uri="{BB962C8B-B14F-4D97-AF65-F5344CB8AC3E}">
+        <p14:creationId xmlns:p14="http://schemas.microsoft.com/office/powerpoint/2010/main" val="3773902813"/>
+      </p:ext>
+    </p:extLst>
   </p:cSld>
   <p:clrMapOvr>
     <a:masterClrMapping/>
@@ -7819,8 +7398,8 @@
 <p:sldMaster xmlns:a="http://schemas.openxmlformats.org/drawingml/2006/main" xmlns:r="http://schemas.openxmlformats.org/officeDocument/2006/relationships" xmlns:p="http://schemas.openxmlformats.org/presentationml/2006/main">
   <p:cSld>
     <p:bg>
-      <p:bgRef idx="1002">
-        <a:schemeClr val="bg2"/>
+      <p:bgRef idx="1001">
+        <a:schemeClr val="bg1"/>
       </p:bgRef>
     </p:bg>
     <p:spTree>
@@ -7839,75 +7418,175 @@
       </p:grpSpPr>
       <p:sp>
         <p:nvSpPr>
-          <p:cNvPr id="7" name="対角する 2 つの角を丸めた四角形 6"/>
-          <p:cNvSpPr/>
-          <p:nvPr/>
+          <p:cNvPr id="2" name="タイトル プレースホルダー 1"/>
+          <p:cNvSpPr>
+            <a:spLocks noGrp="1"/>
+          </p:cNvSpPr>
+          <p:nvPr>
+            <p:ph type="title"/>
+          </p:nvPr>
         </p:nvSpPr>
         <p:spPr>
           <a:xfrm>
-            <a:off x="384962" y="649421"/>
-            <a:ext cx="20607590" cy="28988029"/>
+            <a:off x="1069340" y="1212603"/>
+            <a:ext cx="19248120" cy="5046663"/>
           </a:xfrm>
-          <a:prstGeom prst="round2DiagRect">
-            <a:avLst>
-              <a:gd name="adj1" fmla="val 11807"/>
-              <a:gd name="adj2" fmla="val 0"/>
-            </a:avLst>
+          <a:prstGeom prst="rect">
+            <a:avLst/>
           </a:prstGeom>
-          <a:solidFill>
-            <a:schemeClr val="bg2">
-              <a:tint val="85000"/>
-              <a:shade val="90000"/>
-              <a:satMod val="150000"/>
-              <a:alpha val="65000"/>
-            </a:schemeClr>
-          </a:solidFill>
-          <a:ln w="11000" cap="rnd" cmpd="sng" algn="ctr">
-            <a:solidFill>
-              <a:schemeClr val="bg2">
-                <a:tint val="78000"/>
-                <a:satMod val="180000"/>
-                <a:alpha val="88000"/>
-              </a:schemeClr>
-            </a:solidFill>
-            <a:prstDash val="solid"/>
-          </a:ln>
-          <a:effectLst>
-            <a:innerShdw blurRad="114300">
-              <a:srgbClr val="000000">
-                <a:alpha val="100000"/>
-              </a:srgbClr>
-            </a:innerShdw>
-          </a:effectLst>
         </p:spPr>
-        <p:style>
-          <a:lnRef idx="3">
-            <a:schemeClr val="lt1"/>
-          </a:lnRef>
-          <a:fillRef idx="1">
-            <a:schemeClr val="accent1"/>
-          </a:fillRef>
-          <a:effectRef idx="1">
-            <a:schemeClr val="accent1"/>
-          </a:effectRef>
-          <a:fontRef idx="minor">
-            <a:schemeClr val="lt1"/>
-          </a:fontRef>
-        </p:style>
         <p:txBody>
-          <a:bodyPr lIns="295232" tIns="147616" rIns="295232" bIns="147616" anchor="ctr"/>
-          <a:lstStyle>
-            <a:extLst/>
-          </a:lstStyle>
-          <a:p>
-            <a:pPr algn="ctr" eaLnBrk="1" latinLnBrk="0" hangingPunct="1"/>
-            <a:endParaRPr kumimoji="0" lang="en-US"/>
+          <a:bodyPr vert="horz" lIns="295084" tIns="147548" rIns="295084" bIns="147548" rtlCol="0" anchor="ctr">
+            <a:normAutofit/>
+          </a:bodyPr>
+          <a:lstStyle/>
+          <a:p>
+            <a:r>
+              <a:rPr kumimoji="1" lang="ja-JP" altLang="en-US" smtClean="0"/>
+              <a:t>マスター タイトルの書式設定</a:t>
+            </a:r>
+            <a:endParaRPr kumimoji="1" lang="ja-JP" altLang="en-US"/>
           </a:p>
         </p:txBody>
       </p:sp>
       <p:sp>
         <p:nvSpPr>
-          <p:cNvPr id="3" name="フッター プレースホルダー 2"/>
+          <p:cNvPr id="3" name="テキスト プレースホルダー 2"/>
+          <p:cNvSpPr>
+            <a:spLocks noGrp="1"/>
+          </p:cNvSpPr>
+          <p:nvPr>
+            <p:ph type="body" idx="1"/>
+          </p:nvPr>
+        </p:nvSpPr>
+        <p:spPr>
+          <a:xfrm>
+            <a:off x="1069340" y="7065334"/>
+            <a:ext cx="19248120" cy="19983384"/>
+          </a:xfrm>
+          <a:prstGeom prst="rect">
+            <a:avLst/>
+          </a:prstGeom>
+        </p:spPr>
+        <p:txBody>
+          <a:bodyPr vert="horz" lIns="295084" tIns="147548" rIns="295084" bIns="147548" rtlCol="0">
+            <a:normAutofit/>
+          </a:bodyPr>
+          <a:lstStyle/>
+          <a:p>
+            <a:pPr lvl="0"/>
+            <a:r>
+              <a:rPr kumimoji="1" lang="ja-JP" altLang="en-US" smtClean="0"/>
+              <a:t>マスター テキストの書式設定</a:t>
+            </a:r>
+          </a:p>
+          <a:p>
+            <a:pPr lvl="1"/>
+            <a:r>
+              <a:rPr kumimoji="1" lang="ja-JP" altLang="en-US" smtClean="0"/>
+              <a:t>第 </a:t>
+            </a:r>
+            <a:r>
+              <a:rPr kumimoji="1" lang="en-US" altLang="ja-JP" smtClean="0"/>
+              <a:t>2 </a:t>
+            </a:r>
+            <a:r>
+              <a:rPr kumimoji="1" lang="ja-JP" altLang="en-US" smtClean="0"/>
+              <a:t>レベル</a:t>
+            </a:r>
+          </a:p>
+          <a:p>
+            <a:pPr lvl="2"/>
+            <a:r>
+              <a:rPr kumimoji="1" lang="ja-JP" altLang="en-US" smtClean="0"/>
+              <a:t>第 </a:t>
+            </a:r>
+            <a:r>
+              <a:rPr kumimoji="1" lang="en-US" altLang="ja-JP" smtClean="0"/>
+              <a:t>3 </a:t>
+            </a:r>
+            <a:r>
+              <a:rPr kumimoji="1" lang="ja-JP" altLang="en-US" smtClean="0"/>
+              <a:t>レベル</a:t>
+            </a:r>
+          </a:p>
+          <a:p>
+            <a:pPr lvl="3"/>
+            <a:r>
+              <a:rPr kumimoji="1" lang="ja-JP" altLang="en-US" smtClean="0"/>
+              <a:t>第 </a:t>
+            </a:r>
+            <a:r>
+              <a:rPr kumimoji="1" lang="en-US" altLang="ja-JP" smtClean="0"/>
+              <a:t>4 </a:t>
+            </a:r>
+            <a:r>
+              <a:rPr kumimoji="1" lang="ja-JP" altLang="en-US" smtClean="0"/>
+              <a:t>レベル</a:t>
+            </a:r>
+          </a:p>
+          <a:p>
+            <a:pPr lvl="4"/>
+            <a:r>
+              <a:rPr kumimoji="1" lang="ja-JP" altLang="en-US" smtClean="0"/>
+              <a:t>第 </a:t>
+            </a:r>
+            <a:r>
+              <a:rPr kumimoji="1" lang="en-US" altLang="ja-JP" smtClean="0"/>
+              <a:t>5 </a:t>
+            </a:r>
+            <a:r>
+              <a:rPr kumimoji="1" lang="ja-JP" altLang="en-US" smtClean="0"/>
+              <a:t>レベル</a:t>
+            </a:r>
+            <a:endParaRPr kumimoji="1" lang="ja-JP" altLang="en-US"/>
+          </a:p>
+        </p:txBody>
+      </p:sp>
+      <p:sp>
+        <p:nvSpPr>
+          <p:cNvPr id="4" name="日付プレースホルダー 3"/>
+          <p:cNvSpPr>
+            <a:spLocks noGrp="1"/>
+          </p:cNvSpPr>
+          <p:nvPr>
+            <p:ph type="dt" sz="half" idx="2"/>
+          </p:nvPr>
+        </p:nvSpPr>
+        <p:spPr>
+          <a:xfrm>
+            <a:off x="1069340" y="28065053"/>
+            <a:ext cx="4990253" cy="1612128"/>
+          </a:xfrm>
+          <a:prstGeom prst="rect">
+            <a:avLst/>
+          </a:prstGeom>
+        </p:spPr>
+        <p:txBody>
+          <a:bodyPr vert="horz" lIns="295084" tIns="147548" rIns="295084" bIns="147548" rtlCol="0" anchor="ctr"/>
+          <a:lstStyle>
+            <a:lvl1pPr algn="l">
+              <a:defRPr sz="3900">
+                <a:solidFill>
+                  <a:schemeClr val="tx1">
+                    <a:tint val="75000"/>
+                  </a:schemeClr>
+                </a:solidFill>
+              </a:defRPr>
+            </a:lvl1pPr>
+          </a:lstStyle>
+          <a:p>
+            <a:fld id="{EE10D230-42F9-4781-839B-449B1E3F917A}" type="datetimeFigureOut">
+              <a:rPr kumimoji="1" lang="ja-JP" altLang="en-US" smtClean="0"/>
+              <a:t>2013/10/8</a:t>
+            </a:fld>
+            <a:endParaRPr kumimoji="1" lang="ja-JP" altLang="en-US"/>
+          </a:p>
+        </p:txBody>
+      </p:sp>
+      <p:sp>
+        <p:nvSpPr>
+          <p:cNvPr id="5" name="フッター プレースホルダー 4"/>
           <p:cNvSpPr>
             <a:spLocks noGrp="1"/>
           </p:cNvSpPr>
@@ -7917,27 +7596,25 @@
         </p:nvSpPr>
         <p:spPr>
           <a:xfrm>
-            <a:off x="3029797" y="28261310"/>
-            <a:ext cx="9852017" cy="1211199"/>
+            <a:off x="7307157" y="28065053"/>
+            <a:ext cx="6772487" cy="1612128"/>
           </a:xfrm>
           <a:prstGeom prst="rect">
             <a:avLst/>
           </a:prstGeom>
         </p:spPr>
         <p:txBody>
-          <a:bodyPr lIns="295232" tIns="147616" rIns="295232" bIns="147616"/>
+          <a:bodyPr vert="horz" lIns="295084" tIns="147548" rIns="295084" bIns="147548" rtlCol="0" anchor="ctr"/>
           <a:lstStyle>
-            <a:lvl1pPr algn="r" eaLnBrk="1" latinLnBrk="0" hangingPunct="1">
-              <a:defRPr kumimoji="0" sz="4200">
+            <a:lvl1pPr algn="ctr">
+              <a:defRPr sz="3900">
                 <a:solidFill>
-                  <a:schemeClr val="bg2">
-                    <a:tint val="60000"/>
-                    <a:satMod val="155000"/>
+                  <a:schemeClr val="tx1">
+                    <a:tint val="75000"/>
                   </a:schemeClr>
                 </a:solidFill>
               </a:defRPr>
             </a:lvl1pPr>
-            <a:extLst/>
           </a:lstStyle>
           <a:p>
             <a:endParaRPr kumimoji="1" lang="ja-JP" altLang="en-US"/>
@@ -7946,50 +7623,7 @@
       </p:sp>
       <p:sp>
         <p:nvSpPr>
-          <p:cNvPr id="14" name="日付プレースホルダー 13"/>
-          <p:cNvSpPr>
-            <a:spLocks noGrp="1"/>
-          </p:cNvSpPr>
-          <p:nvPr>
-            <p:ph type="dt" sz="half" idx="2"/>
-          </p:nvPr>
-        </p:nvSpPr>
-        <p:spPr>
-          <a:xfrm>
-            <a:off x="13010304" y="28261310"/>
-            <a:ext cx="7021999" cy="1211199"/>
-          </a:xfrm>
-          <a:prstGeom prst="rect">
-            <a:avLst/>
-          </a:prstGeom>
-        </p:spPr>
-        <p:txBody>
-          <a:bodyPr lIns="295232" tIns="147616" rIns="295232" bIns="147616"/>
-          <a:lstStyle>
-            <a:lvl1pPr algn="l" eaLnBrk="1" latinLnBrk="0" hangingPunct="1">
-              <a:defRPr kumimoji="0" sz="4200">
-                <a:solidFill>
-                  <a:schemeClr val="bg2">
-                    <a:tint val="60000"/>
-                    <a:satMod val="155000"/>
-                  </a:schemeClr>
-                </a:solidFill>
-              </a:defRPr>
-            </a:lvl1pPr>
-            <a:extLst/>
-          </a:lstStyle>
-          <a:p>
-            <a:fld id="{EE10D230-42F9-4781-839B-449B1E3F917A}" type="datetimeFigureOut">
-              <a:rPr kumimoji="1" lang="ja-JP" altLang="en-US" smtClean="0"/>
-              <a:t>2013/10/3</a:t>
-            </a:fld>
-            <a:endParaRPr kumimoji="1" lang="ja-JP" altLang="en-US"/>
-          </a:p>
-        </p:txBody>
-      </p:sp>
-      <p:sp>
-        <p:nvSpPr>
-          <p:cNvPr id="23" name="スライド番号プレースホルダー 22"/>
+          <p:cNvPr id="6" name="スライド番号プレースホルダー 5"/>
           <p:cNvSpPr>
             <a:spLocks noGrp="1"/>
           </p:cNvSpPr>
@@ -7999,27 +7633,25 @@
         </p:nvSpPr>
         <p:spPr>
           <a:xfrm>
-            <a:off x="20205549" y="28763627"/>
-            <a:ext cx="1085918" cy="1211199"/>
+            <a:off x="15327207" y="28065053"/>
+            <a:ext cx="4990253" cy="1612128"/>
           </a:xfrm>
           <a:prstGeom prst="rect">
             <a:avLst/>
           </a:prstGeom>
         </p:spPr>
         <p:txBody>
-          <a:bodyPr lIns="295232" tIns="147616" rIns="295232" bIns="147616" anchor="ctr"/>
+          <a:bodyPr vert="horz" lIns="295084" tIns="147548" rIns="295084" bIns="147548" rtlCol="0" anchor="ctr"/>
           <a:lstStyle>
-            <a:lvl1pPr algn="r" eaLnBrk="1" latinLnBrk="0" hangingPunct="1">
-              <a:defRPr kumimoji="0" sz="5200">
+            <a:lvl1pPr algn="r">
+              <a:defRPr sz="3900">
                 <a:solidFill>
-                  <a:schemeClr val="tx2">
-                    <a:shade val="90000"/>
+                  <a:schemeClr val="tx1">
+                    <a:tint val="75000"/>
                   </a:schemeClr>
                 </a:solidFill>
-                <a:effectLst/>
               </a:defRPr>
             </a:lvl1pPr>
-            <a:extLst/>
           </a:lstStyle>
           <a:p>
             <a:fld id="{8B3C8E2B-7327-4910-BE51-AD93222E085A}" type="slidenum">
@@ -8030,204 +7662,51 @@
           </a:p>
         </p:txBody>
       </p:sp>
-      <p:sp>
-        <p:nvSpPr>
-          <p:cNvPr id="22" name="タイトル プレースホルダー 21"/>
-          <p:cNvSpPr>
-            <a:spLocks noGrp="1"/>
-          </p:cNvSpPr>
-          <p:nvPr>
-            <p:ph type="title"/>
-          </p:nvPr>
-        </p:nvSpPr>
-        <p:spPr>
-          <a:xfrm>
-            <a:off x="1069340" y="1119432"/>
-            <a:ext cx="19248120" cy="5046663"/>
-          </a:xfrm>
-          <a:prstGeom prst="rect">
-            <a:avLst/>
-          </a:prstGeom>
-        </p:spPr>
-        <p:txBody>
-          <a:bodyPr lIns="295232" tIns="147616" rIns="295232" bIns="147616" anchor="b">
-            <a:normAutofit/>
-            <a:scene3d>
-              <a:camera prst="orthographicFront"/>
-              <a:lightRig rig="soft" dir="t">
-                <a:rot lat="0" lon="0" rev="2400000"/>
-              </a:lightRig>
-            </a:scene3d>
-            <a:sp3d>
-              <a:bevelT w="19050" h="12700"/>
-            </a:sp3d>
-          </a:bodyPr>
-          <a:lstStyle>
-            <a:extLst/>
-          </a:lstStyle>
-          <a:p>
-            <a:r>
-              <a:rPr kumimoji="0" lang="ja-JP" altLang="en-US" smtClean="0"/>
-              <a:t>マスター タイトルの書式設定</a:t>
-            </a:r>
-            <a:endParaRPr kumimoji="0" lang="en-US"/>
-          </a:p>
-        </p:txBody>
-      </p:sp>
-      <p:sp>
-        <p:nvSpPr>
-          <p:cNvPr id="13" name="テキスト プレースホルダー 12"/>
-          <p:cNvSpPr>
-            <a:spLocks noGrp="1"/>
-          </p:cNvSpPr>
-          <p:nvPr>
-            <p:ph type="body" idx="1"/>
-          </p:nvPr>
-        </p:nvSpPr>
-        <p:spPr>
-          <a:xfrm>
-            <a:off x="1069340" y="7268593"/>
-            <a:ext cx="19248120" cy="19984784"/>
-          </a:xfrm>
-          <a:prstGeom prst="rect">
-            <a:avLst/>
-          </a:prstGeom>
-        </p:spPr>
-        <p:txBody>
-          <a:bodyPr lIns="295232" tIns="147616" rIns="295232" bIns="147616">
-            <a:normAutofit/>
-          </a:bodyPr>
-          <a:lstStyle>
-            <a:extLst/>
-          </a:lstStyle>
-          <a:p>
-            <a:pPr lvl="0" eaLnBrk="1" latinLnBrk="0" hangingPunct="1"/>
-            <a:r>
-              <a:rPr kumimoji="0" lang="ja-JP" altLang="en-US" smtClean="0"/>
-              <a:t>マスター テキストの書式設定</a:t>
-            </a:r>
-          </a:p>
-          <a:p>
-            <a:pPr lvl="1" eaLnBrk="1" latinLnBrk="0" hangingPunct="1"/>
-            <a:r>
-              <a:rPr kumimoji="0" lang="ja-JP" altLang="en-US" smtClean="0"/>
-              <a:t>第 </a:t>
-            </a:r>
-            <a:r>
-              <a:rPr kumimoji="0" lang="en-US" altLang="ja-JP" smtClean="0"/>
-              <a:t>2 </a:t>
-            </a:r>
-            <a:r>
-              <a:rPr kumimoji="0" lang="ja-JP" altLang="en-US" smtClean="0"/>
-              <a:t>レベル</a:t>
-            </a:r>
-          </a:p>
-          <a:p>
-            <a:pPr lvl="2" eaLnBrk="1" latinLnBrk="0" hangingPunct="1"/>
-            <a:r>
-              <a:rPr kumimoji="0" lang="ja-JP" altLang="en-US" smtClean="0"/>
-              <a:t>第 </a:t>
-            </a:r>
-            <a:r>
-              <a:rPr kumimoji="0" lang="en-US" altLang="ja-JP" smtClean="0"/>
-              <a:t>3 </a:t>
-            </a:r>
-            <a:r>
-              <a:rPr kumimoji="0" lang="ja-JP" altLang="en-US" smtClean="0"/>
-              <a:t>レベル</a:t>
-            </a:r>
-          </a:p>
-          <a:p>
-            <a:pPr lvl="3" eaLnBrk="1" latinLnBrk="0" hangingPunct="1"/>
-            <a:r>
-              <a:rPr kumimoji="0" lang="ja-JP" altLang="en-US" smtClean="0"/>
-              <a:t>第 </a:t>
-            </a:r>
-            <a:r>
-              <a:rPr kumimoji="0" lang="en-US" altLang="ja-JP" smtClean="0"/>
-              <a:t>4 </a:t>
-            </a:r>
-            <a:r>
-              <a:rPr kumimoji="0" lang="ja-JP" altLang="en-US" smtClean="0"/>
-              <a:t>レベル</a:t>
-            </a:r>
-          </a:p>
-          <a:p>
-            <a:pPr lvl="4" eaLnBrk="1" latinLnBrk="0" hangingPunct="1"/>
-            <a:r>
-              <a:rPr kumimoji="0" lang="ja-JP" altLang="en-US" smtClean="0"/>
-              <a:t>第 </a:t>
-            </a:r>
-            <a:r>
-              <a:rPr kumimoji="0" lang="en-US" altLang="ja-JP" smtClean="0"/>
-              <a:t>5 </a:t>
-            </a:r>
-            <a:r>
-              <a:rPr kumimoji="0" lang="ja-JP" altLang="en-US" smtClean="0"/>
-              <a:t>レベル</a:t>
-            </a:r>
-            <a:endParaRPr kumimoji="0" lang="en-US"/>
-          </a:p>
-        </p:txBody>
-      </p:sp>
     </p:spTree>
+    <p:extLst>
+      <p:ext uri="{BB962C8B-B14F-4D97-AF65-F5344CB8AC3E}">
+        <p14:creationId xmlns:p14="http://schemas.microsoft.com/office/powerpoint/2010/main" val="526923859"/>
+      </p:ext>
+    </p:extLst>
   </p:cSld>
   <p:clrMap bg1="lt1" tx1="dk1" bg2="lt2" tx2="dk2" accent1="accent1" accent2="accent2" accent3="accent3" accent4="accent4" accent5="accent5" accent6="accent6" hlink="hlink" folHlink="folHlink"/>
   <p:sldLayoutIdLst>
-    <p:sldLayoutId id="2147483925" r:id="rId1"/>
-    <p:sldLayoutId id="2147483926" r:id="rId2"/>
-    <p:sldLayoutId id="2147483927" r:id="rId3"/>
-    <p:sldLayoutId id="2147483928" r:id="rId4"/>
-    <p:sldLayoutId id="2147483929" r:id="rId5"/>
-    <p:sldLayoutId id="2147483930" r:id="rId6"/>
-    <p:sldLayoutId id="2147483931" r:id="rId7"/>
-    <p:sldLayoutId id="2147483932" r:id="rId8"/>
-    <p:sldLayoutId id="2147483933" r:id="rId9"/>
-    <p:sldLayoutId id="2147483934" r:id="rId10"/>
-    <p:sldLayoutId id="2147483935" r:id="rId11"/>
+    <p:sldLayoutId id="2147484033" r:id="rId1"/>
+    <p:sldLayoutId id="2147484034" r:id="rId2"/>
+    <p:sldLayoutId id="2147484035" r:id="rId3"/>
+    <p:sldLayoutId id="2147484036" r:id="rId4"/>
+    <p:sldLayoutId id="2147484037" r:id="rId5"/>
+    <p:sldLayoutId id="2147484038" r:id="rId6"/>
+    <p:sldLayoutId id="2147484039" r:id="rId7"/>
+    <p:sldLayoutId id="2147484040" r:id="rId8"/>
+    <p:sldLayoutId id="2147484041" r:id="rId9"/>
+    <p:sldLayoutId id="2147484042" r:id="rId10"/>
+    <p:sldLayoutId id="2147484043" r:id="rId11"/>
   </p:sldLayoutIdLst>
   <p:txStyles>
     <p:titleStyle>
-      <a:lvl1pPr marL="177139" algn="r" rtl="0" eaLnBrk="1" latinLnBrk="0" hangingPunct="1">
+      <a:lvl1pPr algn="ctr" defTabSz="2950838" rtl="0" eaLnBrk="1" latinLnBrk="0" hangingPunct="1">
         <a:spcBef>
           <a:spcPct val="0"/>
         </a:spcBef>
         <a:buNone/>
-        <a:defRPr kumimoji="1" sz="14900" kern="1200">
+        <a:defRPr kumimoji="1" sz="14200" kern="1200">
           <a:solidFill>
-            <a:schemeClr val="tx2">
-              <a:tint val="100000"/>
-              <a:shade val="90000"/>
-              <a:satMod val="250000"/>
-              <a:alpha val="100000"/>
-            </a:schemeClr>
+            <a:schemeClr val="tx1"/>
           </a:solidFill>
-          <a:effectLst>
-            <a:outerShdw blurRad="38100" dist="25500" dir="5400000" algn="tl" rotWithShape="0">
-              <a:srgbClr val="000000">
-                <a:satMod val="180000"/>
-                <a:alpha val="75000"/>
-              </a:srgbClr>
-            </a:outerShdw>
-          </a:effectLst>
           <a:latin typeface="+mj-lt"/>
           <a:ea typeface="+mj-ea"/>
           <a:cs typeface="+mj-cs"/>
         </a:defRPr>
       </a:lvl1pPr>
-      <a:extLst/>
     </p:titleStyle>
     <p:bodyStyle>
-      <a:lvl1pPr marL="943103" indent="-943103" algn="l" rtl="0" eaLnBrk="1" latinLnBrk="0" hangingPunct="1">
+      <a:lvl1pPr marL="1106563" indent="-1106563" algn="l" defTabSz="2950838" rtl="0" eaLnBrk="1" latinLnBrk="0" hangingPunct="1">
         <a:spcBef>
-          <a:spcPts val="0"/>
+          <a:spcPct val="20000"/>
         </a:spcBef>
-        <a:buClr>
-          <a:schemeClr val="accent1"/>
-        </a:buClr>
-        <a:buSzPct val="70000"/>
-        <a:buFont typeface="Wingdings 2"/>
-        <a:buChar char=""/>
+        <a:buFont typeface="Arial" pitchFamily="34" charset="0"/>
+        <a:buChar char="•"/>
         <a:defRPr kumimoji="1" sz="10300" kern="1200">
           <a:solidFill>
             <a:schemeClr val="tx1"/>
@@ -8237,17 +7716,13 @@
           <a:cs typeface="+mn-cs"/>
         </a:defRPr>
       </a:lvl1pPr>
-      <a:lvl2pPr marL="2066626" indent="-738081" algn="l" rtl="0" eaLnBrk="1" latinLnBrk="0" hangingPunct="1">
+      <a:lvl2pPr marL="2397565" indent="-922143" algn="l" defTabSz="2950838" rtl="0" eaLnBrk="1" latinLnBrk="0" hangingPunct="1">
         <a:spcBef>
-          <a:spcPts val="1291"/>
+          <a:spcPct val="20000"/>
         </a:spcBef>
-        <a:buClr>
-          <a:schemeClr val="accent2"/>
-        </a:buClr>
-        <a:buSzPct val="90000"/>
-        <a:buFontTx/>
-        <a:buChar char="•"/>
-        <a:defRPr kumimoji="1" sz="8400" kern="1200">
+        <a:buFont typeface="Arial" pitchFamily="34" charset="0"/>
+        <a:buChar char="–"/>
+        <a:defRPr kumimoji="1" sz="9000" kern="1200">
           <a:solidFill>
             <a:schemeClr val="tx1"/>
           </a:solidFill>
@@ -8256,17 +7731,13 @@
           <a:cs typeface="+mn-cs"/>
         </a:defRPr>
       </a:lvl2pPr>
-      <a:lvl3pPr marL="2657091" indent="-619988" algn="l" rtl="0" eaLnBrk="1" latinLnBrk="0" hangingPunct="1">
+      <a:lvl3pPr marL="3688551" indent="-737719" algn="l" defTabSz="2950838" rtl="0" eaLnBrk="1" latinLnBrk="0" hangingPunct="1">
         <a:spcBef>
-          <a:spcPts val="1291"/>
+          <a:spcPct val="20000"/>
         </a:spcBef>
-        <a:buClr>
-          <a:schemeClr val="accent3"/>
-        </a:buClr>
-        <a:buSzPct val="100000"/>
-        <a:buFont typeface="Wingdings 2"/>
-        <a:buChar char=""/>
-        <a:defRPr kumimoji="1" sz="7400" kern="1200">
+        <a:buFont typeface="Arial" pitchFamily="34" charset="0"/>
+        <a:buChar char="•"/>
+        <a:defRPr kumimoji="1" sz="7700" kern="1200">
           <a:solidFill>
             <a:schemeClr val="tx1"/>
           </a:solidFill>
@@ -8275,16 +7746,12 @@
           <a:cs typeface="+mn-cs"/>
         </a:defRPr>
       </a:lvl3pPr>
-      <a:lvl4pPr marL="3247556" indent="-590465" algn="l" rtl="0" eaLnBrk="1" latinLnBrk="0" hangingPunct="1">
+      <a:lvl4pPr marL="5163970" indent="-737719" algn="l" defTabSz="2950838" rtl="0" eaLnBrk="1" latinLnBrk="0" hangingPunct="1">
         <a:spcBef>
-          <a:spcPts val="1291"/>
+          <a:spcPct val="20000"/>
         </a:spcBef>
-        <a:buClr>
-          <a:schemeClr val="accent3"/>
-        </a:buClr>
-        <a:buSzPct val="100000"/>
-        <a:buFont typeface="Wingdings 2"/>
-        <a:buChar char=""/>
+        <a:buFont typeface="Arial" pitchFamily="34" charset="0"/>
+        <a:buChar char="–"/>
         <a:defRPr kumimoji="1" sz="6500" kern="1200">
           <a:solidFill>
             <a:schemeClr val="tx1"/>
@@ -8294,17 +7761,13 @@
           <a:cs typeface="+mn-cs"/>
         </a:defRPr>
       </a:lvl4pPr>
-      <a:lvl5pPr marL="3838020" indent="-590465" algn="l" rtl="0" eaLnBrk="1" latinLnBrk="0" hangingPunct="1">
+      <a:lvl5pPr marL="6639405" indent="-737719" algn="l" defTabSz="2950838" rtl="0" eaLnBrk="1" latinLnBrk="0" hangingPunct="1">
         <a:spcBef>
-          <a:spcPts val="1291"/>
+          <a:spcPct val="20000"/>
         </a:spcBef>
-        <a:buClr>
-          <a:schemeClr val="accent3"/>
-        </a:buClr>
-        <a:buSzPct val="100000"/>
-        <a:buFont typeface="Wingdings 2"/>
-        <a:buChar char=""/>
-        <a:defRPr kumimoji="1" sz="6100" kern="1200">
+        <a:buFont typeface="Arial" pitchFamily="34" charset="0"/>
+        <a:buChar char="»"/>
+        <a:defRPr kumimoji="1" sz="6500" kern="1200">
           <a:solidFill>
             <a:schemeClr val="tx1"/>
           </a:solidFill>
@@ -8313,16 +7776,13 @@
           <a:cs typeface="+mn-cs"/>
         </a:defRPr>
       </a:lvl5pPr>
-      <a:lvl6pPr marL="4428485" indent="-560941" algn="l" rtl="0" eaLnBrk="1" latinLnBrk="0" hangingPunct="1">
+      <a:lvl6pPr marL="8114821" indent="-737719" algn="l" defTabSz="2950838" rtl="0" eaLnBrk="1" latinLnBrk="0" hangingPunct="1">
         <a:spcBef>
-          <a:spcPts val="1291"/>
+          <a:spcPct val="20000"/>
         </a:spcBef>
-        <a:buClr>
-          <a:schemeClr val="accent4"/>
-        </a:buClr>
-        <a:buFont typeface="Wingdings 2"/>
-        <a:buChar char=""/>
-        <a:defRPr kumimoji="1" sz="5800" kern="1200" baseline="0">
+        <a:buFont typeface="Arial" pitchFamily="34" charset="0"/>
+        <a:buChar char="•"/>
+        <a:defRPr kumimoji="1" sz="6500" kern="1200">
           <a:solidFill>
             <a:schemeClr val="tx1"/>
           </a:solidFill>
@@ -8331,16 +7791,13 @@
           <a:cs typeface="+mn-cs"/>
         </a:defRPr>
       </a:lvl6pPr>
-      <a:lvl7pPr marL="5018950" indent="-560941" algn="l" rtl="0" eaLnBrk="1" latinLnBrk="0" hangingPunct="1">
+      <a:lvl7pPr marL="9590237" indent="-737719" algn="l" defTabSz="2950838" rtl="0" eaLnBrk="1" latinLnBrk="0" hangingPunct="1">
         <a:spcBef>
-          <a:spcPts val="1291"/>
+          <a:spcPct val="20000"/>
         </a:spcBef>
-        <a:buClr>
-          <a:schemeClr val="accent4"/>
-        </a:buClr>
-        <a:buFont typeface="Wingdings 2"/>
-        <a:buChar char=""/>
-        <a:defRPr kumimoji="1" sz="5200" kern="1200" baseline="0">
+        <a:buFont typeface="Arial" pitchFamily="34" charset="0"/>
+        <a:buChar char="•"/>
+        <a:defRPr kumimoji="1" sz="6500" kern="1200">
           <a:solidFill>
             <a:schemeClr val="tx1"/>
           </a:solidFill>
@@ -8349,16 +7806,13 @@
           <a:cs typeface="+mn-cs"/>
         </a:defRPr>
       </a:lvl7pPr>
-      <a:lvl8pPr marL="5609414" indent="-560941" algn="l" rtl="0" eaLnBrk="1" latinLnBrk="0" hangingPunct="1">
+      <a:lvl8pPr marL="11065669" indent="-737719" algn="l" defTabSz="2950838" rtl="0" eaLnBrk="1" latinLnBrk="0" hangingPunct="1">
         <a:spcBef>
-          <a:spcPts val="1291"/>
+          <a:spcPct val="20000"/>
         </a:spcBef>
-        <a:buClr>
-          <a:schemeClr val="accent4"/>
-        </a:buClr>
-        <a:buFont typeface="Wingdings 2"/>
-        <a:buChar char=""/>
-        <a:defRPr kumimoji="1" sz="5200" kern="1200" baseline="0">
+        <a:buFont typeface="Arial" pitchFamily="34" charset="0"/>
+        <a:buChar char="•"/>
+        <a:defRPr kumimoji="1" sz="6500" kern="1200">
           <a:solidFill>
             <a:schemeClr val="tx1"/>
           </a:solidFill>
@@ -8367,16 +7821,13 @@
           <a:cs typeface="+mn-cs"/>
         </a:defRPr>
       </a:lvl8pPr>
-      <a:lvl9pPr marL="6199879" indent="-560941" algn="l" rtl="0" eaLnBrk="1" latinLnBrk="0" hangingPunct="1">
+      <a:lvl9pPr marL="12541091" indent="-737719" algn="l" defTabSz="2950838" rtl="0" eaLnBrk="1" latinLnBrk="0" hangingPunct="1">
         <a:spcBef>
-          <a:spcPts val="1291"/>
+          <a:spcPct val="20000"/>
         </a:spcBef>
-        <a:buClr>
-          <a:schemeClr val="accent4"/>
-        </a:buClr>
-        <a:buFont typeface="Wingdings 2"/>
-        <a:buChar char=""/>
-        <a:defRPr kumimoji="1" sz="5200" kern="1200" baseline="0">
+        <a:buFont typeface="Arial" pitchFamily="34" charset="0"/>
+        <a:buChar char="•"/>
+        <a:defRPr kumimoji="1" sz="6500" kern="1200">
           <a:solidFill>
             <a:schemeClr val="tx1"/>
           </a:solidFill>
@@ -8385,11 +7836,13 @@
           <a:cs typeface="+mn-cs"/>
         </a:defRPr>
       </a:lvl9pPr>
-      <a:extLst/>
     </p:bodyStyle>
     <p:otherStyle>
-      <a:lvl1pPr marL="0" algn="l" rtl="0" eaLnBrk="1" latinLnBrk="0" hangingPunct="1">
-        <a:defRPr kumimoji="1" kern="1200">
+      <a:defPPr>
+        <a:defRPr lang="ja-JP"/>
+      </a:defPPr>
+      <a:lvl1pPr marL="0" algn="l" defTabSz="2950838" rtl="0" eaLnBrk="1" latinLnBrk="0" hangingPunct="1">
+        <a:defRPr kumimoji="1" sz="5800" kern="1200">
           <a:solidFill>
             <a:schemeClr val="tx1"/>
           </a:solidFill>
@@ -8398,8 +7851,8 @@
           <a:cs typeface="+mn-cs"/>
         </a:defRPr>
       </a:lvl1pPr>
-      <a:lvl2pPr marL="1476162" algn="l" rtl="0" eaLnBrk="1" latinLnBrk="0" hangingPunct="1">
-        <a:defRPr kumimoji="1" kern="1200">
+      <a:lvl2pPr marL="1475416" algn="l" defTabSz="2950838" rtl="0" eaLnBrk="1" latinLnBrk="0" hangingPunct="1">
+        <a:defRPr kumimoji="1" sz="5800" kern="1200">
           <a:solidFill>
             <a:schemeClr val="tx1"/>
           </a:solidFill>
@@ -8408,8 +7861,8 @@
           <a:cs typeface="+mn-cs"/>
         </a:defRPr>
       </a:lvl2pPr>
-      <a:lvl3pPr marL="2952323" algn="l" rtl="0" eaLnBrk="1" latinLnBrk="0" hangingPunct="1">
-        <a:defRPr kumimoji="1" kern="1200">
+      <a:lvl3pPr marL="2950838" algn="l" defTabSz="2950838" rtl="0" eaLnBrk="1" latinLnBrk="0" hangingPunct="1">
+        <a:defRPr kumimoji="1" sz="5800" kern="1200">
           <a:solidFill>
             <a:schemeClr val="tx1"/>
           </a:solidFill>
@@ -8418,8 +7871,8 @@
           <a:cs typeface="+mn-cs"/>
         </a:defRPr>
       </a:lvl3pPr>
-      <a:lvl4pPr marL="4428485" algn="l" rtl="0" eaLnBrk="1" latinLnBrk="0" hangingPunct="1">
-        <a:defRPr kumimoji="1" kern="1200">
+      <a:lvl4pPr marL="4426270" algn="l" defTabSz="2950838" rtl="0" eaLnBrk="1" latinLnBrk="0" hangingPunct="1">
+        <a:defRPr kumimoji="1" sz="5800" kern="1200">
           <a:solidFill>
             <a:schemeClr val="tx1"/>
           </a:solidFill>
@@ -8428,8 +7881,8 @@
           <a:cs typeface="+mn-cs"/>
         </a:defRPr>
       </a:lvl4pPr>
-      <a:lvl5pPr marL="5904647" algn="l" rtl="0" eaLnBrk="1" latinLnBrk="0" hangingPunct="1">
-        <a:defRPr kumimoji="1" kern="1200">
+      <a:lvl5pPr marL="5901686" algn="l" defTabSz="2950838" rtl="0" eaLnBrk="1" latinLnBrk="0" hangingPunct="1">
+        <a:defRPr kumimoji="1" sz="5800" kern="1200">
           <a:solidFill>
             <a:schemeClr val="tx1"/>
           </a:solidFill>
@@ -8438,8 +7891,8 @@
           <a:cs typeface="+mn-cs"/>
         </a:defRPr>
       </a:lvl5pPr>
-      <a:lvl6pPr marL="7380808" algn="l" rtl="0" eaLnBrk="1" latinLnBrk="0" hangingPunct="1">
-        <a:defRPr kumimoji="1" kern="1200">
+      <a:lvl6pPr marL="7377102" algn="l" defTabSz="2950838" rtl="0" eaLnBrk="1" latinLnBrk="0" hangingPunct="1">
+        <a:defRPr kumimoji="1" sz="5800" kern="1200">
           <a:solidFill>
             <a:schemeClr val="tx1"/>
           </a:solidFill>
@@ -8448,8 +7901,8 @@
           <a:cs typeface="+mn-cs"/>
         </a:defRPr>
       </a:lvl6pPr>
-      <a:lvl7pPr marL="8856970" algn="l" rtl="0" eaLnBrk="1" latinLnBrk="0" hangingPunct="1">
-        <a:defRPr kumimoji="1" kern="1200">
+      <a:lvl7pPr marL="8852534" algn="l" defTabSz="2950838" rtl="0" eaLnBrk="1" latinLnBrk="0" hangingPunct="1">
+        <a:defRPr kumimoji="1" sz="5800" kern="1200">
           <a:solidFill>
             <a:schemeClr val="tx1"/>
           </a:solidFill>
@@ -8458,8 +7911,8 @@
           <a:cs typeface="+mn-cs"/>
         </a:defRPr>
       </a:lvl7pPr>
-      <a:lvl8pPr marL="10333131" algn="l" rtl="0" eaLnBrk="1" latinLnBrk="0" hangingPunct="1">
-        <a:defRPr kumimoji="1" kern="1200">
+      <a:lvl8pPr marL="10327956" algn="l" defTabSz="2950838" rtl="0" eaLnBrk="1" latinLnBrk="0" hangingPunct="1">
+        <a:defRPr kumimoji="1" sz="5800" kern="1200">
           <a:solidFill>
             <a:schemeClr val="tx1"/>
           </a:solidFill>
@@ -8468,8 +7921,8 @@
           <a:cs typeface="+mn-cs"/>
         </a:defRPr>
       </a:lvl8pPr>
-      <a:lvl9pPr marL="11809293" algn="l" rtl="0" eaLnBrk="1" latinLnBrk="0" hangingPunct="1">
-        <a:defRPr kumimoji="1" kern="1200">
+      <a:lvl9pPr marL="11803372" algn="l" defTabSz="2950838" rtl="0" eaLnBrk="1" latinLnBrk="0" hangingPunct="1">
+        <a:defRPr kumimoji="1" sz="5800" kern="1200">
           <a:solidFill>
             <a:schemeClr val="tx1"/>
           </a:solidFill>
@@ -8478,7 +7931,6 @@
           <a:cs typeface="+mn-cs"/>
         </a:defRPr>
       </a:lvl9pPr>
-      <a:extLst/>
     </p:otherStyle>
   </p:txStyles>
 </p:sldMaster>
@@ -8509,7 +7961,7 @@
         </p:nvSpPr>
         <p:spPr>
           <a:xfrm>
-            <a:off x="1116336" y="1414321"/>
+            <a:off x="1116336" y="882403"/>
             <a:ext cx="19370152" cy="2308324"/>
           </a:xfrm>
           <a:prstGeom prst="rect">
@@ -8569,7 +8021,7 @@
         </p:nvSpPr>
         <p:spPr>
           <a:xfrm>
-            <a:off x="4788743" y="3978747"/>
+            <a:off x="4788743" y="3042643"/>
             <a:ext cx="15703463" cy="1877437"/>
           </a:xfrm>
           <a:prstGeom prst="rect">
@@ -8610,7 +8062,7 @@
         </p:nvSpPr>
         <p:spPr>
           <a:xfrm>
-            <a:off x="769635" y="6823063"/>
+            <a:off x="612280" y="5850955"/>
             <a:ext cx="19735910" cy="6186309"/>
           </a:xfrm>
           <a:prstGeom prst="rect">
@@ -8619,6 +8071,13 @@
           <a:solidFill>
             <a:schemeClr val="bg1"/>
           </a:solidFill>
+          <a:ln w="15875">
+            <a:solidFill>
+              <a:schemeClr val="accent1">
+                <a:shade val="50000"/>
+              </a:schemeClr>
+            </a:solidFill>
+          </a:ln>
         </p:spPr>
         <p:txBody>
           <a:bodyPr wrap="square" rtlCol="0">
@@ -8643,23 +8102,39 @@
             </a:r>
             <a:r>
               <a:rPr lang="ja-JP" altLang="en-US" sz="4400" dirty="0" smtClean="0"/>
-              <a:t>管理システム</a:t>
-            </a:r>
-            <a:r>
-              <a:rPr lang="en-US" altLang="ja-JP" sz="4400" dirty="0" smtClean="0"/>
-              <a:t>(</a:t>
+              <a:t>管理</a:t>
             </a:r>
             <a:r>
               <a:rPr lang="ja-JP" altLang="en-US" sz="4400" dirty="0" smtClean="0"/>
-              <a:t>以後，バージョン管理サービス</a:t>
-            </a:r>
-            <a:r>
-              <a:rPr lang="en-US" altLang="ja-JP" sz="4400" dirty="0" smtClean="0"/>
-              <a:t>)</a:t>
+              <a:t>システム</a:t>
+            </a:r>
+            <a:r>
+              <a:rPr lang="ja-JP" altLang="en-US" sz="4400" dirty="0"/>
+              <a:t>（</a:t>
             </a:r>
             <a:r>
               <a:rPr lang="ja-JP" altLang="en-US" sz="4400" dirty="0" smtClean="0"/>
-              <a:t>を使用している．</a:t>
+              <a:t>以後</a:t>
+            </a:r>
+            <a:r>
+              <a:rPr lang="ja-JP" altLang="en-US" sz="4400" dirty="0" smtClean="0"/>
+              <a:t>，バージョン管理</a:t>
+            </a:r>
+            <a:r>
+              <a:rPr lang="ja-JP" altLang="en-US" sz="4400" dirty="0" smtClean="0"/>
+              <a:t>サービス</a:t>
+            </a:r>
+            <a:r>
+              <a:rPr lang="ja-JP" altLang="en-US" sz="4400" dirty="0"/>
+              <a:t>）</a:t>
+            </a:r>
+            <a:r>
+              <a:rPr lang="ja-JP" altLang="en-US" sz="4400" dirty="0" smtClean="0"/>
+              <a:t>を</a:t>
+            </a:r>
+            <a:r>
+              <a:rPr lang="ja-JP" altLang="en-US" sz="4400" dirty="0" smtClean="0"/>
+              <a:t>使用している．</a:t>
             </a:r>
             <a:endParaRPr lang="en-US" altLang="ja-JP" sz="4400" dirty="0" smtClean="0"/>
           </a:p>
@@ -8784,21 +8259,24 @@
       </p:sp>
       <p:sp>
         <p:nvSpPr>
-          <p:cNvPr id="10" name="角丸四角形 9"/>
+          <p:cNvPr id="12" name="下矢印 11"/>
           <p:cNvSpPr/>
           <p:nvPr/>
         </p:nvSpPr>
         <p:spPr>
           <a:xfrm>
-            <a:off x="771049" y="6030975"/>
-            <a:ext cx="3672407" cy="792088"/>
+            <a:off x="9253240" y="12187955"/>
+            <a:ext cx="2157614" cy="1655888"/>
           </a:xfrm>
-          <a:prstGeom prst="roundRect">
+          <a:prstGeom prst="downArrow">
             <a:avLst/>
           </a:prstGeom>
           <a:solidFill>
-            <a:schemeClr val="accent3"/>
+            <a:srgbClr val="00B0F0"/>
           </a:solidFill>
+          <a:ln>
+            <a:noFill/>
+          </a:ln>
         </p:spPr>
         <p:style>
           <a:lnRef idx="2">
@@ -8821,31 +8299,183 @@
           <a:lstStyle/>
           <a:p>
             <a:pPr algn="ctr"/>
-            <a:r>
-              <a:rPr kumimoji="1" lang="ja-JP" altLang="en-US" dirty="0" smtClean="0"/>
-              <a:t>背景</a:t>
-            </a:r>
-            <a:endParaRPr kumimoji="1" lang="en-US" altLang="ja-JP" dirty="0" smtClean="0"/>
+            <a:endParaRPr kumimoji="1" lang="ja-JP" altLang="en-US"/>
           </a:p>
         </p:txBody>
       </p:sp>
       <p:sp>
         <p:nvSpPr>
-          <p:cNvPr id="12" name="下矢印 11"/>
+          <p:cNvPr id="13" name="テキスト ボックス 12"/>
+          <p:cNvSpPr txBox="1"/>
+          <p:nvPr/>
+        </p:nvSpPr>
+        <p:spPr>
+          <a:xfrm>
+            <a:off x="612280" y="13915851"/>
+            <a:ext cx="19740214" cy="1446550"/>
+          </a:xfrm>
+          <a:prstGeom prst="rect">
+            <a:avLst/>
+          </a:prstGeom>
+          <a:solidFill>
+            <a:schemeClr val="bg1"/>
+          </a:solidFill>
+          <a:ln w="15875">
+            <a:solidFill>
+              <a:schemeClr val="accent1">
+                <a:shade val="50000"/>
+              </a:schemeClr>
+            </a:solidFill>
+          </a:ln>
+        </p:spPr>
+        <p:txBody>
+          <a:bodyPr wrap="square" rtlCol="0">
+            <a:spAutoFit/>
+          </a:bodyPr>
+          <a:lstStyle/>
+          <a:p>
+            <a:r>
+              <a:rPr kumimoji="1" lang="ja-JP" altLang="en-US" sz="4400" dirty="0" smtClean="0"/>
+              <a:t>バージョン管理サービスはソフトウェア開発プロジェクトにおいては便利だが，</a:t>
+            </a:r>
+            <a:r>
+              <a:rPr kumimoji="1" lang="ja-JP" altLang="en-US" sz="4400" dirty="0" smtClean="0"/>
+              <a:t>プロジェクトマネジメント</a:t>
+            </a:r>
+            <a:r>
+              <a:rPr lang="ja-JP" altLang="en-US" sz="4400" dirty="0" smtClean="0"/>
+              <a:t>にとって重要な</a:t>
+            </a:r>
+            <a:r>
+              <a:rPr lang="en-US" altLang="ja-JP" sz="4400" dirty="0" smtClean="0"/>
+              <a:t>EVM</a:t>
+            </a:r>
+            <a:r>
+              <a:rPr lang="ja-JP" altLang="en-US" sz="4400" dirty="0" smtClean="0"/>
+              <a:t>を描くのに手間がかかる．</a:t>
+            </a:r>
+            <a:endParaRPr kumimoji="1" lang="ja-JP" altLang="en-US" sz="4400" dirty="0"/>
+          </a:p>
+        </p:txBody>
+      </p:sp>
+      <p:sp>
+        <p:nvSpPr>
+          <p:cNvPr id="17" name="テキスト ボックス 16"/>
+          <p:cNvSpPr txBox="1"/>
+          <p:nvPr/>
+        </p:nvSpPr>
+        <p:spPr>
+          <a:xfrm>
+            <a:off x="612280" y="16515684"/>
+            <a:ext cx="19734496" cy="2800767"/>
+          </a:xfrm>
+          <a:prstGeom prst="rect">
+            <a:avLst/>
+          </a:prstGeom>
+          <a:solidFill>
+            <a:schemeClr val="bg1"/>
+          </a:solidFill>
+          <a:ln>
+            <a:solidFill>
+              <a:schemeClr val="accent1">
+                <a:shade val="50000"/>
+              </a:schemeClr>
+            </a:solidFill>
+          </a:ln>
+        </p:spPr>
+        <p:txBody>
+          <a:bodyPr wrap="square" rtlCol="0">
+            <a:spAutoFit/>
+          </a:bodyPr>
+          <a:lstStyle/>
+          <a:p>
+            <a:r>
+              <a:rPr lang="en-US" altLang="ja-JP" sz="4400" dirty="0" err="1" smtClean="0"/>
+              <a:t>GitHub</a:t>
+            </a:r>
+            <a:r>
+              <a:rPr lang="ja-JP" altLang="en-US" sz="4400" dirty="0"/>
+              <a:t>（バージョン管理システムの</a:t>
+            </a:r>
+            <a:r>
+              <a:rPr lang="en-US" altLang="ja-JP" sz="4400" dirty="0"/>
+              <a:t>1</a:t>
+            </a:r>
+            <a:r>
+              <a:rPr lang="ja-JP" altLang="en-US" sz="4400" dirty="0" err="1"/>
+              <a:t>つで</a:t>
+            </a:r>
+            <a:r>
+              <a:rPr lang="ja-JP" altLang="en-US" sz="4400" dirty="0"/>
+              <a:t>ある</a:t>
+            </a:r>
+            <a:r>
+              <a:rPr lang="en-US" altLang="ja-JP" sz="4400" dirty="0" err="1"/>
+              <a:t>Git</a:t>
+            </a:r>
+            <a:r>
+              <a:rPr lang="ja-JP" altLang="en-US" sz="4400" dirty="0" err="1"/>
+              <a:t>を提</a:t>
+            </a:r>
+            <a:r>
+              <a:rPr lang="ja-JP" altLang="en-US" sz="4400" dirty="0"/>
+              <a:t>供するサービス）</a:t>
+            </a:r>
+            <a:r>
+              <a:rPr lang="ja-JP" altLang="en-US" sz="4400" dirty="0" smtClean="0"/>
+              <a:t>の</a:t>
+            </a:r>
+            <a:r>
+              <a:rPr lang="ja-JP" altLang="en-US" sz="4400" dirty="0" smtClean="0"/>
+              <a:t>データから自動的に</a:t>
+            </a:r>
+            <a:r>
+              <a:rPr lang="en-US" altLang="ja-JP" sz="4400" dirty="0" smtClean="0"/>
+              <a:t>EVM</a:t>
+            </a:r>
+            <a:r>
+              <a:rPr lang="ja-JP" altLang="en-US" sz="4400" dirty="0" smtClean="0"/>
+              <a:t>を描くシステムを開発する</a:t>
+            </a:r>
+            <a:r>
+              <a:rPr lang="ja-JP" altLang="en-US" sz="4400" dirty="0" smtClean="0"/>
+              <a:t>．</a:t>
+            </a:r>
+            <a:endParaRPr lang="en-US" altLang="ja-JP" sz="4400" dirty="0" smtClean="0"/>
+          </a:p>
+          <a:p>
+            <a:r>
+              <a:rPr kumimoji="1" lang="ja-JP" altLang="en-US" sz="4400" dirty="0"/>
+              <a:t>この</a:t>
+            </a:r>
+            <a:r>
+              <a:rPr kumimoji="1" lang="ja-JP" altLang="en-US" sz="4400" dirty="0" smtClean="0"/>
+              <a:t>システムにより，プロジェクトマネジャーを含むメンバー全員がプロジェクトの進捗状況を手軽に把握できるようになる．</a:t>
+            </a:r>
+            <a:endParaRPr kumimoji="1" lang="ja-JP" altLang="en-US" sz="4400" dirty="0"/>
+          </a:p>
+        </p:txBody>
+      </p:sp>
+      <p:sp>
+        <p:nvSpPr>
+          <p:cNvPr id="19" name="下矢印 18"/>
           <p:cNvSpPr/>
           <p:nvPr/>
         </p:nvSpPr>
         <p:spPr>
           <a:xfrm>
-            <a:off x="9253240" y="13009372"/>
-            <a:ext cx="2157614" cy="1655888"/>
+            <a:off x="9286618" y="19460467"/>
+            <a:ext cx="2124236" cy="1584176"/>
           </a:xfrm>
           <a:prstGeom prst="downArrow">
             <a:avLst/>
           </a:prstGeom>
           <a:solidFill>
-            <a:srgbClr val="FF0000"/>
+            <a:srgbClr val="00B0F0"/>
           </a:solidFill>
+          <a:ln>
+            <a:noFill/>
+          </a:ln>
         </p:spPr>
         <p:style>
           <a:lnRef idx="2">
@@ -8874,202 +8504,13 @@
       </p:sp>
       <p:sp>
         <p:nvSpPr>
-          <p:cNvPr id="13" name="テキスト ボックス 12"/>
-          <p:cNvSpPr txBox="1"/>
-          <p:nvPr/>
-        </p:nvSpPr>
-        <p:spPr>
-          <a:xfrm>
-            <a:off x="765331" y="14665260"/>
-            <a:ext cx="19740214" cy="2123658"/>
-          </a:xfrm>
-          <a:prstGeom prst="rect">
-            <a:avLst/>
-          </a:prstGeom>
-          <a:solidFill>
-            <a:schemeClr val="bg1"/>
-          </a:solidFill>
-        </p:spPr>
-        <p:txBody>
-          <a:bodyPr wrap="square" rtlCol="0">
-            <a:spAutoFit/>
-          </a:bodyPr>
-          <a:lstStyle/>
-          <a:p>
-            <a:r>
-              <a:rPr kumimoji="1" lang="ja-JP" altLang="en-US" sz="4400" dirty="0" smtClean="0"/>
-              <a:t>バージョン管理サービスはソフトウェア開発プロジェクトにおいては便利だが，プロジェクトマネジメントを行う際には，重要な</a:t>
-            </a:r>
-            <a:r>
-              <a:rPr kumimoji="1" lang="en-US" altLang="ja-JP" sz="4400" dirty="0" smtClean="0"/>
-              <a:t>EVM</a:t>
-            </a:r>
-            <a:r>
-              <a:rPr kumimoji="1" lang="ja-JP" altLang="en-US" sz="4400" dirty="0" smtClean="0"/>
-              <a:t>を使用する</a:t>
-            </a:r>
-            <a:r>
-              <a:rPr lang="ja-JP" altLang="en-US" sz="4400" dirty="0" smtClean="0"/>
-              <a:t>時には，手間が係る．</a:t>
-            </a:r>
-            <a:endParaRPr kumimoji="1" lang="ja-JP" altLang="en-US" sz="4400" dirty="0"/>
-          </a:p>
-        </p:txBody>
-      </p:sp>
-      <p:sp>
-        <p:nvSpPr>
-          <p:cNvPr id="17" name="テキスト ボックス 16"/>
-          <p:cNvSpPr txBox="1"/>
-          <p:nvPr/>
-        </p:nvSpPr>
-        <p:spPr>
-          <a:xfrm>
-            <a:off x="771049" y="17624263"/>
-            <a:ext cx="19734496" cy="2123658"/>
-          </a:xfrm>
-          <a:prstGeom prst="rect">
-            <a:avLst/>
-          </a:prstGeom>
-          <a:solidFill>
-            <a:schemeClr val="bg1"/>
-          </a:solidFill>
-        </p:spPr>
-        <p:txBody>
-          <a:bodyPr wrap="square" rtlCol="0">
-            <a:spAutoFit/>
-          </a:bodyPr>
-          <a:lstStyle/>
-          <a:p>
-            <a:r>
-              <a:rPr lang="en-US" altLang="ja-JP" sz="4400" dirty="0" err="1" smtClean="0"/>
-              <a:t>GitHub</a:t>
-            </a:r>
-            <a:r>
-              <a:rPr lang="ja-JP" altLang="en-US" sz="4400" dirty="0" smtClean="0"/>
-              <a:t>のデータから自動的に</a:t>
-            </a:r>
-            <a:r>
-              <a:rPr lang="en-US" altLang="ja-JP" sz="4400" dirty="0" smtClean="0"/>
-              <a:t>EVM</a:t>
-            </a:r>
-            <a:r>
-              <a:rPr lang="ja-JP" altLang="en-US" sz="4400" dirty="0" smtClean="0"/>
-              <a:t>を描くシステムを開発する．</a:t>
-            </a:r>
-            <a:endParaRPr lang="en-US" altLang="ja-JP" sz="4400" dirty="0" smtClean="0"/>
-          </a:p>
-          <a:p>
-            <a:r>
-              <a:rPr kumimoji="1" lang="ja-JP" altLang="en-US" sz="4400" dirty="0"/>
-              <a:t>この</a:t>
-            </a:r>
-            <a:r>
-              <a:rPr kumimoji="1" lang="ja-JP" altLang="en-US" sz="4400" dirty="0" smtClean="0"/>
-              <a:t>システムにより，プロジェクトマネジャーを含むメンバー全員がプロジェクトの進捗状況を手軽に把握できるようになる．</a:t>
-            </a:r>
-            <a:endParaRPr kumimoji="1" lang="ja-JP" altLang="en-US" sz="4400" dirty="0"/>
-          </a:p>
-        </p:txBody>
-      </p:sp>
-      <p:sp>
-        <p:nvSpPr>
-          <p:cNvPr id="16" name="角丸四角形 15"/>
-          <p:cNvSpPr/>
-          <p:nvPr/>
-        </p:nvSpPr>
-        <p:spPr>
-          <a:xfrm>
-            <a:off x="777043" y="16845820"/>
-            <a:ext cx="3672407" cy="792088"/>
-          </a:xfrm>
-          <a:prstGeom prst="roundRect">
-            <a:avLst/>
-          </a:prstGeom>
-          <a:solidFill>
-            <a:srgbClr val="FFC000"/>
-          </a:solidFill>
-        </p:spPr>
-        <p:style>
-          <a:lnRef idx="2">
-            <a:schemeClr val="accent1">
-              <a:shade val="50000"/>
-            </a:schemeClr>
-          </a:lnRef>
-          <a:fillRef idx="1">
-            <a:schemeClr val="accent1"/>
-          </a:fillRef>
-          <a:effectRef idx="0">
-            <a:schemeClr val="accent1"/>
-          </a:effectRef>
-          <a:fontRef idx="minor">
-            <a:schemeClr val="lt1"/>
-          </a:fontRef>
-        </p:style>
-        <p:txBody>
-          <a:bodyPr rtlCol="0" anchor="ctr"/>
-          <a:lstStyle/>
-          <a:p>
-            <a:pPr algn="ctr"/>
-            <a:r>
-              <a:rPr kumimoji="1" lang="ja-JP" altLang="en-US" dirty="0" smtClean="0"/>
-              <a:t>目的</a:t>
-            </a:r>
-            <a:endParaRPr kumimoji="1" lang="en-US" altLang="ja-JP" dirty="0" smtClean="0"/>
-          </a:p>
-        </p:txBody>
-      </p:sp>
-      <p:sp>
-        <p:nvSpPr>
-          <p:cNvPr id="19" name="下矢印 18"/>
-          <p:cNvSpPr/>
-          <p:nvPr/>
-        </p:nvSpPr>
-        <p:spPr>
-          <a:xfrm>
-            <a:off x="9286618" y="19747921"/>
-            <a:ext cx="2124236" cy="1584176"/>
-          </a:xfrm>
-          <a:prstGeom prst="downArrow">
-            <a:avLst/>
-          </a:prstGeom>
-          <a:solidFill>
-            <a:srgbClr val="0070C0"/>
-          </a:solidFill>
-        </p:spPr>
-        <p:style>
-          <a:lnRef idx="2">
-            <a:schemeClr val="accent1">
-              <a:shade val="50000"/>
-            </a:schemeClr>
-          </a:lnRef>
-          <a:fillRef idx="1">
-            <a:schemeClr val="accent1"/>
-          </a:fillRef>
-          <a:effectRef idx="0">
-            <a:schemeClr val="accent1"/>
-          </a:effectRef>
-          <a:fontRef idx="minor">
-            <a:schemeClr val="lt1"/>
-          </a:fontRef>
-        </p:style>
-        <p:txBody>
-          <a:bodyPr rtlCol="0" anchor="ctr"/>
-          <a:lstStyle/>
-          <a:p>
-            <a:pPr algn="ctr"/>
-            <a:endParaRPr kumimoji="1" lang="ja-JP" altLang="en-US"/>
-          </a:p>
-        </p:txBody>
-      </p:sp>
-      <p:sp>
-        <p:nvSpPr>
           <p:cNvPr id="18" name="テキスト ボックス 17"/>
           <p:cNvSpPr txBox="1"/>
           <p:nvPr/>
         </p:nvSpPr>
         <p:spPr>
           <a:xfrm>
-            <a:off x="799355" y="21332097"/>
+            <a:off x="612280" y="21110261"/>
             <a:ext cx="19721157" cy="1446550"/>
           </a:xfrm>
           <a:prstGeom prst="rect">
@@ -9078,6 +8519,13 @@
           <a:solidFill>
             <a:schemeClr val="bg1"/>
           </a:solidFill>
+          <a:ln>
+            <a:solidFill>
+              <a:schemeClr val="accent1">
+                <a:shade val="50000"/>
+              </a:schemeClr>
+            </a:solidFill>
+          </a:ln>
         </p:spPr>
         <p:txBody>
           <a:bodyPr wrap="square" rtlCol="0">
@@ -9087,85 +8535,73 @@
           <a:p>
             <a:r>
               <a:rPr kumimoji="1" lang="ja-JP" altLang="en-US" sz="4400" dirty="0" smtClean="0"/>
-              <a:t>作業の遅延などへの対応</a:t>
-            </a:r>
-            <a:r>
-              <a:rPr kumimoji="1" lang="en-US" altLang="ja-JP" sz="4400" dirty="0" smtClean="0"/>
-              <a:t>(</a:t>
+              <a:t>作業の遅延などへの</a:t>
             </a:r>
             <a:r>
               <a:rPr kumimoji="1" lang="ja-JP" altLang="en-US" sz="4400" dirty="0" smtClean="0"/>
-              <a:t>リスク・マネジメント</a:t>
-            </a:r>
-            <a:r>
-              <a:rPr kumimoji="1" lang="en-US" altLang="ja-JP" sz="4400" dirty="0" smtClean="0"/>
-              <a:t>)</a:t>
+              <a:t>対応</a:t>
+            </a:r>
+            <a:r>
+              <a:rPr lang="ja-JP" altLang="en-US" sz="4400" dirty="0"/>
+              <a:t>（</a:t>
             </a:r>
             <a:r>
               <a:rPr kumimoji="1" lang="ja-JP" altLang="en-US" sz="4400" dirty="0" smtClean="0"/>
-              <a:t>やスケジュール管理</a:t>
-            </a:r>
-            <a:r>
-              <a:rPr kumimoji="1" lang="en-US" altLang="ja-JP" sz="4400" dirty="0" smtClean="0"/>
-              <a:t>(</a:t>
+              <a:t>リスク</a:t>
             </a:r>
             <a:r>
               <a:rPr kumimoji="1" lang="ja-JP" altLang="en-US" sz="4400" dirty="0" smtClean="0"/>
-              <a:t>タイム・マネジメント</a:t>
-            </a:r>
-            <a:r>
-              <a:rPr kumimoji="1" lang="en-US" altLang="ja-JP" sz="4400" dirty="0" smtClean="0"/>
-              <a:t>)</a:t>
+              <a:t>・</a:t>
             </a:r>
             <a:r>
               <a:rPr kumimoji="1" lang="ja-JP" altLang="en-US" sz="4400" dirty="0" smtClean="0"/>
-              <a:t>が効率よく行えることも期待できる．</a:t>
+              <a:t>マネジメント</a:t>
+            </a:r>
+            <a:r>
+              <a:rPr lang="ja-JP" altLang="en-US" sz="4400" dirty="0"/>
+              <a:t>）</a:t>
+            </a:r>
+            <a:r>
+              <a:rPr kumimoji="1" lang="ja-JP" altLang="en-US" sz="4400" dirty="0" smtClean="0"/>
+              <a:t>や</a:t>
+            </a:r>
+            <a:r>
+              <a:rPr kumimoji="1" lang="ja-JP" altLang="en-US" sz="4400" dirty="0" smtClean="0"/>
+              <a:t>スケジュール</a:t>
+            </a:r>
+            <a:r>
+              <a:rPr kumimoji="1" lang="ja-JP" altLang="en-US" sz="4400" dirty="0" smtClean="0"/>
+              <a:t>管理</a:t>
+            </a:r>
+            <a:r>
+              <a:rPr lang="ja-JP" altLang="en-US" sz="4400" dirty="0"/>
+              <a:t>（</a:t>
+            </a:r>
+            <a:r>
+              <a:rPr kumimoji="1" lang="ja-JP" altLang="en-US" sz="4400" dirty="0" smtClean="0"/>
+              <a:t>タイム</a:t>
+            </a:r>
+            <a:r>
+              <a:rPr kumimoji="1" lang="ja-JP" altLang="en-US" sz="4400" dirty="0" smtClean="0"/>
+              <a:t>・</a:t>
+            </a:r>
+            <a:r>
+              <a:rPr kumimoji="1" lang="ja-JP" altLang="en-US" sz="4400" dirty="0" smtClean="0"/>
+              <a:t>マネジメント</a:t>
+            </a:r>
+            <a:r>
+              <a:rPr lang="ja-JP" altLang="en-US" sz="4400" dirty="0"/>
+              <a:t>）</a:t>
+            </a:r>
+            <a:r>
+              <a:rPr kumimoji="1" lang="ja-JP" altLang="en-US" sz="4400" dirty="0" smtClean="0"/>
+              <a:t>が</a:t>
+            </a:r>
+            <a:r>
+              <a:rPr kumimoji="1" lang="ja-JP" altLang="en-US" sz="4400" dirty="0" smtClean="0"/>
+              <a:t>効率よく行えることも期待できる．</a:t>
             </a:r>
             <a:endParaRPr kumimoji="1" lang="ja-JP" altLang="en-US" sz="4400" dirty="0"/>
-          </a:p>
-        </p:txBody>
-      </p:sp>
-      <p:sp>
-        <p:nvSpPr>
-          <p:cNvPr id="21" name="角丸四角形 20"/>
-          <p:cNvSpPr/>
-          <p:nvPr/>
-        </p:nvSpPr>
-        <p:spPr>
-          <a:xfrm>
-            <a:off x="765331" y="22985664"/>
-            <a:ext cx="3616991" cy="936104"/>
-          </a:xfrm>
-          <a:prstGeom prst="roundRect">
-            <a:avLst/>
-          </a:prstGeom>
-        </p:spPr>
-        <p:style>
-          <a:lnRef idx="2">
-            <a:schemeClr val="accent1">
-              <a:shade val="50000"/>
-            </a:schemeClr>
-          </a:lnRef>
-          <a:fillRef idx="1">
-            <a:schemeClr val="accent1"/>
-          </a:fillRef>
-          <a:effectRef idx="0">
-            <a:schemeClr val="accent1"/>
-          </a:effectRef>
-          <a:fontRef idx="minor">
-            <a:schemeClr val="lt1"/>
-          </a:fontRef>
-        </p:style>
-        <p:txBody>
-          <a:bodyPr rtlCol="0" anchor="ctr"/>
-          <a:lstStyle/>
-          <a:p>
-            <a:pPr algn="ctr"/>
-            <a:r>
-              <a:rPr kumimoji="1" lang="ja-JP" altLang="en-US" dirty="0" smtClean="0"/>
-              <a:t>研究方法</a:t>
-            </a:r>
-            <a:endParaRPr kumimoji="1" lang="ja-JP" altLang="en-US" dirty="0"/>
           </a:p>
         </p:txBody>
       </p:sp>
@@ -9176,7 +8612,7 @@
           <p:nvPr>
             <p:extLst>
               <p:ext uri="{D42A27DB-BD31-4B8C-83A1-F6EECF244321}">
-                <p14:modId xmlns:p14="http://schemas.microsoft.com/office/powerpoint/2010/main" val="2602361047"/>
+                <p14:modId xmlns:p14="http://schemas.microsoft.com/office/powerpoint/2010/main" val="2096536500"/>
               </p:ext>
             </p:extLst>
           </p:nvPr>
@@ -9285,6 +8721,147 @@
           </a:p>
         </p:txBody>
       </p:sp>
+      <p:sp>
+        <p:nvSpPr>
+          <p:cNvPr id="21" name="角丸四角形 20"/>
+          <p:cNvSpPr/>
+          <p:nvPr/>
+        </p:nvSpPr>
+        <p:spPr>
+          <a:xfrm>
+            <a:off x="612280" y="22916851"/>
+            <a:ext cx="3616991" cy="936104"/>
+          </a:xfrm>
+          <a:prstGeom prst="roundRect">
+            <a:avLst/>
+          </a:prstGeom>
+          <a:solidFill>
+            <a:schemeClr val="accent3"/>
+          </a:solidFill>
+        </p:spPr>
+        <p:style>
+          <a:lnRef idx="2">
+            <a:schemeClr val="accent1">
+              <a:shade val="50000"/>
+            </a:schemeClr>
+          </a:lnRef>
+          <a:fillRef idx="1">
+            <a:schemeClr val="accent1"/>
+          </a:fillRef>
+          <a:effectRef idx="0">
+            <a:schemeClr val="accent1"/>
+          </a:effectRef>
+          <a:fontRef idx="minor">
+            <a:schemeClr val="lt1"/>
+          </a:fontRef>
+        </p:style>
+        <p:txBody>
+          <a:bodyPr rtlCol="0" anchor="ctr"/>
+          <a:lstStyle/>
+          <a:p>
+            <a:pPr algn="ctr"/>
+            <a:r>
+              <a:rPr kumimoji="1" lang="ja-JP" altLang="en-US" dirty="0" smtClean="0"/>
+              <a:t>研究方法</a:t>
+            </a:r>
+            <a:endParaRPr kumimoji="1" lang="ja-JP" altLang="en-US" dirty="0"/>
+          </a:p>
+        </p:txBody>
+      </p:sp>
+      <p:sp>
+        <p:nvSpPr>
+          <p:cNvPr id="16" name="角丸四角形 15"/>
+          <p:cNvSpPr/>
+          <p:nvPr/>
+        </p:nvSpPr>
+        <p:spPr>
+          <a:xfrm>
+            <a:off x="612280" y="15572035"/>
+            <a:ext cx="3672407" cy="792088"/>
+          </a:xfrm>
+          <a:prstGeom prst="roundRect">
+            <a:avLst/>
+          </a:prstGeom>
+          <a:solidFill>
+            <a:schemeClr val="accent3"/>
+          </a:solidFill>
+        </p:spPr>
+        <p:style>
+          <a:lnRef idx="2">
+            <a:schemeClr val="accent1">
+              <a:shade val="50000"/>
+            </a:schemeClr>
+          </a:lnRef>
+          <a:fillRef idx="1">
+            <a:schemeClr val="accent1"/>
+          </a:fillRef>
+          <a:effectRef idx="0">
+            <a:schemeClr val="accent1"/>
+          </a:effectRef>
+          <a:fontRef idx="minor">
+            <a:schemeClr val="lt1"/>
+          </a:fontRef>
+        </p:style>
+        <p:txBody>
+          <a:bodyPr rtlCol="0" anchor="ctr"/>
+          <a:lstStyle/>
+          <a:p>
+            <a:pPr algn="ctr"/>
+            <a:r>
+              <a:rPr kumimoji="1" lang="ja-JP" altLang="en-US" dirty="0" smtClean="0"/>
+              <a:t>目的</a:t>
+            </a:r>
+            <a:endParaRPr kumimoji="1" lang="en-US" altLang="ja-JP" dirty="0" smtClean="0"/>
+          </a:p>
+        </p:txBody>
+      </p:sp>
+      <p:sp>
+        <p:nvSpPr>
+          <p:cNvPr id="10" name="角丸四角形 9"/>
+          <p:cNvSpPr/>
+          <p:nvPr/>
+        </p:nvSpPr>
+        <p:spPr>
+          <a:xfrm>
+            <a:off x="612280" y="4986859"/>
+            <a:ext cx="3672407" cy="792088"/>
+          </a:xfrm>
+          <a:prstGeom prst="roundRect">
+            <a:avLst/>
+          </a:prstGeom>
+          <a:solidFill>
+            <a:schemeClr val="accent3"/>
+          </a:solidFill>
+        </p:spPr>
+        <p:style>
+          <a:lnRef idx="2">
+            <a:schemeClr val="accent1">
+              <a:shade val="50000"/>
+            </a:schemeClr>
+          </a:lnRef>
+          <a:fillRef idx="1">
+            <a:schemeClr val="accent1"/>
+          </a:fillRef>
+          <a:effectRef idx="0">
+            <a:schemeClr val="accent1"/>
+          </a:effectRef>
+          <a:fontRef idx="minor">
+            <a:schemeClr val="lt1"/>
+          </a:fontRef>
+        </p:style>
+        <p:txBody>
+          <a:bodyPr rtlCol="0" anchor="ctr"/>
+          <a:lstStyle/>
+          <a:p>
+            <a:pPr algn="ctr"/>
+            <a:r>
+              <a:rPr kumimoji="1" lang="ja-JP" altLang="en-US" dirty="0" smtClean="0"/>
+              <a:t>背景</a:t>
+            </a:r>
+            <a:endParaRPr kumimoji="1" lang="en-US" altLang="ja-JP" dirty="0" smtClean="0"/>
+          </a:p>
+        </p:txBody>
+      </p:sp>
     </p:spTree>
     <p:extLst>
       <p:ext uri="{BB962C8B-B14F-4D97-AF65-F5344CB8AC3E}">
@@ -9322,53 +8899,6 @@
           <a:chExt cx="0" cy="0"/>
         </a:xfrm>
       </p:grpSpPr>
-      <p:sp>
-        <p:nvSpPr>
-          <p:cNvPr id="2" name="角丸四角形 1"/>
-          <p:cNvSpPr/>
-          <p:nvPr/>
-        </p:nvSpPr>
-        <p:spPr>
-          <a:xfrm>
-            <a:off x="501628" y="990604"/>
-            <a:ext cx="6552728" cy="864096"/>
-          </a:xfrm>
-          <a:prstGeom prst="roundRect">
-            <a:avLst/>
-          </a:prstGeom>
-          <a:solidFill>
-            <a:srgbClr val="92D050"/>
-          </a:solidFill>
-        </p:spPr>
-        <p:style>
-          <a:lnRef idx="2">
-            <a:schemeClr val="accent1">
-              <a:shade val="50000"/>
-            </a:schemeClr>
-          </a:lnRef>
-          <a:fillRef idx="1">
-            <a:schemeClr val="accent1"/>
-          </a:fillRef>
-          <a:effectRef idx="0">
-            <a:schemeClr val="accent1"/>
-          </a:effectRef>
-          <a:fontRef idx="minor">
-            <a:schemeClr val="lt1"/>
-          </a:fontRef>
-        </p:style>
-        <p:txBody>
-          <a:bodyPr rtlCol="0" anchor="ctr"/>
-          <a:lstStyle/>
-          <a:p>
-            <a:pPr algn="ctr"/>
-            <a:r>
-              <a:rPr kumimoji="1" lang="ja-JP" altLang="en-US" dirty="0" smtClean="0"/>
-              <a:t>成果物のイメージ</a:t>
-            </a:r>
-            <a:endParaRPr kumimoji="1" lang="ja-JP" altLang="en-US" dirty="0"/>
-          </a:p>
-        </p:txBody>
-      </p:sp>
       <p:grpSp>
         <p:nvGrpSpPr>
           <p:cNvPr id="5" name="Group 5"/>
@@ -9379,13 +8909,13 @@
         </p:nvGrpSpPr>
         <p:grpSpPr bwMode="auto">
           <a:xfrm>
-            <a:off x="972320" y="2235200"/>
+            <a:off x="850404" y="6756701"/>
             <a:ext cx="1066800" cy="2286000"/>
             <a:chOff x="864" y="1248"/>
             <a:chExt cx="672" cy="1440"/>
           </a:xfrm>
           <a:solidFill>
-            <a:srgbClr val="FF0000"/>
+            <a:srgbClr val="000000"/>
           </a:solidFill>
         </p:grpSpPr>
         <p:sp>
@@ -9550,7 +9080,7 @@
         </p:nvSpPr>
         <p:spPr>
           <a:xfrm>
-            <a:off x="6156896" y="2394571"/>
+            <a:off x="5724848" y="6283003"/>
             <a:ext cx="4968552" cy="2664296"/>
           </a:xfrm>
           <a:prstGeom prst="flowChartMagneticDisk">
@@ -9599,13 +9129,13 @@
         </p:nvGrpSpPr>
         <p:grpSpPr bwMode="auto">
           <a:xfrm>
-            <a:off x="17894200" y="7221397"/>
+            <a:off x="16107320" y="13555811"/>
             <a:ext cx="1066800" cy="2286000"/>
             <a:chOff x="864" y="1248"/>
             <a:chExt cx="672" cy="1440"/>
           </a:xfrm>
           <a:solidFill>
-            <a:srgbClr val="FF99CC"/>
+            <a:schemeClr val="tx1"/>
           </a:solidFill>
         </p:grpSpPr>
         <p:sp>
@@ -9772,13 +9302,13 @@
         </p:nvGrpSpPr>
         <p:grpSpPr bwMode="auto">
           <a:xfrm>
-            <a:off x="18110224" y="4609637"/>
+            <a:off x="18771616" y="10387459"/>
             <a:ext cx="1066800" cy="2286000"/>
             <a:chOff x="864" y="1248"/>
             <a:chExt cx="672" cy="1440"/>
           </a:xfrm>
           <a:solidFill>
-            <a:srgbClr val="00B050"/>
+            <a:schemeClr val="tx1"/>
           </a:solidFill>
         </p:grpSpPr>
         <p:sp>
@@ -9945,16 +9475,13 @@
         </p:nvGrpSpPr>
         <p:grpSpPr bwMode="auto">
           <a:xfrm>
-            <a:off x="18801480" y="1447802"/>
+            <a:off x="19170071" y="5766694"/>
             <a:ext cx="1066800" cy="2286000"/>
             <a:chOff x="864" y="1248"/>
             <a:chExt cx="672" cy="1440"/>
           </a:xfrm>
           <a:solidFill>
-            <a:schemeClr val="tx2">
-              <a:lumMod val="60000"/>
-              <a:lumOff val="40000"/>
-            </a:schemeClr>
+            <a:schemeClr val="tx1"/>
           </a:solidFill>
         </p:grpSpPr>
         <p:sp>
@@ -9974,21 +9501,14 @@
               <a:avLst/>
             </a:prstGeom>
             <a:grpFill/>
-            <a:ln>
+            <a:ln w="9525">
               <a:noFill/>
+              <a:round/>
+              <a:headEnd/>
+              <a:tailEnd/>
             </a:ln>
             <a:effectLst/>
             <a:extLst>
-              <a:ext uri="{91240B29-F687-4F45-9708-019B960494DF}">
-                <a14:hiddenLine xmlns:a14="http://schemas.microsoft.com/office/drawing/2010/main" w="9525">
-                  <a:solidFill>
-                    <a:schemeClr val="tx1"/>
-                  </a:solidFill>
-                  <a:round/>
-                  <a:headEnd/>
-                  <a:tailEnd/>
-                </a14:hiddenLine>
-              </a:ext>
               <a:ext uri="{AF507438-7753-43E0-B8FC-AC1667EBCBE1}">
                 <a14:hiddenEffects xmlns:a14="http://schemas.microsoft.com/office/drawing/2010/main">
                   <a:effectLst>
@@ -10032,21 +9552,14 @@
               <a:avLst/>
             </a:prstGeom>
             <a:grpFill/>
-            <a:ln>
+            <a:ln w="9525">
               <a:noFill/>
+              <a:miter lim="800000"/>
+              <a:headEnd/>
+              <a:tailEnd/>
             </a:ln>
             <a:effectLst/>
             <a:extLst>
-              <a:ext uri="{91240B29-F687-4F45-9708-019B960494DF}">
-                <a14:hiddenLine xmlns:a14="http://schemas.microsoft.com/office/drawing/2010/main" w="9525">
-                  <a:solidFill>
-                    <a:schemeClr val="tx1"/>
-                  </a:solidFill>
-                  <a:miter lim="800000"/>
-                  <a:headEnd/>
-                  <a:tailEnd/>
-                </a14:hiddenLine>
-              </a:ext>
               <a:ext uri="{AF507438-7753-43E0-B8FC-AC1667EBCBE1}">
                 <a14:hiddenEffects xmlns:a14="http://schemas.microsoft.com/office/drawing/2010/main">
                   <a:effectLst>
@@ -10090,21 +9603,14 @@
               <a:avLst/>
             </a:prstGeom>
             <a:grpFill/>
-            <a:ln>
+            <a:ln w="9525">
               <a:noFill/>
+              <a:round/>
+              <a:headEnd/>
+              <a:tailEnd/>
             </a:ln>
             <a:effectLst/>
             <a:extLst>
-              <a:ext uri="{91240B29-F687-4F45-9708-019B960494DF}">
-                <a14:hiddenLine xmlns:a14="http://schemas.microsoft.com/office/drawing/2010/main" w="9525">
-                  <a:solidFill>
-                    <a:schemeClr val="tx1"/>
-                  </a:solidFill>
-                  <a:round/>
-                  <a:headEnd/>
-                  <a:tailEnd/>
-                </a14:hiddenLine>
-              </a:ext>
               <a:ext uri="{AF507438-7753-43E0-B8FC-AC1667EBCBE1}">
                 <a14:hiddenEffects xmlns:a14="http://schemas.microsoft.com/office/drawing/2010/main">
                   <a:effectLst>
@@ -10140,8 +9646,8 @@
         </p:nvSpPr>
         <p:spPr>
           <a:xfrm>
-            <a:off x="2556496" y="3302000"/>
-            <a:ext cx="3168352" cy="424719"/>
+            <a:off x="2124448" y="8149870"/>
+            <a:ext cx="3600400" cy="542560"/>
           </a:xfrm>
           <a:prstGeom prst="rightArrow">
             <a:avLst/>
@@ -10171,7 +9677,11 @@
           <a:lstStyle/>
           <a:p>
             <a:pPr algn="ctr"/>
-            <a:endParaRPr kumimoji="1" lang="ja-JP" altLang="en-US"/>
+            <a:r>
+              <a:rPr lang="ja-JP" altLang="en-US" sz="2000" dirty="0"/>
+              <a:t>①</a:t>
+            </a:r>
+            <a:endParaRPr kumimoji="1" lang="ja-JP" altLang="en-US" sz="2000" dirty="0"/>
           </a:p>
         </p:txBody>
       </p:sp>
@@ -10183,8 +9693,8 @@
         </p:nvSpPr>
         <p:spPr>
           <a:xfrm>
-            <a:off x="12751651" y="2269720"/>
-            <a:ext cx="4794128" cy="593361"/>
+            <a:off x="11400298" y="6643043"/>
+            <a:ext cx="7065802" cy="656297"/>
           </a:xfrm>
           <a:prstGeom prst="rightArrow">
             <a:avLst/>
@@ -10224,20 +9734,24 @@
       </p:sp>
       <p:sp>
         <p:nvSpPr>
-          <p:cNvPr id="27" name="右矢印 26"/>
+          <p:cNvPr id="28" name="角丸四角形吹き出し 27"/>
           <p:cNvSpPr/>
           <p:nvPr/>
         </p:nvSpPr>
         <p:spPr>
-          <a:xfrm rot="928226">
-            <a:off x="12599901" y="4245123"/>
-            <a:ext cx="5137535" cy="739189"/>
+          <a:xfrm>
+            <a:off x="13645728" y="5189109"/>
+            <a:ext cx="2982986" cy="1021886"/>
           </a:xfrm>
-          <a:prstGeom prst="rightArrow">
-            <a:avLst/>
+          <a:prstGeom prst="wedgeRoundRectCallout">
+            <a:avLst>
+              <a:gd name="adj1" fmla="val -27082"/>
+              <a:gd name="adj2" fmla="val 101648"/>
+              <a:gd name="adj3" fmla="val 16667"/>
+            </a:avLst>
           </a:prstGeom>
           <a:solidFill>
-            <a:srgbClr val="00B050"/>
+            <a:srgbClr val="00B0F0"/>
           </a:solidFill>
         </p:spPr>
         <p:style>
@@ -10262,30 +9776,54 @@
           <a:p>
             <a:pPr algn="ctr"/>
             <a:r>
-              <a:rPr kumimoji="1" lang="ja-JP" altLang="en-US" sz="2000" dirty="0" smtClean="0"/>
+              <a:rPr lang="ja-JP" altLang="en-US" sz="2400" dirty="0" smtClean="0"/>
               <a:t>②</a:t>
             </a:r>
-            <a:endParaRPr kumimoji="1" lang="ja-JP" altLang="en-US" sz="2000" dirty="0"/>
+            <a:r>
+              <a:rPr lang="en-US" altLang="ja-JP" sz="2400" dirty="0" smtClean="0"/>
+              <a:t>Issue</a:t>
+            </a:r>
+          </a:p>
+          <a:p>
+            <a:pPr algn="ctr"/>
+            <a:r>
+              <a:rPr lang="ja-JP" altLang="en-US" sz="2400" dirty="0"/>
+              <a:t>（</a:t>
+            </a:r>
+            <a:r>
+              <a:rPr lang="ja-JP" altLang="en-US" sz="2400" dirty="0" smtClean="0"/>
+              <a:t>タスク</a:t>
+            </a:r>
+            <a:r>
+              <a:rPr lang="ja-JP" altLang="en-US" sz="2400" dirty="0" smtClean="0"/>
+              <a:t>の</a:t>
+            </a:r>
+            <a:r>
+              <a:rPr lang="ja-JP" altLang="en-US" sz="2400" dirty="0" smtClean="0"/>
+              <a:t>指示）</a:t>
+            </a:r>
+            <a:endParaRPr kumimoji="1" lang="ja-JP" altLang="en-US" sz="2400" dirty="0"/>
           </a:p>
         </p:txBody>
       </p:sp>
       <p:sp>
         <p:nvSpPr>
-          <p:cNvPr id="29" name="右矢印 28"/>
+          <p:cNvPr id="31" name="正方形/長方形 30"/>
           <p:cNvSpPr/>
           <p:nvPr/>
         </p:nvSpPr>
         <p:spPr>
-          <a:xfrm rot="1790925">
-            <a:off x="11830271" y="6325369"/>
-            <a:ext cx="5934778" cy="602056"/>
+          <a:xfrm>
+            <a:off x="828304" y="9260751"/>
+            <a:ext cx="1088900" cy="596567"/>
           </a:xfrm>
-          <a:prstGeom prst="rightArrow">
+          <a:prstGeom prst="rect">
             <a:avLst/>
           </a:prstGeom>
-          <a:solidFill>
-            <a:srgbClr val="FF99CC"/>
-          </a:solidFill>
+          <a:noFill/>
+          <a:ln>
+            <a:noFill/>
+          </a:ln>
         </p:spPr>
         <p:style>
           <a:lnRef idx="2">
@@ -10309,123 +9847,18 @@
           <a:p>
             <a:pPr algn="ctr"/>
             <a:r>
-              <a:rPr kumimoji="1" lang="ja-JP" altLang="en-US" sz="2000" dirty="0" smtClean="0"/>
-              <a:t>②</a:t>
-            </a:r>
-            <a:endParaRPr kumimoji="1" lang="ja-JP" altLang="en-US" sz="2000" dirty="0"/>
-          </a:p>
-        </p:txBody>
-      </p:sp>
-      <p:sp>
-        <p:nvSpPr>
-          <p:cNvPr id="28" name="角丸四角形吹き出し 27"/>
-          <p:cNvSpPr/>
-          <p:nvPr/>
-        </p:nvSpPr>
-        <p:spPr>
-          <a:xfrm>
-            <a:off x="14338944" y="1602483"/>
-            <a:ext cx="2475136" cy="667237"/>
-          </a:xfrm>
-          <a:prstGeom prst="wedgeRoundRectCallout">
-            <a:avLst/>
-          </a:prstGeom>
-          <a:solidFill>
-            <a:srgbClr val="33CCCC"/>
-          </a:solidFill>
-        </p:spPr>
-        <p:style>
-          <a:lnRef idx="2">
-            <a:schemeClr val="accent1">
-              <a:shade val="50000"/>
-            </a:schemeClr>
-          </a:lnRef>
-          <a:fillRef idx="1">
-            <a:schemeClr val="accent1"/>
-          </a:fillRef>
-          <a:effectRef idx="0">
-            <a:schemeClr val="accent1"/>
-          </a:effectRef>
-          <a:fontRef idx="minor">
-            <a:schemeClr val="lt1"/>
-          </a:fontRef>
-        </p:style>
-        <p:txBody>
-          <a:bodyPr rtlCol="0" anchor="ctr"/>
-          <a:lstStyle/>
-          <a:p>
-            <a:pPr algn="ctr"/>
-            <a:r>
-              <a:rPr lang="ja-JP" altLang="en-US" sz="2000" dirty="0" smtClean="0"/>
-              <a:t>②</a:t>
-            </a:r>
-            <a:r>
-              <a:rPr lang="en-US" altLang="ja-JP" sz="2000" dirty="0" smtClean="0"/>
-              <a:t>Issue</a:t>
-            </a:r>
-          </a:p>
-          <a:p>
-            <a:pPr algn="ctr"/>
-            <a:r>
-              <a:rPr lang="en-US" altLang="ja-JP" sz="2000" dirty="0" smtClean="0"/>
-              <a:t>(</a:t>
-            </a:r>
-            <a:r>
-              <a:rPr lang="ja-JP" altLang="en-US" sz="2000" dirty="0" smtClean="0"/>
-              <a:t>タスクの指示</a:t>
-            </a:r>
-            <a:r>
-              <a:rPr lang="en-US" altLang="ja-JP" sz="2000" dirty="0" smtClean="0"/>
-              <a:t>)</a:t>
-            </a:r>
-            <a:endParaRPr kumimoji="1" lang="ja-JP" altLang="en-US" sz="2000" dirty="0"/>
-          </a:p>
-        </p:txBody>
-      </p:sp>
-      <p:sp>
-        <p:nvSpPr>
-          <p:cNvPr id="31" name="正方形/長方形 30"/>
-          <p:cNvSpPr/>
-          <p:nvPr/>
-        </p:nvSpPr>
-        <p:spPr>
-          <a:xfrm>
-            <a:off x="972320" y="4689018"/>
-            <a:ext cx="1066800" cy="369849"/>
-          </a:xfrm>
-          <a:prstGeom prst="rect">
-            <a:avLst/>
-          </a:prstGeom>
-          <a:solidFill>
-            <a:srgbClr val="FFC000"/>
-          </a:solidFill>
-        </p:spPr>
-        <p:style>
-          <a:lnRef idx="2">
-            <a:schemeClr val="accent1">
-              <a:shade val="50000"/>
-            </a:schemeClr>
-          </a:lnRef>
-          <a:fillRef idx="1">
-            <a:schemeClr val="accent1"/>
-          </a:fillRef>
-          <a:effectRef idx="0">
-            <a:schemeClr val="accent1"/>
-          </a:effectRef>
-          <a:fontRef idx="minor">
-            <a:schemeClr val="lt1"/>
-          </a:fontRef>
-        </p:style>
-        <p:txBody>
-          <a:bodyPr rtlCol="0" anchor="ctr"/>
-          <a:lstStyle/>
-          <a:p>
-            <a:pPr algn="ctr"/>
-            <a:r>
-              <a:rPr kumimoji="1" lang="en-US" altLang="ja-JP" sz="2000" dirty="0" smtClean="0"/>
+              <a:rPr kumimoji="1" lang="en-US" altLang="ja-JP" sz="3200" dirty="0" smtClean="0">
+                <a:solidFill>
+                  <a:schemeClr val="tx1"/>
+                </a:solidFill>
+              </a:rPr>
               <a:t>PM</a:t>
             </a:r>
-            <a:endParaRPr kumimoji="1" lang="ja-JP" altLang="en-US" sz="2000" dirty="0"/>
+            <a:endParaRPr kumimoji="1" lang="ja-JP" altLang="en-US" sz="3200" dirty="0">
+              <a:solidFill>
+                <a:schemeClr val="tx1"/>
+              </a:solidFill>
+            </a:endParaRPr>
           </a:p>
         </p:txBody>
       </p:sp>
@@ -10437,8 +9870,8 @@
         </p:nvSpPr>
         <p:spPr>
           <a:xfrm>
-            <a:off x="12853640" y="2863081"/>
-            <a:ext cx="4608512" cy="718321"/>
+            <a:off x="11311967" y="7181380"/>
+            <a:ext cx="7065802" cy="718321"/>
           </a:xfrm>
           <a:prstGeom prst="leftArrow">
             <a:avLst/>
@@ -10469,23 +9902,1365 @@
           <a:p>
             <a:pPr algn="ctr"/>
             <a:r>
-              <a:rPr kumimoji="1" lang="ja-JP" altLang="en-US" sz="2000" dirty="0" smtClean="0"/>
+              <a:rPr kumimoji="1" lang="ja-JP" altLang="en-US" sz="2000" dirty="0" smtClean="0">
+                <a:solidFill>
+                  <a:schemeClr val="bg1"/>
+                </a:solidFill>
+              </a:rPr>
               <a:t>③</a:t>
             </a:r>
-            <a:endParaRPr kumimoji="1" lang="ja-JP" altLang="en-US" sz="2000" dirty="0"/>
+            <a:endParaRPr kumimoji="1" lang="ja-JP" altLang="en-US" sz="2000" dirty="0">
+              <a:solidFill>
+                <a:schemeClr val="bg1"/>
+              </a:solidFill>
+            </a:endParaRPr>
           </a:p>
         </p:txBody>
       </p:sp>
       <p:sp>
         <p:nvSpPr>
-          <p:cNvPr id="34" name="左矢印 33"/>
+          <p:cNvPr id="2051" name="下矢印 2050"/>
           <p:cNvSpPr/>
           <p:nvPr/>
         </p:nvSpPr>
         <p:spPr>
-          <a:xfrm rot="1826031">
-            <a:off x="11551453" y="6846375"/>
-            <a:ext cx="5864147" cy="718321"/>
+          <a:xfrm>
+            <a:off x="7013466" y="9042701"/>
+            <a:ext cx="900100" cy="2717845"/>
+          </a:xfrm>
+          <a:prstGeom prst="downArrow">
+            <a:avLst/>
+          </a:prstGeom>
+          <a:solidFill>
+            <a:srgbClr val="9999FF"/>
+          </a:solidFill>
+        </p:spPr>
+        <p:style>
+          <a:lnRef idx="2">
+            <a:schemeClr val="accent1">
+              <a:shade val="50000"/>
+            </a:schemeClr>
+          </a:lnRef>
+          <a:fillRef idx="1">
+            <a:schemeClr val="accent1"/>
+          </a:fillRef>
+          <a:effectRef idx="0">
+            <a:schemeClr val="accent1"/>
+          </a:effectRef>
+          <a:fontRef idx="minor">
+            <a:schemeClr val="lt1"/>
+          </a:fontRef>
+        </p:style>
+        <p:txBody>
+          <a:bodyPr rtlCol="0" anchor="ctr"/>
+          <a:lstStyle/>
+          <a:p>
+            <a:pPr algn="ctr"/>
+            <a:r>
+              <a:rPr kumimoji="1" lang="ja-JP" altLang="en-US" sz="2000" dirty="0" smtClean="0"/>
+              <a:t>④</a:t>
+            </a:r>
+            <a:endParaRPr kumimoji="1" lang="ja-JP" altLang="en-US" sz="2000" dirty="0"/>
+          </a:p>
+        </p:txBody>
+      </p:sp>
+      <p:sp>
+        <p:nvSpPr>
+          <p:cNvPr id="2052" name="角丸四角形吹き出し 2051"/>
+          <p:cNvSpPr/>
+          <p:nvPr/>
+        </p:nvSpPr>
+        <p:spPr>
+          <a:xfrm>
+            <a:off x="1924398" y="5849668"/>
+            <a:ext cx="3625408" cy="1153415"/>
+          </a:xfrm>
+          <a:prstGeom prst="wedgeRoundRectCallout">
+            <a:avLst>
+              <a:gd name="adj1" fmla="val -4932"/>
+              <a:gd name="adj2" fmla="val 155639"/>
+              <a:gd name="adj3" fmla="val 16667"/>
+            </a:avLst>
+          </a:prstGeom>
+          <a:solidFill>
+            <a:srgbClr val="33CCCC"/>
+          </a:solidFill>
+        </p:spPr>
+        <p:style>
+          <a:lnRef idx="2">
+            <a:schemeClr val="accent1">
+              <a:shade val="50000"/>
+            </a:schemeClr>
+          </a:lnRef>
+          <a:fillRef idx="1">
+            <a:schemeClr val="accent1"/>
+          </a:fillRef>
+          <a:effectRef idx="0">
+            <a:schemeClr val="accent1"/>
+          </a:effectRef>
+          <a:fontRef idx="minor">
+            <a:schemeClr val="lt1"/>
+          </a:fontRef>
+        </p:style>
+        <p:txBody>
+          <a:bodyPr rtlCol="0" anchor="ctr"/>
+          <a:lstStyle/>
+          <a:p>
+            <a:pPr algn="ctr"/>
+            <a:r>
+              <a:rPr lang="ja-JP" altLang="en-US" sz="2400" dirty="0" smtClean="0"/>
+              <a:t>①</a:t>
+            </a:r>
+            <a:r>
+              <a:rPr lang="en-US" altLang="ja-JP" sz="2400" dirty="0" smtClean="0"/>
+              <a:t>Issue</a:t>
+            </a:r>
+            <a:r>
+              <a:rPr lang="ja-JP" altLang="en-US" sz="2400" dirty="0" smtClean="0"/>
+              <a:t>・タスクの指示</a:t>
+            </a:r>
+            <a:endParaRPr lang="en-US" altLang="ja-JP" sz="2400" dirty="0" smtClean="0"/>
+          </a:p>
+          <a:p>
+            <a:pPr algn="ctr"/>
+            <a:r>
+              <a:rPr lang="ja-JP" altLang="en-US" sz="2400" dirty="0"/>
+              <a:t>（</a:t>
+            </a:r>
+            <a:r>
+              <a:rPr lang="ja-JP" altLang="en-US" sz="2400" dirty="0" smtClean="0"/>
+              <a:t>計画</a:t>
+            </a:r>
+            <a:r>
+              <a:rPr lang="ja-JP" altLang="en-US" sz="2400" dirty="0" smtClean="0"/>
+              <a:t>時の</a:t>
+            </a:r>
+            <a:r>
+              <a:rPr lang="ja-JP" altLang="en-US" sz="2400" dirty="0" smtClean="0"/>
+              <a:t>コスト・時間</a:t>
+            </a:r>
+            <a:r>
+              <a:rPr lang="ja-JP" altLang="en-US" sz="2400" dirty="0"/>
+              <a:t>）</a:t>
+            </a:r>
+            <a:endParaRPr lang="ja-JP" altLang="en-US" sz="2400" dirty="0"/>
+          </a:p>
+        </p:txBody>
+      </p:sp>
+      <p:sp>
+        <p:nvSpPr>
+          <p:cNvPr id="2053" name="角丸四角形吹き出し 2052"/>
+          <p:cNvSpPr/>
+          <p:nvPr/>
+        </p:nvSpPr>
+        <p:spPr>
+          <a:xfrm>
+            <a:off x="11080610" y="13915851"/>
+            <a:ext cx="3401886" cy="1371600"/>
+          </a:xfrm>
+          <a:prstGeom prst="wedgeRoundRectCallout">
+            <a:avLst>
+              <a:gd name="adj1" fmla="val 32355"/>
+              <a:gd name="adj2" fmla="val -114200"/>
+              <a:gd name="adj3" fmla="val 16667"/>
+            </a:avLst>
+          </a:prstGeom>
+          <a:solidFill>
+            <a:srgbClr val="FF0000"/>
+          </a:solidFill>
+        </p:spPr>
+        <p:style>
+          <a:lnRef idx="2">
+            <a:schemeClr val="accent1">
+              <a:shade val="50000"/>
+            </a:schemeClr>
+          </a:lnRef>
+          <a:fillRef idx="1">
+            <a:schemeClr val="accent1"/>
+          </a:fillRef>
+          <a:effectRef idx="0">
+            <a:schemeClr val="accent1"/>
+          </a:effectRef>
+          <a:fontRef idx="minor">
+            <a:schemeClr val="lt1"/>
+          </a:fontRef>
+        </p:style>
+        <p:txBody>
+          <a:bodyPr rtlCol="0" anchor="ctr"/>
+          <a:lstStyle/>
+          <a:p>
+            <a:pPr algn="ctr"/>
+            <a:r>
+              <a:rPr lang="ja-JP" altLang="en-US" sz="2400" dirty="0" smtClean="0">
+                <a:solidFill>
+                  <a:schemeClr val="bg1"/>
+                </a:solidFill>
+              </a:rPr>
+              <a:t>③終了タスクデータ</a:t>
+            </a:r>
+            <a:endParaRPr lang="en-US" altLang="ja-JP" sz="2400" dirty="0" smtClean="0">
+              <a:solidFill>
+                <a:schemeClr val="bg1"/>
+              </a:solidFill>
+            </a:endParaRPr>
+          </a:p>
+          <a:p>
+            <a:pPr algn="ctr"/>
+            <a:r>
+              <a:rPr lang="ja-JP" altLang="en-US" sz="2400" dirty="0">
+                <a:solidFill>
+                  <a:schemeClr val="bg1"/>
+                </a:solidFill>
+              </a:rPr>
+              <a:t>（</a:t>
+            </a:r>
+            <a:r>
+              <a:rPr lang="ja-JP" altLang="en-US" sz="2400" dirty="0" smtClean="0">
+                <a:solidFill>
+                  <a:schemeClr val="bg1"/>
+                </a:solidFill>
+              </a:rPr>
+              <a:t>かか</a:t>
+            </a:r>
+            <a:r>
+              <a:rPr lang="ja-JP" altLang="en-US" sz="2400" dirty="0" smtClean="0">
+                <a:solidFill>
+                  <a:schemeClr val="bg1"/>
+                </a:solidFill>
+              </a:rPr>
+              <a:t>った</a:t>
+            </a:r>
+            <a:r>
+              <a:rPr lang="ja-JP" altLang="en-US" sz="2400" dirty="0" smtClean="0">
+                <a:solidFill>
+                  <a:schemeClr val="bg1"/>
+                </a:solidFill>
+              </a:rPr>
+              <a:t>コスト</a:t>
+            </a:r>
+            <a:r>
+              <a:rPr lang="ja-JP" altLang="en-US" sz="2400" dirty="0" smtClean="0">
+                <a:solidFill>
+                  <a:schemeClr val="bg1"/>
+                </a:solidFill>
+              </a:rPr>
+              <a:t>，</a:t>
+            </a:r>
+            <a:endParaRPr lang="en-US" altLang="ja-JP" sz="2400" dirty="0" smtClean="0">
+              <a:solidFill>
+                <a:schemeClr val="bg1"/>
+              </a:solidFill>
+            </a:endParaRPr>
+          </a:p>
+          <a:p>
+            <a:pPr algn="ctr"/>
+            <a:r>
+              <a:rPr lang="ja-JP" altLang="en-US" sz="2400" dirty="0" smtClean="0">
+                <a:solidFill>
+                  <a:schemeClr val="bg1"/>
+                </a:solidFill>
+              </a:rPr>
+              <a:t>かかった時間</a:t>
+            </a:r>
+            <a:r>
+              <a:rPr lang="ja-JP" altLang="en-US" sz="2400" dirty="0">
+                <a:solidFill>
+                  <a:schemeClr val="bg1"/>
+                </a:solidFill>
+              </a:rPr>
+              <a:t>）</a:t>
+            </a:r>
+            <a:endParaRPr lang="ja-JP" altLang="en-US" sz="2400" dirty="0">
+              <a:solidFill>
+                <a:schemeClr val="bg1"/>
+              </a:solidFill>
+            </a:endParaRPr>
+          </a:p>
+        </p:txBody>
+      </p:sp>
+      <p:sp>
+        <p:nvSpPr>
+          <p:cNvPr id="2054" name="角丸四角形吹き出し 2053"/>
+          <p:cNvSpPr/>
+          <p:nvPr/>
+        </p:nvSpPr>
+        <p:spPr>
+          <a:xfrm>
+            <a:off x="3737102" y="9859235"/>
+            <a:ext cx="2885714" cy="744248"/>
+          </a:xfrm>
+          <a:prstGeom prst="wedgeRoundRectCallout">
+            <a:avLst>
+              <a:gd name="adj1" fmla="val 68454"/>
+              <a:gd name="adj2" fmla="val -13265"/>
+              <a:gd name="adj3" fmla="val 16667"/>
+            </a:avLst>
+          </a:prstGeom>
+          <a:solidFill>
+            <a:srgbClr val="9999FF"/>
+          </a:solidFill>
+        </p:spPr>
+        <p:style>
+          <a:lnRef idx="2">
+            <a:schemeClr val="accent1">
+              <a:shade val="50000"/>
+            </a:schemeClr>
+          </a:lnRef>
+          <a:fillRef idx="1">
+            <a:schemeClr val="accent1"/>
+          </a:fillRef>
+          <a:effectRef idx="0">
+            <a:schemeClr val="accent1"/>
+          </a:effectRef>
+          <a:fontRef idx="minor">
+            <a:schemeClr val="lt1"/>
+          </a:fontRef>
+        </p:style>
+        <p:txBody>
+          <a:bodyPr rtlCol="0" anchor="ctr"/>
+          <a:lstStyle/>
+          <a:p>
+            <a:pPr algn="ctr"/>
+            <a:r>
+              <a:rPr kumimoji="1" lang="ja-JP" altLang="en-US" sz="2400" dirty="0" smtClean="0"/>
+              <a:t>④</a:t>
+            </a:r>
+            <a:r>
+              <a:rPr kumimoji="1" lang="en-US" altLang="ja-JP" sz="2400" dirty="0" smtClean="0"/>
+              <a:t>EVM</a:t>
+            </a:r>
+            <a:r>
+              <a:rPr lang="ja-JP" altLang="en-US" sz="2400" dirty="0" smtClean="0"/>
+              <a:t>を自動作成</a:t>
+            </a:r>
+            <a:endParaRPr kumimoji="1" lang="ja-JP" altLang="en-US" sz="2400" dirty="0"/>
+          </a:p>
+        </p:txBody>
+      </p:sp>
+      <p:graphicFrame>
+        <p:nvGraphicFramePr>
+          <p:cNvPr id="41" name="グラフ 40"/>
+          <p:cNvGraphicFramePr>
+            <a:graphicFrameLocks/>
+          </p:cNvGraphicFramePr>
+          <p:nvPr>
+            <p:extLst>
+              <p:ext uri="{D42A27DB-BD31-4B8C-83A1-F6EECF244321}">
+                <p14:modId xmlns:p14="http://schemas.microsoft.com/office/powerpoint/2010/main" val="4058498868"/>
+              </p:ext>
+            </p:extLst>
+          </p:nvPr>
+        </p:nvGraphicFramePr>
+        <p:xfrm>
+          <a:off x="2824132" y="12075407"/>
+          <a:ext cx="7632848" cy="4464496"/>
+        </p:xfrm>
+        <a:graphic>
+          <a:graphicData uri="http://schemas.openxmlformats.org/drawingml/2006/chart">
+            <c:chart xmlns:c="http://schemas.openxmlformats.org/drawingml/2006/chart" xmlns:r="http://schemas.openxmlformats.org/officeDocument/2006/relationships" r:id="rId2"/>
+          </a:graphicData>
+        </a:graphic>
+      </p:graphicFrame>
+      <p:sp>
+        <p:nvSpPr>
+          <p:cNvPr id="2055" name="テキスト ボックス 2054"/>
+          <p:cNvSpPr txBox="1"/>
+          <p:nvPr/>
+        </p:nvSpPr>
+        <p:spPr>
+          <a:xfrm>
+            <a:off x="467066" y="2106539"/>
+            <a:ext cx="19682244" cy="2123658"/>
+          </a:xfrm>
+          <a:prstGeom prst="rect">
+            <a:avLst/>
+          </a:prstGeom>
+          <a:solidFill>
+            <a:schemeClr val="bg1"/>
+          </a:solidFill>
+          <a:ln w="15875">
+            <a:solidFill>
+              <a:schemeClr val="accent1">
+                <a:shade val="50000"/>
+              </a:schemeClr>
+            </a:solidFill>
+          </a:ln>
+        </p:spPr>
+        <p:txBody>
+          <a:bodyPr wrap="square" rtlCol="0">
+            <a:spAutoFit/>
+          </a:bodyPr>
+          <a:lstStyle/>
+          <a:p>
+            <a:r>
+              <a:rPr lang="ja-JP" altLang="en-US" sz="4400" dirty="0" smtClean="0"/>
+              <a:t>・</a:t>
+            </a:r>
+            <a:r>
+              <a:rPr lang="en-US" altLang="ja-JP" sz="4400" dirty="0" err="1" smtClean="0"/>
+              <a:t>GitHub</a:t>
+            </a:r>
+            <a:r>
+              <a:rPr lang="ja-JP" altLang="en-US" sz="4400" dirty="0" smtClean="0"/>
+              <a:t>の</a:t>
+            </a:r>
+            <a:r>
+              <a:rPr lang="en-US" altLang="ja-JP" sz="4400" dirty="0" smtClean="0"/>
+              <a:t>Issue</a:t>
+            </a:r>
+            <a:r>
+              <a:rPr lang="ja-JP" altLang="en-US" sz="4400" dirty="0" smtClean="0"/>
+              <a:t>を利用してプロジェクトの進捗の管理を行い，</a:t>
+            </a:r>
+            <a:r>
+              <a:rPr lang="en-US" altLang="ja-JP" sz="4400" dirty="0" smtClean="0"/>
+              <a:t>Issue</a:t>
+            </a:r>
+            <a:r>
+              <a:rPr lang="ja-JP" altLang="en-US" sz="4400" dirty="0" smtClean="0"/>
+              <a:t>から</a:t>
+            </a:r>
+            <a:r>
+              <a:rPr lang="ja-JP" altLang="en-US" sz="4400" dirty="0" smtClean="0"/>
+              <a:t>抽出した</a:t>
+            </a:r>
+            <a:endParaRPr lang="en-US" altLang="ja-JP" sz="4400" dirty="0" smtClean="0"/>
+          </a:p>
+          <a:p>
+            <a:r>
+              <a:rPr lang="ja-JP" altLang="en-US" sz="4400" dirty="0" smtClean="0"/>
+              <a:t>　データ</a:t>
+            </a:r>
+            <a:r>
+              <a:rPr lang="ja-JP" altLang="en-US" sz="4400" dirty="0" smtClean="0"/>
+              <a:t>をもとに</a:t>
+            </a:r>
+            <a:r>
+              <a:rPr lang="en-US" altLang="ja-JP" sz="4400" dirty="0" smtClean="0"/>
+              <a:t>EVM</a:t>
+            </a:r>
+            <a:r>
+              <a:rPr lang="ja-JP" altLang="en-US" sz="4400" dirty="0" smtClean="0"/>
+              <a:t>を自動的に描くシステムである．</a:t>
+            </a:r>
+            <a:endParaRPr lang="en-US" altLang="ja-JP" sz="4400" dirty="0" smtClean="0"/>
+          </a:p>
+          <a:p>
+            <a:r>
+              <a:rPr kumimoji="1" lang="ja-JP" altLang="en-US" sz="4400" dirty="0" smtClean="0"/>
+              <a:t>・これによって，スケジュールの管理と作業の遅延の対応を行えるように</a:t>
+            </a:r>
+            <a:r>
+              <a:rPr kumimoji="1" lang="ja-JP" altLang="en-US" sz="4400" dirty="0" smtClean="0"/>
+              <a:t>なる</a:t>
+            </a:r>
+            <a:r>
+              <a:rPr kumimoji="1" lang="ja-JP" altLang="en-US" sz="4400" dirty="0" smtClean="0"/>
+              <a:t>．</a:t>
+            </a:r>
+            <a:endParaRPr kumimoji="1" lang="en-US" altLang="ja-JP" sz="4400" dirty="0" smtClean="0"/>
+          </a:p>
+        </p:txBody>
+      </p:sp>
+      <p:sp>
+        <p:nvSpPr>
+          <p:cNvPr id="2056" name="テキスト ボックス 2055"/>
+          <p:cNvSpPr txBox="1"/>
+          <p:nvPr/>
+        </p:nvSpPr>
+        <p:spPr>
+          <a:xfrm>
+            <a:off x="511128" y="17825763"/>
+            <a:ext cx="20171888" cy="4154984"/>
+          </a:xfrm>
+          <a:prstGeom prst="rect">
+            <a:avLst/>
+          </a:prstGeom>
+          <a:solidFill>
+            <a:schemeClr val="bg1"/>
+          </a:solidFill>
+          <a:ln w="15875">
+            <a:solidFill>
+              <a:schemeClr val="accent1">
+                <a:shade val="50000"/>
+              </a:schemeClr>
+            </a:solidFill>
+          </a:ln>
+        </p:spPr>
+        <p:txBody>
+          <a:bodyPr wrap="square" rtlCol="0">
+            <a:spAutoFit/>
+          </a:bodyPr>
+          <a:lstStyle/>
+          <a:p>
+            <a:r>
+              <a:rPr kumimoji="1" lang="ja-JP" altLang="en-US" sz="4400" dirty="0" smtClean="0"/>
+              <a:t>・</a:t>
+            </a:r>
+            <a:r>
+              <a:rPr kumimoji="1" lang="en-US" altLang="ja-JP" sz="4400" dirty="0" smtClean="0"/>
+              <a:t>Issue</a:t>
+            </a:r>
+            <a:r>
+              <a:rPr kumimoji="1" lang="ja-JP" altLang="en-US" sz="4400" dirty="0" smtClean="0"/>
+              <a:t>（</a:t>
+            </a:r>
+            <a:r>
+              <a:rPr lang="ja-JP" altLang="en-US" sz="4400" dirty="0"/>
+              <a:t>タスクを管理するためのシステムおよびそこで管理される</a:t>
+            </a:r>
+            <a:r>
+              <a:rPr lang="ja-JP" altLang="en-US" sz="4400" dirty="0" smtClean="0"/>
+              <a:t>タスク．</a:t>
+            </a:r>
+            <a:r>
+              <a:rPr lang="en-US" altLang="ja-JP" sz="4400" dirty="0" smtClean="0"/>
+              <a:t>1</a:t>
+            </a:r>
+            <a:r>
+              <a:rPr lang="ja-JP" altLang="en-US" sz="4400" dirty="0" err="1" smtClean="0"/>
+              <a:t>つの</a:t>
+            </a:r>
+            <a:r>
+              <a:rPr lang="ja-JP" altLang="en-US" sz="4400" dirty="0" smtClean="0"/>
+              <a:t>タスクに</a:t>
+            </a:r>
+            <a:r>
+              <a:rPr lang="en-US" altLang="ja-JP" sz="4400" dirty="0" smtClean="0"/>
+              <a:t>1</a:t>
+            </a:r>
+            <a:r>
+              <a:rPr lang="ja-JP" altLang="en-US" sz="4400" dirty="0" err="1" smtClean="0"/>
+              <a:t>つの</a:t>
+            </a:r>
+            <a:r>
+              <a:rPr lang="en-US" altLang="ja-JP" sz="4400" dirty="0" smtClean="0"/>
+              <a:t>Issue</a:t>
+            </a:r>
+            <a:r>
+              <a:rPr lang="ja-JP" altLang="en-US" sz="4400" dirty="0" smtClean="0"/>
+              <a:t>が作成され，管理される． </a:t>
+            </a:r>
+            <a:r>
+              <a:rPr kumimoji="1" lang="ja-JP" altLang="en-US" sz="4400" dirty="0" smtClean="0"/>
+              <a:t>）に</a:t>
+            </a:r>
+            <a:r>
+              <a:rPr kumimoji="1" lang="ja-JP" altLang="en-US" sz="4400" dirty="0" smtClean="0"/>
+              <a:t>記述する</a:t>
+            </a:r>
+            <a:r>
+              <a:rPr kumimoji="1" lang="ja-JP" altLang="en-US" sz="4400" dirty="0" smtClean="0"/>
+              <a:t>項目（</a:t>
+            </a:r>
+            <a:r>
+              <a:rPr lang="ja-JP" altLang="en-US" sz="4400" dirty="0" smtClean="0"/>
+              <a:t>タスク</a:t>
+            </a:r>
+            <a:r>
+              <a:rPr kumimoji="1" lang="ja-JP" altLang="en-US" sz="4400" dirty="0" smtClean="0"/>
+              <a:t>と</a:t>
+            </a:r>
+            <a:r>
+              <a:rPr kumimoji="1" lang="ja-JP" altLang="en-US" sz="4400" dirty="0" smtClean="0"/>
+              <a:t>コスト）を</a:t>
+            </a:r>
+            <a:r>
+              <a:rPr kumimoji="1" lang="ja-JP" altLang="en-US" sz="4400" dirty="0" smtClean="0"/>
+              <a:t>決定した．</a:t>
+            </a:r>
+            <a:endParaRPr kumimoji="1" lang="en-US" altLang="ja-JP" sz="4400" dirty="0" smtClean="0"/>
+          </a:p>
+          <a:p>
+            <a:r>
+              <a:rPr lang="ja-JP" altLang="en-US" sz="4400" dirty="0" smtClean="0"/>
+              <a:t>・</a:t>
+            </a:r>
+            <a:r>
+              <a:rPr lang="en-US" altLang="ja-JP" sz="4400" dirty="0" smtClean="0"/>
+              <a:t>Issue</a:t>
+            </a:r>
+            <a:r>
+              <a:rPr lang="ja-JP" altLang="en-US" sz="4400" dirty="0" smtClean="0"/>
+              <a:t>が解決したときに，それまでにタスク</a:t>
+            </a:r>
+            <a:r>
+              <a:rPr lang="ja-JP" altLang="en-US" sz="4400" dirty="0" smtClean="0"/>
+              <a:t>にかかった</a:t>
+            </a:r>
+            <a:r>
+              <a:rPr lang="ja-JP" altLang="en-US" sz="4400" dirty="0" smtClean="0"/>
+              <a:t>時間と</a:t>
+            </a:r>
+            <a:r>
+              <a:rPr lang="en-US" altLang="ja-JP" sz="4400" dirty="0" smtClean="0"/>
+              <a:t>Issue</a:t>
+            </a:r>
+            <a:r>
+              <a:rPr lang="ja-JP" altLang="en-US" sz="4400" dirty="0" smtClean="0"/>
+              <a:t>に記述されている</a:t>
+            </a:r>
+            <a:endParaRPr lang="en-US" altLang="ja-JP" sz="4400" dirty="0" smtClean="0"/>
+          </a:p>
+          <a:p>
+            <a:r>
+              <a:rPr lang="ja-JP" altLang="en-US" sz="4400" dirty="0"/>
+              <a:t>　</a:t>
+            </a:r>
+            <a:r>
+              <a:rPr lang="ja-JP" altLang="en-US" sz="4400" dirty="0" smtClean="0"/>
+              <a:t>コストを調べることで</a:t>
+            </a:r>
+            <a:r>
+              <a:rPr lang="en-US" altLang="ja-JP" sz="4400" dirty="0" smtClean="0"/>
+              <a:t>EVM</a:t>
+            </a:r>
+            <a:r>
+              <a:rPr lang="ja-JP" altLang="en-US" sz="4400" dirty="0" err="1" smtClean="0"/>
+              <a:t>を描</a:t>
+            </a:r>
+            <a:r>
+              <a:rPr lang="ja-JP" altLang="en-US" sz="4400" dirty="0" smtClean="0"/>
+              <a:t>画するということを確認した．</a:t>
+            </a:r>
+            <a:endParaRPr lang="en-US" altLang="ja-JP" sz="4400" dirty="0" smtClean="0"/>
+          </a:p>
+          <a:p>
+            <a:r>
+              <a:rPr kumimoji="1" lang="ja-JP" altLang="en-US" sz="4400" dirty="0" smtClean="0"/>
+              <a:t>・システムの実装においては，</a:t>
+            </a:r>
+            <a:r>
+              <a:rPr kumimoji="1" lang="en-US" altLang="ja-JP" sz="4400" dirty="0" err="1" smtClean="0"/>
+              <a:t>GitHub</a:t>
+            </a:r>
+            <a:r>
+              <a:rPr kumimoji="1" lang="ja-JP" altLang="en-US" sz="4400" dirty="0" smtClean="0"/>
+              <a:t>の</a:t>
+            </a:r>
+            <a:r>
+              <a:rPr kumimoji="1" lang="en-US" altLang="ja-JP" sz="4400" dirty="0" smtClean="0"/>
+              <a:t>API</a:t>
+            </a:r>
+            <a:r>
+              <a:rPr kumimoji="1" lang="ja-JP" altLang="en-US" sz="4400" dirty="0" smtClean="0"/>
+              <a:t>を用いるが，その</a:t>
+            </a:r>
+            <a:r>
+              <a:rPr kumimoji="1" lang="en-US" altLang="ja-JP" sz="4400" dirty="0" smtClean="0"/>
+              <a:t>API</a:t>
+            </a:r>
+            <a:r>
+              <a:rPr kumimoji="1" lang="ja-JP" altLang="en-US" sz="4400" dirty="0" smtClean="0"/>
+              <a:t>についての調査は</a:t>
+            </a:r>
+            <a:endParaRPr kumimoji="1" lang="en-US" altLang="ja-JP" sz="4400" dirty="0" smtClean="0"/>
+          </a:p>
+          <a:p>
+            <a:r>
+              <a:rPr lang="ja-JP" altLang="en-US" sz="4400" dirty="0"/>
+              <a:t>　</a:t>
+            </a:r>
+            <a:r>
+              <a:rPr kumimoji="1" lang="ja-JP" altLang="en-US" sz="4400" dirty="0" smtClean="0"/>
+              <a:t>完了</a:t>
+            </a:r>
+            <a:r>
+              <a:rPr kumimoji="1" lang="ja-JP" altLang="en-US" sz="4400" dirty="0" smtClean="0"/>
+              <a:t>した．</a:t>
+            </a:r>
+            <a:endParaRPr kumimoji="1" lang="ja-JP" altLang="en-US" sz="4400" dirty="0"/>
+          </a:p>
+        </p:txBody>
+      </p:sp>
+      <p:graphicFrame>
+        <p:nvGraphicFramePr>
+          <p:cNvPr id="2059" name="表 2058"/>
+          <p:cNvGraphicFramePr>
+            <a:graphicFrameLocks noGrp="1"/>
+          </p:cNvGraphicFramePr>
+          <p:nvPr>
+            <p:extLst>
+              <p:ext uri="{D42A27DB-BD31-4B8C-83A1-F6EECF244321}">
+                <p14:modId xmlns:p14="http://schemas.microsoft.com/office/powerpoint/2010/main" val="141567758"/>
+              </p:ext>
+            </p:extLst>
+          </p:nvPr>
+        </p:nvGraphicFramePr>
+        <p:xfrm>
+          <a:off x="538357" y="23395065"/>
+          <a:ext cx="19141111" cy="5426442"/>
+        </p:xfrm>
+        <a:graphic>
+          <a:graphicData uri="http://schemas.openxmlformats.org/drawingml/2006/table">
+            <a:tbl>
+              <a:tblPr firstRow="1" bandRow="1">
+                <a:tableStyleId>{5C22544A-7EE6-4342-B048-85BDC9FD1C3A}</a:tableStyleId>
+              </a:tblPr>
+              <a:tblGrid>
+                <a:gridCol w="5133455"/>
+                <a:gridCol w="14007656"/>
+              </a:tblGrid>
+              <a:tr h="945381">
+                <a:tc>
+                  <a:txBody>
+                    <a:bodyPr/>
+                    <a:lstStyle/>
+                    <a:p>
+                      <a:pPr algn="ctr"/>
+                      <a:r>
+                        <a:rPr kumimoji="1" lang="ja-JP" altLang="en-US" sz="4400" dirty="0" smtClean="0"/>
+                        <a:t>日程</a:t>
+                      </a:r>
+                      <a:endParaRPr kumimoji="1" lang="ja-JP" altLang="en-US" sz="4400" dirty="0"/>
+                    </a:p>
+                  </a:txBody>
+                  <a:tcPr/>
+                </a:tc>
+                <a:tc>
+                  <a:txBody>
+                    <a:bodyPr/>
+                    <a:lstStyle/>
+                    <a:p>
+                      <a:pPr algn="ctr"/>
+                      <a:r>
+                        <a:rPr kumimoji="1" lang="ja-JP" altLang="en-US" sz="4400" dirty="0" smtClean="0"/>
+                        <a:t>内容</a:t>
+                      </a:r>
+                      <a:endParaRPr kumimoji="1" lang="ja-JP" altLang="en-US" sz="4400" dirty="0"/>
+                    </a:p>
+                  </a:txBody>
+                  <a:tcPr/>
+                </a:tc>
+              </a:tr>
+              <a:tr h="1907648">
+                <a:tc>
+                  <a:txBody>
+                    <a:bodyPr/>
+                    <a:lstStyle/>
+                    <a:p>
+                      <a:r>
+                        <a:rPr kumimoji="1" lang="en-US" altLang="ja-JP" sz="4400" dirty="0" smtClean="0"/>
+                        <a:t>2013</a:t>
+                      </a:r>
+                      <a:r>
+                        <a:rPr kumimoji="1" lang="ja-JP" altLang="en-US" sz="4400" dirty="0" smtClean="0"/>
+                        <a:t>年</a:t>
+                      </a:r>
+                      <a:r>
+                        <a:rPr kumimoji="1" lang="en-US" altLang="ja-JP" sz="4400" dirty="0" smtClean="0"/>
+                        <a:t>10</a:t>
+                      </a:r>
+                      <a:r>
+                        <a:rPr kumimoji="1" lang="ja-JP" altLang="en-US" sz="4400" dirty="0" smtClean="0"/>
+                        <a:t>月～</a:t>
+                      </a:r>
+                      <a:r>
+                        <a:rPr kumimoji="1" lang="en-US" altLang="ja-JP" sz="4400" dirty="0" smtClean="0"/>
+                        <a:t>11</a:t>
+                      </a:r>
+                      <a:r>
+                        <a:rPr kumimoji="1" lang="ja-JP" altLang="en-US" sz="4400" dirty="0" smtClean="0"/>
+                        <a:t>月</a:t>
+                      </a:r>
+                      <a:endParaRPr kumimoji="1" lang="ja-JP" altLang="en-US" sz="4400" dirty="0"/>
+                    </a:p>
+                  </a:txBody>
+                  <a:tcPr/>
+                </a:tc>
+                <a:tc>
+                  <a:txBody>
+                    <a:bodyPr/>
+                    <a:lstStyle/>
+                    <a:p>
+                      <a:r>
+                        <a:rPr kumimoji="1" lang="en-US" altLang="ja-JP" sz="4400" dirty="0" smtClean="0"/>
+                        <a:t>Issue</a:t>
+                      </a:r>
+                      <a:r>
+                        <a:rPr kumimoji="1" lang="ja-JP" altLang="en-US" sz="4400" dirty="0" smtClean="0"/>
+                        <a:t>を</a:t>
+                      </a:r>
+                      <a:r>
+                        <a:rPr kumimoji="1" lang="en-US" altLang="ja-JP" sz="4400" dirty="0" err="1" smtClean="0"/>
+                        <a:t>GitHub</a:t>
+                      </a:r>
+                      <a:r>
+                        <a:rPr kumimoji="1" lang="ja-JP" altLang="en-US" sz="4400" dirty="0" smtClean="0"/>
+                        <a:t>の</a:t>
+                      </a:r>
+                      <a:r>
+                        <a:rPr kumimoji="1" lang="en-US" altLang="ja-JP" sz="4400" dirty="0" smtClean="0"/>
+                        <a:t>API</a:t>
+                      </a:r>
+                      <a:r>
+                        <a:rPr kumimoji="1" lang="ja-JP" altLang="en-US" sz="4400" dirty="0" smtClean="0"/>
+                        <a:t>に</a:t>
+                      </a:r>
+                      <a:r>
+                        <a:rPr kumimoji="1" lang="ja-JP" altLang="en-US" sz="4400" dirty="0" smtClean="0"/>
+                        <a:t>よって抽出，</a:t>
+                      </a:r>
+                      <a:endParaRPr kumimoji="1" lang="en-US" altLang="ja-JP" sz="4400" dirty="0" smtClean="0"/>
+                    </a:p>
+                    <a:p>
+                      <a:r>
+                        <a:rPr kumimoji="1" lang="en-US" altLang="ja-JP" sz="4400" dirty="0" smtClean="0"/>
+                        <a:t>Issue</a:t>
+                      </a:r>
+                      <a:r>
+                        <a:rPr kumimoji="1" lang="ja-JP" altLang="en-US" sz="4400" dirty="0" smtClean="0"/>
+                        <a:t>から</a:t>
+                      </a:r>
+                      <a:r>
+                        <a:rPr kumimoji="1" lang="en-US" altLang="ja-JP" sz="4400" dirty="0" smtClean="0"/>
+                        <a:t>EVM</a:t>
+                      </a:r>
+                      <a:r>
+                        <a:rPr kumimoji="1" lang="ja-JP" altLang="en-US" sz="4400" dirty="0" smtClean="0"/>
+                        <a:t>に必要なデータを抽出，</a:t>
+                      </a:r>
+                      <a:endParaRPr kumimoji="1" lang="en-US" altLang="ja-JP" sz="4400" dirty="0" smtClean="0"/>
+                    </a:p>
+                    <a:p>
+                      <a:r>
+                        <a:rPr kumimoji="1" lang="ja-JP" altLang="en-US" sz="4400" dirty="0" smtClean="0"/>
+                        <a:t>抽出したデータをもとに</a:t>
+                      </a:r>
+                      <a:r>
+                        <a:rPr kumimoji="1" lang="en-US" altLang="ja-JP" sz="4400" dirty="0" smtClean="0"/>
+                        <a:t>EVM</a:t>
+                      </a:r>
+                      <a:r>
+                        <a:rPr kumimoji="1" lang="ja-JP" altLang="en-US" sz="4400" dirty="0" err="1" smtClean="0"/>
+                        <a:t>を描</a:t>
+                      </a:r>
+                      <a:r>
+                        <a:rPr kumimoji="1" lang="ja-JP" altLang="en-US" sz="4400" dirty="0" smtClean="0"/>
+                        <a:t>画するシステムの構築</a:t>
+                      </a:r>
+                      <a:endParaRPr kumimoji="1" lang="ja-JP" altLang="en-US" sz="4400" dirty="0"/>
+                    </a:p>
+                  </a:txBody>
+                  <a:tcPr/>
+                </a:tc>
+              </a:tr>
+              <a:tr h="1314158">
+                <a:tc>
+                  <a:txBody>
+                    <a:bodyPr/>
+                    <a:lstStyle/>
+                    <a:p>
+                      <a:r>
+                        <a:rPr kumimoji="1" lang="en-US" altLang="ja-JP" sz="4400" dirty="0" smtClean="0"/>
+                        <a:t>2013</a:t>
+                      </a:r>
+                      <a:r>
+                        <a:rPr kumimoji="1" lang="ja-JP" altLang="en-US" sz="4400" dirty="0" smtClean="0"/>
+                        <a:t>年</a:t>
+                      </a:r>
+                      <a:r>
+                        <a:rPr kumimoji="1" lang="en-US" altLang="ja-JP" sz="4400" dirty="0" smtClean="0"/>
+                        <a:t>12</a:t>
+                      </a:r>
+                      <a:r>
+                        <a:rPr kumimoji="1" lang="ja-JP" altLang="en-US" sz="4400" dirty="0" smtClean="0"/>
+                        <a:t>月</a:t>
+                      </a:r>
+                      <a:endParaRPr kumimoji="1" lang="ja-JP" altLang="en-US" sz="4400" dirty="0"/>
+                    </a:p>
+                  </a:txBody>
+                  <a:tcPr/>
+                </a:tc>
+                <a:tc>
+                  <a:txBody>
+                    <a:bodyPr/>
+                    <a:lstStyle/>
+                    <a:p>
+                      <a:r>
+                        <a:rPr kumimoji="1" lang="ja-JP" altLang="en-US" sz="4400" dirty="0" smtClean="0"/>
+                        <a:t>過去のプロジェクトをシステムに適用し，運用と検証，</a:t>
+                      </a:r>
+                      <a:endParaRPr kumimoji="1" lang="en-US" altLang="ja-JP" sz="4400" dirty="0" smtClean="0"/>
+                    </a:p>
+                    <a:p>
+                      <a:r>
+                        <a:rPr kumimoji="1" lang="ja-JP" altLang="en-US" sz="4400" dirty="0" smtClean="0"/>
+                        <a:t>運用と検証から考察</a:t>
+                      </a:r>
+                      <a:endParaRPr kumimoji="1" lang="en-US" altLang="ja-JP" sz="4400" dirty="0" smtClean="0"/>
+                    </a:p>
+                  </a:txBody>
+                  <a:tcPr/>
+                </a:tc>
+              </a:tr>
+              <a:tr h="945381">
+                <a:tc>
+                  <a:txBody>
+                    <a:bodyPr/>
+                    <a:lstStyle/>
+                    <a:p>
+                      <a:r>
+                        <a:rPr kumimoji="1" lang="en-US" altLang="ja-JP" sz="4400" dirty="0" smtClean="0"/>
+                        <a:t>2014</a:t>
+                      </a:r>
+                      <a:r>
+                        <a:rPr kumimoji="1" lang="ja-JP" altLang="en-US" sz="4400" dirty="0" smtClean="0"/>
+                        <a:t>年</a:t>
+                      </a:r>
+                      <a:r>
+                        <a:rPr kumimoji="1" lang="en-US" altLang="ja-JP" sz="4400" dirty="0" smtClean="0"/>
+                        <a:t>1</a:t>
+                      </a:r>
+                      <a:r>
+                        <a:rPr kumimoji="1" lang="ja-JP" altLang="en-US" sz="4400" dirty="0" smtClean="0"/>
+                        <a:t>月～</a:t>
+                      </a:r>
+                      <a:r>
+                        <a:rPr kumimoji="1" lang="en-US" altLang="ja-JP" sz="4400" dirty="0" smtClean="0"/>
+                        <a:t>2</a:t>
+                      </a:r>
+                      <a:r>
+                        <a:rPr kumimoji="1" lang="ja-JP" altLang="en-US" sz="4400" dirty="0" smtClean="0"/>
+                        <a:t>月</a:t>
+                      </a:r>
+                      <a:endParaRPr kumimoji="1" lang="ja-JP" altLang="en-US" sz="4400" dirty="0"/>
+                    </a:p>
+                  </a:txBody>
+                  <a:tcPr/>
+                </a:tc>
+                <a:tc>
+                  <a:txBody>
+                    <a:bodyPr/>
+                    <a:lstStyle/>
+                    <a:p>
+                      <a:r>
+                        <a:rPr kumimoji="1" lang="ja-JP" altLang="en-US" sz="4400" dirty="0" smtClean="0"/>
+                        <a:t>論文の執筆，発表資料の作成</a:t>
+                      </a:r>
+                      <a:endParaRPr kumimoji="1" lang="ja-JP" altLang="en-US" sz="4400" dirty="0"/>
+                    </a:p>
+                  </a:txBody>
+                  <a:tcPr/>
+                </a:tc>
+              </a:tr>
+            </a:tbl>
+          </a:graphicData>
+        </a:graphic>
+      </p:graphicFrame>
+      <p:sp>
+        <p:nvSpPr>
+          <p:cNvPr id="43" name="角丸四角形 42"/>
+          <p:cNvSpPr/>
+          <p:nvPr/>
+        </p:nvSpPr>
+        <p:spPr>
+          <a:xfrm>
+            <a:off x="546584" y="16868179"/>
+            <a:ext cx="4258120" cy="864096"/>
+          </a:xfrm>
+          <a:prstGeom prst="roundRect">
+            <a:avLst/>
+          </a:prstGeom>
+          <a:solidFill>
+            <a:schemeClr val="accent3"/>
+          </a:solidFill>
+        </p:spPr>
+        <p:style>
+          <a:lnRef idx="2">
+            <a:schemeClr val="accent1">
+              <a:shade val="50000"/>
+            </a:schemeClr>
+          </a:lnRef>
+          <a:fillRef idx="1">
+            <a:schemeClr val="accent1"/>
+          </a:fillRef>
+          <a:effectRef idx="0">
+            <a:schemeClr val="accent1"/>
+          </a:effectRef>
+          <a:fontRef idx="minor">
+            <a:schemeClr val="lt1"/>
+          </a:fontRef>
+        </p:style>
+        <p:txBody>
+          <a:bodyPr rtlCol="0" anchor="ctr"/>
+          <a:lstStyle/>
+          <a:p>
+            <a:pPr algn="ctr"/>
+            <a:r>
+              <a:rPr lang="ja-JP" altLang="en-US" dirty="0" smtClean="0"/>
+              <a:t>進捗状況</a:t>
+            </a:r>
+            <a:endParaRPr kumimoji="1" lang="ja-JP" altLang="en-US" dirty="0"/>
+          </a:p>
+        </p:txBody>
+      </p:sp>
+      <p:sp>
+        <p:nvSpPr>
+          <p:cNvPr id="4" name="角丸四角形 3"/>
+          <p:cNvSpPr/>
+          <p:nvPr/>
+        </p:nvSpPr>
+        <p:spPr>
+          <a:xfrm>
+            <a:off x="525502" y="22484803"/>
+            <a:ext cx="4551274" cy="864096"/>
+          </a:xfrm>
+          <a:prstGeom prst="roundRect">
+            <a:avLst/>
+          </a:prstGeom>
+          <a:solidFill>
+            <a:schemeClr val="accent3"/>
+          </a:solidFill>
+        </p:spPr>
+        <p:style>
+          <a:lnRef idx="2">
+            <a:schemeClr val="accent1">
+              <a:shade val="50000"/>
+            </a:schemeClr>
+          </a:lnRef>
+          <a:fillRef idx="1">
+            <a:schemeClr val="accent1"/>
+          </a:fillRef>
+          <a:effectRef idx="0">
+            <a:schemeClr val="accent1"/>
+          </a:effectRef>
+          <a:fontRef idx="minor">
+            <a:schemeClr val="lt1"/>
+          </a:fontRef>
+        </p:style>
+        <p:txBody>
+          <a:bodyPr rtlCol="0" anchor="ctr"/>
+          <a:lstStyle/>
+          <a:p>
+            <a:pPr algn="ctr"/>
+            <a:r>
+              <a:rPr lang="ja-JP" altLang="en-US" dirty="0" smtClean="0"/>
+              <a:t>今後の計画</a:t>
+            </a:r>
+            <a:endParaRPr kumimoji="1" lang="ja-JP" altLang="en-US" dirty="0"/>
+          </a:p>
+        </p:txBody>
+      </p:sp>
+      <p:sp>
+        <p:nvSpPr>
+          <p:cNvPr id="2" name="角丸四角形 1"/>
+          <p:cNvSpPr/>
+          <p:nvPr/>
+        </p:nvSpPr>
+        <p:spPr>
+          <a:xfrm>
+            <a:off x="460738" y="1170435"/>
+            <a:ext cx="6552728" cy="864096"/>
+          </a:xfrm>
+          <a:prstGeom prst="roundRect">
+            <a:avLst/>
+          </a:prstGeom>
+          <a:solidFill>
+            <a:schemeClr val="accent3"/>
+          </a:solidFill>
+        </p:spPr>
+        <p:style>
+          <a:lnRef idx="2">
+            <a:schemeClr val="accent1">
+              <a:shade val="50000"/>
+            </a:schemeClr>
+          </a:lnRef>
+          <a:fillRef idx="1">
+            <a:schemeClr val="accent1"/>
+          </a:fillRef>
+          <a:effectRef idx="0">
+            <a:schemeClr val="accent1"/>
+          </a:effectRef>
+          <a:fontRef idx="minor">
+            <a:schemeClr val="lt1"/>
+          </a:fontRef>
+        </p:style>
+        <p:txBody>
+          <a:bodyPr rtlCol="0" anchor="ctr"/>
+          <a:lstStyle/>
+          <a:p>
+            <a:pPr algn="ctr"/>
+            <a:r>
+              <a:rPr kumimoji="1" lang="ja-JP" altLang="en-US" dirty="0" smtClean="0"/>
+              <a:t>成果物のイメージ</a:t>
+            </a:r>
+            <a:endParaRPr kumimoji="1" lang="ja-JP" altLang="en-US" dirty="0"/>
+          </a:p>
+        </p:txBody>
+      </p:sp>
+      <p:sp>
+        <p:nvSpPr>
+          <p:cNvPr id="44" name="正方形/長方形 43"/>
+          <p:cNvSpPr/>
+          <p:nvPr/>
+        </p:nvSpPr>
+        <p:spPr>
+          <a:xfrm>
+            <a:off x="18734198" y="8134708"/>
+            <a:ext cx="1948818" cy="596567"/>
+          </a:xfrm>
+          <a:prstGeom prst="rect">
+            <a:avLst/>
+          </a:prstGeom>
+          <a:noFill/>
+          <a:ln>
+            <a:noFill/>
+          </a:ln>
+        </p:spPr>
+        <p:style>
+          <a:lnRef idx="2">
+            <a:schemeClr val="accent1">
+              <a:shade val="50000"/>
+            </a:schemeClr>
+          </a:lnRef>
+          <a:fillRef idx="1">
+            <a:schemeClr val="accent1"/>
+          </a:fillRef>
+          <a:effectRef idx="0">
+            <a:schemeClr val="accent1"/>
+          </a:effectRef>
+          <a:fontRef idx="minor">
+            <a:schemeClr val="lt1"/>
+          </a:fontRef>
+        </p:style>
+        <p:txBody>
+          <a:bodyPr rtlCol="0" anchor="ctr"/>
+          <a:lstStyle/>
+          <a:p>
+            <a:pPr algn="ctr"/>
+            <a:r>
+              <a:rPr lang="ja-JP" altLang="en-US" sz="3200" dirty="0" smtClean="0">
+                <a:solidFill>
+                  <a:schemeClr val="tx1"/>
+                </a:solidFill>
+              </a:rPr>
+              <a:t>メンバー</a:t>
+            </a:r>
+            <a:r>
+              <a:rPr lang="ja-JP" altLang="en-US" sz="3200" dirty="0" smtClean="0"/>
+              <a:t>　　</a:t>
+            </a:r>
+            <a:endParaRPr kumimoji="1" lang="ja-JP" altLang="en-US" sz="3200" dirty="0"/>
+          </a:p>
+        </p:txBody>
+      </p:sp>
+      <p:sp>
+        <p:nvSpPr>
+          <p:cNvPr id="45" name="正方形/長方形 44"/>
+          <p:cNvSpPr/>
+          <p:nvPr/>
+        </p:nvSpPr>
+        <p:spPr>
+          <a:xfrm>
+            <a:off x="15661952" y="15932075"/>
+            <a:ext cx="1948818" cy="596567"/>
+          </a:xfrm>
+          <a:prstGeom prst="rect">
+            <a:avLst/>
+          </a:prstGeom>
+          <a:noFill/>
+          <a:ln>
+            <a:noFill/>
+          </a:ln>
+        </p:spPr>
+        <p:style>
+          <a:lnRef idx="2">
+            <a:schemeClr val="accent1">
+              <a:shade val="50000"/>
+            </a:schemeClr>
+          </a:lnRef>
+          <a:fillRef idx="1">
+            <a:schemeClr val="accent1"/>
+          </a:fillRef>
+          <a:effectRef idx="0">
+            <a:schemeClr val="accent1"/>
+          </a:effectRef>
+          <a:fontRef idx="minor">
+            <a:schemeClr val="lt1"/>
+          </a:fontRef>
+        </p:style>
+        <p:txBody>
+          <a:bodyPr rtlCol="0" anchor="ctr"/>
+          <a:lstStyle/>
+          <a:p>
+            <a:pPr algn="ctr"/>
+            <a:r>
+              <a:rPr lang="ja-JP" altLang="en-US" sz="3200" dirty="0">
+                <a:solidFill>
+                  <a:schemeClr val="tx1"/>
+                </a:solidFill>
+              </a:rPr>
+              <a:t>メンバー</a:t>
+            </a:r>
+            <a:endParaRPr kumimoji="1" lang="ja-JP" altLang="en-US" sz="3200" dirty="0">
+              <a:solidFill>
+                <a:schemeClr val="tx1"/>
+              </a:solidFill>
+            </a:endParaRPr>
+          </a:p>
+        </p:txBody>
+      </p:sp>
+      <p:sp>
+        <p:nvSpPr>
+          <p:cNvPr id="46" name="正方形/長方形 45"/>
+          <p:cNvSpPr/>
+          <p:nvPr/>
+        </p:nvSpPr>
+        <p:spPr>
+          <a:xfrm>
+            <a:off x="18321646" y="12743220"/>
+            <a:ext cx="1948818" cy="596567"/>
+          </a:xfrm>
+          <a:prstGeom prst="rect">
+            <a:avLst/>
+          </a:prstGeom>
+          <a:noFill/>
+          <a:ln>
+            <a:noFill/>
+          </a:ln>
+        </p:spPr>
+        <p:style>
+          <a:lnRef idx="2">
+            <a:schemeClr val="accent1">
+              <a:shade val="50000"/>
+            </a:schemeClr>
+          </a:lnRef>
+          <a:fillRef idx="1">
+            <a:schemeClr val="accent1"/>
+          </a:fillRef>
+          <a:effectRef idx="0">
+            <a:schemeClr val="accent1"/>
+          </a:effectRef>
+          <a:fontRef idx="minor">
+            <a:schemeClr val="lt1"/>
+          </a:fontRef>
+        </p:style>
+        <p:txBody>
+          <a:bodyPr rtlCol="0" anchor="ctr"/>
+          <a:lstStyle/>
+          <a:p>
+            <a:pPr algn="ctr"/>
+            <a:r>
+              <a:rPr lang="ja-JP" altLang="en-US" sz="3200" dirty="0">
+                <a:solidFill>
+                  <a:schemeClr val="tx1"/>
+                </a:solidFill>
+              </a:rPr>
+              <a:t>メンバー</a:t>
+            </a:r>
+            <a:endParaRPr kumimoji="1" lang="ja-JP" altLang="en-US" sz="3200" dirty="0">
+              <a:solidFill>
+                <a:schemeClr val="tx1"/>
+              </a:solidFill>
+            </a:endParaRPr>
+          </a:p>
+        </p:txBody>
+      </p:sp>
+      <p:sp>
+        <p:nvSpPr>
+          <p:cNvPr id="47" name="右矢印 46"/>
+          <p:cNvSpPr/>
+          <p:nvPr/>
+        </p:nvSpPr>
+        <p:spPr>
+          <a:xfrm rot="1318580">
+            <a:off x="11006278" y="9282717"/>
+            <a:ext cx="7677179" cy="656297"/>
+          </a:xfrm>
+          <a:prstGeom prst="rightArrow">
+            <a:avLst/>
+          </a:prstGeom>
+          <a:solidFill>
+            <a:srgbClr val="00B0F0"/>
+          </a:solidFill>
+        </p:spPr>
+        <p:style>
+          <a:lnRef idx="2">
+            <a:schemeClr val="accent1">
+              <a:shade val="50000"/>
+            </a:schemeClr>
+          </a:lnRef>
+          <a:fillRef idx="1">
+            <a:schemeClr val="accent1"/>
+          </a:fillRef>
+          <a:effectRef idx="0">
+            <a:schemeClr val="accent1"/>
+          </a:effectRef>
+          <a:fontRef idx="minor">
+            <a:schemeClr val="lt1"/>
+          </a:fontRef>
+        </p:style>
+        <p:txBody>
+          <a:bodyPr rtlCol="0" anchor="ctr"/>
+          <a:lstStyle/>
+          <a:p>
+            <a:pPr algn="ctr"/>
+            <a:r>
+              <a:rPr kumimoji="1" lang="ja-JP" altLang="en-US" sz="2000" dirty="0" smtClean="0"/>
+              <a:t>②</a:t>
+            </a:r>
+            <a:endParaRPr kumimoji="1" lang="ja-JP" altLang="en-US" sz="2000" dirty="0"/>
+          </a:p>
+        </p:txBody>
+      </p:sp>
+      <p:sp>
+        <p:nvSpPr>
+          <p:cNvPr id="49" name="右矢印 48"/>
+          <p:cNvSpPr/>
+          <p:nvPr/>
+        </p:nvSpPr>
+        <p:spPr>
+          <a:xfrm rot="2414845">
+            <a:off x="9868582" y="11142907"/>
+            <a:ext cx="7065802" cy="656297"/>
+          </a:xfrm>
+          <a:prstGeom prst="rightArrow">
+            <a:avLst/>
+          </a:prstGeom>
+          <a:solidFill>
+            <a:srgbClr val="00B0F0"/>
+          </a:solidFill>
+        </p:spPr>
+        <p:style>
+          <a:lnRef idx="2">
+            <a:schemeClr val="accent1">
+              <a:shade val="50000"/>
+            </a:schemeClr>
+          </a:lnRef>
+          <a:fillRef idx="1">
+            <a:schemeClr val="accent1"/>
+          </a:fillRef>
+          <a:effectRef idx="0">
+            <a:schemeClr val="accent1"/>
+          </a:effectRef>
+          <a:fontRef idx="minor">
+            <a:schemeClr val="lt1"/>
+          </a:fontRef>
+        </p:style>
+        <p:txBody>
+          <a:bodyPr rtlCol="0" anchor="ctr"/>
+          <a:lstStyle/>
+          <a:p>
+            <a:pPr algn="ctr"/>
+            <a:r>
+              <a:rPr kumimoji="1" lang="ja-JP" altLang="en-US" sz="2000" dirty="0" smtClean="0"/>
+              <a:t>②</a:t>
+            </a:r>
+            <a:endParaRPr kumimoji="1" lang="ja-JP" altLang="en-US" sz="2000" dirty="0"/>
+          </a:p>
+        </p:txBody>
+      </p:sp>
+      <p:sp>
+        <p:nvSpPr>
+          <p:cNvPr id="50" name="左矢印 49"/>
+          <p:cNvSpPr/>
+          <p:nvPr/>
+        </p:nvSpPr>
+        <p:spPr>
+          <a:xfrm rot="2393736">
+            <a:off x="9453282" y="11591231"/>
+            <a:ext cx="7065802" cy="718321"/>
           </a:xfrm>
           <a:prstGeom prst="leftArrow">
             <a:avLst/>
@@ -10516,23 +11291,31 @@
           <a:p>
             <a:pPr algn="ctr"/>
             <a:r>
-              <a:rPr kumimoji="1" lang="ja-JP" altLang="en-US" sz="2000" dirty="0" smtClean="0"/>
+              <a:rPr kumimoji="1" lang="ja-JP" altLang="en-US" sz="2000" dirty="0" smtClean="0">
+                <a:solidFill>
+                  <a:schemeClr val="bg1"/>
+                </a:solidFill>
+              </a:rPr>
               <a:t>③</a:t>
             </a:r>
-            <a:endParaRPr kumimoji="1" lang="ja-JP" altLang="en-US" sz="2000" dirty="0"/>
+            <a:endParaRPr kumimoji="1" lang="ja-JP" altLang="en-US" sz="2000" dirty="0">
+              <a:solidFill>
+                <a:schemeClr val="bg1"/>
+              </a:solidFill>
+            </a:endParaRPr>
           </a:p>
         </p:txBody>
       </p:sp>
       <p:sp>
         <p:nvSpPr>
-          <p:cNvPr id="35" name="左矢印 34"/>
+          <p:cNvPr id="51" name="左矢印 50"/>
           <p:cNvSpPr/>
           <p:nvPr/>
         </p:nvSpPr>
         <p:spPr>
-          <a:xfrm rot="936892">
-            <a:off x="12423655" y="4895580"/>
-            <a:ext cx="5127017" cy="718321"/>
+          <a:xfrm rot="1309538">
+            <a:off x="10768539" y="9855752"/>
+            <a:ext cx="7656647" cy="718321"/>
           </a:xfrm>
           <a:prstGeom prst="leftArrow">
             <a:avLst/>
@@ -10563,1088 +11346,18 @@
           <a:p>
             <a:pPr algn="ctr"/>
             <a:r>
-              <a:rPr kumimoji="1" lang="ja-JP" altLang="en-US" sz="2000" dirty="0" smtClean="0"/>
+              <a:rPr kumimoji="1" lang="ja-JP" altLang="en-US" sz="2000" dirty="0" smtClean="0">
+                <a:solidFill>
+                  <a:schemeClr val="bg1"/>
+                </a:solidFill>
+              </a:rPr>
               <a:t>③</a:t>
             </a:r>
-            <a:endParaRPr kumimoji="1" lang="ja-JP" altLang="en-US" sz="2000" dirty="0"/>
-          </a:p>
-        </p:txBody>
-      </p:sp>
-      <p:sp>
-        <p:nvSpPr>
-          <p:cNvPr id="2051" name="下矢印 2050"/>
-          <p:cNvSpPr/>
-          <p:nvPr/>
-        </p:nvSpPr>
-        <p:spPr>
-          <a:xfrm>
-            <a:off x="7741072" y="5254740"/>
-            <a:ext cx="900100" cy="1488497"/>
-          </a:xfrm>
-          <a:prstGeom prst="downArrow">
-            <a:avLst/>
-          </a:prstGeom>
-        </p:spPr>
-        <p:style>
-          <a:lnRef idx="2">
-            <a:schemeClr val="accent1">
-              <a:shade val="50000"/>
-            </a:schemeClr>
-          </a:lnRef>
-          <a:fillRef idx="1">
-            <a:schemeClr val="accent1"/>
-          </a:fillRef>
-          <a:effectRef idx="0">
-            <a:schemeClr val="accent1"/>
-          </a:effectRef>
-          <a:fontRef idx="minor">
-            <a:schemeClr val="lt1"/>
-          </a:fontRef>
-        </p:style>
-        <p:txBody>
-          <a:bodyPr rtlCol="0" anchor="ctr"/>
-          <a:lstStyle/>
-          <a:p>
-            <a:pPr algn="ctr"/>
-            <a:r>
-              <a:rPr kumimoji="1" lang="ja-JP" altLang="en-US" sz="2000" dirty="0" smtClean="0"/>
-              <a:t>④</a:t>
-            </a:r>
-            <a:endParaRPr kumimoji="1" lang="ja-JP" altLang="en-US" sz="2000" dirty="0"/>
-          </a:p>
-        </p:txBody>
-      </p:sp>
-      <p:sp>
-        <p:nvSpPr>
-          <p:cNvPr id="2052" name="角丸四角形吹き出し 2051"/>
-          <p:cNvSpPr/>
-          <p:nvPr/>
-        </p:nvSpPr>
-        <p:spPr>
-          <a:xfrm>
-            <a:off x="2556496" y="2269721"/>
-            <a:ext cx="3168352" cy="1032280"/>
-          </a:xfrm>
-          <a:prstGeom prst="wedgeRoundRectCallout">
-            <a:avLst/>
-          </a:prstGeom>
-          <a:solidFill>
-            <a:srgbClr val="33CCCC"/>
-          </a:solidFill>
-        </p:spPr>
-        <p:style>
-          <a:lnRef idx="2">
-            <a:schemeClr val="accent1">
-              <a:shade val="50000"/>
-            </a:schemeClr>
-          </a:lnRef>
-          <a:fillRef idx="1">
-            <a:schemeClr val="accent1"/>
-          </a:fillRef>
-          <a:effectRef idx="0">
-            <a:schemeClr val="accent1"/>
-          </a:effectRef>
-          <a:fontRef idx="minor">
-            <a:schemeClr val="lt1"/>
-          </a:fontRef>
-        </p:style>
-        <p:txBody>
-          <a:bodyPr rtlCol="0" anchor="ctr"/>
-          <a:lstStyle/>
-          <a:p>
-            <a:pPr algn="ctr"/>
-            <a:r>
-              <a:rPr lang="ja-JP" altLang="en-US" sz="2000" dirty="0" smtClean="0"/>
-              <a:t>①</a:t>
-            </a:r>
-            <a:r>
-              <a:rPr lang="en-US" altLang="ja-JP" sz="2000" dirty="0" smtClean="0"/>
-              <a:t>Issue</a:t>
-            </a:r>
-            <a:r>
-              <a:rPr lang="ja-JP" altLang="en-US" sz="2000" dirty="0" smtClean="0"/>
-              <a:t>・タスクの指示</a:t>
-            </a:r>
-            <a:endParaRPr lang="en-US" altLang="ja-JP" sz="2000" dirty="0" smtClean="0"/>
-          </a:p>
-          <a:p>
-            <a:pPr algn="ctr"/>
-            <a:r>
-              <a:rPr lang="en-US" altLang="ja-JP" sz="2000" dirty="0" smtClean="0"/>
-              <a:t>(</a:t>
-            </a:r>
-            <a:r>
-              <a:rPr lang="ja-JP" altLang="en-US" sz="2000" dirty="0" smtClean="0"/>
-              <a:t>計画時のコスト・時間</a:t>
-            </a:r>
-            <a:r>
-              <a:rPr lang="en-US" altLang="ja-JP" sz="2000" dirty="0" smtClean="0"/>
-              <a:t>)</a:t>
-            </a:r>
-            <a:endParaRPr lang="ja-JP" altLang="en-US" sz="2000" dirty="0"/>
-          </a:p>
-        </p:txBody>
-      </p:sp>
-      <p:sp>
-        <p:nvSpPr>
-          <p:cNvPr id="2053" name="角丸四角形吹き出し 2052"/>
-          <p:cNvSpPr/>
-          <p:nvPr/>
-        </p:nvSpPr>
-        <p:spPr>
-          <a:xfrm>
-            <a:off x="11485487" y="7754797"/>
-            <a:ext cx="3663227" cy="904470"/>
-          </a:xfrm>
-          <a:prstGeom prst="wedgeRoundRectCallout">
-            <a:avLst>
-              <a:gd name="adj1" fmla="val 27537"/>
-              <a:gd name="adj2" fmla="val -92517"/>
-              <a:gd name="adj3" fmla="val 16667"/>
-            </a:avLst>
-          </a:prstGeom>
-          <a:solidFill>
-            <a:srgbClr val="33CCCC"/>
-          </a:solidFill>
-        </p:spPr>
-        <p:style>
-          <a:lnRef idx="2">
-            <a:schemeClr val="accent1">
-              <a:shade val="50000"/>
-            </a:schemeClr>
-          </a:lnRef>
-          <a:fillRef idx="1">
-            <a:schemeClr val="accent1"/>
-          </a:fillRef>
-          <a:effectRef idx="0">
-            <a:schemeClr val="accent1"/>
-          </a:effectRef>
-          <a:fontRef idx="minor">
-            <a:schemeClr val="lt1"/>
-          </a:fontRef>
-        </p:style>
-        <p:txBody>
-          <a:bodyPr rtlCol="0" anchor="ctr"/>
-          <a:lstStyle/>
-          <a:p>
-            <a:pPr algn="ctr"/>
-            <a:r>
-              <a:rPr lang="ja-JP" altLang="en-US" sz="2000" dirty="0" smtClean="0"/>
-              <a:t>③終了タスクデータ</a:t>
-            </a:r>
-            <a:endParaRPr lang="en-US" altLang="ja-JP" sz="2000" dirty="0" smtClean="0"/>
-          </a:p>
-          <a:p>
-            <a:pPr algn="ctr"/>
-            <a:r>
-              <a:rPr lang="en-US" altLang="ja-JP" sz="2000" dirty="0" smtClean="0"/>
-              <a:t>(</a:t>
-            </a:r>
-            <a:r>
-              <a:rPr lang="ja-JP" altLang="en-US" sz="2000" dirty="0" smtClean="0"/>
-              <a:t>係ったコスト，係った時間</a:t>
-            </a:r>
-            <a:r>
-              <a:rPr lang="en-US" altLang="ja-JP" sz="2000" dirty="0" smtClean="0"/>
-              <a:t>)</a:t>
-            </a:r>
-            <a:endParaRPr lang="ja-JP" altLang="en-US" sz="2000" dirty="0"/>
-          </a:p>
-        </p:txBody>
-      </p:sp>
-      <p:sp>
-        <p:nvSpPr>
-          <p:cNvPr id="2054" name="角丸四角形吹き出し 2053"/>
-          <p:cNvSpPr/>
-          <p:nvPr/>
-        </p:nvSpPr>
-        <p:spPr>
-          <a:xfrm>
-            <a:off x="5020606" y="5254740"/>
-            <a:ext cx="2504442" cy="744248"/>
-          </a:xfrm>
-          <a:prstGeom prst="wedgeRoundRectCallout">
-            <a:avLst>
-              <a:gd name="adj1" fmla="val 68454"/>
-              <a:gd name="adj2" fmla="val -13265"/>
-              <a:gd name="adj3" fmla="val 16667"/>
-            </a:avLst>
-          </a:prstGeom>
-          <a:solidFill>
-            <a:srgbClr val="33CCCC"/>
-          </a:solidFill>
-        </p:spPr>
-        <p:style>
-          <a:lnRef idx="2">
-            <a:schemeClr val="accent1">
-              <a:shade val="50000"/>
-            </a:schemeClr>
-          </a:lnRef>
-          <a:fillRef idx="1">
-            <a:schemeClr val="accent1"/>
-          </a:fillRef>
-          <a:effectRef idx="0">
-            <a:schemeClr val="accent1"/>
-          </a:effectRef>
-          <a:fontRef idx="minor">
-            <a:schemeClr val="lt1"/>
-          </a:fontRef>
-        </p:style>
-        <p:txBody>
-          <a:bodyPr rtlCol="0" anchor="ctr"/>
-          <a:lstStyle/>
-          <a:p>
-            <a:pPr algn="ctr"/>
-            <a:r>
-              <a:rPr kumimoji="1" lang="ja-JP" altLang="en-US" sz="2000" dirty="0" smtClean="0"/>
-              <a:t>④</a:t>
-            </a:r>
-            <a:r>
-              <a:rPr kumimoji="1" lang="en-US" altLang="ja-JP" sz="2000" dirty="0" smtClean="0"/>
-              <a:t>EVM</a:t>
-            </a:r>
-            <a:r>
-              <a:rPr lang="ja-JP" altLang="en-US" sz="2000" dirty="0" smtClean="0"/>
-              <a:t>を自動作成</a:t>
-            </a:r>
-            <a:endParaRPr kumimoji="1" lang="ja-JP" altLang="en-US" sz="2000" dirty="0"/>
-          </a:p>
-        </p:txBody>
-      </p:sp>
-      <p:graphicFrame>
-        <p:nvGraphicFramePr>
-          <p:cNvPr id="41" name="グラフ 40"/>
-          <p:cNvGraphicFramePr>
-            <a:graphicFrameLocks/>
-          </p:cNvGraphicFramePr>
-          <p:nvPr>
-            <p:extLst>
-              <p:ext uri="{D42A27DB-BD31-4B8C-83A1-F6EECF244321}">
-                <p14:modId xmlns:p14="http://schemas.microsoft.com/office/powerpoint/2010/main" val="193068031"/>
-              </p:ext>
-            </p:extLst>
-          </p:nvPr>
-        </p:nvGraphicFramePr>
-        <p:xfrm>
-          <a:off x="3492600" y="6819877"/>
-          <a:ext cx="7632848" cy="4464496"/>
-        </p:xfrm>
-        <a:graphic>
-          <a:graphicData uri="http://schemas.openxmlformats.org/drawingml/2006/chart">
-            <c:chart xmlns:c="http://schemas.openxmlformats.org/drawingml/2006/chart" xmlns:r="http://schemas.openxmlformats.org/officeDocument/2006/relationships" r:id="rId2"/>
-          </a:graphicData>
-        </a:graphic>
-      </p:graphicFrame>
-      <p:sp>
-        <p:nvSpPr>
-          <p:cNvPr id="2055" name="テキスト ボックス 2054"/>
-          <p:cNvSpPr txBox="1"/>
-          <p:nvPr/>
-        </p:nvSpPr>
-        <p:spPr>
-          <a:xfrm>
-            <a:off x="530624" y="12601723"/>
-            <a:ext cx="19682244" cy="2800767"/>
-          </a:xfrm>
-          <a:prstGeom prst="rect">
-            <a:avLst/>
-          </a:prstGeom>
-          <a:solidFill>
-            <a:schemeClr val="bg1"/>
-          </a:solidFill>
-        </p:spPr>
-        <p:txBody>
-          <a:bodyPr wrap="square" rtlCol="0">
-            <a:spAutoFit/>
-          </a:bodyPr>
-          <a:lstStyle/>
-          <a:p>
-            <a:r>
-              <a:rPr lang="ja-JP" altLang="en-US" sz="4400" dirty="0" smtClean="0"/>
-              <a:t>・</a:t>
-            </a:r>
-            <a:r>
-              <a:rPr lang="en-US" altLang="ja-JP" sz="4400" dirty="0" err="1" smtClean="0"/>
-              <a:t>GitHub</a:t>
-            </a:r>
-            <a:r>
-              <a:rPr lang="ja-JP" altLang="en-US" sz="4400" dirty="0" smtClean="0"/>
-              <a:t>の</a:t>
-            </a:r>
-            <a:r>
-              <a:rPr lang="en-US" altLang="ja-JP" sz="4400" dirty="0" smtClean="0"/>
-              <a:t>Issue</a:t>
-            </a:r>
-            <a:r>
-              <a:rPr lang="ja-JP" altLang="en-US" sz="4400" dirty="0" smtClean="0"/>
-              <a:t>を利用してプロジェクトの進捗の管理を行い，</a:t>
-            </a:r>
-            <a:r>
-              <a:rPr lang="en-US" altLang="ja-JP" sz="4400" dirty="0" smtClean="0"/>
-              <a:t>Issue</a:t>
-            </a:r>
-            <a:r>
-              <a:rPr lang="ja-JP" altLang="en-US" sz="4400" dirty="0" smtClean="0"/>
-              <a:t>から抽</a:t>
-            </a:r>
-            <a:endParaRPr lang="en-US" altLang="ja-JP" sz="4400" dirty="0" smtClean="0"/>
-          </a:p>
-          <a:p>
-            <a:r>
-              <a:rPr lang="ja-JP" altLang="en-US" sz="4400" dirty="0"/>
-              <a:t>　</a:t>
-            </a:r>
-            <a:r>
-              <a:rPr lang="ja-JP" altLang="en-US" sz="4400" dirty="0" smtClean="0"/>
-              <a:t>出したデータをもとに</a:t>
-            </a:r>
-            <a:r>
-              <a:rPr lang="en-US" altLang="ja-JP" sz="4400" dirty="0" smtClean="0"/>
-              <a:t>EVM</a:t>
-            </a:r>
-            <a:r>
-              <a:rPr lang="ja-JP" altLang="en-US" sz="4400" dirty="0" smtClean="0"/>
-              <a:t>を自動的に描くシステムである．</a:t>
-            </a:r>
-            <a:endParaRPr lang="en-US" altLang="ja-JP" sz="4400" dirty="0" smtClean="0"/>
-          </a:p>
-          <a:p>
-            <a:r>
-              <a:rPr kumimoji="1" lang="ja-JP" altLang="en-US" sz="4400" dirty="0" smtClean="0"/>
-              <a:t>・これによって，スケジュールの管理と作業の遅延の対応を行えるように</a:t>
-            </a:r>
-            <a:r>
-              <a:rPr kumimoji="1" lang="ja-JP" altLang="en-US" sz="4400" dirty="0" err="1" smtClean="0"/>
-              <a:t>な</a:t>
-            </a:r>
-            <a:endParaRPr kumimoji="1" lang="en-US" altLang="ja-JP" sz="4400" dirty="0" smtClean="0"/>
-          </a:p>
-          <a:p>
-            <a:r>
-              <a:rPr lang="ja-JP" altLang="en-US" sz="4400" dirty="0"/>
-              <a:t>　</a:t>
-            </a:r>
-            <a:r>
-              <a:rPr kumimoji="1" lang="ja-JP" altLang="en-US" sz="4400" dirty="0" smtClean="0"/>
-              <a:t>る．</a:t>
-            </a:r>
-            <a:endParaRPr kumimoji="1" lang="en-US" altLang="ja-JP" sz="4400" dirty="0" smtClean="0"/>
-          </a:p>
-        </p:txBody>
-      </p:sp>
-      <p:sp>
-        <p:nvSpPr>
-          <p:cNvPr id="2056" name="テキスト ボックス 2055"/>
-          <p:cNvSpPr txBox="1"/>
-          <p:nvPr/>
-        </p:nvSpPr>
-        <p:spPr>
-          <a:xfrm>
-            <a:off x="530624" y="16383341"/>
-            <a:ext cx="19682244" cy="3170099"/>
-          </a:xfrm>
-          <a:prstGeom prst="rect">
-            <a:avLst/>
-          </a:prstGeom>
-          <a:solidFill>
-            <a:schemeClr val="bg1"/>
-          </a:solidFill>
-        </p:spPr>
-        <p:txBody>
-          <a:bodyPr wrap="square" rtlCol="0">
-            <a:spAutoFit/>
-          </a:bodyPr>
-          <a:lstStyle/>
-          <a:p>
-            <a:r>
-              <a:rPr kumimoji="1" lang="ja-JP" altLang="en-US" sz="4000" dirty="0" smtClean="0"/>
-              <a:t>・</a:t>
-            </a:r>
-            <a:r>
-              <a:rPr kumimoji="1" lang="en-US" altLang="ja-JP" sz="4000" dirty="0" smtClean="0"/>
-              <a:t>Issue</a:t>
-            </a:r>
-            <a:r>
-              <a:rPr kumimoji="1" lang="ja-JP" altLang="en-US" sz="4000" dirty="0" smtClean="0"/>
-              <a:t>に記述する項目</a:t>
-            </a:r>
-            <a:r>
-              <a:rPr kumimoji="1" lang="en-US" altLang="ja-JP" sz="4000" dirty="0" smtClean="0"/>
-              <a:t>(</a:t>
-            </a:r>
-            <a:r>
-              <a:rPr lang="ja-JP" altLang="en-US" sz="4000" dirty="0"/>
-              <a:t>タスク</a:t>
-            </a:r>
-            <a:r>
-              <a:rPr kumimoji="1" lang="ja-JP" altLang="en-US" sz="4000" dirty="0" smtClean="0"/>
-              <a:t>とコスト</a:t>
-            </a:r>
-            <a:r>
-              <a:rPr kumimoji="1" lang="en-US" altLang="ja-JP" sz="4000" dirty="0" smtClean="0"/>
-              <a:t>)</a:t>
-            </a:r>
-            <a:r>
-              <a:rPr kumimoji="1" lang="ja-JP" altLang="en-US" sz="4000" dirty="0" smtClean="0"/>
-              <a:t>を決定した．</a:t>
-            </a:r>
-            <a:endParaRPr kumimoji="1" lang="en-US" altLang="ja-JP" sz="4000" dirty="0" smtClean="0"/>
-          </a:p>
-          <a:p>
-            <a:r>
-              <a:rPr lang="ja-JP" altLang="en-US" sz="4000" dirty="0" smtClean="0"/>
-              <a:t>・</a:t>
-            </a:r>
-            <a:r>
-              <a:rPr lang="en-US" altLang="ja-JP" sz="4000" dirty="0" smtClean="0"/>
-              <a:t>Issue</a:t>
-            </a:r>
-            <a:r>
-              <a:rPr lang="ja-JP" altLang="en-US" sz="4000" dirty="0" smtClean="0"/>
-              <a:t>が解決したときに，それまでにタスクに係った時間と</a:t>
-            </a:r>
-            <a:r>
-              <a:rPr lang="en-US" altLang="ja-JP" sz="4000" dirty="0" smtClean="0"/>
-              <a:t>Issue</a:t>
-            </a:r>
-            <a:r>
-              <a:rPr lang="ja-JP" altLang="en-US" sz="4000" dirty="0" smtClean="0"/>
-              <a:t>に記述されている</a:t>
-            </a:r>
-            <a:endParaRPr lang="en-US" altLang="ja-JP" sz="4000" dirty="0" smtClean="0"/>
-          </a:p>
-          <a:p>
-            <a:r>
-              <a:rPr lang="ja-JP" altLang="en-US" sz="4000" dirty="0"/>
-              <a:t>　</a:t>
-            </a:r>
-            <a:r>
-              <a:rPr lang="ja-JP" altLang="en-US" sz="4000" dirty="0" smtClean="0"/>
-              <a:t>コストを調べることで</a:t>
-            </a:r>
-            <a:r>
-              <a:rPr lang="en-US" altLang="ja-JP" sz="4000" dirty="0" smtClean="0"/>
-              <a:t>EVM</a:t>
-            </a:r>
-            <a:r>
-              <a:rPr lang="ja-JP" altLang="en-US" sz="4000" dirty="0" err="1" smtClean="0"/>
-              <a:t>を描</a:t>
-            </a:r>
-            <a:r>
-              <a:rPr lang="ja-JP" altLang="en-US" sz="4000" dirty="0" smtClean="0"/>
-              <a:t>画するということを確認した．</a:t>
-            </a:r>
-            <a:endParaRPr lang="en-US" altLang="ja-JP" sz="4000" dirty="0" smtClean="0"/>
-          </a:p>
-          <a:p>
-            <a:r>
-              <a:rPr kumimoji="1" lang="ja-JP" altLang="en-US" sz="4000" dirty="0" smtClean="0"/>
-              <a:t>・システムの実装においては，</a:t>
-            </a:r>
-            <a:r>
-              <a:rPr kumimoji="1" lang="en-US" altLang="ja-JP" sz="4000" dirty="0" err="1" smtClean="0"/>
-              <a:t>GitHub</a:t>
-            </a:r>
-            <a:r>
-              <a:rPr kumimoji="1" lang="ja-JP" altLang="en-US" sz="4000" dirty="0" smtClean="0"/>
-              <a:t>の</a:t>
-            </a:r>
-            <a:r>
-              <a:rPr kumimoji="1" lang="en-US" altLang="ja-JP" sz="4000" dirty="0" smtClean="0"/>
-              <a:t>API</a:t>
-            </a:r>
-            <a:r>
-              <a:rPr kumimoji="1" lang="ja-JP" altLang="en-US" sz="4000" dirty="0" smtClean="0"/>
-              <a:t>を用いるが，その</a:t>
-            </a:r>
-            <a:r>
-              <a:rPr kumimoji="1" lang="en-US" altLang="ja-JP" sz="4000" dirty="0" smtClean="0"/>
-              <a:t>API</a:t>
-            </a:r>
-            <a:r>
-              <a:rPr kumimoji="1" lang="ja-JP" altLang="en-US" sz="4000" dirty="0" smtClean="0"/>
-              <a:t>についての調査は</a:t>
-            </a:r>
-            <a:endParaRPr kumimoji="1" lang="en-US" altLang="ja-JP" sz="4000" dirty="0" smtClean="0"/>
-          </a:p>
-          <a:p>
-            <a:r>
-              <a:rPr lang="ja-JP" altLang="en-US" sz="4000" dirty="0"/>
-              <a:t>　</a:t>
-            </a:r>
-            <a:r>
-              <a:rPr kumimoji="1" lang="ja-JP" altLang="en-US" sz="4000" dirty="0" smtClean="0"/>
-              <a:t>完了している．</a:t>
-            </a:r>
-            <a:endParaRPr kumimoji="1" lang="ja-JP" altLang="en-US" sz="4000" dirty="0"/>
-          </a:p>
-        </p:txBody>
-      </p:sp>
-      <p:graphicFrame>
-        <p:nvGraphicFramePr>
-          <p:cNvPr id="2059" name="表 2058"/>
-          <p:cNvGraphicFramePr>
-            <a:graphicFrameLocks noGrp="1"/>
-          </p:cNvGraphicFramePr>
-          <p:nvPr>
-            <p:extLst>
-              <p:ext uri="{D42A27DB-BD31-4B8C-83A1-F6EECF244321}">
-                <p14:modId xmlns:p14="http://schemas.microsoft.com/office/powerpoint/2010/main" val="2712392932"/>
-              </p:ext>
-            </p:extLst>
-          </p:nvPr>
-        </p:nvGraphicFramePr>
-        <p:xfrm>
-          <a:off x="501628" y="20684603"/>
-          <a:ext cx="12928076" cy="3675938"/>
-        </p:xfrm>
-        <a:graphic>
-          <a:graphicData uri="http://schemas.openxmlformats.org/drawingml/2006/table">
-            <a:tbl>
-              <a:tblPr firstRow="1" bandRow="1">
-                <a:tableStyleId>{5C22544A-7EE6-4342-B048-85BDC9FD1C3A}</a:tableStyleId>
-              </a:tblPr>
-              <a:tblGrid>
-                <a:gridCol w="3467181"/>
-                <a:gridCol w="9460895"/>
-              </a:tblGrid>
-              <a:tr h="679729">
-                <a:tc>
-                  <a:txBody>
-                    <a:bodyPr/>
-                    <a:lstStyle/>
-                    <a:p>
-                      <a:pPr algn="ctr"/>
-                      <a:r>
-                        <a:rPr kumimoji="1" lang="ja-JP" altLang="en-US" sz="2800" dirty="0" smtClean="0"/>
-                        <a:t>日程</a:t>
-                      </a:r>
-                      <a:endParaRPr kumimoji="1" lang="ja-JP" altLang="en-US" sz="2800" dirty="0"/>
-                    </a:p>
-                  </a:txBody>
-                  <a:tcPr/>
-                </a:tc>
-                <a:tc>
-                  <a:txBody>
-                    <a:bodyPr/>
-                    <a:lstStyle/>
-                    <a:p>
-                      <a:pPr algn="ctr"/>
-                      <a:r>
-                        <a:rPr kumimoji="1" lang="ja-JP" altLang="en-US" sz="2800" dirty="0" smtClean="0"/>
-                        <a:t>内容</a:t>
-                      </a:r>
-                      <a:endParaRPr kumimoji="1" lang="ja-JP" altLang="en-US" sz="2800" dirty="0"/>
-                    </a:p>
-                  </a:txBody>
-                  <a:tcPr/>
-                </a:tc>
-              </a:tr>
-              <a:tr h="679729">
-                <a:tc>
-                  <a:txBody>
-                    <a:bodyPr/>
-                    <a:lstStyle/>
-                    <a:p>
-                      <a:r>
-                        <a:rPr kumimoji="1" lang="en-US" altLang="ja-JP" sz="2800" dirty="0" smtClean="0"/>
-                        <a:t>2013</a:t>
-                      </a:r>
-                      <a:r>
-                        <a:rPr kumimoji="1" lang="ja-JP" altLang="en-US" sz="2800" dirty="0" smtClean="0"/>
-                        <a:t>年</a:t>
-                      </a:r>
-                      <a:r>
-                        <a:rPr kumimoji="1" lang="en-US" altLang="ja-JP" sz="2800" dirty="0" smtClean="0"/>
-                        <a:t>10</a:t>
-                      </a:r>
-                      <a:r>
-                        <a:rPr kumimoji="1" lang="ja-JP" altLang="en-US" sz="2800" dirty="0" smtClean="0"/>
-                        <a:t>月～</a:t>
-                      </a:r>
-                      <a:r>
-                        <a:rPr kumimoji="1" lang="en-US" altLang="ja-JP" sz="2800" dirty="0" smtClean="0"/>
-                        <a:t>11</a:t>
-                      </a:r>
-                      <a:r>
-                        <a:rPr kumimoji="1" lang="ja-JP" altLang="en-US" sz="2800" dirty="0" smtClean="0"/>
-                        <a:t>月</a:t>
-                      </a:r>
-                      <a:endParaRPr kumimoji="1" lang="ja-JP" altLang="en-US" sz="2800" dirty="0"/>
-                    </a:p>
-                  </a:txBody>
-                  <a:tcPr/>
-                </a:tc>
-                <a:tc>
-                  <a:txBody>
-                    <a:bodyPr/>
-                    <a:lstStyle/>
-                    <a:p>
-                      <a:r>
-                        <a:rPr kumimoji="1" lang="en-US" altLang="ja-JP" sz="2800" dirty="0" smtClean="0"/>
-                        <a:t>Issue</a:t>
-                      </a:r>
-                      <a:r>
-                        <a:rPr kumimoji="1" lang="ja-JP" altLang="en-US" sz="2800" dirty="0" smtClean="0"/>
-                        <a:t>を</a:t>
-                      </a:r>
-                      <a:r>
-                        <a:rPr kumimoji="1" lang="en-US" altLang="ja-JP" sz="2800" dirty="0" err="1" smtClean="0"/>
-                        <a:t>GitHub</a:t>
-                      </a:r>
-                      <a:r>
-                        <a:rPr kumimoji="1" lang="ja-JP" altLang="en-US" sz="2800" dirty="0" smtClean="0"/>
-                        <a:t>の</a:t>
-                      </a:r>
-                      <a:r>
-                        <a:rPr kumimoji="1" lang="en-US" altLang="ja-JP" sz="2800" dirty="0" smtClean="0"/>
-                        <a:t>API</a:t>
-                      </a:r>
-                      <a:r>
-                        <a:rPr kumimoji="1" lang="ja-JP" altLang="en-US" sz="2800" dirty="0" smtClean="0"/>
-                        <a:t>によって取得，</a:t>
-                      </a:r>
-                      <a:endParaRPr kumimoji="1" lang="en-US" altLang="ja-JP" sz="2800" dirty="0" smtClean="0"/>
-                    </a:p>
-                    <a:p>
-                      <a:r>
-                        <a:rPr kumimoji="1" lang="en-US" altLang="ja-JP" sz="2800" dirty="0" smtClean="0"/>
-                        <a:t>Issue</a:t>
-                      </a:r>
-                      <a:r>
-                        <a:rPr kumimoji="1" lang="ja-JP" altLang="en-US" sz="2800" dirty="0" smtClean="0"/>
-                        <a:t>から</a:t>
-                      </a:r>
-                      <a:r>
-                        <a:rPr kumimoji="1" lang="en-US" altLang="ja-JP" sz="2800" dirty="0" smtClean="0"/>
-                        <a:t>EVM</a:t>
-                      </a:r>
-                      <a:r>
-                        <a:rPr kumimoji="1" lang="ja-JP" altLang="en-US" sz="2800" dirty="0" smtClean="0"/>
-                        <a:t>に必要なデータを抽出，</a:t>
-                      </a:r>
-                      <a:endParaRPr kumimoji="1" lang="en-US" altLang="ja-JP" sz="2800" dirty="0" smtClean="0"/>
-                    </a:p>
-                    <a:p>
-                      <a:r>
-                        <a:rPr kumimoji="1" lang="ja-JP" altLang="en-US" sz="2800" dirty="0" smtClean="0"/>
-                        <a:t>抽出したデータをもとに</a:t>
-                      </a:r>
-                      <a:r>
-                        <a:rPr kumimoji="1" lang="en-US" altLang="ja-JP" sz="2800" dirty="0" smtClean="0"/>
-                        <a:t>EVM</a:t>
-                      </a:r>
-                      <a:r>
-                        <a:rPr kumimoji="1" lang="ja-JP" altLang="en-US" sz="2800" dirty="0" err="1" smtClean="0"/>
-                        <a:t>を描</a:t>
-                      </a:r>
-                      <a:r>
-                        <a:rPr kumimoji="1" lang="ja-JP" altLang="en-US" sz="2800" dirty="0" smtClean="0"/>
-                        <a:t>画するシステムの構築</a:t>
-                      </a:r>
-                      <a:endParaRPr kumimoji="1" lang="ja-JP" altLang="en-US" sz="2800" dirty="0"/>
-                    </a:p>
-                  </a:txBody>
-                  <a:tcPr/>
-                </a:tc>
-              </a:tr>
-              <a:tr h="679729">
-                <a:tc>
-                  <a:txBody>
-                    <a:bodyPr/>
-                    <a:lstStyle/>
-                    <a:p>
-                      <a:r>
-                        <a:rPr kumimoji="1" lang="en-US" altLang="ja-JP" sz="2800" dirty="0" smtClean="0"/>
-                        <a:t>2013</a:t>
-                      </a:r>
-                      <a:r>
-                        <a:rPr kumimoji="1" lang="ja-JP" altLang="en-US" sz="2800" dirty="0" smtClean="0"/>
-                        <a:t>年</a:t>
-                      </a:r>
-                      <a:r>
-                        <a:rPr kumimoji="1" lang="en-US" altLang="ja-JP" sz="2800" dirty="0" smtClean="0"/>
-                        <a:t>12</a:t>
-                      </a:r>
-                      <a:r>
-                        <a:rPr kumimoji="1" lang="ja-JP" altLang="en-US" sz="2800" dirty="0" smtClean="0"/>
-                        <a:t>月</a:t>
-                      </a:r>
-                      <a:endParaRPr kumimoji="1" lang="ja-JP" altLang="en-US" sz="2800" dirty="0"/>
-                    </a:p>
-                  </a:txBody>
-                  <a:tcPr/>
-                </a:tc>
-                <a:tc>
-                  <a:txBody>
-                    <a:bodyPr/>
-                    <a:lstStyle/>
-                    <a:p>
-                      <a:r>
-                        <a:rPr kumimoji="1" lang="ja-JP" altLang="en-US" sz="2800" dirty="0" smtClean="0"/>
-                        <a:t>過去のプロジェクトをシステムに適用し，運用と検証，</a:t>
-                      </a:r>
-                      <a:endParaRPr kumimoji="1" lang="en-US" altLang="ja-JP" sz="2800" dirty="0" smtClean="0"/>
-                    </a:p>
-                    <a:p>
-                      <a:r>
-                        <a:rPr kumimoji="1" lang="ja-JP" altLang="en-US" sz="2800" dirty="0" smtClean="0"/>
-                        <a:t>運用と検証から考察</a:t>
-                      </a:r>
-                      <a:endParaRPr kumimoji="1" lang="en-US" altLang="ja-JP" sz="2800" dirty="0" smtClean="0"/>
-                    </a:p>
-                  </a:txBody>
-                  <a:tcPr/>
-                </a:tc>
-              </a:tr>
-              <a:tr h="679729">
-                <a:tc>
-                  <a:txBody>
-                    <a:bodyPr/>
-                    <a:lstStyle/>
-                    <a:p>
-                      <a:r>
-                        <a:rPr kumimoji="1" lang="en-US" altLang="ja-JP" sz="2800" dirty="0" smtClean="0"/>
-                        <a:t>2014</a:t>
-                      </a:r>
-                      <a:r>
-                        <a:rPr kumimoji="1" lang="ja-JP" altLang="en-US" sz="2800" dirty="0" smtClean="0"/>
-                        <a:t>年</a:t>
-                      </a:r>
-                      <a:r>
-                        <a:rPr kumimoji="1" lang="en-US" altLang="ja-JP" sz="2800" dirty="0" smtClean="0"/>
-                        <a:t>1</a:t>
-                      </a:r>
-                      <a:r>
-                        <a:rPr kumimoji="1" lang="ja-JP" altLang="en-US" sz="2800" dirty="0" smtClean="0"/>
-                        <a:t>月～</a:t>
-                      </a:r>
-                      <a:r>
-                        <a:rPr kumimoji="1" lang="en-US" altLang="ja-JP" sz="2800" dirty="0" smtClean="0"/>
-                        <a:t>2</a:t>
-                      </a:r>
-                      <a:r>
-                        <a:rPr kumimoji="1" lang="ja-JP" altLang="en-US" sz="2800" dirty="0" smtClean="0"/>
-                        <a:t>月</a:t>
-                      </a:r>
-                      <a:endParaRPr kumimoji="1" lang="ja-JP" altLang="en-US" sz="2800" dirty="0"/>
-                    </a:p>
-                  </a:txBody>
-                  <a:tcPr/>
-                </a:tc>
-                <a:tc>
-                  <a:txBody>
-                    <a:bodyPr/>
-                    <a:lstStyle/>
-                    <a:p>
-                      <a:r>
-                        <a:rPr kumimoji="1" lang="ja-JP" altLang="en-US" sz="2800" dirty="0" smtClean="0"/>
-                        <a:t>論文の執筆，発表資料の作成</a:t>
-                      </a:r>
-                      <a:endParaRPr kumimoji="1" lang="ja-JP" altLang="en-US" sz="2800" dirty="0"/>
-                    </a:p>
-                  </a:txBody>
-                  <a:tcPr/>
-                </a:tc>
-              </a:tr>
-            </a:tbl>
-          </a:graphicData>
-        </a:graphic>
-      </p:graphicFrame>
-      <p:sp>
-        <p:nvSpPr>
-          <p:cNvPr id="3" name="角丸四角形 2"/>
-          <p:cNvSpPr/>
-          <p:nvPr/>
-        </p:nvSpPr>
-        <p:spPr>
-          <a:xfrm>
-            <a:off x="530624" y="11737627"/>
-            <a:ext cx="9044556" cy="864096"/>
-          </a:xfrm>
-          <a:prstGeom prst="roundRect">
-            <a:avLst/>
-          </a:prstGeom>
-          <a:solidFill>
-            <a:srgbClr val="9999FF"/>
-          </a:solidFill>
-        </p:spPr>
-        <p:style>
-          <a:lnRef idx="2">
-            <a:schemeClr val="accent1">
-              <a:shade val="50000"/>
-            </a:schemeClr>
-          </a:lnRef>
-          <a:fillRef idx="1">
-            <a:schemeClr val="accent1"/>
-          </a:fillRef>
-          <a:effectRef idx="0">
-            <a:schemeClr val="accent1"/>
-          </a:effectRef>
-          <a:fontRef idx="minor">
-            <a:schemeClr val="lt1"/>
-          </a:fontRef>
-        </p:style>
-        <p:txBody>
-          <a:bodyPr rtlCol="0" anchor="ctr"/>
-          <a:lstStyle/>
-          <a:p>
-            <a:pPr algn="ctr"/>
-            <a:r>
-              <a:rPr kumimoji="1" lang="ja-JP" altLang="en-US" dirty="0" smtClean="0"/>
-              <a:t>成果物のイメージの説明</a:t>
-            </a:r>
-            <a:endParaRPr kumimoji="1" lang="ja-JP" altLang="en-US" dirty="0"/>
-          </a:p>
-        </p:txBody>
-      </p:sp>
-      <p:sp>
-        <p:nvSpPr>
-          <p:cNvPr id="43" name="角丸四角形 42"/>
-          <p:cNvSpPr/>
-          <p:nvPr/>
-        </p:nvSpPr>
-        <p:spPr>
-          <a:xfrm>
-            <a:off x="427436" y="15519245"/>
-            <a:ext cx="4258120" cy="864096"/>
-          </a:xfrm>
-          <a:prstGeom prst="roundRect">
-            <a:avLst/>
-          </a:prstGeom>
-          <a:solidFill>
-            <a:srgbClr val="33CCCC"/>
-          </a:solidFill>
-        </p:spPr>
-        <p:style>
-          <a:lnRef idx="2">
-            <a:schemeClr val="accent1">
-              <a:shade val="50000"/>
-            </a:schemeClr>
-          </a:lnRef>
-          <a:fillRef idx="1">
-            <a:schemeClr val="accent1"/>
-          </a:fillRef>
-          <a:effectRef idx="0">
-            <a:schemeClr val="accent1"/>
-          </a:effectRef>
-          <a:fontRef idx="minor">
-            <a:schemeClr val="lt1"/>
-          </a:fontRef>
-        </p:style>
-        <p:txBody>
-          <a:bodyPr rtlCol="0" anchor="ctr"/>
-          <a:lstStyle/>
-          <a:p>
-            <a:pPr algn="ctr"/>
-            <a:r>
-              <a:rPr lang="ja-JP" altLang="en-US" dirty="0" smtClean="0"/>
-              <a:t>進捗状況</a:t>
-            </a:r>
-            <a:endParaRPr kumimoji="1" lang="ja-JP" altLang="en-US" dirty="0"/>
-          </a:p>
-        </p:txBody>
-      </p:sp>
-      <p:sp>
-        <p:nvSpPr>
-          <p:cNvPr id="4" name="角丸四角形 3"/>
-          <p:cNvSpPr/>
-          <p:nvPr/>
-        </p:nvSpPr>
-        <p:spPr>
-          <a:xfrm>
-            <a:off x="530624" y="19820507"/>
-            <a:ext cx="4551274" cy="864096"/>
-          </a:xfrm>
-          <a:prstGeom prst="roundRect">
-            <a:avLst/>
-          </a:prstGeom>
-          <a:solidFill>
-            <a:srgbClr val="FF0000"/>
-          </a:solidFill>
-        </p:spPr>
-        <p:style>
-          <a:lnRef idx="2">
-            <a:schemeClr val="accent1">
-              <a:shade val="50000"/>
-            </a:schemeClr>
-          </a:lnRef>
-          <a:fillRef idx="1">
-            <a:schemeClr val="accent1"/>
-          </a:fillRef>
-          <a:effectRef idx="0">
-            <a:schemeClr val="accent1"/>
-          </a:effectRef>
-          <a:fontRef idx="minor">
-            <a:schemeClr val="lt1"/>
-          </a:fontRef>
-        </p:style>
-        <p:txBody>
-          <a:bodyPr rtlCol="0" anchor="ctr"/>
-          <a:lstStyle/>
-          <a:p>
-            <a:pPr algn="ctr"/>
-            <a:r>
-              <a:rPr lang="ja-JP" altLang="en-US" dirty="0" smtClean="0"/>
-              <a:t>今後の計画</a:t>
-            </a:r>
-            <a:endParaRPr kumimoji="1" lang="ja-JP" altLang="en-US" dirty="0"/>
-          </a:p>
-        </p:txBody>
-      </p:sp>
-      <p:sp>
-        <p:nvSpPr>
-          <p:cNvPr id="48" name="角丸四角形 47"/>
-          <p:cNvSpPr/>
-          <p:nvPr/>
-        </p:nvSpPr>
-        <p:spPr>
-          <a:xfrm>
-            <a:off x="469332" y="24645043"/>
-            <a:ext cx="4551274" cy="864096"/>
-          </a:xfrm>
-          <a:prstGeom prst="roundRect">
-            <a:avLst/>
-          </a:prstGeom>
-          <a:solidFill>
-            <a:srgbClr val="9999FF"/>
-          </a:solidFill>
-        </p:spPr>
-        <p:style>
-          <a:lnRef idx="2">
-            <a:schemeClr val="accent1">
-              <a:shade val="50000"/>
-            </a:schemeClr>
-          </a:lnRef>
-          <a:fillRef idx="1">
-            <a:schemeClr val="accent1"/>
-          </a:fillRef>
-          <a:effectRef idx="0">
-            <a:schemeClr val="accent1"/>
-          </a:effectRef>
-          <a:fontRef idx="minor">
-            <a:schemeClr val="lt1"/>
-          </a:fontRef>
-        </p:style>
-        <p:txBody>
-          <a:bodyPr rtlCol="0" anchor="ctr"/>
-          <a:lstStyle/>
-          <a:p>
-            <a:pPr algn="ctr"/>
-            <a:r>
-              <a:rPr lang="ja-JP" altLang="en-US" dirty="0"/>
-              <a:t>補足</a:t>
-            </a:r>
-            <a:endParaRPr kumimoji="1" lang="ja-JP" altLang="en-US" dirty="0"/>
-          </a:p>
-        </p:txBody>
-      </p:sp>
-      <p:sp>
-        <p:nvSpPr>
-          <p:cNvPr id="2060" name="テキスト ボックス 2059"/>
-          <p:cNvSpPr txBox="1"/>
-          <p:nvPr/>
-        </p:nvSpPr>
-        <p:spPr>
-          <a:xfrm>
-            <a:off x="530624" y="25509139"/>
-            <a:ext cx="17896976" cy="3170099"/>
-          </a:xfrm>
-          <a:prstGeom prst="rect">
-            <a:avLst/>
-          </a:prstGeom>
-          <a:solidFill>
-            <a:schemeClr val="bg1"/>
-          </a:solidFill>
-        </p:spPr>
-        <p:txBody>
-          <a:bodyPr wrap="square" rtlCol="0">
-            <a:spAutoFit/>
-          </a:bodyPr>
-          <a:lstStyle/>
-          <a:p>
-            <a:r>
-              <a:rPr kumimoji="1" lang="en-US" altLang="ja-JP" sz="4000" dirty="0" err="1" smtClean="0"/>
-              <a:t>GitHub</a:t>
-            </a:r>
-            <a:r>
-              <a:rPr kumimoji="1" lang="ja-JP" altLang="en-US" sz="4000" dirty="0" smtClean="0"/>
-              <a:t>とは？</a:t>
-            </a:r>
-            <a:endParaRPr kumimoji="1" lang="en-US" altLang="ja-JP" sz="4000" dirty="0" smtClean="0"/>
-          </a:p>
-          <a:p>
-            <a:r>
-              <a:rPr lang="ja-JP" altLang="en-US" sz="4000" dirty="0" smtClean="0"/>
-              <a:t>バージョン管理システムの</a:t>
-            </a:r>
-            <a:r>
-              <a:rPr lang="en-US" altLang="ja-JP" sz="4000" dirty="0" smtClean="0"/>
-              <a:t>1</a:t>
-            </a:r>
-            <a:r>
-              <a:rPr lang="ja-JP" altLang="en-US" sz="4000" dirty="0" smtClean="0"/>
-              <a:t>つである．</a:t>
-            </a:r>
-            <a:r>
-              <a:rPr lang="en-US" altLang="ja-JP" sz="4000" dirty="0" err="1" smtClean="0"/>
-              <a:t>Git</a:t>
-            </a:r>
-            <a:r>
-              <a:rPr lang="ja-JP" altLang="en-US" sz="4000" dirty="0" err="1" smtClean="0"/>
-              <a:t>を提</a:t>
-            </a:r>
-            <a:r>
-              <a:rPr lang="ja-JP" altLang="en-US" sz="4000" dirty="0" smtClean="0"/>
-              <a:t>供するサービスである．</a:t>
-            </a:r>
-            <a:endParaRPr lang="en-US" altLang="ja-JP" sz="4000" dirty="0"/>
-          </a:p>
-          <a:p>
-            <a:r>
-              <a:rPr kumimoji="1" lang="en-US" altLang="ja-JP" sz="4000" dirty="0" smtClean="0"/>
-              <a:t>Issue</a:t>
-            </a:r>
-            <a:r>
-              <a:rPr kumimoji="1" lang="ja-JP" altLang="en-US" sz="4000" dirty="0" smtClean="0"/>
-              <a:t>とは？</a:t>
-            </a:r>
-            <a:endParaRPr kumimoji="1" lang="en-US" altLang="ja-JP" sz="4000" dirty="0" smtClean="0"/>
-          </a:p>
-          <a:p>
-            <a:r>
-              <a:rPr lang="ja-JP" altLang="en-US" sz="4000" dirty="0"/>
-              <a:t>タスクを管理するためのシステムおよびそこで管理されるタスクのことである．</a:t>
-            </a:r>
-            <a:r>
-              <a:rPr lang="en-US" altLang="ja-JP" sz="4000" dirty="0"/>
-              <a:t>1</a:t>
-            </a:r>
-            <a:r>
-              <a:rPr lang="ja-JP" altLang="en-US" sz="4000" dirty="0" err="1"/>
-              <a:t>つの</a:t>
-            </a:r>
-            <a:r>
-              <a:rPr lang="ja-JP" altLang="en-US" sz="4000" dirty="0"/>
-              <a:t>タスクに</a:t>
-            </a:r>
-            <a:r>
-              <a:rPr lang="en-US" altLang="ja-JP" sz="4000" dirty="0"/>
-              <a:t>1</a:t>
-            </a:r>
-            <a:r>
-              <a:rPr lang="ja-JP" altLang="en-US" sz="4000" dirty="0" err="1"/>
-              <a:t>つの</a:t>
-            </a:r>
-            <a:r>
-              <a:rPr lang="en-US" altLang="ja-JP" sz="4000" dirty="0"/>
-              <a:t>Issue</a:t>
-            </a:r>
-            <a:r>
-              <a:rPr lang="ja-JP" altLang="en-US" sz="4000" dirty="0"/>
-              <a:t>が作成され，管理される．</a:t>
-            </a:r>
-            <a:endParaRPr kumimoji="1" lang="ja-JP" altLang="en-US" sz="4000" dirty="0"/>
+            <a:endParaRPr kumimoji="1" lang="ja-JP" altLang="en-US" sz="2000" dirty="0">
+              <a:solidFill>
+                <a:schemeClr val="bg1"/>
+              </a:solidFill>
+            </a:endParaRPr>
           </a:p>
         </p:txBody>
       </p:sp>
@@ -11669,9 +11382,9 @@
 </file>
 
 <file path=ppt/theme/theme1.xml><?xml version="1.0" encoding="utf-8"?>
-<a:theme xmlns:a="http://schemas.openxmlformats.org/drawingml/2006/main" name="エコロジー">
+<a:theme xmlns:a="http://schemas.openxmlformats.org/drawingml/2006/main" name="Office ​​テーマ">
   <a:themeElements>
-    <a:clrScheme name="ウェーブ">
+    <a:clrScheme name="Office">
       <a:dk1>
         <a:sysClr val="windowText" lastClr="000000"/>
       </a:dk1>
@@ -11679,87 +11392,48 @@
         <a:sysClr val="window" lastClr="FFFFFF"/>
       </a:lt1>
       <a:dk2>
-        <a:srgbClr val="073E87"/>
+        <a:srgbClr val="1F497D"/>
       </a:dk2>
       <a:lt2>
-        <a:srgbClr val="C6E7FC"/>
+        <a:srgbClr val="EEECE1"/>
       </a:lt2>
       <a:accent1>
-        <a:srgbClr val="31B6FD"/>
+        <a:srgbClr val="4F81BD"/>
       </a:accent1>
       <a:accent2>
-        <a:srgbClr val="4584D3"/>
+        <a:srgbClr val="C0504D"/>
       </a:accent2>
       <a:accent3>
-        <a:srgbClr val="5BD078"/>
+        <a:srgbClr val="9BBB59"/>
       </a:accent3>
       <a:accent4>
-        <a:srgbClr val="A5D028"/>
+        <a:srgbClr val="8064A2"/>
       </a:accent4>
       <a:accent5>
-        <a:srgbClr val="F5C040"/>
+        <a:srgbClr val="4BACC6"/>
       </a:accent5>
       <a:accent6>
-        <a:srgbClr val="05E0DB"/>
+        <a:srgbClr val="F79646"/>
       </a:accent6>
       <a:hlink>
-        <a:srgbClr val="0080FF"/>
+        <a:srgbClr val="0000FF"/>
       </a:hlink>
       <a:folHlink>
-        <a:srgbClr val="5EAEFF"/>
+        <a:srgbClr val="800080"/>
       </a:folHlink>
     </a:clrScheme>
-    <a:fontScheme name="エコロジー">
+    <a:fontScheme name="Office">
       <a:majorFont>
-        <a:latin typeface="Rockwell"/>
+        <a:latin typeface="Calibri"/>
         <a:ea typeface=""/>
         <a:cs typeface=""/>
-        <a:font script="Grek" typeface="Cambria"/>
-        <a:font script="Cyrl" typeface="Cambria"/>
-        <a:font script="Jpan" typeface="HG明朝B"/>
-        <a:font script="Hang" typeface="바탕"/>
-        <a:font script="Hans" typeface="方正姚体"/>
-        <a:font script="Hant" typeface="微軟正黑體"/>
+        <a:font script="Jpan" typeface="ＭＳ Ｐゴシック"/>
+        <a:font script="Hang" typeface="맑은 고딕"/>
+        <a:font script="Hans" typeface="宋体"/>
+        <a:font script="Hant" typeface="新細明體"/>
         <a:font script="Arab" typeface="Times New Roman"/>
-        <a:font script="Hebr" typeface="David"/>
-        <a:font script="Thai" typeface="JasmineUPC"/>
-        <a:font script="Ethi" typeface="Nyala"/>
-        <a:font script="Beng" typeface="Vrinda"/>
-        <a:font script="Gujr" typeface="Shruti"/>
-        <a:font script="Khmr" typeface="MoolBoran"/>
-        <a:font script="Knda" typeface="Tunga"/>
-        <a:font script="Guru" typeface="Raavi"/>
-        <a:font script="Cans" typeface="Euphemia"/>
-        <a:font script="Cher" typeface="Plantagenet Cherokee"/>
-        <a:font script="Yiii" typeface="Microsoft Yi Baiti"/>
-        <a:font script="Tibt" typeface="Microsoft Himalaya"/>
-        <a:font script="Thaa" typeface="MV Boli"/>
-        <a:font script="Deva" typeface="Mangal"/>
-        <a:font script="Telu" typeface="Gautami"/>
-        <a:font script="Taml" typeface="Latha"/>
-        <a:font script="Syrc" typeface="Estrangelo Edessa"/>
-        <a:font script="Orya" typeface="Kalinga"/>
-        <a:font script="Mlym" typeface="Kartika"/>
-        <a:font script="Laoo" typeface="DokChampa"/>
-        <a:font script="Sinh" typeface="Iskoola Pota"/>
-        <a:font script="Mong" typeface="Mongolian Baiti"/>
-        <a:font script="Viet" typeface="Arial"/>
-        <a:font script="Uigh" typeface="Microsoft Uighur"/>
-        <a:font script="Geor" typeface="Sylfaen"/>
-      </a:majorFont>
-      <a:minorFont>
-        <a:latin typeface="Rockwell"/>
-        <a:ea typeface=""/>
-        <a:cs typeface=""/>
-        <a:font script="Grek" typeface="Cambria"/>
-        <a:font script="Cyrl" typeface="Cambria"/>
-        <a:font script="Jpan" typeface="HG明朝B"/>
-        <a:font script="Hang" typeface="바탕"/>
-        <a:font script="Hans" typeface="方正姚体"/>
-        <a:font script="Hant" typeface="標楷體"/>
-        <a:font script="Arab" typeface="Times New Roman"/>
-        <a:font script="Hebr" typeface="David"/>
-        <a:font script="Thai" typeface="JasmineUPC"/>
+        <a:font script="Hebr" typeface="Times New Roman"/>
+        <a:font script="Thai" typeface="Angsana New"/>
         <a:font script="Ethi" typeface="Nyala"/>
         <a:font script="Beng" typeface="Vrinda"/>
         <a:font script="Gujr" typeface="Shruti"/>
@@ -11783,9 +11457,44 @@
         <a:font script="Viet" typeface="Times New Roman"/>
         <a:font script="Uigh" typeface="Microsoft Uighur"/>
         <a:font script="Geor" typeface="Sylfaen"/>
+      </a:majorFont>
+      <a:minorFont>
+        <a:latin typeface="Calibri"/>
+        <a:ea typeface=""/>
+        <a:cs typeface=""/>
+        <a:font script="Jpan" typeface="ＭＳ Ｐゴシック"/>
+        <a:font script="Hang" typeface="맑은 고딕"/>
+        <a:font script="Hans" typeface="宋体"/>
+        <a:font script="Hant" typeface="新細明體"/>
+        <a:font script="Arab" typeface="Arial"/>
+        <a:font script="Hebr" typeface="Arial"/>
+        <a:font script="Thai" typeface="Cordia New"/>
+        <a:font script="Ethi" typeface="Nyala"/>
+        <a:font script="Beng" typeface="Vrinda"/>
+        <a:font script="Gujr" typeface="Shruti"/>
+        <a:font script="Khmr" typeface="DaunPenh"/>
+        <a:font script="Knda" typeface="Tunga"/>
+        <a:font script="Guru" typeface="Raavi"/>
+        <a:font script="Cans" typeface="Euphemia"/>
+        <a:font script="Cher" typeface="Plantagenet Cherokee"/>
+        <a:font script="Yiii" typeface="Microsoft Yi Baiti"/>
+        <a:font script="Tibt" typeface="Microsoft Himalaya"/>
+        <a:font script="Thaa" typeface="MV Boli"/>
+        <a:font script="Deva" typeface="Mangal"/>
+        <a:font script="Telu" typeface="Gautami"/>
+        <a:font script="Taml" typeface="Latha"/>
+        <a:font script="Syrc" typeface="Estrangelo Edessa"/>
+        <a:font script="Orya" typeface="Kalinga"/>
+        <a:font script="Mlym" typeface="Kartika"/>
+        <a:font script="Laoo" typeface="DokChampa"/>
+        <a:font script="Sinh" typeface="Iskoola Pota"/>
+        <a:font script="Mong" typeface="Mongolian Baiti"/>
+        <a:font script="Viet" typeface="Arial"/>
+        <a:font script="Uigh" typeface="Microsoft Uighur"/>
+        <a:font script="Geor" typeface="Sylfaen"/>
       </a:minorFont>
     </a:fontScheme>
-    <a:fmtScheme name="エコロジー">
+    <a:fmtScheme name="Office">
       <a:fillStyleLst>
         <a:solidFill>
           <a:schemeClr val="phClr"/>
@@ -11794,43 +11503,43 @@
           <a:gsLst>
             <a:gs pos="0">
               <a:schemeClr val="phClr">
-                <a:tint val="70000"/>
-                <a:satMod val="180000"/>
+                <a:tint val="50000"/>
+                <a:satMod val="300000"/>
               </a:schemeClr>
             </a:gs>
-            <a:gs pos="62000">
+            <a:gs pos="35000">
               <a:schemeClr val="phClr">
-                <a:tint val="30000"/>
-                <a:satMod val="180000"/>
+                <a:tint val="37000"/>
+                <a:satMod val="300000"/>
               </a:schemeClr>
             </a:gs>
             <a:gs pos="100000">
               <a:schemeClr val="phClr">
-                <a:tint val="22000"/>
-                <a:satMod val="180000"/>
+                <a:tint val="15000"/>
+                <a:satMod val="350000"/>
               </a:schemeClr>
             </a:gs>
           </a:gsLst>
-          <a:lin ang="16200000" scaled="0"/>
+          <a:lin ang="16200000" scaled="1"/>
         </a:gradFill>
         <a:gradFill rotWithShape="1">
           <a:gsLst>
             <a:gs pos="0">
               <a:schemeClr val="phClr">
-                <a:shade val="58000"/>
-                <a:satMod val="150000"/>
+                <a:shade val="51000"/>
+                <a:satMod val="130000"/>
               </a:schemeClr>
             </a:gs>
-            <a:gs pos="72000">
+            <a:gs pos="80000">
               <a:schemeClr val="phClr">
-                <a:tint val="90000"/>
-                <a:satMod val="135000"/>
+                <a:shade val="93000"/>
+                <a:satMod val="130000"/>
               </a:schemeClr>
             </a:gs>
             <a:gs pos="100000">
               <a:schemeClr val="phClr">
-                <a:tint val="80000"/>
-                <a:satMod val="155000"/>
+                <a:shade val="94000"/>
+                <a:satMod val="135000"/>
               </a:schemeClr>
             </a:gs>
           </a:gsLst>
@@ -11841,12 +11550,13 @@
         <a:ln w="9525" cap="flat" cmpd="sng" algn="ctr">
           <a:solidFill>
             <a:schemeClr val="phClr">
-              <a:shade val="80000"/>
+              <a:shade val="95000"/>
+              <a:satMod val="105000"/>
             </a:schemeClr>
           </a:solidFill>
           <a:prstDash val="solid"/>
         </a:ln>
-        <a:ln w="38100" cap="flat" cmpd="sng" algn="ctr">
+        <a:ln w="25400" cap="flat" cmpd="sng" algn="ctr">
           <a:solidFill>
             <a:schemeClr val="phClr"/>
           </a:solidFill>
@@ -11862,40 +11572,40 @@
       <a:effectStyleLst>
         <a:effectStyle>
           <a:effectLst>
-            <a:outerShdw blurRad="50800" dist="38100" dir="5400000" rotWithShape="0">
+            <a:outerShdw blurRad="40000" dist="20000" dir="5400000" rotWithShape="0">
               <a:srgbClr val="000000">
-                <a:alpha val="43137"/>
+                <a:alpha val="38000"/>
               </a:srgbClr>
             </a:outerShdw>
           </a:effectLst>
         </a:effectStyle>
         <a:effectStyle>
           <a:effectLst>
-            <a:outerShdw blurRad="50800" dist="38100" dir="5400000" rotWithShape="0">
+            <a:outerShdw blurRad="40000" dist="23000" dir="5400000" rotWithShape="0">
               <a:srgbClr val="000000">
-                <a:alpha val="43137"/>
+                <a:alpha val="35000"/>
               </a:srgbClr>
             </a:outerShdw>
           </a:effectLst>
         </a:effectStyle>
         <a:effectStyle>
           <a:effectLst>
-            <a:outerShdw blurRad="50800" dist="38100" dir="5400000" rotWithShape="0">
+            <a:outerShdw blurRad="40000" dist="23000" dir="5400000" rotWithShape="0">
               <a:srgbClr val="000000">
-                <a:alpha val="43137"/>
+                <a:alpha val="35000"/>
               </a:srgbClr>
             </a:outerShdw>
           </a:effectLst>
           <a:scene3d>
-            <a:camera prst="orthographicFront" fov="0">
+            <a:camera prst="orthographicFront">
               <a:rot lat="0" lon="0" rev="0"/>
             </a:camera>
-            <a:lightRig rig="soft" dir="tl">
-              <a:rot lat="0" lon="0" rev="20000000"/>
+            <a:lightRig rig="threePt" dir="t">
+              <a:rot lat="0" lon="0" rev="1200000"/>
             </a:lightRig>
           </a:scene3d>
-          <a:sp3d prstMaterial="matte">
-            <a:bevelT w="63500" h="63500" prst="coolSlant"/>
+          <a:sp3d>
+            <a:bevelT w="63500" h="25400"/>
           </a:sp3d>
         </a:effectStyle>
       </a:effectStyleLst>
@@ -11907,61 +11617,51 @@
           <a:gsLst>
             <a:gs pos="0">
               <a:schemeClr val="phClr">
-                <a:tint val="75000"/>
-                <a:satMod val="400000"/>
+                <a:tint val="40000"/>
+                <a:satMod val="350000"/>
               </a:schemeClr>
             </a:gs>
-            <a:gs pos="20000">
+            <a:gs pos="40000">
               <a:schemeClr val="phClr">
-                <a:tint val="80000"/>
-                <a:satMod val="355000"/>
+                <a:tint val="45000"/>
+                <a:shade val="99000"/>
+                <a:satMod val="350000"/>
               </a:schemeClr>
             </a:gs>
             <a:gs pos="100000">
               <a:schemeClr val="phClr">
-                <a:tint val="95000"/>
-                <a:shade val="55000"/>
-                <a:satMod val="355000"/>
+                <a:shade val="20000"/>
+                <a:satMod val="255000"/>
               </a:schemeClr>
             </a:gs>
           </a:gsLst>
           <a:path path="circle">
-            <a:fillToRect l="67500" t="35000" r="32500" b="65000"/>
+            <a:fillToRect l="50000" t="-80000" r="50000" b="180000"/>
           </a:path>
         </a:gradFill>
-        <a:blipFill>
-          <a:blip xmlns:r="http://schemas.openxmlformats.org/officeDocument/2006/relationships" r:embed="rId1">
-            <a:duotone>
+        <a:gradFill rotWithShape="1">
+          <a:gsLst>
+            <a:gs pos="0">
+              <a:schemeClr val="phClr">
+                <a:tint val="80000"/>
+                <a:satMod val="300000"/>
+              </a:schemeClr>
+            </a:gs>
+            <a:gs pos="100000">
               <a:schemeClr val="phClr">
                 <a:shade val="30000"/>
-                <a:satMod val="120000"/>
+                <a:satMod val="200000"/>
               </a:schemeClr>
-              <a:schemeClr val="phClr">
-                <a:tint val="70000"/>
-                <a:satMod val="250000"/>
-              </a:schemeClr>
-            </a:duotone>
-          </a:blip>
-          <a:tile tx="0" ty="0" sx="50000" sy="50000" flip="none" algn="t"/>
-        </a:blipFill>
+            </a:gs>
+          </a:gsLst>
+          <a:path path="circle">
+            <a:fillToRect l="50000" t="50000" r="50000" b="50000"/>
+          </a:path>
+        </a:gradFill>
       </a:bgFillStyleLst>
     </a:fmtScheme>
   </a:themeElements>
-  <a:objectDefaults>
-    <a:txDef>
-      <a:spPr>
-        <a:noFill/>
-      </a:spPr>
-      <a:bodyPr wrap="square" rtlCol="0">
-        <a:spAutoFit/>
-      </a:bodyPr>
-      <a:lstStyle>
-        <a:defPPr>
-          <a:defRPr kumimoji="1" dirty="0"/>
-        </a:defPPr>
-      </a:lstStyle>
-    </a:txDef>
-  </a:objectDefaults>
+  <a:objectDefaults/>
   <a:extraClrSchemeLst/>
 </a:theme>
 </file>
--- a/卒業論文/2012/工藤亮/卒論中間ポスター.pptx
+++ b/卒業論文/2012/工藤亮/卒論中間ポスター.pptx
@@ -1110,11 +1110,11 @@
         </c:dLbls>
         <c:marker val="1"/>
         <c:smooth val="0"/>
-        <c:axId val="84108032"/>
-        <c:axId val="84109568"/>
+        <c:axId val="85829888"/>
+        <c:axId val="87818240"/>
       </c:lineChart>
       <c:dateAx>
-        <c:axId val="84108032"/>
+        <c:axId val="85829888"/>
         <c:scaling>
           <c:orientation val="minMax"/>
         </c:scaling>
@@ -1124,14 +1124,14 @@
         <c:majorTickMark val="out"/>
         <c:minorTickMark val="none"/>
         <c:tickLblPos val="nextTo"/>
-        <c:crossAx val="84109568"/>
+        <c:crossAx val="87818240"/>
         <c:crosses val="autoZero"/>
         <c:auto val="1"/>
         <c:lblOffset val="100"/>
         <c:baseTimeUnit val="days"/>
       </c:dateAx>
       <c:valAx>
-        <c:axId val="84109568"/>
+        <c:axId val="87818240"/>
         <c:scaling>
           <c:orientation val="minMax"/>
         </c:scaling>
@@ -1142,7 +1142,7 @@
         <c:majorTickMark val="out"/>
         <c:minorTickMark val="none"/>
         <c:tickLblPos val="nextTo"/>
-        <c:crossAx val="84108032"/>
+        <c:crossAx val="85829888"/>
         <c:crosses val="autoZero"/>
         <c:crossBetween val="between"/>
       </c:valAx>
@@ -2154,7 +2154,22 @@
       </dgm:t>
     </dgm:pt>
     <dgm:pt modelId="{6B83C9BC-7F35-4419-BCED-0DAA0DF6437C}">
-      <dgm:prSet phldrT="[テキスト]"/>
+      <dgm:prSet phldrT="[テキスト]">
+        <dgm:style>
+          <a:lnRef idx="0">
+            <a:schemeClr val="accent2"/>
+          </a:lnRef>
+          <a:fillRef idx="3">
+            <a:schemeClr val="accent2"/>
+          </a:fillRef>
+          <a:effectRef idx="3">
+            <a:schemeClr val="accent2"/>
+          </a:effectRef>
+          <a:fontRef idx="minor">
+            <a:schemeClr val="lt1"/>
+          </a:fontRef>
+        </dgm:style>
+      </dgm:prSet>
       <dgm:spPr/>
       <dgm:t>
         <a:bodyPr/>
@@ -2232,7 +2247,22 @@
       </dgm:t>
     </dgm:pt>
     <dgm:pt modelId="{11506BC2-BD67-4CBA-A2E6-3711F1FA3EA3}">
-      <dgm:prSet phldrT="[テキスト]"/>
+      <dgm:prSet phldrT="[テキスト]">
+        <dgm:style>
+          <a:lnRef idx="0">
+            <a:schemeClr val="accent3"/>
+          </a:lnRef>
+          <a:fillRef idx="3">
+            <a:schemeClr val="accent3"/>
+          </a:fillRef>
+          <a:effectRef idx="3">
+            <a:schemeClr val="accent3"/>
+          </a:effectRef>
+          <a:fontRef idx="minor">
+            <a:schemeClr val="lt1"/>
+          </a:fontRef>
+        </dgm:style>
+      </dgm:prSet>
       <dgm:spPr/>
       <dgm:t>
         <a:bodyPr/>
@@ -2281,19 +2311,7 @@
           </a:r>
           <a:r>
             <a:rPr kumimoji="1" lang="ja-JP" altLang="en-US" dirty="0" smtClean="0"/>
-            <a:t>に必要な</a:t>
-          </a:r>
-          <a:r>
-            <a:rPr kumimoji="1" lang="ja-JP" altLang="en-US" dirty="0" smtClean="0"/>
-            <a:t>データ（コスト</a:t>
-          </a:r>
-          <a:r>
-            <a:rPr kumimoji="1" lang="ja-JP" altLang="en-US" dirty="0" smtClean="0"/>
-            <a:t>，時間，計画時のコスト・</a:t>
-          </a:r>
-          <a:r>
-            <a:rPr kumimoji="1" lang="ja-JP" altLang="en-US" dirty="0" smtClean="0"/>
-            <a:t>時間）を</a:t>
+            <a:t>に必要なデータ（コスト，時間，計画時のコスト・時間）を</a:t>
           </a:r>
           <a:r>
             <a:rPr kumimoji="1" lang="en-US" altLang="ja-JP" dirty="0" smtClean="0"/>
@@ -2330,7 +2348,22 @@
       </dgm:t>
     </dgm:pt>
     <dgm:pt modelId="{6EF7E05D-0571-4A2B-9F95-8FAFC7BC0D20}">
-      <dgm:prSet phldrT="[テキスト]"/>
+      <dgm:prSet phldrT="[テキスト]">
+        <dgm:style>
+          <a:lnRef idx="0">
+            <a:schemeClr val="accent4"/>
+          </a:lnRef>
+          <a:fillRef idx="3">
+            <a:schemeClr val="accent4"/>
+          </a:fillRef>
+          <a:effectRef idx="3">
+            <a:schemeClr val="accent4"/>
+          </a:effectRef>
+          <a:fontRef idx="minor">
+            <a:schemeClr val="lt1"/>
+          </a:fontRef>
+        </dgm:style>
+      </dgm:prSet>
       <dgm:spPr/>
       <dgm:t>
         <a:bodyPr/>
@@ -2408,7 +2441,22 @@
       </dgm:t>
     </dgm:pt>
     <dgm:pt modelId="{D4EB4BDA-2816-414B-A0D0-30CD9CFF7E41}">
-      <dgm:prSet/>
+      <dgm:prSet>
+        <dgm:style>
+          <a:lnRef idx="0">
+            <a:schemeClr val="accent5"/>
+          </a:lnRef>
+          <a:fillRef idx="3">
+            <a:schemeClr val="accent5"/>
+          </a:fillRef>
+          <a:effectRef idx="3">
+            <a:schemeClr val="accent5"/>
+          </a:effectRef>
+          <a:fontRef idx="minor">
+            <a:schemeClr val="lt1"/>
+          </a:fontRef>
+        </dgm:style>
+      </dgm:prSet>
       <dgm:spPr/>
       <dgm:t>
         <a:bodyPr/>
@@ -2732,36 +2780,60 @@
         <a:prstGeom prst="chevron">
           <a:avLst/>
         </a:prstGeom>
-        <a:solidFill>
-          <a:schemeClr val="accent2">
-            <a:hueOff val="0"/>
-            <a:satOff val="0"/>
-            <a:lumOff val="0"/>
-            <a:alphaOff val="0"/>
-          </a:schemeClr>
-        </a:solidFill>
-        <a:ln w="25400" cap="flat" cmpd="sng" algn="ctr">
-          <a:solidFill>
-            <a:schemeClr val="accent2">
-              <a:hueOff val="0"/>
-              <a:satOff val="0"/>
-              <a:lumOff val="0"/>
-              <a:alphaOff val="0"/>
-            </a:schemeClr>
-          </a:solidFill>
-          <a:prstDash val="solid"/>
+        <a:gradFill rotWithShape="1">
+          <a:gsLst>
+            <a:gs pos="0">
+              <a:schemeClr val="accent2">
+                <a:shade val="51000"/>
+                <a:satMod val="130000"/>
+              </a:schemeClr>
+            </a:gs>
+            <a:gs pos="80000">
+              <a:schemeClr val="accent2">
+                <a:shade val="93000"/>
+                <a:satMod val="130000"/>
+              </a:schemeClr>
+            </a:gs>
+            <a:gs pos="100000">
+              <a:schemeClr val="accent2">
+                <a:shade val="94000"/>
+                <a:satMod val="135000"/>
+              </a:schemeClr>
+            </a:gs>
+          </a:gsLst>
+          <a:lin ang="16200000" scaled="0"/>
+        </a:gradFill>
+        <a:ln>
+          <a:noFill/>
         </a:ln>
-        <a:effectLst/>
+        <a:effectLst>
+          <a:outerShdw blurRad="40000" dist="23000" dir="5400000" rotWithShape="0">
+            <a:srgbClr val="000000">
+              <a:alpha val="35000"/>
+            </a:srgbClr>
+          </a:outerShdw>
+        </a:effectLst>
+        <a:scene3d>
+          <a:camera prst="orthographicFront">
+            <a:rot lat="0" lon="0" rev="0"/>
+          </a:camera>
+          <a:lightRig rig="threePt" dir="t">
+            <a:rot lat="0" lon="0" rev="1200000"/>
+          </a:lightRig>
+        </a:scene3d>
+        <a:sp3d>
+          <a:bevelT w="63500" h="25400"/>
+        </a:sp3d>
       </dsp:spPr>
       <dsp:style>
-        <a:lnRef idx="2">
-          <a:scrgbClr r="0" g="0" b="0"/>
+        <a:lnRef idx="0">
+          <a:schemeClr val="accent2"/>
         </a:lnRef>
-        <a:fillRef idx="1">
-          <a:scrgbClr r="0" g="0" b="0"/>
+        <a:fillRef idx="3">
+          <a:schemeClr val="accent2"/>
         </a:fillRef>
-        <a:effectRef idx="0">
-          <a:scrgbClr r="0" g="0" b="0"/>
+        <a:effectRef idx="3">
+          <a:schemeClr val="accent2"/>
         </a:effectRef>
         <a:fontRef idx="minor">
           <a:schemeClr val="lt1"/>
@@ -2890,36 +2962,60 @@
         <a:prstGeom prst="chevron">
           <a:avLst/>
         </a:prstGeom>
-        <a:solidFill>
-          <a:schemeClr val="accent3">
-            <a:hueOff val="0"/>
-            <a:satOff val="0"/>
-            <a:lumOff val="0"/>
-            <a:alphaOff val="0"/>
-          </a:schemeClr>
-        </a:solidFill>
-        <a:ln w="25400" cap="flat" cmpd="sng" algn="ctr">
-          <a:solidFill>
-            <a:schemeClr val="accent3">
-              <a:hueOff val="0"/>
-              <a:satOff val="0"/>
-              <a:lumOff val="0"/>
-              <a:alphaOff val="0"/>
-            </a:schemeClr>
-          </a:solidFill>
-          <a:prstDash val="solid"/>
+        <a:gradFill rotWithShape="1">
+          <a:gsLst>
+            <a:gs pos="0">
+              <a:schemeClr val="accent3">
+                <a:shade val="51000"/>
+                <a:satMod val="130000"/>
+              </a:schemeClr>
+            </a:gs>
+            <a:gs pos="80000">
+              <a:schemeClr val="accent3">
+                <a:shade val="93000"/>
+                <a:satMod val="130000"/>
+              </a:schemeClr>
+            </a:gs>
+            <a:gs pos="100000">
+              <a:schemeClr val="accent3">
+                <a:shade val="94000"/>
+                <a:satMod val="135000"/>
+              </a:schemeClr>
+            </a:gs>
+          </a:gsLst>
+          <a:lin ang="16200000" scaled="0"/>
+        </a:gradFill>
+        <a:ln>
+          <a:noFill/>
         </a:ln>
-        <a:effectLst/>
+        <a:effectLst>
+          <a:outerShdw blurRad="40000" dist="23000" dir="5400000" rotWithShape="0">
+            <a:srgbClr val="000000">
+              <a:alpha val="35000"/>
+            </a:srgbClr>
+          </a:outerShdw>
+        </a:effectLst>
+        <a:scene3d>
+          <a:camera prst="orthographicFront">
+            <a:rot lat="0" lon="0" rev="0"/>
+          </a:camera>
+          <a:lightRig rig="threePt" dir="t">
+            <a:rot lat="0" lon="0" rev="1200000"/>
+          </a:lightRig>
+        </a:scene3d>
+        <a:sp3d>
+          <a:bevelT w="63500" h="25400"/>
+        </a:sp3d>
       </dsp:spPr>
       <dsp:style>
-        <a:lnRef idx="2">
-          <a:scrgbClr r="0" g="0" b="0"/>
+        <a:lnRef idx="0">
+          <a:schemeClr val="accent3"/>
         </a:lnRef>
-        <a:fillRef idx="1">
-          <a:scrgbClr r="0" g="0" b="0"/>
+        <a:fillRef idx="3">
+          <a:schemeClr val="accent3"/>
         </a:fillRef>
-        <a:effectRef idx="0">
-          <a:scrgbClr r="0" g="0" b="0"/>
+        <a:effectRef idx="3">
+          <a:schemeClr val="accent3"/>
         </a:effectRef>
         <a:fontRef idx="minor">
           <a:schemeClr val="lt1"/>
@@ -3025,19 +3121,7 @@
           </a:r>
           <a:r>
             <a:rPr kumimoji="1" lang="ja-JP" altLang="en-US" sz="3700" kern="1200" dirty="0" smtClean="0"/>
-            <a:t>に必要な</a:t>
-          </a:r>
-          <a:r>
-            <a:rPr kumimoji="1" lang="ja-JP" altLang="en-US" sz="3700" kern="1200" dirty="0" smtClean="0"/>
-            <a:t>データ（コスト</a:t>
-          </a:r>
-          <a:r>
-            <a:rPr kumimoji="1" lang="ja-JP" altLang="en-US" sz="3700" kern="1200" dirty="0" smtClean="0"/>
-            <a:t>，時間，計画時のコスト・</a:t>
-          </a:r>
-          <a:r>
-            <a:rPr kumimoji="1" lang="ja-JP" altLang="en-US" sz="3700" kern="1200" dirty="0" smtClean="0"/>
-            <a:t>時間）を</a:t>
+            <a:t>に必要なデータ（コスト，時間，計画時のコスト・時間）を</a:t>
           </a:r>
           <a:r>
             <a:rPr kumimoji="1" lang="en-US" altLang="ja-JP" sz="3700" kern="1200" dirty="0" smtClean="0"/>
@@ -3068,36 +3152,60 @@
         <a:prstGeom prst="chevron">
           <a:avLst/>
         </a:prstGeom>
-        <a:solidFill>
-          <a:schemeClr val="accent4">
-            <a:hueOff val="0"/>
-            <a:satOff val="0"/>
-            <a:lumOff val="0"/>
-            <a:alphaOff val="0"/>
-          </a:schemeClr>
-        </a:solidFill>
-        <a:ln w="25400" cap="flat" cmpd="sng" algn="ctr">
-          <a:solidFill>
-            <a:schemeClr val="accent4">
-              <a:hueOff val="0"/>
-              <a:satOff val="0"/>
-              <a:lumOff val="0"/>
-              <a:alphaOff val="0"/>
-            </a:schemeClr>
-          </a:solidFill>
-          <a:prstDash val="solid"/>
+        <a:gradFill rotWithShape="1">
+          <a:gsLst>
+            <a:gs pos="0">
+              <a:schemeClr val="accent4">
+                <a:shade val="51000"/>
+                <a:satMod val="130000"/>
+              </a:schemeClr>
+            </a:gs>
+            <a:gs pos="80000">
+              <a:schemeClr val="accent4">
+                <a:shade val="93000"/>
+                <a:satMod val="130000"/>
+              </a:schemeClr>
+            </a:gs>
+            <a:gs pos="100000">
+              <a:schemeClr val="accent4">
+                <a:shade val="94000"/>
+                <a:satMod val="135000"/>
+              </a:schemeClr>
+            </a:gs>
+          </a:gsLst>
+          <a:lin ang="16200000" scaled="0"/>
+        </a:gradFill>
+        <a:ln>
+          <a:noFill/>
         </a:ln>
-        <a:effectLst/>
+        <a:effectLst>
+          <a:outerShdw blurRad="40000" dist="23000" dir="5400000" rotWithShape="0">
+            <a:srgbClr val="000000">
+              <a:alpha val="35000"/>
+            </a:srgbClr>
+          </a:outerShdw>
+        </a:effectLst>
+        <a:scene3d>
+          <a:camera prst="orthographicFront">
+            <a:rot lat="0" lon="0" rev="0"/>
+          </a:camera>
+          <a:lightRig rig="threePt" dir="t">
+            <a:rot lat="0" lon="0" rev="1200000"/>
+          </a:lightRig>
+        </a:scene3d>
+        <a:sp3d>
+          <a:bevelT w="63500" h="25400"/>
+        </a:sp3d>
       </dsp:spPr>
       <dsp:style>
-        <a:lnRef idx="2">
-          <a:scrgbClr r="0" g="0" b="0"/>
+        <a:lnRef idx="0">
+          <a:schemeClr val="accent4"/>
         </a:lnRef>
-        <a:fillRef idx="1">
-          <a:scrgbClr r="0" g="0" b="0"/>
+        <a:fillRef idx="3">
+          <a:schemeClr val="accent4"/>
         </a:fillRef>
-        <a:effectRef idx="0">
-          <a:scrgbClr r="0" g="0" b="0"/>
+        <a:effectRef idx="3">
+          <a:schemeClr val="accent4"/>
         </a:effectRef>
         <a:fontRef idx="minor">
           <a:schemeClr val="lt1"/>
@@ -3226,36 +3334,60 @@
         <a:prstGeom prst="chevron">
           <a:avLst/>
         </a:prstGeom>
-        <a:solidFill>
-          <a:schemeClr val="accent5">
-            <a:hueOff val="0"/>
-            <a:satOff val="0"/>
-            <a:lumOff val="0"/>
-            <a:alphaOff val="0"/>
-          </a:schemeClr>
-        </a:solidFill>
-        <a:ln w="25400" cap="flat" cmpd="sng" algn="ctr">
-          <a:solidFill>
-            <a:schemeClr val="accent5">
-              <a:hueOff val="0"/>
-              <a:satOff val="0"/>
-              <a:lumOff val="0"/>
-              <a:alphaOff val="0"/>
-            </a:schemeClr>
-          </a:solidFill>
-          <a:prstDash val="solid"/>
+        <a:gradFill rotWithShape="1">
+          <a:gsLst>
+            <a:gs pos="0">
+              <a:schemeClr val="accent5">
+                <a:shade val="51000"/>
+                <a:satMod val="130000"/>
+              </a:schemeClr>
+            </a:gs>
+            <a:gs pos="80000">
+              <a:schemeClr val="accent5">
+                <a:shade val="93000"/>
+                <a:satMod val="130000"/>
+              </a:schemeClr>
+            </a:gs>
+            <a:gs pos="100000">
+              <a:schemeClr val="accent5">
+                <a:shade val="94000"/>
+                <a:satMod val="135000"/>
+              </a:schemeClr>
+            </a:gs>
+          </a:gsLst>
+          <a:lin ang="16200000" scaled="0"/>
+        </a:gradFill>
+        <a:ln>
+          <a:noFill/>
         </a:ln>
-        <a:effectLst/>
+        <a:effectLst>
+          <a:outerShdw blurRad="40000" dist="23000" dir="5400000" rotWithShape="0">
+            <a:srgbClr val="000000">
+              <a:alpha val="35000"/>
+            </a:srgbClr>
+          </a:outerShdw>
+        </a:effectLst>
+        <a:scene3d>
+          <a:camera prst="orthographicFront">
+            <a:rot lat="0" lon="0" rev="0"/>
+          </a:camera>
+          <a:lightRig rig="threePt" dir="t">
+            <a:rot lat="0" lon="0" rev="1200000"/>
+          </a:lightRig>
+        </a:scene3d>
+        <a:sp3d>
+          <a:bevelT w="63500" h="25400"/>
+        </a:sp3d>
       </dsp:spPr>
       <dsp:style>
-        <a:lnRef idx="2">
-          <a:scrgbClr r="0" g="0" b="0"/>
+        <a:lnRef idx="0">
+          <a:schemeClr val="accent5"/>
         </a:lnRef>
-        <a:fillRef idx="1">
-          <a:scrgbClr r="0" g="0" b="0"/>
+        <a:fillRef idx="3">
+          <a:schemeClr val="accent5"/>
         </a:fillRef>
-        <a:effectRef idx="0">
-          <a:scrgbClr r="0" g="0" b="0"/>
+        <a:effectRef idx="3">
+          <a:schemeClr val="accent5"/>
         </a:effectRef>
         <a:fontRef idx="minor">
           <a:schemeClr val="lt1"/>
@@ -4858,7 +4990,7 @@
           <a:p>
             <a:fld id="{EE10D230-42F9-4781-839B-449B1E3F917A}" type="datetimeFigureOut">
               <a:rPr kumimoji="1" lang="ja-JP" altLang="en-US" smtClean="0"/>
-              <a:t>2013/10/8</a:t>
+              <a:t>2013/10/9</a:t>
             </a:fld>
             <a:endParaRPr kumimoji="1" lang="ja-JP" altLang="en-US"/>
           </a:p>
@@ -5060,7 +5192,7 @@
           <a:p>
             <a:fld id="{EE10D230-42F9-4781-839B-449B1E3F917A}" type="datetimeFigureOut">
               <a:rPr kumimoji="1" lang="ja-JP" altLang="en-US" smtClean="0"/>
-              <a:t>2013/10/8</a:t>
+              <a:t>2013/10/9</a:t>
             </a:fld>
             <a:endParaRPr kumimoji="1" lang="ja-JP" altLang="en-US"/>
           </a:p>
@@ -5272,7 +5404,7 @@
           <a:p>
             <a:fld id="{EE10D230-42F9-4781-839B-449B1E3F917A}" type="datetimeFigureOut">
               <a:rPr kumimoji="1" lang="ja-JP" altLang="en-US" smtClean="0"/>
-              <a:t>2013/10/8</a:t>
+              <a:t>2013/10/9</a:t>
             </a:fld>
             <a:endParaRPr kumimoji="1" lang="ja-JP" altLang="en-US"/>
           </a:p>
@@ -5474,7 +5606,7 @@
           <a:p>
             <a:fld id="{EE10D230-42F9-4781-839B-449B1E3F917A}" type="datetimeFigureOut">
               <a:rPr kumimoji="1" lang="ja-JP" altLang="en-US" smtClean="0"/>
-              <a:t>2013/10/8</a:t>
+              <a:t>2013/10/9</a:t>
             </a:fld>
             <a:endParaRPr kumimoji="1" lang="ja-JP" altLang="en-US"/>
           </a:p>
@@ -5720,7 +5852,7 @@
           <a:p>
             <a:fld id="{EE10D230-42F9-4781-839B-449B1E3F917A}" type="datetimeFigureOut">
               <a:rPr kumimoji="1" lang="ja-JP" altLang="en-US" smtClean="0"/>
-              <a:t>2013/10/8</a:t>
+              <a:t>2013/10/9</a:t>
             </a:fld>
             <a:endParaRPr kumimoji="1" lang="ja-JP" altLang="en-US"/>
           </a:p>
@@ -6072,7 +6204,7 @@
           <a:p>
             <a:fld id="{EE10D230-42F9-4781-839B-449B1E3F917A}" type="datetimeFigureOut">
               <a:rPr kumimoji="1" lang="ja-JP" altLang="en-US" smtClean="0"/>
-              <a:t>2013/10/8</a:t>
+              <a:t>2013/10/9</a:t>
             </a:fld>
             <a:endParaRPr kumimoji="1" lang="ja-JP" altLang="en-US"/>
           </a:p>
@@ -6558,7 +6690,7 @@
           <a:p>
             <a:fld id="{EE10D230-42F9-4781-839B-449B1E3F917A}" type="datetimeFigureOut">
               <a:rPr kumimoji="1" lang="ja-JP" altLang="en-US" smtClean="0"/>
-              <a:t>2013/10/8</a:t>
+              <a:t>2013/10/9</a:t>
             </a:fld>
             <a:endParaRPr kumimoji="1" lang="ja-JP" altLang="en-US"/>
           </a:p>
@@ -6676,7 +6808,7 @@
           <a:p>
             <a:fld id="{EE10D230-42F9-4781-839B-449B1E3F917A}" type="datetimeFigureOut">
               <a:rPr kumimoji="1" lang="ja-JP" altLang="en-US" smtClean="0"/>
-              <a:t>2013/10/8</a:t>
+              <a:t>2013/10/9</a:t>
             </a:fld>
             <a:endParaRPr kumimoji="1" lang="ja-JP" altLang="en-US"/>
           </a:p>
@@ -6771,7 +6903,7 @@
           <a:p>
             <a:fld id="{EE10D230-42F9-4781-839B-449B1E3F917A}" type="datetimeFigureOut">
               <a:rPr kumimoji="1" lang="ja-JP" altLang="en-US" smtClean="0"/>
-              <a:t>2013/10/8</a:t>
+              <a:t>2013/10/9</a:t>
             </a:fld>
             <a:endParaRPr kumimoji="1" lang="ja-JP" altLang="en-US"/>
           </a:p>
@@ -7080,7 +7212,7 @@
           <a:p>
             <a:fld id="{EE10D230-42F9-4781-839B-449B1E3F917A}" type="datetimeFigureOut">
               <a:rPr kumimoji="1" lang="ja-JP" altLang="en-US" smtClean="0"/>
-              <a:t>2013/10/8</a:t>
+              <a:t>2013/10/9</a:t>
             </a:fld>
             <a:endParaRPr kumimoji="1" lang="ja-JP" altLang="en-US"/>
           </a:p>
@@ -7333,7 +7465,7 @@
           <a:p>
             <a:fld id="{EE10D230-42F9-4781-839B-449B1E3F917A}" type="datetimeFigureOut">
               <a:rPr kumimoji="1" lang="ja-JP" altLang="en-US" smtClean="0"/>
-              <a:t>2013/10/8</a:t>
+              <a:t>2013/10/9</a:t>
             </a:fld>
             <a:endParaRPr kumimoji="1" lang="ja-JP" altLang="en-US"/>
           </a:p>
@@ -7578,7 +7710,7 @@
           <a:p>
             <a:fld id="{EE10D230-42F9-4781-839B-449B1E3F917A}" type="datetimeFigureOut">
               <a:rPr kumimoji="1" lang="ja-JP" altLang="en-US" smtClean="0"/>
-              <a:t>2013/10/8</a:t>
+              <a:t>2013/10/9</a:t>
             </a:fld>
             <a:endParaRPr kumimoji="1" lang="ja-JP" altLang="en-US"/>
           </a:p>
@@ -8102,11 +8234,7 @@
             </a:r>
             <a:r>
               <a:rPr lang="ja-JP" altLang="en-US" sz="4400" dirty="0" smtClean="0"/>
-              <a:t>管理</a:t>
-            </a:r>
-            <a:r>
-              <a:rPr lang="ja-JP" altLang="en-US" sz="4400" dirty="0" smtClean="0"/>
-              <a:t>システム</a:t>
+              <a:t>管理システム</a:t>
             </a:r>
             <a:r>
               <a:rPr lang="ja-JP" altLang="en-US" sz="4400" dirty="0"/>
@@ -8114,15 +8242,7 @@
             </a:r>
             <a:r>
               <a:rPr lang="ja-JP" altLang="en-US" sz="4400" dirty="0" smtClean="0"/>
-              <a:t>以後</a:t>
-            </a:r>
-            <a:r>
-              <a:rPr lang="ja-JP" altLang="en-US" sz="4400" dirty="0" smtClean="0"/>
-              <a:t>，バージョン管理</a:t>
-            </a:r>
-            <a:r>
-              <a:rPr lang="ja-JP" altLang="en-US" sz="4400" dirty="0" smtClean="0"/>
-              <a:t>サービス</a:t>
+              <a:t>以後，バージョン管理サービス</a:t>
             </a:r>
             <a:r>
               <a:rPr lang="ja-JP" altLang="en-US" sz="4400" dirty="0"/>
@@ -8130,11 +8250,7 @@
             </a:r>
             <a:r>
               <a:rPr lang="ja-JP" altLang="en-US" sz="4400" dirty="0" smtClean="0"/>
-              <a:t>を</a:t>
-            </a:r>
-            <a:r>
-              <a:rPr lang="ja-JP" altLang="en-US" sz="4400" dirty="0" smtClean="0"/>
-              <a:t>使用している．</a:t>
+              <a:t>を使用している．</a:t>
             </a:r>
             <a:endParaRPr lang="en-US" altLang="ja-JP" sz="4400" dirty="0" smtClean="0"/>
           </a:p>
@@ -8271,23 +8387,16 @@
           <a:prstGeom prst="downArrow">
             <a:avLst/>
           </a:prstGeom>
-          <a:solidFill>
-            <a:srgbClr val="00B0F0"/>
-          </a:solidFill>
-          <a:ln>
-            <a:noFill/>
-          </a:ln>
+          <a:ln/>
         </p:spPr>
         <p:style>
-          <a:lnRef idx="2">
-            <a:schemeClr val="accent1">
-              <a:shade val="50000"/>
-            </a:schemeClr>
+          <a:lnRef idx="0">
+            <a:schemeClr val="accent1"/>
           </a:lnRef>
-          <a:fillRef idx="1">
+          <a:fillRef idx="3">
             <a:schemeClr val="accent1"/>
           </a:fillRef>
-          <a:effectRef idx="0">
+          <a:effectRef idx="3">
             <a:schemeClr val="accent1"/>
           </a:effectRef>
           <a:fontRef idx="minor">
@@ -8336,11 +8445,7 @@
           <a:p>
             <a:r>
               <a:rPr kumimoji="1" lang="ja-JP" altLang="en-US" sz="4400" dirty="0" smtClean="0"/>
-              <a:t>バージョン管理サービスはソフトウェア開発プロジェクトにおいては便利だが，</a:t>
-            </a:r>
-            <a:r>
-              <a:rPr kumimoji="1" lang="ja-JP" altLang="en-US" sz="4400" dirty="0" smtClean="0"/>
-              <a:t>プロジェクトマネジメント</a:t>
+              <a:t>バージョン管理サービスはソフトウェア開発プロジェクトにおいては便利だが，プロジェクトマネジメント</a:t>
             </a:r>
             <a:r>
               <a:rPr lang="ja-JP" altLang="en-US" sz="4400" dirty="0" smtClean="0"/>
@@ -8423,11 +8528,7 @@
             </a:r>
             <a:r>
               <a:rPr lang="ja-JP" altLang="en-US" sz="4400" dirty="0" smtClean="0"/>
-              <a:t>の</a:t>
-            </a:r>
-            <a:r>
-              <a:rPr lang="ja-JP" altLang="en-US" sz="4400" dirty="0" smtClean="0"/>
-              <a:t>データから自動的に</a:t>
+              <a:t>のデータから自動的に</a:t>
             </a:r>
             <a:r>
               <a:rPr lang="en-US" altLang="ja-JP" sz="4400" dirty="0" smtClean="0"/>
@@ -8435,11 +8536,7 @@
             </a:r>
             <a:r>
               <a:rPr lang="ja-JP" altLang="en-US" sz="4400" dirty="0" smtClean="0"/>
-              <a:t>を描くシステムを開発する</a:t>
-            </a:r>
-            <a:r>
-              <a:rPr lang="ja-JP" altLang="en-US" sz="4400" dirty="0" smtClean="0"/>
-              <a:t>．</a:t>
+              <a:t>を描くシステムを開発する．</a:t>
             </a:r>
             <a:endParaRPr lang="en-US" altLang="ja-JP" sz="4400" dirty="0" smtClean="0"/>
           </a:p>
@@ -8470,23 +8567,16 @@
           <a:prstGeom prst="downArrow">
             <a:avLst/>
           </a:prstGeom>
-          <a:solidFill>
-            <a:srgbClr val="00B0F0"/>
-          </a:solidFill>
-          <a:ln>
-            <a:noFill/>
-          </a:ln>
+          <a:ln/>
         </p:spPr>
         <p:style>
-          <a:lnRef idx="2">
-            <a:schemeClr val="accent1">
-              <a:shade val="50000"/>
-            </a:schemeClr>
+          <a:lnRef idx="0">
+            <a:schemeClr val="accent1"/>
           </a:lnRef>
-          <a:fillRef idx="1">
+          <a:fillRef idx="3">
             <a:schemeClr val="accent1"/>
           </a:fillRef>
-          <a:effectRef idx="0">
+          <a:effectRef idx="3">
             <a:schemeClr val="accent1"/>
           </a:effectRef>
           <a:fontRef idx="minor">
@@ -8535,11 +8625,7 @@
           <a:p>
             <a:r>
               <a:rPr kumimoji="1" lang="ja-JP" altLang="en-US" sz="4400" dirty="0" smtClean="0"/>
-              <a:t>作業の遅延などへの</a:t>
-            </a:r>
-            <a:r>
-              <a:rPr kumimoji="1" lang="ja-JP" altLang="en-US" sz="4400" dirty="0" smtClean="0"/>
-              <a:t>対応</a:t>
+              <a:t>作業の遅延などへの対応</a:t>
             </a:r>
             <a:r>
               <a:rPr lang="ja-JP" altLang="en-US" sz="4400" dirty="0"/>
@@ -8547,15 +8633,7 @@
             </a:r>
             <a:r>
               <a:rPr kumimoji="1" lang="ja-JP" altLang="en-US" sz="4400" dirty="0" smtClean="0"/>
-              <a:t>リスク</a:t>
-            </a:r>
-            <a:r>
-              <a:rPr kumimoji="1" lang="ja-JP" altLang="en-US" sz="4400" dirty="0" smtClean="0"/>
-              <a:t>・</a:t>
-            </a:r>
-            <a:r>
-              <a:rPr kumimoji="1" lang="ja-JP" altLang="en-US" sz="4400" dirty="0" smtClean="0"/>
-              <a:t>マネジメント</a:t>
+              <a:t>リスク・マネジメント</a:t>
             </a:r>
             <a:r>
               <a:rPr lang="ja-JP" altLang="en-US" sz="4400" dirty="0"/>
@@ -8563,15 +8641,7 @@
             </a:r>
             <a:r>
               <a:rPr kumimoji="1" lang="ja-JP" altLang="en-US" sz="4400" dirty="0" smtClean="0"/>
-              <a:t>や</a:t>
-            </a:r>
-            <a:r>
-              <a:rPr kumimoji="1" lang="ja-JP" altLang="en-US" sz="4400" dirty="0" smtClean="0"/>
-              <a:t>スケジュール</a:t>
-            </a:r>
-            <a:r>
-              <a:rPr kumimoji="1" lang="ja-JP" altLang="en-US" sz="4400" dirty="0" smtClean="0"/>
-              <a:t>管理</a:t>
+              <a:t>やスケジュール管理</a:t>
             </a:r>
             <a:r>
               <a:rPr lang="ja-JP" altLang="en-US" sz="4400" dirty="0"/>
@@ -8579,15 +8649,7 @@
             </a:r>
             <a:r>
               <a:rPr kumimoji="1" lang="ja-JP" altLang="en-US" sz="4400" dirty="0" smtClean="0"/>
-              <a:t>タイム</a:t>
-            </a:r>
-            <a:r>
-              <a:rPr kumimoji="1" lang="ja-JP" altLang="en-US" sz="4400" dirty="0" smtClean="0"/>
-              <a:t>・</a:t>
-            </a:r>
-            <a:r>
-              <a:rPr kumimoji="1" lang="ja-JP" altLang="en-US" sz="4400" dirty="0" smtClean="0"/>
-              <a:t>マネジメント</a:t>
+              <a:t>タイム・マネジメント</a:t>
             </a:r>
             <a:r>
               <a:rPr lang="ja-JP" altLang="en-US" sz="4400" dirty="0"/>
@@ -8595,11 +8657,7 @@
             </a:r>
             <a:r>
               <a:rPr kumimoji="1" lang="ja-JP" altLang="en-US" sz="4400" dirty="0" smtClean="0"/>
-              <a:t>が</a:t>
-            </a:r>
-            <a:r>
-              <a:rPr kumimoji="1" lang="ja-JP" altLang="en-US" sz="4400" dirty="0" smtClean="0"/>
-              <a:t>効率よく行えることも期待できる．</a:t>
+              <a:t>が効率よく行えることも期待できる．</a:t>
             </a:r>
             <a:endParaRPr kumimoji="1" lang="ja-JP" altLang="en-US" sz="4400" dirty="0"/>
           </a:p>
@@ -8612,7 +8670,7 @@
           <p:nvPr>
             <p:extLst>
               <p:ext uri="{D42A27DB-BD31-4B8C-83A1-F6EECF244321}">
-                <p14:modId xmlns:p14="http://schemas.microsoft.com/office/powerpoint/2010/main" val="2096536500"/>
+                <p14:modId xmlns:p14="http://schemas.microsoft.com/office/powerpoint/2010/main" val="973336546"/>
               </p:ext>
             </p:extLst>
           </p:nvPr>
@@ -8641,21 +8699,16 @@
           <a:prstGeom prst="wedgeRoundRectCallout">
             <a:avLst/>
           </a:prstGeom>
-          <a:solidFill>
-            <a:srgbClr val="FF0000"/>
-          </a:solidFill>
         </p:spPr>
         <p:style>
-          <a:lnRef idx="2">
-            <a:schemeClr val="accent1">
-              <a:shade val="50000"/>
-            </a:schemeClr>
+          <a:lnRef idx="0">
+            <a:schemeClr val="accent2"/>
           </a:lnRef>
-          <a:fillRef idx="1">
-            <a:schemeClr val="accent1"/>
+          <a:fillRef idx="3">
+            <a:schemeClr val="accent2"/>
           </a:fillRef>
-          <a:effectRef idx="0">
-            <a:schemeClr val="accent1"/>
+          <a:effectRef idx="3">
+            <a:schemeClr val="accent2"/>
           </a:effectRef>
           <a:fontRef idx="minor">
             <a:schemeClr val="lt1"/>
@@ -8688,21 +8741,16 @@
           <a:prstGeom prst="wedgeRoundRectCallout">
             <a:avLst/>
           </a:prstGeom>
-          <a:solidFill>
-            <a:srgbClr val="FF0000"/>
-          </a:solidFill>
         </p:spPr>
         <p:style>
-          <a:lnRef idx="2">
-            <a:schemeClr val="accent1">
-              <a:shade val="50000"/>
-            </a:schemeClr>
+          <a:lnRef idx="0">
+            <a:schemeClr val="accent2"/>
           </a:lnRef>
-          <a:fillRef idx="1">
-            <a:schemeClr val="accent1"/>
+          <a:fillRef idx="3">
+            <a:schemeClr val="accent2"/>
           </a:fillRef>
-          <a:effectRef idx="0">
-            <a:schemeClr val="accent1"/>
+          <a:effectRef idx="3">
+            <a:schemeClr val="accent2"/>
           </a:effectRef>
           <a:fontRef idx="minor">
             <a:schemeClr val="lt1"/>
@@ -8735,21 +8783,16 @@
           <a:prstGeom prst="roundRect">
             <a:avLst/>
           </a:prstGeom>
-          <a:solidFill>
-            <a:schemeClr val="accent3"/>
-          </a:solidFill>
         </p:spPr>
         <p:style>
-          <a:lnRef idx="2">
-            <a:schemeClr val="accent1">
-              <a:shade val="50000"/>
-            </a:schemeClr>
+          <a:lnRef idx="0">
+            <a:schemeClr val="accent3"/>
           </a:lnRef>
-          <a:fillRef idx="1">
-            <a:schemeClr val="accent1"/>
+          <a:fillRef idx="3">
+            <a:schemeClr val="accent3"/>
           </a:fillRef>
-          <a:effectRef idx="0">
-            <a:schemeClr val="accent1"/>
+          <a:effectRef idx="3">
+            <a:schemeClr val="accent3"/>
           </a:effectRef>
           <a:fontRef idx="minor">
             <a:schemeClr val="lt1"/>
@@ -8761,10 +8804,44 @@
           <a:p>
             <a:pPr algn="ctr"/>
             <a:r>
-              <a:rPr kumimoji="1" lang="ja-JP" altLang="en-US" dirty="0" smtClean="0"/>
+              <a:rPr kumimoji="1" lang="ja-JP" altLang="en-US" dirty="0" smtClean="0">
+                <a:ln w="18415" cmpd="sng">
+                  <a:solidFill>
+                    <a:srgbClr val="FFFFFF"/>
+                  </a:solidFill>
+                  <a:prstDash val="solid"/>
+                </a:ln>
+                <a:solidFill>
+                  <a:srgbClr val="FFFFFF"/>
+                </a:solidFill>
+                <a:effectLst>
+                  <a:outerShdw blurRad="63500" dir="3600000" algn="tl" rotWithShape="0">
+                    <a:srgbClr val="000000">
+                      <a:alpha val="70000"/>
+                    </a:srgbClr>
+                  </a:outerShdw>
+                </a:effectLst>
+              </a:rPr>
               <a:t>研究方法</a:t>
             </a:r>
-            <a:endParaRPr kumimoji="1" lang="ja-JP" altLang="en-US" dirty="0"/>
+            <a:endParaRPr kumimoji="1" lang="ja-JP" altLang="en-US" dirty="0">
+              <a:ln w="18415" cmpd="sng">
+                <a:solidFill>
+                  <a:srgbClr val="FFFFFF"/>
+                </a:solidFill>
+                <a:prstDash val="solid"/>
+              </a:ln>
+              <a:solidFill>
+                <a:srgbClr val="FFFFFF"/>
+              </a:solidFill>
+              <a:effectLst>
+                <a:outerShdw blurRad="63500" dir="3600000" algn="tl" rotWithShape="0">
+                  <a:srgbClr val="000000">
+                    <a:alpha val="70000"/>
+                  </a:srgbClr>
+                </a:outerShdw>
+              </a:effectLst>
+            </a:endParaRPr>
           </a:p>
         </p:txBody>
       </p:sp>
@@ -8776,27 +8853,22 @@
         </p:nvSpPr>
         <p:spPr>
           <a:xfrm>
-            <a:off x="612280" y="15572035"/>
+            <a:off x="612280" y="15644043"/>
             <a:ext cx="3672407" cy="792088"/>
           </a:xfrm>
           <a:prstGeom prst="roundRect">
             <a:avLst/>
           </a:prstGeom>
-          <a:solidFill>
-            <a:schemeClr val="accent3"/>
-          </a:solidFill>
         </p:spPr>
         <p:style>
-          <a:lnRef idx="2">
-            <a:schemeClr val="accent1">
-              <a:shade val="50000"/>
-            </a:schemeClr>
+          <a:lnRef idx="0">
+            <a:schemeClr val="accent3"/>
           </a:lnRef>
-          <a:fillRef idx="1">
-            <a:schemeClr val="accent1"/>
+          <a:fillRef idx="3">
+            <a:schemeClr val="accent3"/>
           </a:fillRef>
-          <a:effectRef idx="0">
-            <a:schemeClr val="accent1"/>
+          <a:effectRef idx="3">
+            <a:schemeClr val="accent3"/>
           </a:effectRef>
           <a:fontRef idx="minor">
             <a:schemeClr val="lt1"/>
@@ -8808,10 +8880,44 @@
           <a:p>
             <a:pPr algn="ctr"/>
             <a:r>
-              <a:rPr kumimoji="1" lang="ja-JP" altLang="en-US" dirty="0" smtClean="0"/>
+              <a:rPr kumimoji="1" lang="ja-JP" altLang="en-US" dirty="0" smtClean="0">
+                <a:ln w="18415" cmpd="sng">
+                  <a:solidFill>
+                    <a:srgbClr val="FFFFFF"/>
+                  </a:solidFill>
+                  <a:prstDash val="solid"/>
+                </a:ln>
+                <a:solidFill>
+                  <a:srgbClr val="FFFFFF"/>
+                </a:solidFill>
+                <a:effectLst>
+                  <a:outerShdw blurRad="63500" dir="3600000" algn="tl" rotWithShape="0">
+                    <a:srgbClr val="000000">
+                      <a:alpha val="70000"/>
+                    </a:srgbClr>
+                  </a:outerShdw>
+                </a:effectLst>
+              </a:rPr>
               <a:t>目的</a:t>
             </a:r>
-            <a:endParaRPr kumimoji="1" lang="en-US" altLang="ja-JP" dirty="0" smtClean="0"/>
+            <a:endParaRPr kumimoji="1" lang="en-US" altLang="ja-JP" dirty="0" smtClean="0">
+              <a:ln w="18415" cmpd="sng">
+                <a:solidFill>
+                  <a:srgbClr val="FFFFFF"/>
+                </a:solidFill>
+                <a:prstDash val="solid"/>
+              </a:ln>
+              <a:solidFill>
+                <a:srgbClr val="FFFFFF"/>
+              </a:solidFill>
+              <a:effectLst>
+                <a:outerShdw blurRad="63500" dir="3600000" algn="tl" rotWithShape="0">
+                  <a:srgbClr val="000000">
+                    <a:alpha val="70000"/>
+                  </a:srgbClr>
+                </a:outerShdw>
+              </a:effectLst>
+            </a:endParaRPr>
           </a:p>
         </p:txBody>
       </p:sp>
@@ -8829,21 +8935,16 @@
           <a:prstGeom prst="roundRect">
             <a:avLst/>
           </a:prstGeom>
-          <a:solidFill>
-            <a:schemeClr val="accent3"/>
-          </a:solidFill>
         </p:spPr>
         <p:style>
-          <a:lnRef idx="2">
-            <a:schemeClr val="accent1">
-              <a:shade val="50000"/>
-            </a:schemeClr>
+          <a:lnRef idx="0">
+            <a:schemeClr val="accent3"/>
           </a:lnRef>
-          <a:fillRef idx="1">
-            <a:schemeClr val="accent1"/>
+          <a:fillRef idx="3">
+            <a:schemeClr val="accent3"/>
           </a:fillRef>
-          <a:effectRef idx="0">
-            <a:schemeClr val="accent1"/>
+          <a:effectRef idx="3">
+            <a:schemeClr val="accent3"/>
           </a:effectRef>
           <a:fontRef idx="minor">
             <a:schemeClr val="lt1"/>
@@ -8855,10 +8956,44 @@
           <a:p>
             <a:pPr algn="ctr"/>
             <a:r>
-              <a:rPr kumimoji="1" lang="ja-JP" altLang="en-US" dirty="0" smtClean="0"/>
+              <a:rPr kumimoji="1" lang="ja-JP" altLang="en-US" dirty="0" smtClean="0">
+                <a:ln w="18415" cmpd="sng">
+                  <a:solidFill>
+                    <a:srgbClr val="FFFFFF"/>
+                  </a:solidFill>
+                  <a:prstDash val="solid"/>
+                </a:ln>
+                <a:solidFill>
+                  <a:srgbClr val="FFFFFF"/>
+                </a:solidFill>
+                <a:effectLst>
+                  <a:outerShdw blurRad="63500" dir="3600000" algn="tl" rotWithShape="0">
+                    <a:srgbClr val="000000">
+                      <a:alpha val="70000"/>
+                    </a:srgbClr>
+                  </a:outerShdw>
+                </a:effectLst>
+              </a:rPr>
               <a:t>背景</a:t>
             </a:r>
-            <a:endParaRPr kumimoji="1" lang="en-US" altLang="ja-JP" dirty="0" smtClean="0"/>
+            <a:endParaRPr kumimoji="1" lang="en-US" altLang="ja-JP" dirty="0" smtClean="0">
+              <a:ln w="18415" cmpd="sng">
+                <a:solidFill>
+                  <a:srgbClr val="FFFFFF"/>
+                </a:solidFill>
+                <a:prstDash val="solid"/>
+              </a:ln>
+              <a:solidFill>
+                <a:srgbClr val="FFFFFF"/>
+              </a:solidFill>
+              <a:effectLst>
+                <a:outerShdw blurRad="63500" dir="3600000" algn="tl" rotWithShape="0">
+                  <a:srgbClr val="000000">
+                    <a:alpha val="70000"/>
+                  </a:srgbClr>
+                </a:outerShdw>
+              </a:effectLst>
+            </a:endParaRPr>
           </a:p>
         </p:txBody>
       </p:sp>
@@ -8934,33 +9069,23 @@
             <a:prstGeom prst="ellipse">
               <a:avLst/>
             </a:prstGeom>
-            <a:grpFill/>
-            <a:ln>
-              <a:noFill/>
-            </a:ln>
-            <a:effectLst/>
-            <a:extLst>
-              <a:ext uri="{91240B29-F687-4F45-9708-019B960494DF}">
-                <a14:hiddenLine xmlns:a14="http://schemas.microsoft.com/office/drawing/2010/main" w="9525">
-                  <a:solidFill>
-                    <a:schemeClr val="tx1"/>
-                  </a:solidFill>
-                  <a:round/>
-                  <a:headEnd/>
-                  <a:tailEnd/>
-                </a14:hiddenLine>
-              </a:ext>
-              <a:ext uri="{AF507438-7753-43E0-B8FC-AC1667EBCBE1}">
-                <a14:hiddenEffects xmlns:a14="http://schemas.microsoft.com/office/drawing/2010/main">
-                  <a:effectLst>
-                    <a:outerShdw dist="35921" dir="2700000" algn="ctr" rotWithShape="0">
-                      <a:schemeClr val="bg2"/>
-                    </a:outerShdw>
-                  </a:effectLst>
-                </a14:hiddenEffects>
-              </a:ext>
-            </a:extLst>
+            <a:ln/>
+            <a:extLst/>
           </p:spPr>
+          <p:style>
+            <a:lnRef idx="0">
+              <a:schemeClr val="dk1"/>
+            </a:lnRef>
+            <a:fillRef idx="3">
+              <a:schemeClr val="dk1"/>
+            </a:fillRef>
+            <a:effectRef idx="3">
+              <a:schemeClr val="dk1"/>
+            </a:effectRef>
+            <a:fontRef idx="minor">
+              <a:schemeClr val="lt1"/>
+            </a:fontRef>
+          </p:style>
           <p:txBody>
             <a:bodyPr wrap="none" anchor="ctr"/>
             <a:lstStyle/>
@@ -8985,33 +9110,23 @@
             <a:prstGeom prst="rect">
               <a:avLst/>
             </a:prstGeom>
-            <a:grpFill/>
-            <a:ln>
-              <a:noFill/>
-            </a:ln>
-            <a:effectLst/>
-            <a:extLst>
-              <a:ext uri="{91240B29-F687-4F45-9708-019B960494DF}">
-                <a14:hiddenLine xmlns:a14="http://schemas.microsoft.com/office/drawing/2010/main" w="9525">
-                  <a:solidFill>
-                    <a:schemeClr val="tx1"/>
-                  </a:solidFill>
-                  <a:miter lim="800000"/>
-                  <a:headEnd/>
-                  <a:tailEnd/>
-                </a14:hiddenLine>
-              </a:ext>
-              <a:ext uri="{AF507438-7753-43E0-B8FC-AC1667EBCBE1}">
-                <a14:hiddenEffects xmlns:a14="http://schemas.microsoft.com/office/drawing/2010/main">
-                  <a:effectLst>
-                    <a:outerShdw dist="35921" dir="2700000" algn="ctr" rotWithShape="0">
-                      <a:schemeClr val="bg2"/>
-                    </a:outerShdw>
-                  </a:effectLst>
-                </a14:hiddenEffects>
-              </a:ext>
-            </a:extLst>
+            <a:ln/>
+            <a:extLst/>
           </p:spPr>
+          <p:style>
+            <a:lnRef idx="0">
+              <a:schemeClr val="dk1"/>
+            </a:lnRef>
+            <a:fillRef idx="3">
+              <a:schemeClr val="dk1"/>
+            </a:fillRef>
+            <a:effectRef idx="3">
+              <a:schemeClr val="dk1"/>
+            </a:effectRef>
+            <a:fontRef idx="minor">
+              <a:schemeClr val="lt1"/>
+            </a:fontRef>
+          </p:style>
           <p:txBody>
             <a:bodyPr wrap="none" anchor="ctr"/>
             <a:lstStyle/>
@@ -9036,33 +9151,23 @@
             <a:prstGeom prst="ellipse">
               <a:avLst/>
             </a:prstGeom>
-            <a:grpFill/>
-            <a:ln>
-              <a:noFill/>
-            </a:ln>
-            <a:effectLst/>
-            <a:extLst>
-              <a:ext uri="{91240B29-F687-4F45-9708-019B960494DF}">
-                <a14:hiddenLine xmlns:a14="http://schemas.microsoft.com/office/drawing/2010/main" w="9525">
-                  <a:solidFill>
-                    <a:schemeClr val="tx1"/>
-                  </a:solidFill>
-                  <a:round/>
-                  <a:headEnd/>
-                  <a:tailEnd/>
-                </a14:hiddenLine>
-              </a:ext>
-              <a:ext uri="{AF507438-7753-43E0-B8FC-AC1667EBCBE1}">
-                <a14:hiddenEffects xmlns:a14="http://schemas.microsoft.com/office/drawing/2010/main">
-                  <a:effectLst>
-                    <a:outerShdw dist="35921" dir="2700000" algn="ctr" rotWithShape="0">
-                      <a:schemeClr val="bg2"/>
-                    </a:outerShdw>
-                  </a:effectLst>
-                </a14:hiddenEffects>
-              </a:ext>
-            </a:extLst>
+            <a:ln/>
+            <a:extLst/>
           </p:spPr>
+          <p:style>
+            <a:lnRef idx="0">
+              <a:schemeClr val="dk1"/>
+            </a:lnRef>
+            <a:fillRef idx="3">
+              <a:schemeClr val="dk1"/>
+            </a:fillRef>
+            <a:effectRef idx="3">
+              <a:schemeClr val="dk1"/>
+            </a:effectRef>
+            <a:fontRef idx="minor">
+              <a:schemeClr val="lt1"/>
+            </a:fontRef>
+          </p:style>
           <p:txBody>
             <a:bodyPr wrap="none" anchor="ctr"/>
             <a:lstStyle/>
@@ -9086,21 +9191,16 @@
           <a:prstGeom prst="flowChartMagneticDisk">
             <a:avLst/>
           </a:prstGeom>
-          <a:solidFill>
-            <a:srgbClr val="FFC000"/>
-          </a:solidFill>
         </p:spPr>
         <p:style>
-          <a:lnRef idx="2">
-            <a:schemeClr val="accent1">
-              <a:shade val="50000"/>
-            </a:schemeClr>
+          <a:lnRef idx="0">
+            <a:schemeClr val="accent6"/>
           </a:lnRef>
-          <a:fillRef idx="1">
-            <a:schemeClr val="accent1"/>
+          <a:fillRef idx="3">
+            <a:schemeClr val="accent6"/>
           </a:fillRef>
-          <a:effectRef idx="0">
-            <a:schemeClr val="accent1"/>
+          <a:effectRef idx="3">
+            <a:schemeClr val="accent6"/>
           </a:effectRef>
           <a:fontRef idx="minor">
             <a:schemeClr val="lt1"/>
@@ -9154,33 +9254,23 @@
             <a:prstGeom prst="ellipse">
               <a:avLst/>
             </a:prstGeom>
-            <a:grpFill/>
-            <a:ln>
-              <a:noFill/>
-            </a:ln>
-            <a:effectLst/>
-            <a:extLst>
-              <a:ext uri="{91240B29-F687-4F45-9708-019B960494DF}">
-                <a14:hiddenLine xmlns:a14="http://schemas.microsoft.com/office/drawing/2010/main" w="9525">
-                  <a:solidFill>
-                    <a:schemeClr val="tx1"/>
-                  </a:solidFill>
-                  <a:round/>
-                  <a:headEnd/>
-                  <a:tailEnd/>
-                </a14:hiddenLine>
-              </a:ext>
-              <a:ext uri="{AF507438-7753-43E0-B8FC-AC1667EBCBE1}">
-                <a14:hiddenEffects xmlns:a14="http://schemas.microsoft.com/office/drawing/2010/main">
-                  <a:effectLst>
-                    <a:outerShdw dist="35921" dir="2700000" algn="ctr" rotWithShape="0">
-                      <a:schemeClr val="bg2"/>
-                    </a:outerShdw>
-                  </a:effectLst>
-                </a14:hiddenEffects>
-              </a:ext>
-            </a:extLst>
+            <a:ln/>
+            <a:extLst/>
           </p:spPr>
+          <p:style>
+            <a:lnRef idx="0">
+              <a:schemeClr val="dk1"/>
+            </a:lnRef>
+            <a:fillRef idx="3">
+              <a:schemeClr val="dk1"/>
+            </a:fillRef>
+            <a:effectRef idx="3">
+              <a:schemeClr val="dk1"/>
+            </a:effectRef>
+            <a:fontRef idx="minor">
+              <a:schemeClr val="lt1"/>
+            </a:fontRef>
+          </p:style>
           <p:txBody>
             <a:bodyPr wrap="none" anchor="ctr"/>
             <a:lstStyle/>
@@ -9205,33 +9295,23 @@
             <a:prstGeom prst="rect">
               <a:avLst/>
             </a:prstGeom>
-            <a:grpFill/>
-            <a:ln>
-              <a:noFill/>
-            </a:ln>
-            <a:effectLst/>
-            <a:extLst>
-              <a:ext uri="{91240B29-F687-4F45-9708-019B960494DF}">
-                <a14:hiddenLine xmlns:a14="http://schemas.microsoft.com/office/drawing/2010/main" w="9525">
-                  <a:solidFill>
-                    <a:schemeClr val="tx1"/>
-                  </a:solidFill>
-                  <a:miter lim="800000"/>
-                  <a:headEnd/>
-                  <a:tailEnd/>
-                </a14:hiddenLine>
-              </a:ext>
-              <a:ext uri="{AF507438-7753-43E0-B8FC-AC1667EBCBE1}">
-                <a14:hiddenEffects xmlns:a14="http://schemas.microsoft.com/office/drawing/2010/main">
-                  <a:effectLst>
-                    <a:outerShdw dist="35921" dir="2700000" algn="ctr" rotWithShape="0">
-                      <a:schemeClr val="bg2"/>
-                    </a:outerShdw>
-                  </a:effectLst>
-                </a14:hiddenEffects>
-              </a:ext>
-            </a:extLst>
+            <a:ln/>
+            <a:extLst/>
           </p:spPr>
+          <p:style>
+            <a:lnRef idx="0">
+              <a:schemeClr val="dk1"/>
+            </a:lnRef>
+            <a:fillRef idx="3">
+              <a:schemeClr val="dk1"/>
+            </a:fillRef>
+            <a:effectRef idx="3">
+              <a:schemeClr val="dk1"/>
+            </a:effectRef>
+            <a:fontRef idx="minor">
+              <a:schemeClr val="lt1"/>
+            </a:fontRef>
+          </p:style>
           <p:txBody>
             <a:bodyPr wrap="none" anchor="ctr"/>
             <a:lstStyle/>
@@ -9256,33 +9336,23 @@
             <a:prstGeom prst="ellipse">
               <a:avLst/>
             </a:prstGeom>
-            <a:grpFill/>
-            <a:ln>
-              <a:noFill/>
-            </a:ln>
-            <a:effectLst/>
-            <a:extLst>
-              <a:ext uri="{91240B29-F687-4F45-9708-019B960494DF}">
-                <a14:hiddenLine xmlns:a14="http://schemas.microsoft.com/office/drawing/2010/main" w="9525">
-                  <a:solidFill>
-                    <a:schemeClr val="tx1"/>
-                  </a:solidFill>
-                  <a:round/>
-                  <a:headEnd/>
-                  <a:tailEnd/>
-                </a14:hiddenLine>
-              </a:ext>
-              <a:ext uri="{AF507438-7753-43E0-B8FC-AC1667EBCBE1}">
-                <a14:hiddenEffects xmlns:a14="http://schemas.microsoft.com/office/drawing/2010/main">
-                  <a:effectLst>
-                    <a:outerShdw dist="35921" dir="2700000" algn="ctr" rotWithShape="0">
-                      <a:schemeClr val="bg2"/>
-                    </a:outerShdw>
-                  </a:effectLst>
-                </a14:hiddenEffects>
-              </a:ext>
-            </a:extLst>
+            <a:ln/>
+            <a:extLst/>
           </p:spPr>
+          <p:style>
+            <a:lnRef idx="0">
+              <a:schemeClr val="dk1"/>
+            </a:lnRef>
+            <a:fillRef idx="3">
+              <a:schemeClr val="dk1"/>
+            </a:fillRef>
+            <a:effectRef idx="3">
+              <a:schemeClr val="dk1"/>
+            </a:effectRef>
+            <a:fontRef idx="minor">
+              <a:schemeClr val="lt1"/>
+            </a:fontRef>
+          </p:style>
           <p:txBody>
             <a:bodyPr wrap="none" anchor="ctr"/>
             <a:lstStyle/>
@@ -9327,33 +9397,23 @@
             <a:prstGeom prst="ellipse">
               <a:avLst/>
             </a:prstGeom>
-            <a:grpFill/>
-            <a:ln>
-              <a:noFill/>
-            </a:ln>
-            <a:effectLst/>
-            <a:extLst>
-              <a:ext uri="{91240B29-F687-4F45-9708-019B960494DF}">
-                <a14:hiddenLine xmlns:a14="http://schemas.microsoft.com/office/drawing/2010/main" w="9525">
-                  <a:solidFill>
-                    <a:schemeClr val="tx1"/>
-                  </a:solidFill>
-                  <a:round/>
-                  <a:headEnd/>
-                  <a:tailEnd/>
-                </a14:hiddenLine>
-              </a:ext>
-              <a:ext uri="{AF507438-7753-43E0-B8FC-AC1667EBCBE1}">
-                <a14:hiddenEffects xmlns:a14="http://schemas.microsoft.com/office/drawing/2010/main">
-                  <a:effectLst>
-                    <a:outerShdw dist="35921" dir="2700000" algn="ctr" rotWithShape="0">
-                      <a:schemeClr val="bg2"/>
-                    </a:outerShdw>
-                  </a:effectLst>
-                </a14:hiddenEffects>
-              </a:ext>
-            </a:extLst>
+            <a:ln/>
+            <a:extLst/>
           </p:spPr>
+          <p:style>
+            <a:lnRef idx="0">
+              <a:schemeClr val="dk1"/>
+            </a:lnRef>
+            <a:fillRef idx="3">
+              <a:schemeClr val="dk1"/>
+            </a:fillRef>
+            <a:effectRef idx="3">
+              <a:schemeClr val="dk1"/>
+            </a:effectRef>
+            <a:fontRef idx="minor">
+              <a:schemeClr val="lt1"/>
+            </a:fontRef>
+          </p:style>
           <p:txBody>
             <a:bodyPr wrap="none" anchor="ctr"/>
             <a:lstStyle/>
@@ -9378,33 +9438,23 @@
             <a:prstGeom prst="rect">
               <a:avLst/>
             </a:prstGeom>
-            <a:grpFill/>
-            <a:ln>
-              <a:noFill/>
-            </a:ln>
-            <a:effectLst/>
-            <a:extLst>
-              <a:ext uri="{91240B29-F687-4F45-9708-019B960494DF}">
-                <a14:hiddenLine xmlns:a14="http://schemas.microsoft.com/office/drawing/2010/main" w="9525">
-                  <a:solidFill>
-                    <a:schemeClr val="tx1"/>
-                  </a:solidFill>
-                  <a:miter lim="800000"/>
-                  <a:headEnd/>
-                  <a:tailEnd/>
-                </a14:hiddenLine>
-              </a:ext>
-              <a:ext uri="{AF507438-7753-43E0-B8FC-AC1667EBCBE1}">
-                <a14:hiddenEffects xmlns:a14="http://schemas.microsoft.com/office/drawing/2010/main">
-                  <a:effectLst>
-                    <a:outerShdw dist="35921" dir="2700000" algn="ctr" rotWithShape="0">
-                      <a:schemeClr val="bg2"/>
-                    </a:outerShdw>
-                  </a:effectLst>
-                </a14:hiddenEffects>
-              </a:ext>
-            </a:extLst>
+            <a:ln/>
+            <a:extLst/>
           </p:spPr>
+          <p:style>
+            <a:lnRef idx="0">
+              <a:schemeClr val="dk1"/>
+            </a:lnRef>
+            <a:fillRef idx="3">
+              <a:schemeClr val="dk1"/>
+            </a:fillRef>
+            <a:effectRef idx="3">
+              <a:schemeClr val="dk1"/>
+            </a:effectRef>
+            <a:fontRef idx="minor">
+              <a:schemeClr val="lt1"/>
+            </a:fontRef>
+          </p:style>
           <p:txBody>
             <a:bodyPr wrap="none" anchor="ctr"/>
             <a:lstStyle/>
@@ -9429,33 +9479,23 @@
             <a:prstGeom prst="ellipse">
               <a:avLst/>
             </a:prstGeom>
-            <a:grpFill/>
-            <a:ln>
-              <a:noFill/>
-            </a:ln>
-            <a:effectLst/>
-            <a:extLst>
-              <a:ext uri="{91240B29-F687-4F45-9708-019B960494DF}">
-                <a14:hiddenLine xmlns:a14="http://schemas.microsoft.com/office/drawing/2010/main" w="9525">
-                  <a:solidFill>
-                    <a:schemeClr val="tx1"/>
-                  </a:solidFill>
-                  <a:round/>
-                  <a:headEnd/>
-                  <a:tailEnd/>
-                </a14:hiddenLine>
-              </a:ext>
-              <a:ext uri="{AF507438-7753-43E0-B8FC-AC1667EBCBE1}">
-                <a14:hiddenEffects xmlns:a14="http://schemas.microsoft.com/office/drawing/2010/main">
-                  <a:effectLst>
-                    <a:outerShdw dist="35921" dir="2700000" algn="ctr" rotWithShape="0">
-                      <a:schemeClr val="bg2"/>
-                    </a:outerShdw>
-                  </a:effectLst>
-                </a14:hiddenEffects>
-              </a:ext>
-            </a:extLst>
+            <a:ln/>
+            <a:extLst/>
           </p:spPr>
+          <p:style>
+            <a:lnRef idx="0">
+              <a:schemeClr val="dk1"/>
+            </a:lnRef>
+            <a:fillRef idx="3">
+              <a:schemeClr val="dk1"/>
+            </a:fillRef>
+            <a:effectRef idx="3">
+              <a:schemeClr val="dk1"/>
+            </a:effectRef>
+            <a:fontRef idx="minor">
+              <a:schemeClr val="lt1"/>
+            </a:fontRef>
+          </p:style>
           <p:txBody>
             <a:bodyPr wrap="none" anchor="ctr"/>
             <a:lstStyle/>
@@ -9500,26 +9540,26 @@
             <a:prstGeom prst="ellipse">
               <a:avLst/>
             </a:prstGeom>
-            <a:grpFill/>
-            <a:ln w="9525">
-              <a:noFill/>
-              <a:round/>
+            <a:ln>
               <a:headEnd/>
               <a:tailEnd/>
             </a:ln>
-            <a:effectLst/>
-            <a:extLst>
-              <a:ext uri="{AF507438-7753-43E0-B8FC-AC1667EBCBE1}">
-                <a14:hiddenEffects xmlns:a14="http://schemas.microsoft.com/office/drawing/2010/main">
-                  <a:effectLst>
-                    <a:outerShdw dist="35921" dir="2700000" algn="ctr" rotWithShape="0">
-                      <a:schemeClr val="bg2"/>
-                    </a:outerShdw>
-                  </a:effectLst>
-                </a14:hiddenEffects>
-              </a:ext>
-            </a:extLst>
+            <a:extLst/>
           </p:spPr>
+          <p:style>
+            <a:lnRef idx="0">
+              <a:schemeClr val="dk1"/>
+            </a:lnRef>
+            <a:fillRef idx="3">
+              <a:schemeClr val="dk1"/>
+            </a:fillRef>
+            <a:effectRef idx="3">
+              <a:schemeClr val="dk1"/>
+            </a:effectRef>
+            <a:fontRef idx="minor">
+              <a:schemeClr val="lt1"/>
+            </a:fontRef>
+          </p:style>
           <p:txBody>
             <a:bodyPr wrap="none" anchor="ctr"/>
             <a:lstStyle/>
@@ -9551,26 +9591,26 @@
             <a:prstGeom prst="rect">
               <a:avLst/>
             </a:prstGeom>
-            <a:grpFill/>
-            <a:ln w="9525">
-              <a:noFill/>
-              <a:miter lim="800000"/>
+            <a:ln>
               <a:headEnd/>
               <a:tailEnd/>
             </a:ln>
-            <a:effectLst/>
-            <a:extLst>
-              <a:ext uri="{AF507438-7753-43E0-B8FC-AC1667EBCBE1}">
-                <a14:hiddenEffects xmlns:a14="http://schemas.microsoft.com/office/drawing/2010/main">
-                  <a:effectLst>
-                    <a:outerShdw dist="35921" dir="2700000" algn="ctr" rotWithShape="0">
-                      <a:schemeClr val="bg2"/>
-                    </a:outerShdw>
-                  </a:effectLst>
-                </a14:hiddenEffects>
-              </a:ext>
-            </a:extLst>
+            <a:extLst/>
           </p:spPr>
+          <p:style>
+            <a:lnRef idx="0">
+              <a:schemeClr val="dk1"/>
+            </a:lnRef>
+            <a:fillRef idx="3">
+              <a:schemeClr val="dk1"/>
+            </a:fillRef>
+            <a:effectRef idx="3">
+              <a:schemeClr val="dk1"/>
+            </a:effectRef>
+            <a:fontRef idx="minor">
+              <a:schemeClr val="lt1"/>
+            </a:fontRef>
+          </p:style>
           <p:txBody>
             <a:bodyPr wrap="none" anchor="ctr"/>
             <a:lstStyle/>
@@ -9602,26 +9642,26 @@
             <a:prstGeom prst="ellipse">
               <a:avLst/>
             </a:prstGeom>
-            <a:grpFill/>
-            <a:ln w="9525">
-              <a:noFill/>
-              <a:round/>
+            <a:ln>
               <a:headEnd/>
               <a:tailEnd/>
             </a:ln>
-            <a:effectLst/>
-            <a:extLst>
-              <a:ext uri="{AF507438-7753-43E0-B8FC-AC1667EBCBE1}">
-                <a14:hiddenEffects xmlns:a14="http://schemas.microsoft.com/office/drawing/2010/main">
-                  <a:effectLst>
-                    <a:outerShdw dist="35921" dir="2700000" algn="ctr" rotWithShape="0">
-                      <a:schemeClr val="bg2"/>
-                    </a:outerShdw>
-                  </a:effectLst>
-                </a14:hiddenEffects>
-              </a:ext>
-            </a:extLst>
+            <a:extLst/>
           </p:spPr>
+          <p:style>
+            <a:lnRef idx="0">
+              <a:schemeClr val="dk1"/>
+            </a:lnRef>
+            <a:fillRef idx="3">
+              <a:schemeClr val="dk1"/>
+            </a:fillRef>
+            <a:effectRef idx="3">
+              <a:schemeClr val="dk1"/>
+            </a:effectRef>
+            <a:fontRef idx="minor">
+              <a:schemeClr val="lt1"/>
+            </a:fontRef>
+          </p:style>
           <p:txBody>
             <a:bodyPr wrap="none" anchor="ctr"/>
             <a:lstStyle/>
@@ -9652,21 +9692,16 @@
           <a:prstGeom prst="rightArrow">
             <a:avLst/>
           </a:prstGeom>
-          <a:solidFill>
-            <a:srgbClr val="33CCCC"/>
-          </a:solidFill>
         </p:spPr>
         <p:style>
-          <a:lnRef idx="2">
-            <a:schemeClr val="accent1">
-              <a:shade val="50000"/>
-            </a:schemeClr>
+          <a:lnRef idx="0">
+            <a:schemeClr val="accent5"/>
           </a:lnRef>
-          <a:fillRef idx="1">
-            <a:schemeClr val="accent1"/>
+          <a:fillRef idx="3">
+            <a:schemeClr val="accent5"/>
           </a:fillRef>
-          <a:effectRef idx="0">
-            <a:schemeClr val="accent1"/>
+          <a:effectRef idx="3">
+            <a:schemeClr val="accent5"/>
           </a:effectRef>
           <a:fontRef idx="minor">
             <a:schemeClr val="lt1"/>
@@ -9699,20 +9734,15 @@
           <a:prstGeom prst="rightArrow">
             <a:avLst/>
           </a:prstGeom>
-          <a:solidFill>
-            <a:srgbClr val="00B0F0"/>
-          </a:solidFill>
         </p:spPr>
         <p:style>
-          <a:lnRef idx="2">
-            <a:schemeClr val="accent1">
-              <a:shade val="50000"/>
-            </a:schemeClr>
+          <a:lnRef idx="0">
+            <a:schemeClr val="accent1"/>
           </a:lnRef>
-          <a:fillRef idx="1">
+          <a:fillRef idx="3">
             <a:schemeClr val="accent1"/>
           </a:fillRef>
-          <a:effectRef idx="0">
+          <a:effectRef idx="3">
             <a:schemeClr val="accent1"/>
           </a:effectRef>
           <a:fontRef idx="minor">
@@ -9750,20 +9780,15 @@
               <a:gd name="adj3" fmla="val 16667"/>
             </a:avLst>
           </a:prstGeom>
-          <a:solidFill>
-            <a:srgbClr val="00B0F0"/>
-          </a:solidFill>
         </p:spPr>
         <p:style>
-          <a:lnRef idx="2">
-            <a:schemeClr val="accent1">
-              <a:shade val="50000"/>
-            </a:schemeClr>
+          <a:lnRef idx="0">
+            <a:schemeClr val="accent1"/>
           </a:lnRef>
-          <a:fillRef idx="1">
+          <a:fillRef idx="3">
             <a:schemeClr val="accent1"/>
           </a:fillRef>
-          <a:effectRef idx="0">
+          <a:effectRef idx="3">
             <a:schemeClr val="accent1"/>
           </a:effectRef>
           <a:fontRef idx="minor">
@@ -9792,15 +9817,7 @@
             </a:r>
             <a:r>
               <a:rPr lang="ja-JP" altLang="en-US" sz="2400" dirty="0" smtClean="0"/>
-              <a:t>タスク</a:t>
-            </a:r>
-            <a:r>
-              <a:rPr lang="ja-JP" altLang="en-US" sz="2400" dirty="0" smtClean="0"/>
-              <a:t>の</a:t>
-            </a:r>
-            <a:r>
-              <a:rPr lang="ja-JP" altLang="en-US" sz="2400" dirty="0" smtClean="0"/>
-              <a:t>指示）</a:t>
+              <a:t>タスクの指示）</a:t>
             </a:r>
             <a:endParaRPr kumimoji="1" lang="ja-JP" altLang="en-US" sz="2400" dirty="0"/>
           </a:p>
@@ -9876,21 +9893,16 @@
           <a:prstGeom prst="leftArrow">
             <a:avLst/>
           </a:prstGeom>
-          <a:solidFill>
-            <a:srgbClr val="FF0000"/>
-          </a:solidFill>
         </p:spPr>
         <p:style>
-          <a:lnRef idx="2">
-            <a:schemeClr val="accent1">
-              <a:shade val="50000"/>
-            </a:schemeClr>
+          <a:lnRef idx="0">
+            <a:schemeClr val="accent2"/>
           </a:lnRef>
-          <a:fillRef idx="1">
-            <a:schemeClr val="accent1"/>
+          <a:fillRef idx="3">
+            <a:schemeClr val="accent2"/>
           </a:fillRef>
-          <a:effectRef idx="0">
-            <a:schemeClr val="accent1"/>
+          <a:effectRef idx="3">
+            <a:schemeClr val="accent2"/>
           </a:effectRef>
           <a:fontRef idx="minor">
             <a:schemeClr val="lt1"/>
@@ -9931,21 +9943,16 @@
           <a:prstGeom prst="downArrow">
             <a:avLst/>
           </a:prstGeom>
-          <a:solidFill>
-            <a:srgbClr val="9999FF"/>
-          </a:solidFill>
         </p:spPr>
         <p:style>
-          <a:lnRef idx="2">
-            <a:schemeClr val="accent1">
-              <a:shade val="50000"/>
-            </a:schemeClr>
+          <a:lnRef idx="0">
+            <a:schemeClr val="accent4"/>
           </a:lnRef>
-          <a:fillRef idx="1">
-            <a:schemeClr val="accent1"/>
+          <a:fillRef idx="3">
+            <a:schemeClr val="accent4"/>
           </a:fillRef>
-          <a:effectRef idx="0">
-            <a:schemeClr val="accent1"/>
+          <a:effectRef idx="3">
+            <a:schemeClr val="accent4"/>
           </a:effectRef>
           <a:fontRef idx="minor">
             <a:schemeClr val="lt1"/>
@@ -9982,21 +9989,16 @@
               <a:gd name="adj3" fmla="val 16667"/>
             </a:avLst>
           </a:prstGeom>
-          <a:solidFill>
-            <a:srgbClr val="33CCCC"/>
-          </a:solidFill>
         </p:spPr>
         <p:style>
-          <a:lnRef idx="2">
-            <a:schemeClr val="accent1">
-              <a:shade val="50000"/>
-            </a:schemeClr>
+          <a:lnRef idx="0">
+            <a:schemeClr val="accent5"/>
           </a:lnRef>
-          <a:fillRef idx="1">
-            <a:schemeClr val="accent1"/>
+          <a:fillRef idx="3">
+            <a:schemeClr val="accent5"/>
           </a:fillRef>
-          <a:effectRef idx="0">
-            <a:schemeClr val="accent1"/>
+          <a:effectRef idx="3">
+            <a:schemeClr val="accent5"/>
           </a:effectRef>
           <a:fontRef idx="minor">
             <a:schemeClr val="lt1"/>
@@ -10029,21 +10031,12 @@
             </a:r>
             <a:r>
               <a:rPr lang="ja-JP" altLang="en-US" sz="2400" dirty="0" smtClean="0"/>
-              <a:t>計画</a:t>
-            </a:r>
-            <a:r>
-              <a:rPr lang="ja-JP" altLang="en-US" sz="2400" dirty="0" smtClean="0"/>
-              <a:t>時の</a:t>
-            </a:r>
-            <a:r>
-              <a:rPr lang="ja-JP" altLang="en-US" sz="2400" dirty="0" smtClean="0"/>
-              <a:t>コスト・時間</a:t>
+              <a:t>計画時のコスト・時間</a:t>
             </a:r>
             <a:r>
               <a:rPr lang="ja-JP" altLang="en-US" sz="2400" dirty="0"/>
               <a:t>）</a:t>
             </a:r>
-            <a:endParaRPr lang="ja-JP" altLang="en-US" sz="2400" dirty="0"/>
           </a:p>
         </p:txBody>
       </p:sp>
@@ -10065,21 +10058,16 @@
               <a:gd name="adj3" fmla="val 16667"/>
             </a:avLst>
           </a:prstGeom>
-          <a:solidFill>
-            <a:srgbClr val="FF0000"/>
-          </a:solidFill>
         </p:spPr>
         <p:style>
-          <a:lnRef idx="2">
-            <a:schemeClr val="accent1">
-              <a:shade val="50000"/>
-            </a:schemeClr>
+          <a:lnRef idx="0">
+            <a:schemeClr val="accent2"/>
           </a:lnRef>
-          <a:fillRef idx="1">
-            <a:schemeClr val="accent1"/>
+          <a:fillRef idx="3">
+            <a:schemeClr val="accent2"/>
           </a:fillRef>
-          <a:effectRef idx="0">
-            <a:schemeClr val="accent1"/>
+          <a:effectRef idx="3">
+            <a:schemeClr val="accent2"/>
           </a:effectRef>
           <a:fontRef idx="minor">
             <a:schemeClr val="lt1"/>
@@ -10120,31 +10108,7 @@
                   <a:schemeClr val="bg1"/>
                 </a:solidFill>
               </a:rPr>
-              <a:t>かか</a:t>
-            </a:r>
-            <a:r>
-              <a:rPr lang="ja-JP" altLang="en-US" sz="2400" dirty="0" smtClean="0">
-                <a:solidFill>
-                  <a:schemeClr val="bg1"/>
-                </a:solidFill>
-              </a:rPr>
-              <a:t>った</a:t>
-            </a:r>
-            <a:r>
-              <a:rPr lang="ja-JP" altLang="en-US" sz="2400" dirty="0" smtClean="0">
-                <a:solidFill>
-                  <a:schemeClr val="bg1"/>
-                </a:solidFill>
-              </a:rPr>
-              <a:t>コスト</a:t>
-            </a:r>
-            <a:r>
-              <a:rPr lang="ja-JP" altLang="en-US" sz="2400" dirty="0" smtClean="0">
-                <a:solidFill>
-                  <a:schemeClr val="bg1"/>
-                </a:solidFill>
-              </a:rPr>
-              <a:t>，</a:t>
+              <a:t>かかったコスト，</a:t>
             </a:r>
             <a:endParaRPr lang="en-US" altLang="ja-JP" sz="2400" dirty="0" smtClean="0">
               <a:solidFill>
@@ -10170,11 +10134,6 @@
               </a:rPr>
               <a:t>）</a:t>
             </a:r>
-            <a:endParaRPr lang="ja-JP" altLang="en-US" sz="2400" dirty="0">
-              <a:solidFill>
-                <a:schemeClr val="bg1"/>
-              </a:solidFill>
-            </a:endParaRPr>
           </a:p>
         </p:txBody>
       </p:sp>
@@ -10196,21 +10155,16 @@
               <a:gd name="adj3" fmla="val 16667"/>
             </a:avLst>
           </a:prstGeom>
-          <a:solidFill>
-            <a:srgbClr val="9999FF"/>
-          </a:solidFill>
         </p:spPr>
         <p:style>
-          <a:lnRef idx="2">
-            <a:schemeClr val="accent1">
-              <a:shade val="50000"/>
-            </a:schemeClr>
+          <a:lnRef idx="0">
+            <a:schemeClr val="accent4"/>
           </a:lnRef>
-          <a:fillRef idx="1">
-            <a:schemeClr val="accent1"/>
+          <a:fillRef idx="3">
+            <a:schemeClr val="accent4"/>
           </a:fillRef>
-          <a:effectRef idx="0">
-            <a:schemeClr val="accent1"/>
+          <a:effectRef idx="3">
+            <a:schemeClr val="accent4"/>
           </a:effectRef>
           <a:fontRef idx="minor">
             <a:schemeClr val="lt1"/>
@@ -10318,22 +10272,14 @@
             </a:r>
             <a:r>
               <a:rPr lang="ja-JP" altLang="en-US" sz="4400" dirty="0" smtClean="0"/>
-              <a:t>から</a:t>
-            </a:r>
+              <a:t>から抽出した</a:t>
+            </a:r>
+            <a:endParaRPr lang="en-US" altLang="ja-JP" sz="4400" dirty="0" smtClean="0"/>
+          </a:p>
+          <a:p>
             <a:r>
               <a:rPr lang="ja-JP" altLang="en-US" sz="4400" dirty="0" smtClean="0"/>
-              <a:t>抽出した</a:t>
-            </a:r>
-            <a:endParaRPr lang="en-US" altLang="ja-JP" sz="4400" dirty="0" smtClean="0"/>
-          </a:p>
-          <a:p>
-            <a:r>
-              <a:rPr lang="ja-JP" altLang="en-US" sz="4400" dirty="0" smtClean="0"/>
-              <a:t>　データ</a:t>
-            </a:r>
-            <a:r>
-              <a:rPr lang="ja-JP" altLang="en-US" sz="4400" dirty="0" smtClean="0"/>
-              <a:t>をもとに</a:t>
+              <a:t>　データをもとに</a:t>
             </a:r>
             <a:r>
               <a:rPr lang="en-US" altLang="ja-JP" sz="4400" dirty="0" smtClean="0"/>
@@ -10348,15 +10294,7 @@
           <a:p>
             <a:r>
               <a:rPr kumimoji="1" lang="ja-JP" altLang="en-US" sz="4400" dirty="0" smtClean="0"/>
-              <a:t>・これによって，スケジュールの管理と作業の遅延の対応を行えるように</a:t>
-            </a:r>
-            <a:r>
-              <a:rPr kumimoji="1" lang="ja-JP" altLang="en-US" sz="4400" dirty="0" smtClean="0"/>
-              <a:t>なる</a:t>
-            </a:r>
-            <a:r>
-              <a:rPr kumimoji="1" lang="ja-JP" altLang="en-US" sz="4400" dirty="0" smtClean="0"/>
-              <a:t>．</a:t>
+              <a:t>・これによって，スケジュールの管理と作業の遅延の対応を行えるようになる．</a:t>
             </a:r>
             <a:endParaRPr kumimoji="1" lang="en-US" altLang="ja-JP" sz="4400" dirty="0" smtClean="0"/>
           </a:p>
@@ -10443,15 +10381,7 @@
             </a:r>
             <a:r>
               <a:rPr kumimoji="1" lang="ja-JP" altLang="en-US" sz="4400" dirty="0" smtClean="0"/>
-              <a:t>）に</a:t>
-            </a:r>
-            <a:r>
-              <a:rPr kumimoji="1" lang="ja-JP" altLang="en-US" sz="4400" dirty="0" smtClean="0"/>
-              <a:t>記述する</a:t>
-            </a:r>
-            <a:r>
-              <a:rPr kumimoji="1" lang="ja-JP" altLang="en-US" sz="4400" dirty="0" smtClean="0"/>
-              <a:t>項目（</a:t>
+              <a:t>）に記述する項目（</a:t>
             </a:r>
             <a:r>
               <a:rPr lang="ja-JP" altLang="en-US" sz="4400" dirty="0" smtClean="0"/>
@@ -10459,15 +10389,7 @@
             </a:r>
             <a:r>
               <a:rPr kumimoji="1" lang="ja-JP" altLang="en-US" sz="4400" dirty="0" smtClean="0"/>
-              <a:t>と</a:t>
-            </a:r>
-            <a:r>
-              <a:rPr kumimoji="1" lang="ja-JP" altLang="en-US" sz="4400" dirty="0" smtClean="0"/>
-              <a:t>コスト）を</a:t>
-            </a:r>
-            <a:r>
-              <a:rPr kumimoji="1" lang="ja-JP" altLang="en-US" sz="4400" dirty="0" smtClean="0"/>
-              <a:t>決定した．</a:t>
+              <a:t>とコスト）を決定した．</a:t>
             </a:r>
             <a:endParaRPr kumimoji="1" lang="en-US" altLang="ja-JP" sz="4400" dirty="0" smtClean="0"/>
           </a:p>
@@ -10482,15 +10404,7 @@
             </a:r>
             <a:r>
               <a:rPr lang="ja-JP" altLang="en-US" sz="4400" dirty="0" smtClean="0"/>
-              <a:t>が解決したときに，それまでにタスク</a:t>
-            </a:r>
-            <a:r>
-              <a:rPr lang="ja-JP" altLang="en-US" sz="4400" dirty="0" smtClean="0"/>
-              <a:t>にかかった</a:t>
-            </a:r>
-            <a:r>
-              <a:rPr lang="ja-JP" altLang="en-US" sz="4400" dirty="0" smtClean="0"/>
-              <a:t>時間と</a:t>
+              <a:t>が解決したときに，それまでにタスクにかかった時間と</a:t>
             </a:r>
             <a:r>
               <a:rPr lang="en-US" altLang="ja-JP" sz="4400" dirty="0" smtClean="0"/>
@@ -10563,11 +10477,7 @@
             </a:r>
             <a:r>
               <a:rPr kumimoji="1" lang="ja-JP" altLang="en-US" sz="4400" dirty="0" smtClean="0"/>
-              <a:t>完了</a:t>
-            </a:r>
-            <a:r>
-              <a:rPr kumimoji="1" lang="ja-JP" altLang="en-US" sz="4400" dirty="0" smtClean="0"/>
-              <a:t>した．</a:t>
+              <a:t>完了した．</a:t>
             </a:r>
             <a:endParaRPr kumimoji="1" lang="ja-JP" altLang="en-US" sz="4400" dirty="0"/>
           </a:p>
@@ -10582,7 +10492,7 @@
           <p:nvPr>
             <p:extLst>
               <p:ext uri="{D42A27DB-BD31-4B8C-83A1-F6EECF244321}">
-                <p14:modId xmlns:p14="http://schemas.microsoft.com/office/powerpoint/2010/main" val="141567758"/>
+                <p14:modId xmlns:p14="http://schemas.microsoft.com/office/powerpoint/2010/main" val="3281742704"/>
               </p:ext>
             </p:extLst>
           </p:nvPr>
@@ -10609,10 +10519,54 @@
                     <a:p>
                       <a:pPr algn="ctr"/>
                       <a:r>
-                        <a:rPr kumimoji="1" lang="ja-JP" altLang="en-US" sz="4400" dirty="0" smtClean="0"/>
+                        <a:rPr kumimoji="1" lang="ja-JP" altLang="en-US" sz="4400" b="1" cap="none" spc="0" dirty="0" smtClean="0">
+                          <a:ln w="12700">
+                            <a:solidFill>
+                              <a:schemeClr val="tx2">
+                                <a:satMod val="155000"/>
+                              </a:schemeClr>
+                            </a:solidFill>
+                            <a:prstDash val="solid"/>
+                          </a:ln>
+                          <a:solidFill>
+                            <a:schemeClr val="bg2">
+                              <a:tint val="85000"/>
+                              <a:satMod val="155000"/>
+                            </a:schemeClr>
+                          </a:solidFill>
+                          <a:effectLst>
+                            <a:outerShdw blurRad="41275" dist="20320" dir="1800000" algn="tl" rotWithShape="0">
+                              <a:srgbClr val="000000">
+                                <a:alpha val="40000"/>
+                              </a:srgbClr>
+                            </a:outerShdw>
+                          </a:effectLst>
+                        </a:rPr>
                         <a:t>日程</a:t>
                       </a:r>
-                      <a:endParaRPr kumimoji="1" lang="ja-JP" altLang="en-US" sz="4400" dirty="0"/>
+                      <a:endParaRPr kumimoji="1" lang="ja-JP" altLang="en-US" sz="4400" b="1" cap="none" spc="0" dirty="0">
+                        <a:ln w="12700">
+                          <a:solidFill>
+                            <a:schemeClr val="tx2">
+                              <a:satMod val="155000"/>
+                            </a:schemeClr>
+                          </a:solidFill>
+                          <a:prstDash val="solid"/>
+                        </a:ln>
+                        <a:solidFill>
+                          <a:schemeClr val="bg2">
+                            <a:tint val="85000"/>
+                            <a:satMod val="155000"/>
+                          </a:schemeClr>
+                        </a:solidFill>
+                        <a:effectLst>
+                          <a:outerShdw blurRad="41275" dist="20320" dir="1800000" algn="tl" rotWithShape="0">
+                            <a:srgbClr val="000000">
+                              <a:alpha val="40000"/>
+                            </a:srgbClr>
+                          </a:outerShdw>
+                        </a:effectLst>
+                      </a:endParaRPr>
                     </a:p>
                   </a:txBody>
                   <a:tcPr/>
@@ -10624,10 +10578,54 @@
                     <a:p>
                       <a:pPr algn="ctr"/>
                       <a:r>
-                        <a:rPr kumimoji="1" lang="ja-JP" altLang="en-US" sz="4400" dirty="0" smtClean="0"/>
+                        <a:rPr kumimoji="1" lang="ja-JP" altLang="en-US" sz="4400" b="1" cap="none" spc="0" dirty="0" smtClean="0">
+                          <a:ln w="12700">
+                            <a:solidFill>
+                              <a:schemeClr val="tx2">
+                                <a:satMod val="155000"/>
+                              </a:schemeClr>
+                            </a:solidFill>
+                            <a:prstDash val="solid"/>
+                          </a:ln>
+                          <a:solidFill>
+                            <a:schemeClr val="bg2">
+                              <a:tint val="85000"/>
+                              <a:satMod val="155000"/>
+                            </a:schemeClr>
+                          </a:solidFill>
+                          <a:effectLst>
+                            <a:outerShdw blurRad="41275" dist="20320" dir="1800000" algn="tl" rotWithShape="0">
+                              <a:srgbClr val="000000">
+                                <a:alpha val="40000"/>
+                              </a:srgbClr>
+                            </a:outerShdw>
+                          </a:effectLst>
+                        </a:rPr>
                         <a:t>内容</a:t>
                       </a:r>
-                      <a:endParaRPr kumimoji="1" lang="ja-JP" altLang="en-US" sz="4400" dirty="0"/>
+                      <a:endParaRPr kumimoji="1" lang="ja-JP" altLang="en-US" sz="4400" b="1" cap="none" spc="0" dirty="0">
+                        <a:ln w="12700">
+                          <a:solidFill>
+                            <a:schemeClr val="tx2">
+                              <a:satMod val="155000"/>
+                            </a:schemeClr>
+                          </a:solidFill>
+                          <a:prstDash val="solid"/>
+                        </a:ln>
+                        <a:solidFill>
+                          <a:schemeClr val="bg2">
+                            <a:tint val="85000"/>
+                            <a:satMod val="155000"/>
+                          </a:schemeClr>
+                        </a:solidFill>
+                        <a:effectLst>
+                          <a:outerShdw blurRad="41275" dist="20320" dir="1800000" algn="tl" rotWithShape="0">
+                            <a:srgbClr val="000000">
+                              <a:alpha val="40000"/>
+                            </a:srgbClr>
+                          </a:outerShdw>
+                        </a:effectLst>
+                      </a:endParaRPr>
                     </a:p>
                   </a:txBody>
                   <a:tcPr/>
@@ -10640,30 +10638,184 @@
                     <a:lstStyle/>
                     <a:p>
                       <a:r>
-                        <a:rPr kumimoji="1" lang="en-US" altLang="ja-JP" sz="4400" dirty="0" smtClean="0"/>
+                        <a:rPr kumimoji="1" lang="en-US" altLang="ja-JP" sz="4400" b="1" cap="none" spc="0" dirty="0" smtClean="0">
+                          <a:ln w="12700">
+                            <a:solidFill>
+                              <a:schemeClr val="tx2">
+                                <a:satMod val="155000"/>
+                              </a:schemeClr>
+                            </a:solidFill>
+                            <a:prstDash val="solid"/>
+                          </a:ln>
+                          <a:solidFill>
+                            <a:schemeClr val="bg2">
+                              <a:tint val="85000"/>
+                              <a:satMod val="155000"/>
+                            </a:schemeClr>
+                          </a:solidFill>
+                          <a:effectLst>
+                            <a:outerShdw blurRad="41275" dist="20320" dir="1800000" algn="tl" rotWithShape="0">
+                              <a:srgbClr val="000000">
+                                <a:alpha val="40000"/>
+                              </a:srgbClr>
+                            </a:outerShdw>
+                          </a:effectLst>
+                        </a:rPr>
                         <a:t>2013</a:t>
                       </a:r>
                       <a:r>
-                        <a:rPr kumimoji="1" lang="ja-JP" altLang="en-US" sz="4400" dirty="0" smtClean="0"/>
+                        <a:rPr kumimoji="1" lang="ja-JP" altLang="en-US" sz="4400" b="1" cap="none" spc="0" dirty="0" smtClean="0">
+                          <a:ln w="12700">
+                            <a:solidFill>
+                              <a:schemeClr val="tx2">
+                                <a:satMod val="155000"/>
+                              </a:schemeClr>
+                            </a:solidFill>
+                            <a:prstDash val="solid"/>
+                          </a:ln>
+                          <a:solidFill>
+                            <a:schemeClr val="bg2">
+                              <a:tint val="85000"/>
+                              <a:satMod val="155000"/>
+                            </a:schemeClr>
+                          </a:solidFill>
+                          <a:effectLst>
+                            <a:outerShdw blurRad="41275" dist="20320" dir="1800000" algn="tl" rotWithShape="0">
+                              <a:srgbClr val="000000">
+                                <a:alpha val="40000"/>
+                              </a:srgbClr>
+                            </a:outerShdw>
+                          </a:effectLst>
+                        </a:rPr>
                         <a:t>年</a:t>
                       </a:r>
                       <a:r>
-                        <a:rPr kumimoji="1" lang="en-US" altLang="ja-JP" sz="4400" dirty="0" smtClean="0"/>
+                        <a:rPr kumimoji="1" lang="en-US" altLang="ja-JP" sz="4400" b="1" cap="none" spc="0" dirty="0" smtClean="0">
+                          <a:ln w="12700">
+                            <a:solidFill>
+                              <a:schemeClr val="tx2">
+                                <a:satMod val="155000"/>
+                              </a:schemeClr>
+                            </a:solidFill>
+                            <a:prstDash val="solid"/>
+                          </a:ln>
+                          <a:solidFill>
+                            <a:schemeClr val="bg2">
+                              <a:tint val="85000"/>
+                              <a:satMod val="155000"/>
+                            </a:schemeClr>
+                          </a:solidFill>
+                          <a:effectLst>
+                            <a:outerShdw blurRad="41275" dist="20320" dir="1800000" algn="tl" rotWithShape="0">
+                              <a:srgbClr val="000000">
+                                <a:alpha val="40000"/>
+                              </a:srgbClr>
+                            </a:outerShdw>
+                          </a:effectLst>
+                        </a:rPr>
                         <a:t>10</a:t>
                       </a:r>
                       <a:r>
-                        <a:rPr kumimoji="1" lang="ja-JP" altLang="en-US" sz="4400" dirty="0" smtClean="0"/>
+                        <a:rPr kumimoji="1" lang="ja-JP" altLang="en-US" sz="4400" b="1" cap="none" spc="0" dirty="0" smtClean="0">
+                          <a:ln w="12700">
+                            <a:solidFill>
+                              <a:schemeClr val="tx2">
+                                <a:satMod val="155000"/>
+                              </a:schemeClr>
+                            </a:solidFill>
+                            <a:prstDash val="solid"/>
+                          </a:ln>
+                          <a:solidFill>
+                            <a:schemeClr val="bg2">
+                              <a:tint val="85000"/>
+                              <a:satMod val="155000"/>
+                            </a:schemeClr>
+                          </a:solidFill>
+                          <a:effectLst>
+                            <a:outerShdw blurRad="41275" dist="20320" dir="1800000" algn="tl" rotWithShape="0">
+                              <a:srgbClr val="000000">
+                                <a:alpha val="40000"/>
+                              </a:srgbClr>
+                            </a:outerShdw>
+                          </a:effectLst>
+                        </a:rPr>
                         <a:t>月～</a:t>
                       </a:r>
                       <a:r>
-                        <a:rPr kumimoji="1" lang="en-US" altLang="ja-JP" sz="4400" dirty="0" smtClean="0"/>
+                        <a:rPr kumimoji="1" lang="en-US" altLang="ja-JP" sz="4400" b="1" cap="none" spc="0" dirty="0" smtClean="0">
+                          <a:ln w="12700">
+                            <a:solidFill>
+                              <a:schemeClr val="tx2">
+                                <a:satMod val="155000"/>
+                              </a:schemeClr>
+                            </a:solidFill>
+                            <a:prstDash val="solid"/>
+                          </a:ln>
+                          <a:solidFill>
+                            <a:schemeClr val="bg2">
+                              <a:tint val="85000"/>
+                              <a:satMod val="155000"/>
+                            </a:schemeClr>
+                          </a:solidFill>
+                          <a:effectLst>
+                            <a:outerShdw blurRad="41275" dist="20320" dir="1800000" algn="tl" rotWithShape="0">
+                              <a:srgbClr val="000000">
+                                <a:alpha val="40000"/>
+                              </a:srgbClr>
+                            </a:outerShdw>
+                          </a:effectLst>
+                        </a:rPr>
                         <a:t>11</a:t>
                       </a:r>
                       <a:r>
-                        <a:rPr kumimoji="1" lang="ja-JP" altLang="en-US" sz="4400" dirty="0" smtClean="0"/>
+                        <a:rPr kumimoji="1" lang="ja-JP" altLang="en-US" sz="4400" b="1" cap="none" spc="0" dirty="0" smtClean="0">
+                          <a:ln w="12700">
+                            <a:solidFill>
+                              <a:schemeClr val="tx2">
+                                <a:satMod val="155000"/>
+                              </a:schemeClr>
+                            </a:solidFill>
+                            <a:prstDash val="solid"/>
+                          </a:ln>
+                          <a:solidFill>
+                            <a:schemeClr val="bg2">
+                              <a:tint val="85000"/>
+                              <a:satMod val="155000"/>
+                            </a:schemeClr>
+                          </a:solidFill>
+                          <a:effectLst>
+                            <a:outerShdw blurRad="41275" dist="20320" dir="1800000" algn="tl" rotWithShape="0">
+                              <a:srgbClr val="000000">
+                                <a:alpha val="40000"/>
+                              </a:srgbClr>
+                            </a:outerShdw>
+                          </a:effectLst>
+                        </a:rPr>
                         <a:t>月</a:t>
                       </a:r>
-                      <a:endParaRPr kumimoji="1" lang="ja-JP" altLang="en-US" sz="4400" dirty="0"/>
+                      <a:endParaRPr kumimoji="1" lang="ja-JP" altLang="en-US" sz="4400" b="1" cap="none" spc="0" dirty="0">
+                        <a:ln w="12700">
+                          <a:solidFill>
+                            <a:schemeClr val="tx2">
+                              <a:satMod val="155000"/>
+                            </a:schemeClr>
+                          </a:solidFill>
+                          <a:prstDash val="solid"/>
+                        </a:ln>
+                        <a:solidFill>
+                          <a:schemeClr val="bg2">
+                            <a:tint val="85000"/>
+                            <a:satMod val="155000"/>
+                          </a:schemeClr>
+                        </a:solidFill>
+                        <a:effectLst>
+                          <a:outerShdw blurRad="41275" dist="20320" dir="1800000" algn="tl" rotWithShape="0">
+                            <a:srgbClr val="000000">
+                              <a:alpha val="40000"/>
+                            </a:srgbClr>
+                          </a:outerShdw>
+                        </a:effectLst>
+                      </a:endParaRPr>
                     </a:p>
                   </a:txBody>
                   <a:tcPr/>
@@ -10674,72 +10826,442 @@
                     <a:lstStyle/>
                     <a:p>
                       <a:r>
-                        <a:rPr kumimoji="1" lang="en-US" altLang="ja-JP" sz="4400" dirty="0" smtClean="0"/>
+                        <a:rPr kumimoji="1" lang="en-US" altLang="ja-JP" sz="4400" b="1" cap="none" spc="0" dirty="0" smtClean="0">
+                          <a:ln w="12700">
+                            <a:solidFill>
+                              <a:schemeClr val="tx2">
+                                <a:satMod val="155000"/>
+                              </a:schemeClr>
+                            </a:solidFill>
+                            <a:prstDash val="solid"/>
+                          </a:ln>
+                          <a:solidFill>
+                            <a:schemeClr val="bg2">
+                              <a:tint val="85000"/>
+                              <a:satMod val="155000"/>
+                            </a:schemeClr>
+                          </a:solidFill>
+                          <a:effectLst>
+                            <a:outerShdw blurRad="41275" dist="20320" dir="1800000" algn="tl" rotWithShape="0">
+                              <a:srgbClr val="000000">
+                                <a:alpha val="40000"/>
+                              </a:srgbClr>
+                            </a:outerShdw>
+                          </a:effectLst>
+                        </a:rPr>
                         <a:t>Issue</a:t>
                       </a:r>
                       <a:r>
-                        <a:rPr kumimoji="1" lang="ja-JP" altLang="en-US" sz="4400" dirty="0" smtClean="0"/>
+                        <a:rPr kumimoji="1" lang="ja-JP" altLang="en-US" sz="4400" b="1" cap="none" spc="0" dirty="0" smtClean="0">
+                          <a:ln w="12700">
+                            <a:solidFill>
+                              <a:schemeClr val="tx2">
+                                <a:satMod val="155000"/>
+                              </a:schemeClr>
+                            </a:solidFill>
+                            <a:prstDash val="solid"/>
+                          </a:ln>
+                          <a:solidFill>
+                            <a:schemeClr val="bg2">
+                              <a:tint val="85000"/>
+                              <a:satMod val="155000"/>
+                            </a:schemeClr>
+                          </a:solidFill>
+                          <a:effectLst>
+                            <a:outerShdw blurRad="41275" dist="20320" dir="1800000" algn="tl" rotWithShape="0">
+                              <a:srgbClr val="000000">
+                                <a:alpha val="40000"/>
+                              </a:srgbClr>
+                            </a:outerShdw>
+                          </a:effectLst>
+                        </a:rPr>
                         <a:t>を</a:t>
                       </a:r>
                       <a:r>
-                        <a:rPr kumimoji="1" lang="en-US" altLang="ja-JP" sz="4400" dirty="0" err="1" smtClean="0"/>
+                        <a:rPr kumimoji="1" lang="en-US" altLang="ja-JP" sz="4400" b="1" cap="none" spc="0" dirty="0" err="1" smtClean="0">
+                          <a:ln w="12700">
+                            <a:solidFill>
+                              <a:schemeClr val="tx2">
+                                <a:satMod val="155000"/>
+                              </a:schemeClr>
+                            </a:solidFill>
+                            <a:prstDash val="solid"/>
+                          </a:ln>
+                          <a:solidFill>
+                            <a:schemeClr val="bg2">
+                              <a:tint val="85000"/>
+                              <a:satMod val="155000"/>
+                            </a:schemeClr>
+                          </a:solidFill>
+                          <a:effectLst>
+                            <a:outerShdw blurRad="41275" dist="20320" dir="1800000" algn="tl" rotWithShape="0">
+                              <a:srgbClr val="000000">
+                                <a:alpha val="40000"/>
+                              </a:srgbClr>
+                            </a:outerShdw>
+                          </a:effectLst>
+                        </a:rPr>
                         <a:t>GitHub</a:t>
                       </a:r>
                       <a:r>
-                        <a:rPr kumimoji="1" lang="ja-JP" altLang="en-US" sz="4400" dirty="0" smtClean="0"/>
+                        <a:rPr kumimoji="1" lang="ja-JP" altLang="en-US" sz="4400" b="1" cap="none" spc="0" dirty="0" smtClean="0">
+                          <a:ln w="12700">
+                            <a:solidFill>
+                              <a:schemeClr val="tx2">
+                                <a:satMod val="155000"/>
+                              </a:schemeClr>
+                            </a:solidFill>
+                            <a:prstDash val="solid"/>
+                          </a:ln>
+                          <a:solidFill>
+                            <a:schemeClr val="bg2">
+                              <a:tint val="85000"/>
+                              <a:satMod val="155000"/>
+                            </a:schemeClr>
+                          </a:solidFill>
+                          <a:effectLst>
+                            <a:outerShdw blurRad="41275" dist="20320" dir="1800000" algn="tl" rotWithShape="0">
+                              <a:srgbClr val="000000">
+                                <a:alpha val="40000"/>
+                              </a:srgbClr>
+                            </a:outerShdw>
+                          </a:effectLst>
+                        </a:rPr>
                         <a:t>の</a:t>
                       </a:r>
                       <a:r>
-                        <a:rPr kumimoji="1" lang="en-US" altLang="ja-JP" sz="4400" dirty="0" smtClean="0"/>
+                        <a:rPr kumimoji="1" lang="en-US" altLang="ja-JP" sz="4400" b="1" cap="none" spc="0" dirty="0" smtClean="0">
+                          <a:ln w="12700">
+                            <a:solidFill>
+                              <a:schemeClr val="tx2">
+                                <a:satMod val="155000"/>
+                              </a:schemeClr>
+                            </a:solidFill>
+                            <a:prstDash val="solid"/>
+                          </a:ln>
+                          <a:solidFill>
+                            <a:schemeClr val="bg2">
+                              <a:tint val="85000"/>
+                              <a:satMod val="155000"/>
+                            </a:schemeClr>
+                          </a:solidFill>
+                          <a:effectLst>
+                            <a:outerShdw blurRad="41275" dist="20320" dir="1800000" algn="tl" rotWithShape="0">
+                              <a:srgbClr val="000000">
+                                <a:alpha val="40000"/>
+                              </a:srgbClr>
+                            </a:outerShdw>
+                          </a:effectLst>
+                        </a:rPr>
                         <a:t>API</a:t>
                       </a:r>
                       <a:r>
-                        <a:rPr kumimoji="1" lang="ja-JP" altLang="en-US" sz="4400" dirty="0" smtClean="0"/>
-                        <a:t>に</a:t>
+                        <a:rPr kumimoji="1" lang="ja-JP" altLang="en-US" sz="4400" b="1" cap="none" spc="0" dirty="0" smtClean="0">
+                          <a:ln w="12700">
+                            <a:solidFill>
+                              <a:schemeClr val="tx2">
+                                <a:satMod val="155000"/>
+                              </a:schemeClr>
+                            </a:solidFill>
+                            <a:prstDash val="solid"/>
+                          </a:ln>
+                          <a:solidFill>
+                            <a:schemeClr val="bg2">
+                              <a:tint val="85000"/>
+                              <a:satMod val="155000"/>
+                            </a:schemeClr>
+                          </a:solidFill>
+                          <a:effectLst>
+                            <a:outerShdw blurRad="41275" dist="20320" dir="1800000" algn="tl" rotWithShape="0">
+                              <a:srgbClr val="000000">
+                                <a:alpha val="40000"/>
+                              </a:srgbClr>
+                            </a:outerShdw>
+                          </a:effectLst>
+                        </a:rPr>
+                        <a:t>によって抽出，</a:t>
                       </a:r>
-                      <a:r>
-                        <a:rPr kumimoji="1" lang="ja-JP" altLang="en-US" sz="4400" dirty="0" smtClean="0"/>
-                        <a:t>よって抽出，</a:t>
-                      </a:r>
-                      <a:endParaRPr kumimoji="1" lang="en-US" altLang="ja-JP" sz="4400" dirty="0" smtClean="0"/>
+                      <a:endParaRPr kumimoji="1" lang="en-US" altLang="ja-JP" sz="4400" b="1" cap="none" spc="0" dirty="0" smtClean="0">
+                        <a:ln w="12700">
+                          <a:solidFill>
+                            <a:schemeClr val="tx2">
+                              <a:satMod val="155000"/>
+                            </a:schemeClr>
+                          </a:solidFill>
+                          <a:prstDash val="solid"/>
+                        </a:ln>
+                        <a:solidFill>
+                          <a:schemeClr val="bg2">
+                            <a:tint val="85000"/>
+                            <a:satMod val="155000"/>
+                          </a:schemeClr>
+                        </a:solidFill>
+                        <a:effectLst>
+                          <a:outerShdw blurRad="41275" dist="20320" dir="1800000" algn="tl" rotWithShape="0">
+                            <a:srgbClr val="000000">
+                              <a:alpha val="40000"/>
+                            </a:srgbClr>
+                          </a:outerShdw>
+                        </a:effectLst>
+                      </a:endParaRPr>
                     </a:p>
                     <a:p>
                       <a:r>
-                        <a:rPr kumimoji="1" lang="en-US" altLang="ja-JP" sz="4400" dirty="0" smtClean="0"/>
+                        <a:rPr kumimoji="1" lang="en-US" altLang="ja-JP" sz="4400" b="1" cap="none" spc="0" dirty="0" smtClean="0">
+                          <a:ln w="12700">
+                            <a:solidFill>
+                              <a:schemeClr val="tx2">
+                                <a:satMod val="155000"/>
+                              </a:schemeClr>
+                            </a:solidFill>
+                            <a:prstDash val="solid"/>
+                          </a:ln>
+                          <a:solidFill>
+                            <a:schemeClr val="bg2">
+                              <a:tint val="85000"/>
+                              <a:satMod val="155000"/>
+                            </a:schemeClr>
+                          </a:solidFill>
+                          <a:effectLst>
+                            <a:outerShdw blurRad="41275" dist="20320" dir="1800000" algn="tl" rotWithShape="0">
+                              <a:srgbClr val="000000">
+                                <a:alpha val="40000"/>
+                              </a:srgbClr>
+                            </a:outerShdw>
+                          </a:effectLst>
+                        </a:rPr>
                         <a:t>Issue</a:t>
                       </a:r>
                       <a:r>
-                        <a:rPr kumimoji="1" lang="ja-JP" altLang="en-US" sz="4400" dirty="0" smtClean="0"/>
+                        <a:rPr kumimoji="1" lang="ja-JP" altLang="en-US" sz="4400" b="1" cap="none" spc="0" dirty="0" smtClean="0">
+                          <a:ln w="12700">
+                            <a:solidFill>
+                              <a:schemeClr val="tx2">
+                                <a:satMod val="155000"/>
+                              </a:schemeClr>
+                            </a:solidFill>
+                            <a:prstDash val="solid"/>
+                          </a:ln>
+                          <a:solidFill>
+                            <a:schemeClr val="bg2">
+                              <a:tint val="85000"/>
+                              <a:satMod val="155000"/>
+                            </a:schemeClr>
+                          </a:solidFill>
+                          <a:effectLst>
+                            <a:outerShdw blurRad="41275" dist="20320" dir="1800000" algn="tl" rotWithShape="0">
+                              <a:srgbClr val="000000">
+                                <a:alpha val="40000"/>
+                              </a:srgbClr>
+                            </a:outerShdw>
+                          </a:effectLst>
+                        </a:rPr>
                         <a:t>から</a:t>
                       </a:r>
                       <a:r>
-                        <a:rPr kumimoji="1" lang="en-US" altLang="ja-JP" sz="4400" dirty="0" smtClean="0"/>
+                        <a:rPr kumimoji="1" lang="en-US" altLang="ja-JP" sz="4400" b="1" cap="none" spc="0" dirty="0" smtClean="0">
+                          <a:ln w="12700">
+                            <a:solidFill>
+                              <a:schemeClr val="tx2">
+                                <a:satMod val="155000"/>
+                              </a:schemeClr>
+                            </a:solidFill>
+                            <a:prstDash val="solid"/>
+                          </a:ln>
+                          <a:solidFill>
+                            <a:schemeClr val="bg2">
+                              <a:tint val="85000"/>
+                              <a:satMod val="155000"/>
+                            </a:schemeClr>
+                          </a:solidFill>
+                          <a:effectLst>
+                            <a:outerShdw blurRad="41275" dist="20320" dir="1800000" algn="tl" rotWithShape="0">
+                              <a:srgbClr val="000000">
+                                <a:alpha val="40000"/>
+                              </a:srgbClr>
+                            </a:outerShdw>
+                          </a:effectLst>
+                        </a:rPr>
                         <a:t>EVM</a:t>
                       </a:r>
                       <a:r>
-                        <a:rPr kumimoji="1" lang="ja-JP" altLang="en-US" sz="4400" dirty="0" smtClean="0"/>
+                        <a:rPr kumimoji="1" lang="ja-JP" altLang="en-US" sz="4400" b="1" cap="none" spc="0" dirty="0" smtClean="0">
+                          <a:ln w="12700">
+                            <a:solidFill>
+                              <a:schemeClr val="tx2">
+                                <a:satMod val="155000"/>
+                              </a:schemeClr>
+                            </a:solidFill>
+                            <a:prstDash val="solid"/>
+                          </a:ln>
+                          <a:solidFill>
+                            <a:schemeClr val="bg2">
+                              <a:tint val="85000"/>
+                              <a:satMod val="155000"/>
+                            </a:schemeClr>
+                          </a:solidFill>
+                          <a:effectLst>
+                            <a:outerShdw blurRad="41275" dist="20320" dir="1800000" algn="tl" rotWithShape="0">
+                              <a:srgbClr val="000000">
+                                <a:alpha val="40000"/>
+                              </a:srgbClr>
+                            </a:outerShdw>
+                          </a:effectLst>
+                        </a:rPr>
                         <a:t>に必要なデータを抽出，</a:t>
                       </a:r>
-                      <a:endParaRPr kumimoji="1" lang="en-US" altLang="ja-JP" sz="4400" dirty="0" smtClean="0"/>
+                      <a:endParaRPr kumimoji="1" lang="en-US" altLang="ja-JP" sz="4400" b="1" cap="none" spc="0" dirty="0" smtClean="0">
+                        <a:ln w="12700">
+                          <a:solidFill>
+                            <a:schemeClr val="tx2">
+                              <a:satMod val="155000"/>
+                            </a:schemeClr>
+                          </a:solidFill>
+                          <a:prstDash val="solid"/>
+                        </a:ln>
+                        <a:solidFill>
+                          <a:schemeClr val="bg2">
+                            <a:tint val="85000"/>
+                            <a:satMod val="155000"/>
+                          </a:schemeClr>
+                        </a:solidFill>
+                        <a:effectLst>
+                          <a:outerShdw blurRad="41275" dist="20320" dir="1800000" algn="tl" rotWithShape="0">
+                            <a:srgbClr val="000000">
+                              <a:alpha val="40000"/>
+                            </a:srgbClr>
+                          </a:outerShdw>
+                        </a:effectLst>
+                      </a:endParaRPr>
                     </a:p>
                     <a:p>
                       <a:r>
-                        <a:rPr kumimoji="1" lang="ja-JP" altLang="en-US" sz="4400" dirty="0" smtClean="0"/>
+                        <a:rPr kumimoji="1" lang="ja-JP" altLang="en-US" sz="4400" b="1" cap="none" spc="0" dirty="0" smtClean="0">
+                          <a:ln w="12700">
+                            <a:solidFill>
+                              <a:schemeClr val="tx2">
+                                <a:satMod val="155000"/>
+                              </a:schemeClr>
+                            </a:solidFill>
+                            <a:prstDash val="solid"/>
+                          </a:ln>
+                          <a:solidFill>
+                            <a:schemeClr val="bg2">
+                              <a:tint val="85000"/>
+                              <a:satMod val="155000"/>
+                            </a:schemeClr>
+                          </a:solidFill>
+                          <a:effectLst>
+                            <a:outerShdw blurRad="41275" dist="20320" dir="1800000" algn="tl" rotWithShape="0">
+                              <a:srgbClr val="000000">
+                                <a:alpha val="40000"/>
+                              </a:srgbClr>
+                            </a:outerShdw>
+                          </a:effectLst>
+                        </a:rPr>
                         <a:t>抽出したデータをもとに</a:t>
                       </a:r>
                       <a:r>
-                        <a:rPr kumimoji="1" lang="en-US" altLang="ja-JP" sz="4400" dirty="0" smtClean="0"/>
+                        <a:rPr kumimoji="1" lang="en-US" altLang="ja-JP" sz="4400" b="1" cap="none" spc="0" dirty="0" smtClean="0">
+                          <a:ln w="12700">
+                            <a:solidFill>
+                              <a:schemeClr val="tx2">
+                                <a:satMod val="155000"/>
+                              </a:schemeClr>
+                            </a:solidFill>
+                            <a:prstDash val="solid"/>
+                          </a:ln>
+                          <a:solidFill>
+                            <a:schemeClr val="bg2">
+                              <a:tint val="85000"/>
+                              <a:satMod val="155000"/>
+                            </a:schemeClr>
+                          </a:solidFill>
+                          <a:effectLst>
+                            <a:outerShdw blurRad="41275" dist="20320" dir="1800000" algn="tl" rotWithShape="0">
+                              <a:srgbClr val="000000">
+                                <a:alpha val="40000"/>
+                              </a:srgbClr>
+                            </a:outerShdw>
+                          </a:effectLst>
+                        </a:rPr>
                         <a:t>EVM</a:t>
                       </a:r>
                       <a:r>
-                        <a:rPr kumimoji="1" lang="ja-JP" altLang="en-US" sz="4400" dirty="0" err="1" smtClean="0"/>
+                        <a:rPr kumimoji="1" lang="ja-JP" altLang="en-US" sz="4400" b="1" cap="none" spc="0" dirty="0" err="1" smtClean="0">
+                          <a:ln w="12700">
+                            <a:solidFill>
+                              <a:schemeClr val="tx2">
+                                <a:satMod val="155000"/>
+                              </a:schemeClr>
+                            </a:solidFill>
+                            <a:prstDash val="solid"/>
+                          </a:ln>
+                          <a:solidFill>
+                            <a:schemeClr val="bg2">
+                              <a:tint val="85000"/>
+                              <a:satMod val="155000"/>
+                            </a:schemeClr>
+                          </a:solidFill>
+                          <a:effectLst>
+                            <a:outerShdw blurRad="41275" dist="20320" dir="1800000" algn="tl" rotWithShape="0">
+                              <a:srgbClr val="000000">
+                                <a:alpha val="40000"/>
+                              </a:srgbClr>
+                            </a:outerShdw>
+                          </a:effectLst>
+                        </a:rPr>
                         <a:t>を描</a:t>
                       </a:r>
                       <a:r>
-                        <a:rPr kumimoji="1" lang="ja-JP" altLang="en-US" sz="4400" dirty="0" smtClean="0"/>
+                        <a:rPr kumimoji="1" lang="ja-JP" altLang="en-US" sz="4400" b="1" cap="none" spc="0" dirty="0" smtClean="0">
+                          <a:ln w="12700">
+                            <a:solidFill>
+                              <a:schemeClr val="tx2">
+                                <a:satMod val="155000"/>
+                              </a:schemeClr>
+                            </a:solidFill>
+                            <a:prstDash val="solid"/>
+                          </a:ln>
+                          <a:solidFill>
+                            <a:schemeClr val="bg2">
+                              <a:tint val="85000"/>
+                              <a:satMod val="155000"/>
+                            </a:schemeClr>
+                          </a:solidFill>
+                          <a:effectLst>
+                            <a:outerShdw blurRad="41275" dist="20320" dir="1800000" algn="tl" rotWithShape="0">
+                              <a:srgbClr val="000000">
+                                <a:alpha val="40000"/>
+                              </a:srgbClr>
+                            </a:outerShdw>
+                          </a:effectLst>
+                        </a:rPr>
                         <a:t>画するシステムの構築</a:t>
                       </a:r>
-                      <a:endParaRPr kumimoji="1" lang="ja-JP" altLang="en-US" sz="4400" dirty="0"/>
+                      <a:endParaRPr kumimoji="1" lang="ja-JP" altLang="en-US" sz="4400" b="1" cap="none" spc="0" dirty="0">
+                        <a:ln w="12700">
+                          <a:solidFill>
+                            <a:schemeClr val="tx2">
+                              <a:satMod val="155000"/>
+                            </a:schemeClr>
+                          </a:solidFill>
+                          <a:prstDash val="solid"/>
+                        </a:ln>
+                        <a:solidFill>
+                          <a:schemeClr val="bg2">
+                            <a:tint val="85000"/>
+                            <a:satMod val="155000"/>
+                          </a:schemeClr>
+                        </a:solidFill>
+                        <a:effectLst>
+                          <a:outerShdw blurRad="41275" dist="20320" dir="1800000" algn="tl" rotWithShape="0">
+                            <a:srgbClr val="000000">
+                              <a:alpha val="40000"/>
+                            </a:srgbClr>
+                          </a:outerShdw>
+                        </a:effectLst>
+                      </a:endParaRPr>
                     </a:p>
                   </a:txBody>
                   <a:tcPr/>
@@ -10752,22 +11274,132 @@
                     <a:lstStyle/>
                     <a:p>
                       <a:r>
-                        <a:rPr kumimoji="1" lang="en-US" altLang="ja-JP" sz="4400" dirty="0" smtClean="0"/>
+                        <a:rPr kumimoji="1" lang="en-US" altLang="ja-JP" sz="4400" b="1" cap="none" spc="0" dirty="0" smtClean="0">
+                          <a:ln w="12700">
+                            <a:solidFill>
+                              <a:schemeClr val="tx2">
+                                <a:satMod val="155000"/>
+                              </a:schemeClr>
+                            </a:solidFill>
+                            <a:prstDash val="solid"/>
+                          </a:ln>
+                          <a:solidFill>
+                            <a:schemeClr val="bg2">
+                              <a:tint val="85000"/>
+                              <a:satMod val="155000"/>
+                            </a:schemeClr>
+                          </a:solidFill>
+                          <a:effectLst>
+                            <a:outerShdw blurRad="41275" dist="20320" dir="1800000" algn="tl" rotWithShape="0">
+                              <a:srgbClr val="000000">
+                                <a:alpha val="40000"/>
+                              </a:srgbClr>
+                            </a:outerShdw>
+                          </a:effectLst>
+                        </a:rPr>
                         <a:t>2013</a:t>
                       </a:r>
                       <a:r>
-                        <a:rPr kumimoji="1" lang="ja-JP" altLang="en-US" sz="4400" dirty="0" smtClean="0"/>
+                        <a:rPr kumimoji="1" lang="ja-JP" altLang="en-US" sz="4400" b="1" cap="none" spc="0" dirty="0" smtClean="0">
+                          <a:ln w="12700">
+                            <a:solidFill>
+                              <a:schemeClr val="tx2">
+                                <a:satMod val="155000"/>
+                              </a:schemeClr>
+                            </a:solidFill>
+                            <a:prstDash val="solid"/>
+                          </a:ln>
+                          <a:solidFill>
+                            <a:schemeClr val="bg2">
+                              <a:tint val="85000"/>
+                              <a:satMod val="155000"/>
+                            </a:schemeClr>
+                          </a:solidFill>
+                          <a:effectLst>
+                            <a:outerShdw blurRad="41275" dist="20320" dir="1800000" algn="tl" rotWithShape="0">
+                              <a:srgbClr val="000000">
+                                <a:alpha val="40000"/>
+                              </a:srgbClr>
+                            </a:outerShdw>
+                          </a:effectLst>
+                        </a:rPr>
                         <a:t>年</a:t>
                       </a:r>
                       <a:r>
-                        <a:rPr kumimoji="1" lang="en-US" altLang="ja-JP" sz="4400" dirty="0" smtClean="0"/>
+                        <a:rPr kumimoji="1" lang="en-US" altLang="ja-JP" sz="4400" b="1" cap="none" spc="0" dirty="0" smtClean="0">
+                          <a:ln w="12700">
+                            <a:solidFill>
+                              <a:schemeClr val="tx2">
+                                <a:satMod val="155000"/>
+                              </a:schemeClr>
+                            </a:solidFill>
+                            <a:prstDash val="solid"/>
+                          </a:ln>
+                          <a:solidFill>
+                            <a:schemeClr val="bg2">
+                              <a:tint val="85000"/>
+                              <a:satMod val="155000"/>
+                            </a:schemeClr>
+                          </a:solidFill>
+                          <a:effectLst>
+                            <a:outerShdw blurRad="41275" dist="20320" dir="1800000" algn="tl" rotWithShape="0">
+                              <a:srgbClr val="000000">
+                                <a:alpha val="40000"/>
+                              </a:srgbClr>
+                            </a:outerShdw>
+                          </a:effectLst>
+                        </a:rPr>
                         <a:t>12</a:t>
                       </a:r>
                       <a:r>
-                        <a:rPr kumimoji="1" lang="ja-JP" altLang="en-US" sz="4400" dirty="0" smtClean="0"/>
+                        <a:rPr kumimoji="1" lang="ja-JP" altLang="en-US" sz="4400" b="1" cap="none" spc="0" dirty="0" smtClean="0">
+                          <a:ln w="12700">
+                            <a:solidFill>
+                              <a:schemeClr val="tx2">
+                                <a:satMod val="155000"/>
+                              </a:schemeClr>
+                            </a:solidFill>
+                            <a:prstDash val="solid"/>
+                          </a:ln>
+                          <a:solidFill>
+                            <a:schemeClr val="bg2">
+                              <a:tint val="85000"/>
+                              <a:satMod val="155000"/>
+                            </a:schemeClr>
+                          </a:solidFill>
+                          <a:effectLst>
+                            <a:outerShdw blurRad="41275" dist="20320" dir="1800000" algn="tl" rotWithShape="0">
+                              <a:srgbClr val="000000">
+                                <a:alpha val="40000"/>
+                              </a:srgbClr>
+                            </a:outerShdw>
+                          </a:effectLst>
+                        </a:rPr>
                         <a:t>月</a:t>
                       </a:r>
-                      <a:endParaRPr kumimoji="1" lang="ja-JP" altLang="en-US" sz="4400" dirty="0"/>
+                      <a:endParaRPr kumimoji="1" lang="ja-JP" altLang="en-US" sz="4400" b="1" cap="none" spc="0" dirty="0">
+                        <a:ln w="12700">
+                          <a:solidFill>
+                            <a:schemeClr val="tx2">
+                              <a:satMod val="155000"/>
+                            </a:schemeClr>
+                          </a:solidFill>
+                          <a:prstDash val="solid"/>
+                        </a:ln>
+                        <a:solidFill>
+                          <a:schemeClr val="bg2">
+                            <a:tint val="85000"/>
+                            <a:satMod val="155000"/>
+                          </a:schemeClr>
+                        </a:solidFill>
+                        <a:effectLst>
+                          <a:outerShdw blurRad="41275" dist="20320" dir="1800000" algn="tl" rotWithShape="0">
+                            <a:srgbClr val="000000">
+                              <a:alpha val="40000"/>
+                            </a:srgbClr>
+                          </a:outerShdw>
+                        </a:effectLst>
+                      </a:endParaRPr>
                     </a:p>
                   </a:txBody>
                   <a:tcPr/>
@@ -10778,17 +11410,105 @@
                     <a:lstStyle/>
                     <a:p>
                       <a:r>
-                        <a:rPr kumimoji="1" lang="ja-JP" altLang="en-US" sz="4400" dirty="0" smtClean="0"/>
+                        <a:rPr kumimoji="1" lang="ja-JP" altLang="en-US" sz="4400" b="1" cap="none" spc="0" dirty="0" smtClean="0">
+                          <a:ln w="12700">
+                            <a:solidFill>
+                              <a:schemeClr val="tx2">
+                                <a:satMod val="155000"/>
+                              </a:schemeClr>
+                            </a:solidFill>
+                            <a:prstDash val="solid"/>
+                          </a:ln>
+                          <a:solidFill>
+                            <a:schemeClr val="bg2">
+                              <a:tint val="85000"/>
+                              <a:satMod val="155000"/>
+                            </a:schemeClr>
+                          </a:solidFill>
+                          <a:effectLst>
+                            <a:outerShdw blurRad="41275" dist="20320" dir="1800000" algn="tl" rotWithShape="0">
+                              <a:srgbClr val="000000">
+                                <a:alpha val="40000"/>
+                              </a:srgbClr>
+                            </a:outerShdw>
+                          </a:effectLst>
+                        </a:rPr>
                         <a:t>過去のプロジェクトをシステムに適用し，運用と検証，</a:t>
                       </a:r>
-                      <a:endParaRPr kumimoji="1" lang="en-US" altLang="ja-JP" sz="4400" dirty="0" smtClean="0"/>
+                      <a:endParaRPr kumimoji="1" lang="en-US" altLang="ja-JP" sz="4400" b="1" cap="none" spc="0" dirty="0" smtClean="0">
+                        <a:ln w="12700">
+                          <a:solidFill>
+                            <a:schemeClr val="tx2">
+                              <a:satMod val="155000"/>
+                            </a:schemeClr>
+                          </a:solidFill>
+                          <a:prstDash val="solid"/>
+                        </a:ln>
+                        <a:solidFill>
+                          <a:schemeClr val="bg2">
+                            <a:tint val="85000"/>
+                            <a:satMod val="155000"/>
+                          </a:schemeClr>
+                        </a:solidFill>
+                        <a:effectLst>
+                          <a:outerShdw blurRad="41275" dist="20320" dir="1800000" algn="tl" rotWithShape="0">
+                            <a:srgbClr val="000000">
+                              <a:alpha val="40000"/>
+                            </a:srgbClr>
+                          </a:outerShdw>
+                        </a:effectLst>
+                      </a:endParaRPr>
                     </a:p>
                     <a:p>
                       <a:r>
-                        <a:rPr kumimoji="1" lang="ja-JP" altLang="en-US" sz="4400" dirty="0" smtClean="0"/>
+                        <a:rPr kumimoji="1" lang="ja-JP" altLang="en-US" sz="4400" b="1" cap="none" spc="0" dirty="0" smtClean="0">
+                          <a:ln w="12700">
+                            <a:solidFill>
+                              <a:schemeClr val="tx2">
+                                <a:satMod val="155000"/>
+                              </a:schemeClr>
+                            </a:solidFill>
+                            <a:prstDash val="solid"/>
+                          </a:ln>
+                          <a:solidFill>
+                            <a:schemeClr val="bg2">
+                              <a:tint val="85000"/>
+                              <a:satMod val="155000"/>
+                            </a:schemeClr>
+                          </a:solidFill>
+                          <a:effectLst>
+                            <a:outerShdw blurRad="41275" dist="20320" dir="1800000" algn="tl" rotWithShape="0">
+                              <a:srgbClr val="000000">
+                                <a:alpha val="40000"/>
+                              </a:srgbClr>
+                            </a:outerShdw>
+                          </a:effectLst>
+                        </a:rPr>
                         <a:t>運用と検証から考察</a:t>
                       </a:r>
-                      <a:endParaRPr kumimoji="1" lang="en-US" altLang="ja-JP" sz="4400" dirty="0" smtClean="0"/>
+                      <a:endParaRPr kumimoji="1" lang="en-US" altLang="ja-JP" sz="4400" b="1" cap="none" spc="0" dirty="0" smtClean="0">
+                        <a:ln w="12700">
+                          <a:solidFill>
+                            <a:schemeClr val="tx2">
+                              <a:satMod val="155000"/>
+                            </a:schemeClr>
+                          </a:solidFill>
+                          <a:prstDash val="solid"/>
+                        </a:ln>
+                        <a:solidFill>
+                          <a:schemeClr val="bg2">
+                            <a:tint val="85000"/>
+                            <a:satMod val="155000"/>
+                          </a:schemeClr>
+                        </a:solidFill>
+                        <a:effectLst>
+                          <a:outerShdw blurRad="41275" dist="20320" dir="1800000" algn="tl" rotWithShape="0">
+                            <a:srgbClr val="000000">
+                              <a:alpha val="40000"/>
+                            </a:srgbClr>
+                          </a:outerShdw>
+                        </a:effectLst>
+                      </a:endParaRPr>
                     </a:p>
                   </a:txBody>
                   <a:tcPr/>
@@ -10801,30 +11521,184 @@
                     <a:lstStyle/>
                     <a:p>
                       <a:r>
-                        <a:rPr kumimoji="1" lang="en-US" altLang="ja-JP" sz="4400" dirty="0" smtClean="0"/>
+                        <a:rPr kumimoji="1" lang="en-US" altLang="ja-JP" sz="4400" b="1" cap="none" spc="0" dirty="0" smtClean="0">
+                          <a:ln w="12700">
+                            <a:solidFill>
+                              <a:schemeClr val="tx2">
+                                <a:satMod val="155000"/>
+                              </a:schemeClr>
+                            </a:solidFill>
+                            <a:prstDash val="solid"/>
+                          </a:ln>
+                          <a:solidFill>
+                            <a:schemeClr val="bg2">
+                              <a:tint val="85000"/>
+                              <a:satMod val="155000"/>
+                            </a:schemeClr>
+                          </a:solidFill>
+                          <a:effectLst>
+                            <a:outerShdw blurRad="41275" dist="20320" dir="1800000" algn="tl" rotWithShape="0">
+                              <a:srgbClr val="000000">
+                                <a:alpha val="40000"/>
+                              </a:srgbClr>
+                            </a:outerShdw>
+                          </a:effectLst>
+                        </a:rPr>
                         <a:t>2014</a:t>
                       </a:r>
                       <a:r>
-                        <a:rPr kumimoji="1" lang="ja-JP" altLang="en-US" sz="4400" dirty="0" smtClean="0"/>
+                        <a:rPr kumimoji="1" lang="ja-JP" altLang="en-US" sz="4400" b="1" cap="none" spc="0" dirty="0" smtClean="0">
+                          <a:ln w="12700">
+                            <a:solidFill>
+                              <a:schemeClr val="tx2">
+                                <a:satMod val="155000"/>
+                              </a:schemeClr>
+                            </a:solidFill>
+                            <a:prstDash val="solid"/>
+                          </a:ln>
+                          <a:solidFill>
+                            <a:schemeClr val="bg2">
+                              <a:tint val="85000"/>
+                              <a:satMod val="155000"/>
+                            </a:schemeClr>
+                          </a:solidFill>
+                          <a:effectLst>
+                            <a:outerShdw blurRad="41275" dist="20320" dir="1800000" algn="tl" rotWithShape="0">
+                              <a:srgbClr val="000000">
+                                <a:alpha val="40000"/>
+                              </a:srgbClr>
+                            </a:outerShdw>
+                          </a:effectLst>
+                        </a:rPr>
                         <a:t>年</a:t>
                       </a:r>
                       <a:r>
-                        <a:rPr kumimoji="1" lang="en-US" altLang="ja-JP" sz="4400" dirty="0" smtClean="0"/>
+                        <a:rPr kumimoji="1" lang="en-US" altLang="ja-JP" sz="4400" b="1" cap="none" spc="0" dirty="0" smtClean="0">
+                          <a:ln w="12700">
+                            <a:solidFill>
+                              <a:schemeClr val="tx2">
+                                <a:satMod val="155000"/>
+                              </a:schemeClr>
+                            </a:solidFill>
+                            <a:prstDash val="solid"/>
+                          </a:ln>
+                          <a:solidFill>
+                            <a:schemeClr val="bg2">
+                              <a:tint val="85000"/>
+                              <a:satMod val="155000"/>
+                            </a:schemeClr>
+                          </a:solidFill>
+                          <a:effectLst>
+                            <a:outerShdw blurRad="41275" dist="20320" dir="1800000" algn="tl" rotWithShape="0">
+                              <a:srgbClr val="000000">
+                                <a:alpha val="40000"/>
+                              </a:srgbClr>
+                            </a:outerShdw>
+                          </a:effectLst>
+                        </a:rPr>
                         <a:t>1</a:t>
                       </a:r>
                       <a:r>
-                        <a:rPr kumimoji="1" lang="ja-JP" altLang="en-US" sz="4400" dirty="0" smtClean="0"/>
+                        <a:rPr kumimoji="1" lang="ja-JP" altLang="en-US" sz="4400" b="1" cap="none" spc="0" dirty="0" smtClean="0">
+                          <a:ln w="12700">
+                            <a:solidFill>
+                              <a:schemeClr val="tx2">
+                                <a:satMod val="155000"/>
+                              </a:schemeClr>
+                            </a:solidFill>
+                            <a:prstDash val="solid"/>
+                          </a:ln>
+                          <a:solidFill>
+                            <a:schemeClr val="bg2">
+                              <a:tint val="85000"/>
+                              <a:satMod val="155000"/>
+                            </a:schemeClr>
+                          </a:solidFill>
+                          <a:effectLst>
+                            <a:outerShdw blurRad="41275" dist="20320" dir="1800000" algn="tl" rotWithShape="0">
+                              <a:srgbClr val="000000">
+                                <a:alpha val="40000"/>
+                              </a:srgbClr>
+                            </a:outerShdw>
+                          </a:effectLst>
+                        </a:rPr>
                         <a:t>月～</a:t>
                       </a:r>
                       <a:r>
-                        <a:rPr kumimoji="1" lang="en-US" altLang="ja-JP" sz="4400" dirty="0" smtClean="0"/>
+                        <a:rPr kumimoji="1" lang="en-US" altLang="ja-JP" sz="4400" b="1" cap="none" spc="0" dirty="0" smtClean="0">
+                          <a:ln w="12700">
+                            <a:solidFill>
+                              <a:schemeClr val="tx2">
+                                <a:satMod val="155000"/>
+                              </a:schemeClr>
+                            </a:solidFill>
+                            <a:prstDash val="solid"/>
+                          </a:ln>
+                          <a:solidFill>
+                            <a:schemeClr val="bg2">
+                              <a:tint val="85000"/>
+                              <a:satMod val="155000"/>
+                            </a:schemeClr>
+                          </a:solidFill>
+                          <a:effectLst>
+                            <a:outerShdw blurRad="41275" dist="20320" dir="1800000" algn="tl" rotWithShape="0">
+                              <a:srgbClr val="000000">
+                                <a:alpha val="40000"/>
+                              </a:srgbClr>
+                            </a:outerShdw>
+                          </a:effectLst>
+                        </a:rPr>
                         <a:t>2</a:t>
                       </a:r>
                       <a:r>
-                        <a:rPr kumimoji="1" lang="ja-JP" altLang="en-US" sz="4400" dirty="0" smtClean="0"/>
+                        <a:rPr kumimoji="1" lang="ja-JP" altLang="en-US" sz="4400" b="1" cap="none" spc="0" dirty="0" smtClean="0">
+                          <a:ln w="12700">
+                            <a:solidFill>
+                              <a:schemeClr val="tx2">
+                                <a:satMod val="155000"/>
+                              </a:schemeClr>
+                            </a:solidFill>
+                            <a:prstDash val="solid"/>
+                          </a:ln>
+                          <a:solidFill>
+                            <a:schemeClr val="bg2">
+                              <a:tint val="85000"/>
+                              <a:satMod val="155000"/>
+                            </a:schemeClr>
+                          </a:solidFill>
+                          <a:effectLst>
+                            <a:outerShdw blurRad="41275" dist="20320" dir="1800000" algn="tl" rotWithShape="0">
+                              <a:srgbClr val="000000">
+                                <a:alpha val="40000"/>
+                              </a:srgbClr>
+                            </a:outerShdw>
+                          </a:effectLst>
+                        </a:rPr>
                         <a:t>月</a:t>
                       </a:r>
-                      <a:endParaRPr kumimoji="1" lang="ja-JP" altLang="en-US" sz="4400" dirty="0"/>
+                      <a:endParaRPr kumimoji="1" lang="ja-JP" altLang="en-US" sz="4400" b="1" cap="none" spc="0" dirty="0">
+                        <a:ln w="12700">
+                          <a:solidFill>
+                            <a:schemeClr val="tx2">
+                              <a:satMod val="155000"/>
+                            </a:schemeClr>
+                          </a:solidFill>
+                          <a:prstDash val="solid"/>
+                        </a:ln>
+                        <a:solidFill>
+                          <a:schemeClr val="bg2">
+                            <a:tint val="85000"/>
+                            <a:satMod val="155000"/>
+                          </a:schemeClr>
+                        </a:solidFill>
+                        <a:effectLst>
+                          <a:outerShdw blurRad="41275" dist="20320" dir="1800000" algn="tl" rotWithShape="0">
+                            <a:srgbClr val="000000">
+                              <a:alpha val="40000"/>
+                            </a:srgbClr>
+                          </a:outerShdw>
+                        </a:effectLst>
+                      </a:endParaRPr>
                     </a:p>
                   </a:txBody>
                   <a:tcPr/>
@@ -10835,10 +11709,54 @@
                     <a:lstStyle/>
                     <a:p>
                       <a:r>
-                        <a:rPr kumimoji="1" lang="ja-JP" altLang="en-US" sz="4400" dirty="0" smtClean="0"/>
+                        <a:rPr kumimoji="1" lang="ja-JP" altLang="en-US" sz="4400" b="1" cap="none" spc="0" dirty="0" smtClean="0">
+                          <a:ln w="12700">
+                            <a:solidFill>
+                              <a:schemeClr val="tx2">
+                                <a:satMod val="155000"/>
+                              </a:schemeClr>
+                            </a:solidFill>
+                            <a:prstDash val="solid"/>
+                          </a:ln>
+                          <a:solidFill>
+                            <a:schemeClr val="bg2">
+                              <a:tint val="85000"/>
+                              <a:satMod val="155000"/>
+                            </a:schemeClr>
+                          </a:solidFill>
+                          <a:effectLst>
+                            <a:outerShdw blurRad="41275" dist="20320" dir="1800000" algn="tl" rotWithShape="0">
+                              <a:srgbClr val="000000">
+                                <a:alpha val="40000"/>
+                              </a:srgbClr>
+                            </a:outerShdw>
+                          </a:effectLst>
+                        </a:rPr>
                         <a:t>論文の執筆，発表資料の作成</a:t>
                       </a:r>
-                      <a:endParaRPr kumimoji="1" lang="ja-JP" altLang="en-US" sz="4400" dirty="0"/>
+                      <a:endParaRPr kumimoji="1" lang="ja-JP" altLang="en-US" sz="4400" b="1" cap="none" spc="0" dirty="0">
+                        <a:ln w="12700">
+                          <a:solidFill>
+                            <a:schemeClr val="tx2">
+                              <a:satMod val="155000"/>
+                            </a:schemeClr>
+                          </a:solidFill>
+                          <a:prstDash val="solid"/>
+                        </a:ln>
+                        <a:solidFill>
+                          <a:schemeClr val="bg2">
+                            <a:tint val="85000"/>
+                            <a:satMod val="155000"/>
+                          </a:schemeClr>
+                        </a:solidFill>
+                        <a:effectLst>
+                          <a:outerShdw blurRad="41275" dist="20320" dir="1800000" algn="tl" rotWithShape="0">
+                            <a:srgbClr val="000000">
+                              <a:alpha val="40000"/>
+                            </a:srgbClr>
+                          </a:outerShdw>
+                        </a:effectLst>
+                      </a:endParaRPr>
                     </a:p>
                   </a:txBody>
                   <a:tcPr/>
@@ -10862,21 +11780,16 @@
           <a:prstGeom prst="roundRect">
             <a:avLst/>
           </a:prstGeom>
-          <a:solidFill>
-            <a:schemeClr val="accent3"/>
-          </a:solidFill>
         </p:spPr>
         <p:style>
-          <a:lnRef idx="2">
-            <a:schemeClr val="accent1">
-              <a:shade val="50000"/>
-            </a:schemeClr>
+          <a:lnRef idx="0">
+            <a:schemeClr val="accent3"/>
           </a:lnRef>
-          <a:fillRef idx="1">
-            <a:schemeClr val="accent1"/>
+          <a:fillRef idx="3">
+            <a:schemeClr val="accent3"/>
           </a:fillRef>
-          <a:effectRef idx="0">
-            <a:schemeClr val="accent1"/>
+          <a:effectRef idx="3">
+            <a:schemeClr val="accent3"/>
           </a:effectRef>
           <a:fontRef idx="minor">
             <a:schemeClr val="lt1"/>
@@ -10888,10 +11801,44 @@
           <a:p>
             <a:pPr algn="ctr"/>
             <a:r>
-              <a:rPr lang="ja-JP" altLang="en-US" dirty="0" smtClean="0"/>
+              <a:rPr lang="ja-JP" altLang="en-US" dirty="0" smtClean="0">
+                <a:ln w="18415" cmpd="sng">
+                  <a:solidFill>
+                    <a:srgbClr val="FFFFFF"/>
+                  </a:solidFill>
+                  <a:prstDash val="solid"/>
+                </a:ln>
+                <a:solidFill>
+                  <a:srgbClr val="FFFFFF"/>
+                </a:solidFill>
+                <a:effectLst>
+                  <a:outerShdw blurRad="63500" dir="3600000" algn="tl" rotWithShape="0">
+                    <a:srgbClr val="000000">
+                      <a:alpha val="70000"/>
+                    </a:srgbClr>
+                  </a:outerShdw>
+                </a:effectLst>
+              </a:rPr>
               <a:t>進捗状況</a:t>
             </a:r>
-            <a:endParaRPr kumimoji="1" lang="ja-JP" altLang="en-US" dirty="0"/>
+            <a:endParaRPr kumimoji="1" lang="ja-JP" altLang="en-US" dirty="0">
+              <a:ln w="18415" cmpd="sng">
+                <a:solidFill>
+                  <a:srgbClr val="FFFFFF"/>
+                </a:solidFill>
+                <a:prstDash val="solid"/>
+              </a:ln>
+              <a:solidFill>
+                <a:srgbClr val="FFFFFF"/>
+              </a:solidFill>
+              <a:effectLst>
+                <a:outerShdw blurRad="63500" dir="3600000" algn="tl" rotWithShape="0">
+                  <a:srgbClr val="000000">
+                    <a:alpha val="70000"/>
+                  </a:srgbClr>
+                </a:outerShdw>
+              </a:effectLst>
+            </a:endParaRPr>
           </a:p>
         </p:txBody>
       </p:sp>
@@ -10909,21 +11856,16 @@
           <a:prstGeom prst="roundRect">
             <a:avLst/>
           </a:prstGeom>
-          <a:solidFill>
-            <a:schemeClr val="accent3"/>
-          </a:solidFill>
         </p:spPr>
         <p:style>
-          <a:lnRef idx="2">
-            <a:schemeClr val="accent1">
-              <a:shade val="50000"/>
-            </a:schemeClr>
+          <a:lnRef idx="0">
+            <a:schemeClr val="accent3"/>
           </a:lnRef>
-          <a:fillRef idx="1">
-            <a:schemeClr val="accent1"/>
+          <a:fillRef idx="3">
+            <a:schemeClr val="accent3"/>
           </a:fillRef>
-          <a:effectRef idx="0">
-            <a:schemeClr val="accent1"/>
+          <a:effectRef idx="3">
+            <a:schemeClr val="accent3"/>
           </a:effectRef>
           <a:fontRef idx="minor">
             <a:schemeClr val="lt1"/>
@@ -10935,10 +11877,44 @@
           <a:p>
             <a:pPr algn="ctr"/>
             <a:r>
-              <a:rPr lang="ja-JP" altLang="en-US" dirty="0" smtClean="0"/>
+              <a:rPr lang="ja-JP" altLang="en-US" dirty="0" smtClean="0">
+                <a:ln w="18415" cmpd="sng">
+                  <a:solidFill>
+                    <a:srgbClr val="FFFFFF"/>
+                  </a:solidFill>
+                  <a:prstDash val="solid"/>
+                </a:ln>
+                <a:solidFill>
+                  <a:srgbClr val="FFFFFF"/>
+                </a:solidFill>
+                <a:effectLst>
+                  <a:outerShdw blurRad="63500" dir="3600000" algn="tl" rotWithShape="0">
+                    <a:srgbClr val="000000">
+                      <a:alpha val="70000"/>
+                    </a:srgbClr>
+                  </a:outerShdw>
+                </a:effectLst>
+              </a:rPr>
               <a:t>今後の計画</a:t>
             </a:r>
-            <a:endParaRPr kumimoji="1" lang="ja-JP" altLang="en-US" dirty="0"/>
+            <a:endParaRPr kumimoji="1" lang="ja-JP" altLang="en-US" dirty="0">
+              <a:ln w="18415" cmpd="sng">
+                <a:solidFill>
+                  <a:srgbClr val="FFFFFF"/>
+                </a:solidFill>
+                <a:prstDash val="solid"/>
+              </a:ln>
+              <a:solidFill>
+                <a:srgbClr val="FFFFFF"/>
+              </a:solidFill>
+              <a:effectLst>
+                <a:outerShdw blurRad="63500" dir="3600000" algn="tl" rotWithShape="0">
+                  <a:srgbClr val="000000">
+                    <a:alpha val="70000"/>
+                  </a:srgbClr>
+                </a:outerShdw>
+              </a:effectLst>
+            </a:endParaRPr>
           </a:p>
         </p:txBody>
       </p:sp>
@@ -10956,21 +11932,16 @@
           <a:prstGeom prst="roundRect">
             <a:avLst/>
           </a:prstGeom>
-          <a:solidFill>
-            <a:schemeClr val="accent3"/>
-          </a:solidFill>
         </p:spPr>
         <p:style>
-          <a:lnRef idx="2">
-            <a:schemeClr val="accent1">
-              <a:shade val="50000"/>
-            </a:schemeClr>
+          <a:lnRef idx="0">
+            <a:schemeClr val="accent3"/>
           </a:lnRef>
-          <a:fillRef idx="1">
-            <a:schemeClr val="accent1"/>
+          <a:fillRef idx="3">
+            <a:schemeClr val="accent3"/>
           </a:fillRef>
-          <a:effectRef idx="0">
-            <a:schemeClr val="accent1"/>
+          <a:effectRef idx="3">
+            <a:schemeClr val="accent3"/>
           </a:effectRef>
           <a:fontRef idx="minor">
             <a:schemeClr val="lt1"/>
@@ -10982,10 +11953,44 @@
           <a:p>
             <a:pPr algn="ctr"/>
             <a:r>
-              <a:rPr kumimoji="1" lang="ja-JP" altLang="en-US" dirty="0" smtClean="0"/>
+              <a:rPr kumimoji="1" lang="ja-JP" altLang="en-US" dirty="0" smtClean="0">
+                <a:ln w="18415" cmpd="sng">
+                  <a:solidFill>
+                    <a:srgbClr val="FFFFFF"/>
+                  </a:solidFill>
+                  <a:prstDash val="solid"/>
+                </a:ln>
+                <a:solidFill>
+                  <a:srgbClr val="FFFFFF"/>
+                </a:solidFill>
+                <a:effectLst>
+                  <a:outerShdw blurRad="63500" dir="3600000" algn="tl" rotWithShape="0">
+                    <a:srgbClr val="000000">
+                      <a:alpha val="70000"/>
+                    </a:srgbClr>
+                  </a:outerShdw>
+                </a:effectLst>
+              </a:rPr>
               <a:t>成果物のイメージ</a:t>
             </a:r>
-            <a:endParaRPr kumimoji="1" lang="ja-JP" altLang="en-US" dirty="0"/>
+            <a:endParaRPr kumimoji="1" lang="ja-JP" altLang="en-US" dirty="0">
+              <a:ln w="18415" cmpd="sng">
+                <a:solidFill>
+                  <a:srgbClr val="FFFFFF"/>
+                </a:solidFill>
+                <a:prstDash val="solid"/>
+              </a:ln>
+              <a:solidFill>
+                <a:srgbClr val="FFFFFF"/>
+              </a:solidFill>
+              <a:effectLst>
+                <a:outerShdw blurRad="63500" dir="3600000" algn="tl" rotWithShape="0">
+                  <a:srgbClr val="000000">
+                    <a:alpha val="70000"/>
+                  </a:srgbClr>
+                </a:outerShdw>
+              </a:effectLst>
+            </a:endParaRPr>
           </a:p>
         </p:txBody>
       </p:sp>
@@ -11171,20 +12176,15 @@
           <a:prstGeom prst="rightArrow">
             <a:avLst/>
           </a:prstGeom>
-          <a:solidFill>
-            <a:srgbClr val="00B0F0"/>
-          </a:solidFill>
         </p:spPr>
         <p:style>
-          <a:lnRef idx="2">
-            <a:schemeClr val="accent1">
-              <a:shade val="50000"/>
-            </a:schemeClr>
+          <a:lnRef idx="0">
+            <a:schemeClr val="accent1"/>
           </a:lnRef>
-          <a:fillRef idx="1">
+          <a:fillRef idx="3">
             <a:schemeClr val="accent1"/>
           </a:fillRef>
-          <a:effectRef idx="0">
+          <a:effectRef idx="3">
             <a:schemeClr val="accent1"/>
           </a:effectRef>
           <a:fontRef idx="minor">
@@ -11218,20 +12218,15 @@
           <a:prstGeom prst="rightArrow">
             <a:avLst/>
           </a:prstGeom>
-          <a:solidFill>
-            <a:srgbClr val="00B0F0"/>
-          </a:solidFill>
         </p:spPr>
         <p:style>
-          <a:lnRef idx="2">
-            <a:schemeClr val="accent1">
-              <a:shade val="50000"/>
-            </a:schemeClr>
+          <a:lnRef idx="0">
+            <a:schemeClr val="accent1"/>
           </a:lnRef>
-          <a:fillRef idx="1">
+          <a:fillRef idx="3">
             <a:schemeClr val="accent1"/>
           </a:fillRef>
-          <a:effectRef idx="0">
+          <a:effectRef idx="3">
             <a:schemeClr val="accent1"/>
           </a:effectRef>
           <a:fontRef idx="minor">
@@ -11265,21 +12260,16 @@
           <a:prstGeom prst="leftArrow">
             <a:avLst/>
           </a:prstGeom>
-          <a:solidFill>
-            <a:srgbClr val="FF0000"/>
-          </a:solidFill>
         </p:spPr>
         <p:style>
-          <a:lnRef idx="2">
-            <a:schemeClr val="accent1">
-              <a:shade val="50000"/>
-            </a:schemeClr>
+          <a:lnRef idx="0">
+            <a:schemeClr val="accent2"/>
           </a:lnRef>
-          <a:fillRef idx="1">
-            <a:schemeClr val="accent1"/>
+          <a:fillRef idx="3">
+            <a:schemeClr val="accent2"/>
           </a:fillRef>
-          <a:effectRef idx="0">
-            <a:schemeClr val="accent1"/>
+          <a:effectRef idx="3">
+            <a:schemeClr val="accent2"/>
           </a:effectRef>
           <a:fontRef idx="minor">
             <a:schemeClr val="lt1"/>
@@ -11320,21 +12310,16 @@
           <a:prstGeom prst="leftArrow">
             <a:avLst/>
           </a:prstGeom>
-          <a:solidFill>
-            <a:srgbClr val="FF0000"/>
-          </a:solidFill>
         </p:spPr>
         <p:style>
-          <a:lnRef idx="2">
-            <a:schemeClr val="accent1">
-              <a:shade val="50000"/>
-            </a:schemeClr>
+          <a:lnRef idx="0">
+            <a:schemeClr val="accent2"/>
           </a:lnRef>
-          <a:fillRef idx="1">
-            <a:schemeClr val="accent1"/>
+          <a:fillRef idx="3">
+            <a:schemeClr val="accent2"/>
           </a:fillRef>
-          <a:effectRef idx="0">
-            <a:schemeClr val="accent1"/>
+          <a:effectRef idx="3">
+            <a:schemeClr val="accent2"/>
           </a:effectRef>
           <a:fontRef idx="minor">
             <a:schemeClr val="lt1"/>

--- a/卒業論文/2012/工藤亮/卒論中間ポスター.pptx
+++ b/卒業論文/2012/工藤亮/卒論中間ポスター.pptx
@@ -1110,11 +1110,11 @@
         </c:dLbls>
         <c:marker val="1"/>
         <c:smooth val="0"/>
-        <c:axId val="85829888"/>
-        <c:axId val="87818240"/>
+        <c:axId val="85076608"/>
+        <c:axId val="85094784"/>
       </c:lineChart>
       <c:dateAx>
-        <c:axId val="85829888"/>
+        <c:axId val="85076608"/>
         <c:scaling>
           <c:orientation val="minMax"/>
         </c:scaling>
@@ -1124,14 +1124,14 @@
         <c:majorTickMark val="out"/>
         <c:minorTickMark val="none"/>
         <c:tickLblPos val="nextTo"/>
-        <c:crossAx val="87818240"/>
+        <c:crossAx val="85094784"/>
         <c:crosses val="autoZero"/>
         <c:auto val="1"/>
         <c:lblOffset val="100"/>
         <c:baseTimeUnit val="days"/>
       </c:dateAx>
       <c:valAx>
-        <c:axId val="87818240"/>
+        <c:axId val="85094784"/>
         <c:scaling>
           <c:orientation val="minMax"/>
         </c:scaling>
@@ -1142,7 +1142,7 @@
         <c:majorTickMark val="out"/>
         <c:minorTickMark val="none"/>
         <c:tickLblPos val="nextTo"/>
-        <c:crossAx val="85829888"/>
+        <c:crossAx val="85076608"/>
         <c:crosses val="autoZero"/>
         <c:crossBetween val="between"/>
       </c:valAx>
@@ -8195,7 +8195,7 @@
         <p:spPr>
           <a:xfrm>
             <a:off x="612280" y="5850955"/>
-            <a:ext cx="19735910" cy="6186309"/>
+            <a:ext cx="19721157" cy="6186309"/>
           </a:xfrm>
           <a:prstGeom prst="rect">
             <a:avLst/>
@@ -8217,24 +8217,14 @@
           </a:bodyPr>
           <a:lstStyle/>
           <a:p>
+            <a:pPr algn="just"/>
             <a:r>
               <a:rPr lang="ja-JP" altLang="en-US" sz="4400" dirty="0"/>
               <a:t>・</a:t>
             </a:r>
             <a:r>
               <a:rPr lang="ja-JP" altLang="en-US" sz="4400" dirty="0" smtClean="0"/>
-              <a:t>ソフトウェア開発プロジェクトのプロジェクトマネジャーは，バージョン</a:t>
-            </a:r>
-            <a:endParaRPr lang="en-US" altLang="ja-JP" sz="4400" dirty="0" smtClean="0"/>
-          </a:p>
-          <a:p>
-            <a:r>
-              <a:rPr lang="ja-JP" altLang="en-US" sz="4400" dirty="0"/>
-              <a:t>　</a:t>
-            </a:r>
-            <a:r>
-              <a:rPr lang="ja-JP" altLang="en-US" sz="4400" dirty="0" smtClean="0"/>
-              <a:t>管理システム</a:t>
+              <a:t>ソフトウェア開発プロジェクトのプロジェクトマネジャーは，バージョン管理システム</a:t>
             </a:r>
             <a:r>
               <a:rPr lang="ja-JP" altLang="en-US" sz="4400" dirty="0"/>
@@ -8255,6 +8245,7 @@
             <a:endParaRPr lang="en-US" altLang="ja-JP" sz="4400" dirty="0" smtClean="0"/>
           </a:p>
           <a:p>
+            <a:pPr algn="just"/>
             <a:r>
               <a:rPr lang="ja-JP" altLang="en-US" sz="4400" dirty="0" smtClean="0"/>
               <a:t>・バージョン管理</a:t>
@@ -8272,19 +8263,8 @@
               <a:t>PMBOK</a:t>
             </a:r>
             <a:r>
-              <a:rPr lang="ja-JP" altLang="en-US" sz="4400" dirty="0" err="1"/>
-              <a:t>で</a:t>
-            </a:r>
-            <a:r>
               <a:rPr lang="ja-JP" altLang="en-US" sz="4400" dirty="0" err="1" smtClean="0"/>
-              <a:t>提</a:t>
-            </a:r>
-            <a:endParaRPr lang="en-US" altLang="ja-JP" sz="4400" dirty="0" smtClean="0"/>
-          </a:p>
-          <a:p>
-            <a:r>
-              <a:rPr lang="ja-JP" altLang="en-US" sz="4400" dirty="0"/>
-              <a:t>　</a:t>
+              <a:t>で提</a:t>
             </a:r>
             <a:r>
               <a:rPr lang="ja-JP" altLang="en-US" sz="4400" dirty="0" smtClean="0"/>
@@ -8293,6 +8273,7 @@
             <a:endParaRPr lang="en-US" altLang="ja-JP" sz="4400" dirty="0" smtClean="0"/>
           </a:p>
           <a:p>
+            <a:pPr algn="just"/>
             <a:r>
               <a:rPr lang="ja-JP" altLang="en-US" sz="4400" dirty="0" smtClean="0"/>
               <a:t>・プロジェクトマネジメントにおいて</a:t>
@@ -8308,6 +8289,7 @@
             <a:endParaRPr lang="en-US" altLang="ja-JP" sz="4400" dirty="0" smtClean="0"/>
           </a:p>
           <a:p>
+            <a:pPr algn="just"/>
             <a:r>
               <a:rPr lang="ja-JP" altLang="en-US" sz="4400" dirty="0" smtClean="0"/>
               <a:t>・既存</a:t>
@@ -8339,28 +8321,15 @@
             <a:endParaRPr lang="en-US" altLang="ja-JP" sz="4400" dirty="0" smtClean="0"/>
           </a:p>
           <a:p>
+            <a:pPr algn="just"/>
             <a:r>
               <a:rPr lang="ja-JP" altLang="en-US" sz="4400" dirty="0" smtClean="0"/>
-              <a:t>・バージョン管理サービスを用いるプロジェクトマネジャーは，計画時の</a:t>
+              <a:t>・バージョン管理サービスを用いるプロジェクトマネジャーは，計画時のデータと進行中の進捗データを取り出して，別々に処理することによって</a:t>
             </a:r>
             <a:endParaRPr lang="en-US" altLang="ja-JP" sz="4400" dirty="0" smtClean="0"/>
           </a:p>
           <a:p>
-            <a:r>
-              <a:rPr lang="ja-JP" altLang="en-US" sz="4400" dirty="0"/>
-              <a:t>　</a:t>
-            </a:r>
-            <a:r>
-              <a:rPr lang="ja-JP" altLang="en-US" sz="4400" dirty="0" smtClean="0"/>
-              <a:t>データと進行中の進捗データを取り出して，別々に処理することによって</a:t>
-            </a:r>
-            <a:endParaRPr lang="en-US" altLang="ja-JP" sz="4400" dirty="0" smtClean="0"/>
-          </a:p>
-          <a:p>
-            <a:r>
-              <a:rPr lang="ja-JP" altLang="en-US" sz="4400" dirty="0"/>
-              <a:t>　</a:t>
-            </a:r>
+            <a:pPr algn="just"/>
             <a:r>
               <a:rPr lang="en-US" altLang="ja-JP" sz="4400" dirty="0" smtClean="0"/>
               <a:t>EVM</a:t>
@@ -8421,7 +8390,7 @@
         <p:spPr>
           <a:xfrm>
             <a:off x="612280" y="13915851"/>
-            <a:ext cx="19740214" cy="1446550"/>
+            <a:ext cx="19721157" cy="1446550"/>
           </a:xfrm>
           <a:prstGeom prst="rect">
             <a:avLst/>
@@ -8445,7 +8414,15 @@
           <a:p>
             <a:r>
               <a:rPr kumimoji="1" lang="ja-JP" altLang="en-US" sz="4400" dirty="0" smtClean="0"/>
-              <a:t>バージョン管理サービスはソフトウェア開発プロジェクトにおいては便利だが，プロジェクトマネジメント</a:t>
+              <a:t>バージョン管理サービスはソフトウェア開発プロジェクトにおいては便利だが，プ</a:t>
+            </a:r>
+            <a:r>
+              <a:rPr lang="ja-JP" altLang="en-US" sz="4400" dirty="0" smtClean="0"/>
+              <a:t>ロ</a:t>
+            </a:r>
+            <a:r>
+              <a:rPr kumimoji="1" lang="ja-JP" altLang="en-US" sz="4400" dirty="0" smtClean="0"/>
+              <a:t>ジェクトマネジメント</a:t>
             </a:r>
             <a:r>
               <a:rPr lang="ja-JP" altLang="en-US" sz="4400" dirty="0" smtClean="0"/>
@@ -8472,7 +8449,7 @@
         <p:spPr>
           <a:xfrm>
             <a:off x="612280" y="16515684"/>
-            <a:ext cx="19734496" cy="2800767"/>
+            <a:ext cx="19721157" cy="2800767"/>
           </a:xfrm>
           <a:prstGeom prst="rect">
             <a:avLst/>
@@ -10274,12 +10251,12 @@
               <a:rPr lang="ja-JP" altLang="en-US" sz="4400" dirty="0" smtClean="0"/>
               <a:t>から抽出した</a:t>
             </a:r>
-            <a:endParaRPr lang="en-US" altLang="ja-JP" sz="4400" dirty="0" smtClean="0"/>
+            <a:endParaRPr lang="en-US" altLang="ja-JP" sz="4400" dirty="0"/>
           </a:p>
           <a:p>
             <a:r>
               <a:rPr lang="ja-JP" altLang="en-US" sz="4400" dirty="0" smtClean="0"/>
-              <a:t>　データをもとに</a:t>
+              <a:t>データをもとに</a:t>
             </a:r>
             <a:r>
               <a:rPr lang="en-US" altLang="ja-JP" sz="4400" dirty="0" smtClean="0"/>
@@ -10377,7 +10354,7 @@
             </a:r>
             <a:r>
               <a:rPr lang="ja-JP" altLang="en-US" sz="4400" dirty="0" smtClean="0"/>
-              <a:t>が作成され，管理される． </a:t>
+              <a:t>が作成され，管理される．</a:t>
             </a:r>
             <a:r>
               <a:rPr kumimoji="1" lang="ja-JP" altLang="en-US" sz="4400" dirty="0" smtClean="0"/>
@@ -10418,10 +10395,6 @@
           </a:p>
           <a:p>
             <a:r>
-              <a:rPr lang="ja-JP" altLang="en-US" sz="4400" dirty="0"/>
-              <a:t>　</a:t>
-            </a:r>
-            <a:r>
               <a:rPr lang="ja-JP" altLang="en-US" sz="4400" dirty="0" smtClean="0"/>
               <a:t>コストを調べることで</a:t>
             </a:r>
@@ -10471,10 +10444,6 @@
             <a:endParaRPr kumimoji="1" lang="en-US" altLang="ja-JP" sz="4400" dirty="0" smtClean="0"/>
           </a:p>
           <a:p>
-            <a:r>
-              <a:rPr lang="ja-JP" altLang="en-US" sz="4400" dirty="0"/>
-              <a:t>　</a:t>
-            </a:r>
             <a:r>
               <a:rPr kumimoji="1" lang="ja-JP" altLang="en-US" sz="4400" dirty="0" smtClean="0"/>
               <a:t>完了した．</a:t>

--- a/卒業論文/2012/工藤亮/卒論中間ポスター.pptx
+++ b/卒業論文/2012/工藤亮/卒論中間ポスター.pptx
@@ -1110,11 +1110,11 @@
         </c:dLbls>
         <c:marker val="1"/>
         <c:smooth val="0"/>
-        <c:axId val="85076608"/>
-        <c:axId val="85094784"/>
+        <c:axId val="91527808"/>
+        <c:axId val="106824064"/>
       </c:lineChart>
       <c:dateAx>
-        <c:axId val="85076608"/>
+        <c:axId val="91527808"/>
         <c:scaling>
           <c:orientation val="minMax"/>
         </c:scaling>
@@ -1124,14 +1124,14 @@
         <c:majorTickMark val="out"/>
         <c:minorTickMark val="none"/>
         <c:tickLblPos val="nextTo"/>
-        <c:crossAx val="85094784"/>
+        <c:crossAx val="106824064"/>
         <c:crosses val="autoZero"/>
         <c:auto val="1"/>
         <c:lblOffset val="100"/>
         <c:baseTimeUnit val="days"/>
       </c:dateAx>
       <c:valAx>
-        <c:axId val="85094784"/>
+        <c:axId val="106824064"/>
         <c:scaling>
           <c:orientation val="minMax"/>
         </c:scaling>
@@ -1142,7 +1142,7 @@
         <c:majorTickMark val="out"/>
         <c:minorTickMark val="none"/>
         <c:tickLblPos val="nextTo"/>
-        <c:crossAx val="85076608"/>
+        <c:crossAx val="91527808"/>
         <c:crosses val="autoZero"/>
         <c:crossBetween val="between"/>
       </c:valAx>
@@ -6866,6 +6866,13 @@
   <p:clrMapOvr>
     <a:masterClrMapping/>
   </p:clrMapOvr>
+  <p:timing>
+    <p:tnLst>
+      <p:par>
+        <p:cTn id="1" dur="indefinite" restart="never" nodeType="tmRoot"/>
+      </p:par>
+    </p:tnLst>
+  </p:timing>
 </p:sldLayout>
 </file>
 
@@ -6961,6 +6968,13 @@
   <p:clrMapOvr>
     <a:masterClrMapping/>
   </p:clrMapOvr>
+  <p:timing>
+    <p:tnLst>
+      <p:par>
+        <p:cTn id="1" dur="indefinite" restart="never" nodeType="tmRoot"/>
+      </p:par>
+    </p:tnLst>
+  </p:timing>
 </p:sldLayout>
 </file>
 
@@ -7270,6 +7284,13 @@
   <p:clrMapOvr>
     <a:masterClrMapping/>
   </p:clrMapOvr>
+  <p:timing>
+    <p:tnLst>
+      <p:par>
+        <p:cTn id="1" dur="indefinite" restart="never" nodeType="tmRoot"/>
+      </p:par>
+    </p:tnLst>
+  </p:timing>
 </p:sldLayout>
 </file>
 
@@ -8217,18 +8238,18 @@
           </a:bodyPr>
           <a:lstStyle/>
           <a:p>
-            <a:pPr algn="just"/>
+            <a:pPr marL="266700" indent="-266700" algn="just"/>
             <a:r>
               <a:rPr lang="ja-JP" altLang="en-US" sz="4400" dirty="0"/>
               <a:t>・</a:t>
             </a:r>
             <a:r>
               <a:rPr lang="ja-JP" altLang="en-US" sz="4400" dirty="0" smtClean="0"/>
-              <a:t>ソフトウェア開発プロジェクトのプロジェクトマネジャーは，バージョン管理システム</a:t>
-            </a:r>
-            <a:r>
-              <a:rPr lang="ja-JP" altLang="en-US" sz="4400" dirty="0"/>
-              <a:t>（</a:t>
+              <a:t>ソフトウェア開発プロジェクトのプロジェクトマネジャーは，バージョン管理</a:t>
+            </a:r>
+            <a:r>
+              <a:rPr lang="ja-JP" altLang="en-US" sz="4400" dirty="0" smtClean="0"/>
+              <a:t>システム（</a:t>
             </a:r>
             <a:r>
               <a:rPr lang="ja-JP" altLang="en-US" sz="4400" dirty="0" smtClean="0"/>
@@ -8245,7 +8266,7 @@
             <a:endParaRPr lang="en-US" altLang="ja-JP" sz="4400" dirty="0" smtClean="0"/>
           </a:p>
           <a:p>
-            <a:pPr algn="just"/>
+            <a:pPr marL="266700" indent="-266700" algn="just"/>
             <a:r>
               <a:rPr lang="ja-JP" altLang="en-US" sz="4400" dirty="0" smtClean="0"/>
               <a:t>・バージョン管理</a:t>
@@ -8321,15 +8342,15 @@
             <a:endParaRPr lang="en-US" altLang="ja-JP" sz="4400" dirty="0" smtClean="0"/>
           </a:p>
           <a:p>
-            <a:pPr algn="just"/>
+            <a:pPr marL="266700" indent="-266700" algn="just"/>
             <a:r>
               <a:rPr lang="ja-JP" altLang="en-US" sz="4400" dirty="0" smtClean="0"/>
-              <a:t>・バージョン管理サービスを用いるプロジェクトマネジャーは，計画時のデータと進行中の進捗データを取り出して，別々に処理することによって</a:t>
-            </a:r>
-            <a:endParaRPr lang="en-US" altLang="ja-JP" sz="4400" dirty="0" smtClean="0"/>
-          </a:p>
-          <a:p>
-            <a:pPr algn="just"/>
+              <a:t>・バージョン管理サービスを用いるプロジェクトマネジャーは，計画時のデータと進行中の進捗データを取り出して，別々に処理することに</a:t>
+            </a:r>
+            <a:r>
+              <a:rPr lang="ja-JP" altLang="en-US" sz="4400" dirty="0" smtClean="0"/>
+              <a:t>よって</a:t>
+            </a:r>
             <a:r>
               <a:rPr lang="en-US" altLang="ja-JP" sz="4400" dirty="0" smtClean="0"/>
               <a:t>EVM</a:t>
@@ -10223,6 +10244,7 @@
           </a:bodyPr>
           <a:lstStyle/>
           <a:p>
+            <a:pPr marL="266700" indent="-266700"/>
             <a:r>
               <a:rPr lang="ja-JP" altLang="en-US" sz="4400" dirty="0" smtClean="0"/>
               <a:t>・</a:t>
@@ -10249,14 +10271,15 @@
             </a:r>
             <a:r>
               <a:rPr lang="ja-JP" altLang="en-US" sz="4400" dirty="0" smtClean="0"/>
-              <a:t>から抽出した</a:t>
-            </a:r>
-            <a:endParaRPr lang="en-US" altLang="ja-JP" sz="4400" dirty="0"/>
-          </a:p>
-          <a:p>
+              <a:t>から抽出</a:t>
+            </a:r>
             <a:r>
               <a:rPr lang="ja-JP" altLang="en-US" sz="4400" dirty="0" smtClean="0"/>
-              <a:t>データをもとに</a:t>
+              <a:t>したデータ</a:t>
+            </a:r>
+            <a:r>
+              <a:rPr lang="ja-JP" altLang="en-US" sz="4400" dirty="0" smtClean="0"/>
+              <a:t>をもとに</a:t>
             </a:r>
             <a:r>
               <a:rPr lang="en-US" altLang="ja-JP" sz="4400" dirty="0" smtClean="0"/>
@@ -10308,6 +10331,7 @@
           </a:bodyPr>
           <a:lstStyle/>
           <a:p>
+            <a:pPr marL="266700" indent="-266700"/>
             <a:r>
               <a:rPr kumimoji="1" lang="ja-JP" altLang="en-US" sz="4400" dirty="0" smtClean="0"/>
               <a:t>・</a:t>
@@ -10371,6 +10395,7 @@
             <a:endParaRPr kumimoji="1" lang="en-US" altLang="ja-JP" sz="4400" dirty="0" smtClean="0"/>
           </a:p>
           <a:p>
+            <a:pPr marL="266700" indent="-266700"/>
             <a:r>
               <a:rPr lang="ja-JP" altLang="en-US" sz="4400" dirty="0" smtClean="0"/>
               <a:t>・</a:t>
@@ -10389,14 +10414,15 @@
             </a:r>
             <a:r>
               <a:rPr lang="ja-JP" altLang="en-US" sz="4400" dirty="0" smtClean="0"/>
-              <a:t>に記述されている</a:t>
-            </a:r>
-            <a:endParaRPr lang="en-US" altLang="ja-JP" sz="4400" dirty="0" smtClean="0"/>
-          </a:p>
-          <a:p>
+              <a:t>に記述されて</a:t>
+            </a:r>
             <a:r>
               <a:rPr lang="ja-JP" altLang="en-US" sz="4400" dirty="0" smtClean="0"/>
-              <a:t>コストを調べることで</a:t>
+              <a:t>いるコスト</a:t>
+            </a:r>
+            <a:r>
+              <a:rPr lang="ja-JP" altLang="en-US" sz="4400" dirty="0" smtClean="0"/>
+              <a:t>を調べることで</a:t>
             </a:r>
             <a:r>
               <a:rPr lang="en-US" altLang="ja-JP" sz="4400" dirty="0" smtClean="0"/>
@@ -10413,6 +10439,7 @@
             <a:endParaRPr lang="en-US" altLang="ja-JP" sz="4400" dirty="0" smtClean="0"/>
           </a:p>
           <a:p>
+            <a:pPr marL="266700" indent="-266700"/>
             <a:r>
               <a:rPr kumimoji="1" lang="ja-JP" altLang="en-US" sz="4400" dirty="0" smtClean="0"/>
               <a:t>・システムの実装においては，</a:t>
@@ -10439,14 +10466,15 @@
             </a:r>
             <a:r>
               <a:rPr kumimoji="1" lang="ja-JP" altLang="en-US" sz="4400" dirty="0" smtClean="0"/>
-              <a:t>についての調査は</a:t>
-            </a:r>
-            <a:endParaRPr kumimoji="1" lang="en-US" altLang="ja-JP" sz="4400" dirty="0" smtClean="0"/>
-          </a:p>
-          <a:p>
+              <a:t>についての調査</a:t>
+            </a:r>
             <a:r>
               <a:rPr kumimoji="1" lang="ja-JP" altLang="en-US" sz="4400" dirty="0" smtClean="0"/>
-              <a:t>完了した．</a:t>
+              <a:t>は完了</a:t>
+            </a:r>
+            <a:r>
+              <a:rPr kumimoji="1" lang="ja-JP" altLang="en-US" sz="4400" dirty="0" smtClean="0"/>
+              <a:t>した．</a:t>
             </a:r>
             <a:endParaRPr kumimoji="1" lang="ja-JP" altLang="en-US" sz="4400" dirty="0"/>
           </a:p>

--- a/卒業論文/2012/工藤亮/卒論中間ポスター.pptx
+++ b/卒業論文/2012/工藤亮/卒論中間ポスター.pptx
@@ -1110,11 +1110,11 @@
         </c:dLbls>
         <c:marker val="1"/>
         <c:smooth val="0"/>
-        <c:axId val="91527808"/>
-        <c:axId val="106824064"/>
+        <c:axId val="83955072"/>
+        <c:axId val="83985536"/>
       </c:lineChart>
       <c:dateAx>
-        <c:axId val="91527808"/>
+        <c:axId val="83955072"/>
         <c:scaling>
           <c:orientation val="minMax"/>
         </c:scaling>
@@ -1124,14 +1124,14 @@
         <c:majorTickMark val="out"/>
         <c:minorTickMark val="none"/>
         <c:tickLblPos val="nextTo"/>
-        <c:crossAx val="106824064"/>
+        <c:crossAx val="83985536"/>
         <c:crosses val="autoZero"/>
         <c:auto val="1"/>
         <c:lblOffset val="100"/>
         <c:baseTimeUnit val="days"/>
       </c:dateAx>
       <c:valAx>
-        <c:axId val="106824064"/>
+        <c:axId val="83985536"/>
         <c:scaling>
           <c:orientation val="minMax"/>
         </c:scaling>
@@ -1142,7 +1142,7 @@
         <c:majorTickMark val="out"/>
         <c:minorTickMark val="none"/>
         <c:tickLblPos val="nextTo"/>
-        <c:crossAx val="91527808"/>
+        <c:crossAx val="83955072"/>
         <c:crosses val="autoZero"/>
         <c:crossBetween val="between"/>
       </c:valAx>
@@ -8245,15 +8245,7 @@
             </a:r>
             <a:r>
               <a:rPr lang="ja-JP" altLang="en-US" sz="4400" dirty="0" smtClean="0"/>
-              <a:t>ソフトウェア開発プロジェクトのプロジェクトマネジャーは，バージョン管理</a:t>
-            </a:r>
-            <a:r>
-              <a:rPr lang="ja-JP" altLang="en-US" sz="4400" dirty="0" smtClean="0"/>
-              <a:t>システム（</a:t>
-            </a:r>
-            <a:r>
-              <a:rPr lang="ja-JP" altLang="en-US" sz="4400" dirty="0" smtClean="0"/>
-              <a:t>以後，バージョン管理サービス</a:t>
+              <a:t>ソフトウェア開発プロジェクトのプロジェクトマネジャーは，バージョン管理システム（以後，バージョン管理サービス</a:t>
             </a:r>
             <a:r>
               <a:rPr lang="ja-JP" altLang="en-US" sz="4400" dirty="0"/>
@@ -8345,11 +8337,7 @@
             <a:pPr marL="266700" indent="-266700" algn="just"/>
             <a:r>
               <a:rPr lang="ja-JP" altLang="en-US" sz="4400" dirty="0" smtClean="0"/>
-              <a:t>・バージョン管理サービスを用いるプロジェクトマネジャーは，計画時のデータと進行中の進捗データを取り出して，別々に処理することに</a:t>
-            </a:r>
-            <a:r>
-              <a:rPr lang="ja-JP" altLang="en-US" sz="4400" dirty="0" smtClean="0"/>
-              <a:t>よって</a:t>
+              <a:t>・バージョン管理サービスを用いるプロジェクトマネジャーは，計画時のデータと進行中の進捗データを取り出して，別々に処理することによって</a:t>
             </a:r>
             <a:r>
               <a:rPr lang="en-US" altLang="ja-JP" sz="4400" dirty="0" smtClean="0"/>
@@ -10271,15 +10259,7 @@
             </a:r>
             <a:r>
               <a:rPr lang="ja-JP" altLang="en-US" sz="4400" dirty="0" smtClean="0"/>
-              <a:t>から抽出</a:t>
-            </a:r>
-            <a:r>
-              <a:rPr lang="ja-JP" altLang="en-US" sz="4400" dirty="0" smtClean="0"/>
-              <a:t>したデータ</a:t>
-            </a:r>
-            <a:r>
-              <a:rPr lang="ja-JP" altLang="en-US" sz="4400" dirty="0" smtClean="0"/>
-              <a:t>をもとに</a:t>
+              <a:t>から抽出したデータをもとに</a:t>
             </a:r>
             <a:r>
               <a:rPr lang="en-US" altLang="ja-JP" sz="4400" dirty="0" smtClean="0"/>
@@ -10414,15 +10394,7 @@
             </a:r>
             <a:r>
               <a:rPr lang="ja-JP" altLang="en-US" sz="4400" dirty="0" smtClean="0"/>
-              <a:t>に記述されて</a:t>
-            </a:r>
-            <a:r>
-              <a:rPr lang="ja-JP" altLang="en-US" sz="4400" dirty="0" smtClean="0"/>
-              <a:t>いるコスト</a:t>
-            </a:r>
-            <a:r>
-              <a:rPr lang="ja-JP" altLang="en-US" sz="4400" dirty="0" smtClean="0"/>
-              <a:t>を調べることで</a:t>
+              <a:t>に記述されているコストを調べることで</a:t>
             </a:r>
             <a:r>
               <a:rPr lang="en-US" altLang="ja-JP" sz="4400" dirty="0" smtClean="0"/>
@@ -10466,15 +10438,7 @@
             </a:r>
             <a:r>
               <a:rPr kumimoji="1" lang="ja-JP" altLang="en-US" sz="4400" dirty="0" smtClean="0"/>
-              <a:t>についての調査</a:t>
-            </a:r>
-            <a:r>
-              <a:rPr kumimoji="1" lang="ja-JP" altLang="en-US" sz="4400" dirty="0" smtClean="0"/>
-              <a:t>は完了</a:t>
-            </a:r>
-            <a:r>
-              <a:rPr kumimoji="1" lang="ja-JP" altLang="en-US" sz="4400" dirty="0" smtClean="0"/>
-              <a:t>した．</a:t>
+              <a:t>についての調査は完了した．</a:t>
             </a:r>
             <a:endParaRPr kumimoji="1" lang="ja-JP" altLang="en-US" sz="4400" dirty="0"/>
           </a:p>
@@ -10489,7 +10453,7 @@
           <p:nvPr>
             <p:extLst>
               <p:ext uri="{D42A27DB-BD31-4B8C-83A1-F6EECF244321}">
-                <p14:modId xmlns:p14="http://schemas.microsoft.com/office/powerpoint/2010/main" val="3281742704"/>
+                <p14:modId xmlns:p14="http://schemas.microsoft.com/office/powerpoint/2010/main" val="1468205702"/>
               </p:ext>
             </p:extLst>
           </p:nvPr>
@@ -10516,53 +10480,27 @@
                     <a:p>
                       <a:pPr algn="ctr"/>
                       <a:r>
-                        <a:rPr kumimoji="1" lang="ja-JP" altLang="en-US" sz="4400" b="1" cap="none" spc="0" dirty="0" smtClean="0">
+                        <a:rPr kumimoji="1" lang="ja-JP" altLang="en-US" sz="4400" b="0" cap="none" spc="0" dirty="0" smtClean="0">
                           <a:ln w="12700">
-                            <a:solidFill>
-                              <a:schemeClr val="tx2">
-                                <a:satMod val="155000"/>
-                              </a:schemeClr>
-                            </a:solidFill>
+                            <a:noFill/>
                             <a:prstDash val="solid"/>
                           </a:ln>
                           <a:solidFill>
-                            <a:schemeClr val="bg2">
-                              <a:tint val="85000"/>
-                              <a:satMod val="155000"/>
-                            </a:schemeClr>
+                            <a:schemeClr val="bg1"/>
                           </a:solidFill>
-                          <a:effectLst>
-                            <a:outerShdw blurRad="41275" dist="20320" dir="1800000" algn="tl" rotWithShape="0">
-                              <a:srgbClr val="000000">
-                                <a:alpha val="40000"/>
-                              </a:srgbClr>
-                            </a:outerShdw>
-                          </a:effectLst>
+                          <a:effectLst/>
                         </a:rPr>
                         <a:t>日程</a:t>
                       </a:r>
-                      <a:endParaRPr kumimoji="1" lang="ja-JP" altLang="en-US" sz="4400" b="1" cap="none" spc="0" dirty="0">
+                      <a:endParaRPr kumimoji="1" lang="ja-JP" altLang="en-US" sz="4400" b="0" cap="none" spc="0" dirty="0">
                         <a:ln w="12700">
-                          <a:solidFill>
-                            <a:schemeClr val="tx2">
-                              <a:satMod val="155000"/>
-                            </a:schemeClr>
-                          </a:solidFill>
+                          <a:noFill/>
                           <a:prstDash val="solid"/>
                         </a:ln>
                         <a:solidFill>
-                          <a:schemeClr val="bg2">
-                            <a:tint val="85000"/>
-                            <a:satMod val="155000"/>
-                          </a:schemeClr>
+                          <a:schemeClr val="bg1"/>
                         </a:solidFill>
-                        <a:effectLst>
-                          <a:outerShdw blurRad="41275" dist="20320" dir="1800000" algn="tl" rotWithShape="0">
-                            <a:srgbClr val="000000">
-                              <a:alpha val="40000"/>
-                            </a:srgbClr>
-                          </a:outerShdw>
-                        </a:effectLst>
+                        <a:effectLst/>
                       </a:endParaRPr>
                     </a:p>
                   </a:txBody>
@@ -10575,53 +10513,27 @@
                     <a:p>
                       <a:pPr algn="ctr"/>
                       <a:r>
-                        <a:rPr kumimoji="1" lang="ja-JP" altLang="en-US" sz="4400" b="1" cap="none" spc="0" dirty="0" smtClean="0">
+                        <a:rPr kumimoji="1" lang="ja-JP" altLang="en-US" sz="4400" b="0" cap="none" spc="0" dirty="0" smtClean="0">
                           <a:ln w="12700">
-                            <a:solidFill>
-                              <a:schemeClr val="tx2">
-                                <a:satMod val="155000"/>
-                              </a:schemeClr>
-                            </a:solidFill>
+                            <a:noFill/>
                             <a:prstDash val="solid"/>
                           </a:ln>
                           <a:solidFill>
-                            <a:schemeClr val="bg2">
-                              <a:tint val="85000"/>
-                              <a:satMod val="155000"/>
-                            </a:schemeClr>
+                            <a:schemeClr val="bg1"/>
                           </a:solidFill>
-                          <a:effectLst>
-                            <a:outerShdw blurRad="41275" dist="20320" dir="1800000" algn="tl" rotWithShape="0">
-                              <a:srgbClr val="000000">
-                                <a:alpha val="40000"/>
-                              </a:srgbClr>
-                            </a:outerShdw>
-                          </a:effectLst>
+                          <a:effectLst/>
                         </a:rPr>
                         <a:t>内容</a:t>
                       </a:r>
-                      <a:endParaRPr kumimoji="1" lang="ja-JP" altLang="en-US" sz="4400" b="1" cap="none" spc="0" dirty="0">
+                      <a:endParaRPr kumimoji="1" lang="ja-JP" altLang="en-US" sz="4400" b="0" cap="none" spc="0" dirty="0">
                         <a:ln w="12700">
-                          <a:solidFill>
-                            <a:schemeClr val="tx2">
-                              <a:satMod val="155000"/>
-                            </a:schemeClr>
-                          </a:solidFill>
+                          <a:noFill/>
                           <a:prstDash val="solid"/>
                         </a:ln>
                         <a:solidFill>
-                          <a:schemeClr val="bg2">
-                            <a:tint val="85000"/>
-                            <a:satMod val="155000"/>
-                          </a:schemeClr>
+                          <a:schemeClr val="bg1"/>
                         </a:solidFill>
-                        <a:effectLst>
-                          <a:outerShdw blurRad="41275" dist="20320" dir="1800000" algn="tl" rotWithShape="0">
-                            <a:srgbClr val="000000">
-                              <a:alpha val="40000"/>
-                            </a:srgbClr>
-                          </a:outerShdw>
-                        </a:effectLst>
+                        <a:effectLst/>
                       </a:endParaRPr>
                     </a:p>
                   </a:txBody>
@@ -10635,183 +10547,92 @@
                     <a:lstStyle/>
                     <a:p>
                       <a:r>
-                        <a:rPr kumimoji="1" lang="en-US" altLang="ja-JP" sz="4400" b="1" cap="none" spc="0" dirty="0" smtClean="0">
+                        <a:rPr kumimoji="1" lang="en-US" altLang="ja-JP" sz="4400" b="0" cap="none" spc="0" dirty="0" smtClean="0">
                           <a:ln w="12700">
-                            <a:solidFill>
-                              <a:schemeClr val="tx2">
-                                <a:satMod val="155000"/>
-                              </a:schemeClr>
-                            </a:solidFill>
+                            <a:noFill/>
                             <a:prstDash val="solid"/>
                           </a:ln>
                           <a:solidFill>
-                            <a:schemeClr val="bg2">
-                              <a:tint val="85000"/>
-                              <a:satMod val="155000"/>
-                            </a:schemeClr>
+                            <a:schemeClr val="tx1"/>
                           </a:solidFill>
-                          <a:effectLst>
-                            <a:outerShdw blurRad="41275" dist="20320" dir="1800000" algn="tl" rotWithShape="0">
-                              <a:srgbClr val="000000">
-                                <a:alpha val="40000"/>
-                              </a:srgbClr>
-                            </a:outerShdw>
-                          </a:effectLst>
+                          <a:effectLst/>
                         </a:rPr>
                         <a:t>2013</a:t>
                       </a:r>
                       <a:r>
-                        <a:rPr kumimoji="1" lang="ja-JP" altLang="en-US" sz="4400" b="1" cap="none" spc="0" dirty="0" smtClean="0">
+                        <a:rPr kumimoji="1" lang="ja-JP" altLang="en-US" sz="4400" b="0" cap="none" spc="0" dirty="0" smtClean="0">
                           <a:ln w="12700">
-                            <a:solidFill>
-                              <a:schemeClr val="tx2">
-                                <a:satMod val="155000"/>
-                              </a:schemeClr>
-                            </a:solidFill>
+                            <a:noFill/>
                             <a:prstDash val="solid"/>
                           </a:ln>
                           <a:solidFill>
-                            <a:schemeClr val="bg2">
-                              <a:tint val="85000"/>
-                              <a:satMod val="155000"/>
-                            </a:schemeClr>
+                            <a:schemeClr val="tx1"/>
                           </a:solidFill>
-                          <a:effectLst>
-                            <a:outerShdw blurRad="41275" dist="20320" dir="1800000" algn="tl" rotWithShape="0">
-                              <a:srgbClr val="000000">
-                                <a:alpha val="40000"/>
-                              </a:srgbClr>
-                            </a:outerShdw>
-                          </a:effectLst>
+                          <a:effectLst/>
                         </a:rPr>
                         <a:t>年</a:t>
                       </a:r>
                       <a:r>
-                        <a:rPr kumimoji="1" lang="en-US" altLang="ja-JP" sz="4400" b="1" cap="none" spc="0" dirty="0" smtClean="0">
+                        <a:rPr kumimoji="1" lang="en-US" altLang="ja-JP" sz="4400" b="0" cap="none" spc="0" dirty="0" smtClean="0">
                           <a:ln w="12700">
-                            <a:solidFill>
-                              <a:schemeClr val="tx2">
-                                <a:satMod val="155000"/>
-                              </a:schemeClr>
-                            </a:solidFill>
+                            <a:noFill/>
                             <a:prstDash val="solid"/>
                           </a:ln>
                           <a:solidFill>
-                            <a:schemeClr val="bg2">
-                              <a:tint val="85000"/>
-                              <a:satMod val="155000"/>
-                            </a:schemeClr>
+                            <a:schemeClr val="tx1"/>
                           </a:solidFill>
-                          <a:effectLst>
-                            <a:outerShdw blurRad="41275" dist="20320" dir="1800000" algn="tl" rotWithShape="0">
-                              <a:srgbClr val="000000">
-                                <a:alpha val="40000"/>
-                              </a:srgbClr>
-                            </a:outerShdw>
-                          </a:effectLst>
+                          <a:effectLst/>
                         </a:rPr>
                         <a:t>10</a:t>
                       </a:r>
                       <a:r>
-                        <a:rPr kumimoji="1" lang="ja-JP" altLang="en-US" sz="4400" b="1" cap="none" spc="0" dirty="0" smtClean="0">
+                        <a:rPr kumimoji="1" lang="ja-JP" altLang="en-US" sz="4400" b="0" cap="none" spc="0" dirty="0" smtClean="0">
                           <a:ln w="12700">
-                            <a:solidFill>
-                              <a:schemeClr val="tx2">
-                                <a:satMod val="155000"/>
-                              </a:schemeClr>
-                            </a:solidFill>
+                            <a:noFill/>
                             <a:prstDash val="solid"/>
                           </a:ln>
                           <a:solidFill>
-                            <a:schemeClr val="bg2">
-                              <a:tint val="85000"/>
-                              <a:satMod val="155000"/>
-                            </a:schemeClr>
+                            <a:schemeClr val="tx1"/>
                           </a:solidFill>
-                          <a:effectLst>
-                            <a:outerShdw blurRad="41275" dist="20320" dir="1800000" algn="tl" rotWithShape="0">
-                              <a:srgbClr val="000000">
-                                <a:alpha val="40000"/>
-                              </a:srgbClr>
-                            </a:outerShdw>
-                          </a:effectLst>
+                          <a:effectLst/>
                         </a:rPr>
                         <a:t>月～</a:t>
                       </a:r>
                       <a:r>
-                        <a:rPr kumimoji="1" lang="en-US" altLang="ja-JP" sz="4400" b="1" cap="none" spc="0" dirty="0" smtClean="0">
+                        <a:rPr kumimoji="1" lang="en-US" altLang="ja-JP" sz="4400" b="0" cap="none" spc="0" dirty="0" smtClean="0">
                           <a:ln w="12700">
-                            <a:solidFill>
-                              <a:schemeClr val="tx2">
-                                <a:satMod val="155000"/>
-                              </a:schemeClr>
-                            </a:solidFill>
+                            <a:noFill/>
                             <a:prstDash val="solid"/>
                           </a:ln>
                           <a:solidFill>
-                            <a:schemeClr val="bg2">
-                              <a:tint val="85000"/>
-                              <a:satMod val="155000"/>
-                            </a:schemeClr>
+                            <a:schemeClr val="tx1"/>
                           </a:solidFill>
-                          <a:effectLst>
-                            <a:outerShdw blurRad="41275" dist="20320" dir="1800000" algn="tl" rotWithShape="0">
-                              <a:srgbClr val="000000">
-                                <a:alpha val="40000"/>
-                              </a:srgbClr>
-                            </a:outerShdw>
-                          </a:effectLst>
+                          <a:effectLst/>
                         </a:rPr>
                         <a:t>11</a:t>
                       </a:r>
                       <a:r>
-                        <a:rPr kumimoji="1" lang="ja-JP" altLang="en-US" sz="4400" b="1" cap="none" spc="0" dirty="0" smtClean="0">
+                        <a:rPr kumimoji="1" lang="ja-JP" altLang="en-US" sz="4400" b="0" cap="none" spc="0" dirty="0" smtClean="0">
                           <a:ln w="12700">
-                            <a:solidFill>
-                              <a:schemeClr val="tx2">
-                                <a:satMod val="155000"/>
-                              </a:schemeClr>
-                            </a:solidFill>
+                            <a:noFill/>
                             <a:prstDash val="solid"/>
                           </a:ln>
                           <a:solidFill>
-                            <a:schemeClr val="bg2">
-                              <a:tint val="85000"/>
-                              <a:satMod val="155000"/>
-                            </a:schemeClr>
+                            <a:schemeClr val="tx1"/>
                           </a:solidFill>
-                          <a:effectLst>
-                            <a:outerShdw blurRad="41275" dist="20320" dir="1800000" algn="tl" rotWithShape="0">
-                              <a:srgbClr val="000000">
-                                <a:alpha val="40000"/>
-                              </a:srgbClr>
-                            </a:outerShdw>
-                          </a:effectLst>
+                          <a:effectLst/>
                         </a:rPr>
                         <a:t>月</a:t>
                       </a:r>
-                      <a:endParaRPr kumimoji="1" lang="ja-JP" altLang="en-US" sz="4400" b="1" cap="none" spc="0" dirty="0">
+                      <a:endParaRPr kumimoji="1" lang="ja-JP" altLang="en-US" sz="4400" b="0" cap="none" spc="0" dirty="0">
                         <a:ln w="12700">
-                          <a:solidFill>
-                            <a:schemeClr val="tx2">
-                              <a:satMod val="155000"/>
-                            </a:schemeClr>
-                          </a:solidFill>
+                          <a:noFill/>
                           <a:prstDash val="solid"/>
                         </a:ln>
                         <a:solidFill>
-                          <a:schemeClr val="bg2">
-                            <a:tint val="85000"/>
-                            <a:satMod val="155000"/>
-                          </a:schemeClr>
+                          <a:schemeClr val="tx1"/>
                         </a:solidFill>
-                        <a:effectLst>
-                          <a:outerShdw blurRad="41275" dist="20320" dir="1800000" algn="tl" rotWithShape="0">
-                            <a:srgbClr val="000000">
-                              <a:alpha val="40000"/>
-                            </a:srgbClr>
-                          </a:outerShdw>
-                        </a:effectLst>
+                        <a:effectLst/>
                       </a:endParaRPr>
                     </a:p>
                   </a:txBody>
@@ -10823,441 +10644,220 @@
                     <a:lstStyle/>
                     <a:p>
                       <a:r>
-                        <a:rPr kumimoji="1" lang="en-US" altLang="ja-JP" sz="4400" b="1" cap="none" spc="0" dirty="0" smtClean="0">
+                        <a:rPr kumimoji="1" lang="en-US" altLang="ja-JP" sz="4400" b="0" cap="none" spc="0" dirty="0" smtClean="0">
                           <a:ln w="12700">
-                            <a:solidFill>
-                              <a:schemeClr val="tx2">
-                                <a:satMod val="155000"/>
-                              </a:schemeClr>
-                            </a:solidFill>
+                            <a:noFill/>
                             <a:prstDash val="solid"/>
                           </a:ln>
                           <a:solidFill>
-                            <a:schemeClr val="bg2">
-                              <a:tint val="85000"/>
-                              <a:satMod val="155000"/>
-                            </a:schemeClr>
+                            <a:schemeClr val="tx1"/>
                           </a:solidFill>
-                          <a:effectLst>
-                            <a:outerShdw blurRad="41275" dist="20320" dir="1800000" algn="tl" rotWithShape="0">
-                              <a:srgbClr val="000000">
-                                <a:alpha val="40000"/>
-                              </a:srgbClr>
-                            </a:outerShdw>
-                          </a:effectLst>
+                          <a:effectLst/>
                         </a:rPr>
                         <a:t>Issue</a:t>
                       </a:r>
                       <a:r>
-                        <a:rPr kumimoji="1" lang="ja-JP" altLang="en-US" sz="4400" b="1" cap="none" spc="0" dirty="0" smtClean="0">
+                        <a:rPr kumimoji="1" lang="ja-JP" altLang="en-US" sz="4400" b="0" cap="none" spc="0" dirty="0" smtClean="0">
                           <a:ln w="12700">
-                            <a:solidFill>
-                              <a:schemeClr val="tx2">
-                                <a:satMod val="155000"/>
-                              </a:schemeClr>
-                            </a:solidFill>
+                            <a:noFill/>
                             <a:prstDash val="solid"/>
                           </a:ln>
                           <a:solidFill>
-                            <a:schemeClr val="bg2">
-                              <a:tint val="85000"/>
-                              <a:satMod val="155000"/>
-                            </a:schemeClr>
+                            <a:schemeClr val="tx1"/>
                           </a:solidFill>
-                          <a:effectLst>
-                            <a:outerShdw blurRad="41275" dist="20320" dir="1800000" algn="tl" rotWithShape="0">
-                              <a:srgbClr val="000000">
-                                <a:alpha val="40000"/>
-                              </a:srgbClr>
-                            </a:outerShdw>
-                          </a:effectLst>
+                          <a:effectLst/>
                         </a:rPr>
                         <a:t>を</a:t>
                       </a:r>
                       <a:r>
-                        <a:rPr kumimoji="1" lang="en-US" altLang="ja-JP" sz="4400" b="1" cap="none" spc="0" dirty="0" err="1" smtClean="0">
+                        <a:rPr kumimoji="1" lang="en-US" altLang="ja-JP" sz="4400" b="0" cap="none" spc="0" dirty="0" err="1" smtClean="0">
                           <a:ln w="12700">
-                            <a:solidFill>
-                              <a:schemeClr val="tx2">
-                                <a:satMod val="155000"/>
-                              </a:schemeClr>
-                            </a:solidFill>
+                            <a:noFill/>
                             <a:prstDash val="solid"/>
                           </a:ln>
                           <a:solidFill>
-                            <a:schemeClr val="bg2">
-                              <a:tint val="85000"/>
-                              <a:satMod val="155000"/>
-                            </a:schemeClr>
+                            <a:schemeClr val="tx1"/>
                           </a:solidFill>
-                          <a:effectLst>
-                            <a:outerShdw blurRad="41275" dist="20320" dir="1800000" algn="tl" rotWithShape="0">
-                              <a:srgbClr val="000000">
-                                <a:alpha val="40000"/>
-                              </a:srgbClr>
-                            </a:outerShdw>
-                          </a:effectLst>
+                          <a:effectLst/>
                         </a:rPr>
                         <a:t>GitHub</a:t>
                       </a:r>
                       <a:r>
-                        <a:rPr kumimoji="1" lang="ja-JP" altLang="en-US" sz="4400" b="1" cap="none" spc="0" dirty="0" smtClean="0">
+                        <a:rPr kumimoji="1" lang="ja-JP" altLang="en-US" sz="4400" b="0" cap="none" spc="0" dirty="0" smtClean="0">
                           <a:ln w="12700">
-                            <a:solidFill>
-                              <a:schemeClr val="tx2">
-                                <a:satMod val="155000"/>
-                              </a:schemeClr>
-                            </a:solidFill>
+                            <a:noFill/>
                             <a:prstDash val="solid"/>
                           </a:ln>
                           <a:solidFill>
-                            <a:schemeClr val="bg2">
-                              <a:tint val="85000"/>
-                              <a:satMod val="155000"/>
-                            </a:schemeClr>
+                            <a:schemeClr val="tx1"/>
                           </a:solidFill>
-                          <a:effectLst>
-                            <a:outerShdw blurRad="41275" dist="20320" dir="1800000" algn="tl" rotWithShape="0">
-                              <a:srgbClr val="000000">
-                                <a:alpha val="40000"/>
-                              </a:srgbClr>
-                            </a:outerShdw>
-                          </a:effectLst>
+                          <a:effectLst/>
                         </a:rPr>
                         <a:t>の</a:t>
                       </a:r>
                       <a:r>
-                        <a:rPr kumimoji="1" lang="en-US" altLang="ja-JP" sz="4400" b="1" cap="none" spc="0" dirty="0" smtClean="0">
+                        <a:rPr kumimoji="1" lang="en-US" altLang="ja-JP" sz="4400" b="0" cap="none" spc="0" dirty="0" smtClean="0">
                           <a:ln w="12700">
-                            <a:solidFill>
-                              <a:schemeClr val="tx2">
-                                <a:satMod val="155000"/>
-                              </a:schemeClr>
-                            </a:solidFill>
+                            <a:noFill/>
                             <a:prstDash val="solid"/>
                           </a:ln>
                           <a:solidFill>
-                            <a:schemeClr val="bg2">
-                              <a:tint val="85000"/>
-                              <a:satMod val="155000"/>
-                            </a:schemeClr>
+                            <a:schemeClr val="tx1"/>
                           </a:solidFill>
-                          <a:effectLst>
-                            <a:outerShdw blurRad="41275" dist="20320" dir="1800000" algn="tl" rotWithShape="0">
-                              <a:srgbClr val="000000">
-                                <a:alpha val="40000"/>
-                              </a:srgbClr>
-                            </a:outerShdw>
-                          </a:effectLst>
+                          <a:effectLst/>
                         </a:rPr>
                         <a:t>API</a:t>
                       </a:r>
                       <a:r>
-                        <a:rPr kumimoji="1" lang="ja-JP" altLang="en-US" sz="4400" b="1" cap="none" spc="0" dirty="0" smtClean="0">
+                        <a:rPr kumimoji="1" lang="ja-JP" altLang="en-US" sz="4400" b="0" cap="none" spc="0" dirty="0" smtClean="0">
                           <a:ln w="12700">
-                            <a:solidFill>
-                              <a:schemeClr val="tx2">
-                                <a:satMod val="155000"/>
-                              </a:schemeClr>
-                            </a:solidFill>
+                            <a:noFill/>
                             <a:prstDash val="solid"/>
                           </a:ln>
                           <a:solidFill>
-                            <a:schemeClr val="bg2">
-                              <a:tint val="85000"/>
-                              <a:satMod val="155000"/>
-                            </a:schemeClr>
+                            <a:schemeClr val="tx1"/>
                           </a:solidFill>
-                          <a:effectLst>
-                            <a:outerShdw blurRad="41275" dist="20320" dir="1800000" algn="tl" rotWithShape="0">
-                              <a:srgbClr val="000000">
-                                <a:alpha val="40000"/>
-                              </a:srgbClr>
-                            </a:outerShdw>
-                          </a:effectLst>
+                          <a:effectLst/>
                         </a:rPr>
                         <a:t>によって抽出，</a:t>
                       </a:r>
-                      <a:endParaRPr kumimoji="1" lang="en-US" altLang="ja-JP" sz="4400" b="1" cap="none" spc="0" dirty="0" smtClean="0">
+                      <a:endParaRPr kumimoji="1" lang="en-US" altLang="ja-JP" sz="4400" b="0" cap="none" spc="0" dirty="0" smtClean="0">
                         <a:ln w="12700">
-                          <a:solidFill>
-                            <a:schemeClr val="tx2">
-                              <a:satMod val="155000"/>
-                            </a:schemeClr>
-                          </a:solidFill>
+                          <a:noFill/>
                           <a:prstDash val="solid"/>
                         </a:ln>
                         <a:solidFill>
-                          <a:schemeClr val="bg2">
-                            <a:tint val="85000"/>
-                            <a:satMod val="155000"/>
-                          </a:schemeClr>
+                          <a:schemeClr val="tx1"/>
                         </a:solidFill>
-                        <a:effectLst>
-                          <a:outerShdw blurRad="41275" dist="20320" dir="1800000" algn="tl" rotWithShape="0">
-                            <a:srgbClr val="000000">
-                              <a:alpha val="40000"/>
-                            </a:srgbClr>
-                          </a:outerShdw>
-                        </a:effectLst>
+                        <a:effectLst/>
                       </a:endParaRPr>
                     </a:p>
                     <a:p>
                       <a:r>
-                        <a:rPr kumimoji="1" lang="en-US" altLang="ja-JP" sz="4400" b="1" cap="none" spc="0" dirty="0" smtClean="0">
+                        <a:rPr kumimoji="1" lang="en-US" altLang="ja-JP" sz="4400" b="0" cap="none" spc="0" dirty="0" smtClean="0">
                           <a:ln w="12700">
-                            <a:solidFill>
-                              <a:schemeClr val="tx2">
-                                <a:satMod val="155000"/>
-                              </a:schemeClr>
-                            </a:solidFill>
+                            <a:noFill/>
                             <a:prstDash val="solid"/>
                           </a:ln>
                           <a:solidFill>
-                            <a:schemeClr val="bg2">
-                              <a:tint val="85000"/>
-                              <a:satMod val="155000"/>
-                            </a:schemeClr>
+                            <a:schemeClr val="tx1"/>
                           </a:solidFill>
-                          <a:effectLst>
-                            <a:outerShdw blurRad="41275" dist="20320" dir="1800000" algn="tl" rotWithShape="0">
-                              <a:srgbClr val="000000">
-                                <a:alpha val="40000"/>
-                              </a:srgbClr>
-                            </a:outerShdw>
-                          </a:effectLst>
+                          <a:effectLst/>
                         </a:rPr>
                         <a:t>Issue</a:t>
                       </a:r>
                       <a:r>
-                        <a:rPr kumimoji="1" lang="ja-JP" altLang="en-US" sz="4400" b="1" cap="none" spc="0" dirty="0" smtClean="0">
+                        <a:rPr kumimoji="1" lang="ja-JP" altLang="en-US" sz="4400" b="0" cap="none" spc="0" dirty="0" smtClean="0">
                           <a:ln w="12700">
-                            <a:solidFill>
-                              <a:schemeClr val="tx2">
-                                <a:satMod val="155000"/>
-                              </a:schemeClr>
-                            </a:solidFill>
+                            <a:noFill/>
                             <a:prstDash val="solid"/>
                           </a:ln>
                           <a:solidFill>
-                            <a:schemeClr val="bg2">
-                              <a:tint val="85000"/>
-                              <a:satMod val="155000"/>
-                            </a:schemeClr>
+                            <a:schemeClr val="tx1"/>
                           </a:solidFill>
-                          <a:effectLst>
-                            <a:outerShdw blurRad="41275" dist="20320" dir="1800000" algn="tl" rotWithShape="0">
-                              <a:srgbClr val="000000">
-                                <a:alpha val="40000"/>
-                              </a:srgbClr>
-                            </a:outerShdw>
-                          </a:effectLst>
+                          <a:effectLst/>
                         </a:rPr>
                         <a:t>から</a:t>
                       </a:r>
                       <a:r>
-                        <a:rPr kumimoji="1" lang="en-US" altLang="ja-JP" sz="4400" b="1" cap="none" spc="0" dirty="0" smtClean="0">
+                        <a:rPr kumimoji="1" lang="en-US" altLang="ja-JP" sz="4400" b="0" cap="none" spc="0" dirty="0" smtClean="0">
                           <a:ln w="12700">
-                            <a:solidFill>
-                              <a:schemeClr val="tx2">
-                                <a:satMod val="155000"/>
-                              </a:schemeClr>
-                            </a:solidFill>
+                            <a:noFill/>
                             <a:prstDash val="solid"/>
                           </a:ln>
                           <a:solidFill>
-                            <a:schemeClr val="bg2">
-                              <a:tint val="85000"/>
-                              <a:satMod val="155000"/>
-                            </a:schemeClr>
+                            <a:schemeClr val="tx1"/>
                           </a:solidFill>
-                          <a:effectLst>
-                            <a:outerShdw blurRad="41275" dist="20320" dir="1800000" algn="tl" rotWithShape="0">
-                              <a:srgbClr val="000000">
-                                <a:alpha val="40000"/>
-                              </a:srgbClr>
-                            </a:outerShdw>
-                          </a:effectLst>
+                          <a:effectLst/>
                         </a:rPr>
                         <a:t>EVM</a:t>
                       </a:r>
                       <a:r>
-                        <a:rPr kumimoji="1" lang="ja-JP" altLang="en-US" sz="4400" b="1" cap="none" spc="0" dirty="0" smtClean="0">
+                        <a:rPr kumimoji="1" lang="ja-JP" altLang="en-US" sz="4400" b="0" cap="none" spc="0" dirty="0" smtClean="0">
                           <a:ln w="12700">
-                            <a:solidFill>
-                              <a:schemeClr val="tx2">
-                                <a:satMod val="155000"/>
-                              </a:schemeClr>
-                            </a:solidFill>
+                            <a:noFill/>
                             <a:prstDash val="solid"/>
                           </a:ln>
                           <a:solidFill>
-                            <a:schemeClr val="bg2">
-                              <a:tint val="85000"/>
-                              <a:satMod val="155000"/>
-                            </a:schemeClr>
+                            <a:schemeClr val="tx1"/>
                           </a:solidFill>
-                          <a:effectLst>
-                            <a:outerShdw blurRad="41275" dist="20320" dir="1800000" algn="tl" rotWithShape="0">
-                              <a:srgbClr val="000000">
-                                <a:alpha val="40000"/>
-                              </a:srgbClr>
-                            </a:outerShdw>
-                          </a:effectLst>
+                          <a:effectLst/>
                         </a:rPr>
                         <a:t>に必要なデータを抽出，</a:t>
                       </a:r>
-                      <a:endParaRPr kumimoji="1" lang="en-US" altLang="ja-JP" sz="4400" b="1" cap="none" spc="0" dirty="0" smtClean="0">
+                      <a:endParaRPr kumimoji="1" lang="en-US" altLang="ja-JP" sz="4400" b="0" cap="none" spc="0" dirty="0" smtClean="0">
                         <a:ln w="12700">
-                          <a:solidFill>
-                            <a:schemeClr val="tx2">
-                              <a:satMod val="155000"/>
-                            </a:schemeClr>
-                          </a:solidFill>
+                          <a:noFill/>
                           <a:prstDash val="solid"/>
                         </a:ln>
                         <a:solidFill>
-                          <a:schemeClr val="bg2">
-                            <a:tint val="85000"/>
-                            <a:satMod val="155000"/>
-                          </a:schemeClr>
+                          <a:schemeClr val="tx1"/>
                         </a:solidFill>
-                        <a:effectLst>
-                          <a:outerShdw blurRad="41275" dist="20320" dir="1800000" algn="tl" rotWithShape="0">
-                            <a:srgbClr val="000000">
-                              <a:alpha val="40000"/>
-                            </a:srgbClr>
-                          </a:outerShdw>
-                        </a:effectLst>
+                        <a:effectLst/>
                       </a:endParaRPr>
                     </a:p>
                     <a:p>
                       <a:r>
-                        <a:rPr kumimoji="1" lang="ja-JP" altLang="en-US" sz="4400" b="1" cap="none" spc="0" dirty="0" smtClean="0">
+                        <a:rPr kumimoji="1" lang="ja-JP" altLang="en-US" sz="4400" b="0" cap="none" spc="0" dirty="0" smtClean="0">
                           <a:ln w="12700">
-                            <a:solidFill>
-                              <a:schemeClr val="tx2">
-                                <a:satMod val="155000"/>
-                              </a:schemeClr>
-                            </a:solidFill>
+                            <a:noFill/>
                             <a:prstDash val="solid"/>
                           </a:ln>
                           <a:solidFill>
-                            <a:schemeClr val="bg2">
-                              <a:tint val="85000"/>
-                              <a:satMod val="155000"/>
-                            </a:schemeClr>
+                            <a:schemeClr val="tx1"/>
                           </a:solidFill>
-                          <a:effectLst>
-                            <a:outerShdw blurRad="41275" dist="20320" dir="1800000" algn="tl" rotWithShape="0">
-                              <a:srgbClr val="000000">
-                                <a:alpha val="40000"/>
-                              </a:srgbClr>
-                            </a:outerShdw>
-                          </a:effectLst>
+                          <a:effectLst/>
                         </a:rPr>
                         <a:t>抽出したデータをもとに</a:t>
                       </a:r>
                       <a:r>
-                        <a:rPr kumimoji="1" lang="en-US" altLang="ja-JP" sz="4400" b="1" cap="none" spc="0" dirty="0" smtClean="0">
+                        <a:rPr kumimoji="1" lang="en-US" altLang="ja-JP" sz="4400" b="0" cap="none" spc="0" dirty="0" smtClean="0">
                           <a:ln w="12700">
-                            <a:solidFill>
-                              <a:schemeClr val="tx2">
-                                <a:satMod val="155000"/>
-                              </a:schemeClr>
-                            </a:solidFill>
+                            <a:noFill/>
                             <a:prstDash val="solid"/>
                           </a:ln>
                           <a:solidFill>
-                            <a:schemeClr val="bg2">
-                              <a:tint val="85000"/>
-                              <a:satMod val="155000"/>
-                            </a:schemeClr>
+                            <a:schemeClr val="tx1"/>
                           </a:solidFill>
-                          <a:effectLst>
-                            <a:outerShdw blurRad="41275" dist="20320" dir="1800000" algn="tl" rotWithShape="0">
-                              <a:srgbClr val="000000">
-                                <a:alpha val="40000"/>
-                              </a:srgbClr>
-                            </a:outerShdw>
-                          </a:effectLst>
+                          <a:effectLst/>
                         </a:rPr>
                         <a:t>EVM</a:t>
                       </a:r>
                       <a:r>
-                        <a:rPr kumimoji="1" lang="ja-JP" altLang="en-US" sz="4400" b="1" cap="none" spc="0" dirty="0" err="1" smtClean="0">
+                        <a:rPr kumimoji="1" lang="ja-JP" altLang="en-US" sz="4400" b="0" cap="none" spc="0" dirty="0" err="1" smtClean="0">
                           <a:ln w="12700">
-                            <a:solidFill>
-                              <a:schemeClr val="tx2">
-                                <a:satMod val="155000"/>
-                              </a:schemeClr>
-                            </a:solidFill>
+                            <a:noFill/>
                             <a:prstDash val="solid"/>
                           </a:ln>
                           <a:solidFill>
-                            <a:schemeClr val="bg2">
-                              <a:tint val="85000"/>
-                              <a:satMod val="155000"/>
-                            </a:schemeClr>
+                            <a:schemeClr val="tx1"/>
                           </a:solidFill>
-                          <a:effectLst>
-                            <a:outerShdw blurRad="41275" dist="20320" dir="1800000" algn="tl" rotWithShape="0">
-                              <a:srgbClr val="000000">
-                                <a:alpha val="40000"/>
-                              </a:srgbClr>
-                            </a:outerShdw>
-                          </a:effectLst>
+                          <a:effectLst/>
                         </a:rPr>
                         <a:t>を描</a:t>
                       </a:r>
                       <a:r>
-                        <a:rPr kumimoji="1" lang="ja-JP" altLang="en-US" sz="4400" b="1" cap="none" spc="0" dirty="0" smtClean="0">
+                        <a:rPr kumimoji="1" lang="ja-JP" altLang="en-US" sz="4400" b="0" cap="none" spc="0" dirty="0" smtClean="0">
                           <a:ln w="12700">
-                            <a:solidFill>
-                              <a:schemeClr val="tx2">
-                                <a:satMod val="155000"/>
-                              </a:schemeClr>
-                            </a:solidFill>
+                            <a:noFill/>
                             <a:prstDash val="solid"/>
                           </a:ln>
                           <a:solidFill>
-                            <a:schemeClr val="bg2">
-                              <a:tint val="85000"/>
-                              <a:satMod val="155000"/>
-                            </a:schemeClr>
+                            <a:schemeClr val="tx1"/>
                           </a:solidFill>
-                          <a:effectLst>
-                            <a:outerShdw blurRad="41275" dist="20320" dir="1800000" algn="tl" rotWithShape="0">
-                              <a:srgbClr val="000000">
-                                <a:alpha val="40000"/>
-                              </a:srgbClr>
-                            </a:outerShdw>
-                          </a:effectLst>
+                          <a:effectLst/>
                         </a:rPr>
                         <a:t>画するシステムの構築</a:t>
                       </a:r>
-                      <a:endParaRPr kumimoji="1" lang="ja-JP" altLang="en-US" sz="4400" b="1" cap="none" spc="0" dirty="0">
+                      <a:endParaRPr kumimoji="1" lang="ja-JP" altLang="en-US" sz="4400" b="0" cap="none" spc="0" dirty="0">
                         <a:ln w="12700">
-                          <a:solidFill>
-                            <a:schemeClr val="tx2">
-                              <a:satMod val="155000"/>
-                            </a:schemeClr>
-                          </a:solidFill>
+                          <a:noFill/>
                           <a:prstDash val="solid"/>
                         </a:ln>
                         <a:solidFill>
-                          <a:schemeClr val="bg2">
-                            <a:tint val="85000"/>
-                            <a:satMod val="155000"/>
-                          </a:schemeClr>
+                          <a:schemeClr val="tx1"/>
                         </a:solidFill>
-                        <a:effectLst>
-                          <a:outerShdw blurRad="41275" dist="20320" dir="1800000" algn="tl" rotWithShape="0">
-                            <a:srgbClr val="000000">
-                              <a:alpha val="40000"/>
-                            </a:srgbClr>
-                          </a:outerShdw>
-                        </a:effectLst>
+                        <a:effectLst/>
                       </a:endParaRPr>
                     </a:p>
                   </a:txBody>
@@ -11271,131 +10871,66 @@
                     <a:lstStyle/>
                     <a:p>
                       <a:r>
-                        <a:rPr kumimoji="1" lang="en-US" altLang="ja-JP" sz="4400" b="1" cap="none" spc="0" dirty="0" smtClean="0">
+                        <a:rPr kumimoji="1" lang="en-US" altLang="ja-JP" sz="4400" b="0" cap="none" spc="0" dirty="0" smtClean="0">
                           <a:ln w="12700">
-                            <a:solidFill>
-                              <a:schemeClr val="tx2">
-                                <a:satMod val="155000"/>
-                              </a:schemeClr>
-                            </a:solidFill>
+                            <a:noFill/>
                             <a:prstDash val="solid"/>
                           </a:ln>
                           <a:solidFill>
-                            <a:schemeClr val="bg2">
-                              <a:tint val="85000"/>
-                              <a:satMod val="155000"/>
-                            </a:schemeClr>
+                            <a:schemeClr val="tx1"/>
                           </a:solidFill>
-                          <a:effectLst>
-                            <a:outerShdw blurRad="41275" dist="20320" dir="1800000" algn="tl" rotWithShape="0">
-                              <a:srgbClr val="000000">
-                                <a:alpha val="40000"/>
-                              </a:srgbClr>
-                            </a:outerShdw>
-                          </a:effectLst>
+                          <a:effectLst/>
                         </a:rPr>
                         <a:t>2013</a:t>
                       </a:r>
                       <a:r>
-                        <a:rPr kumimoji="1" lang="ja-JP" altLang="en-US" sz="4400" b="1" cap="none" spc="0" dirty="0" smtClean="0">
+                        <a:rPr kumimoji="1" lang="ja-JP" altLang="en-US" sz="4400" b="0" cap="none" spc="0" dirty="0" smtClean="0">
                           <a:ln w="12700">
-                            <a:solidFill>
-                              <a:schemeClr val="tx2">
-                                <a:satMod val="155000"/>
-                              </a:schemeClr>
-                            </a:solidFill>
+                            <a:noFill/>
                             <a:prstDash val="solid"/>
                           </a:ln>
                           <a:solidFill>
-                            <a:schemeClr val="bg2">
-                              <a:tint val="85000"/>
-                              <a:satMod val="155000"/>
-                            </a:schemeClr>
+                            <a:schemeClr val="tx1"/>
                           </a:solidFill>
-                          <a:effectLst>
-                            <a:outerShdw blurRad="41275" dist="20320" dir="1800000" algn="tl" rotWithShape="0">
-                              <a:srgbClr val="000000">
-                                <a:alpha val="40000"/>
-                              </a:srgbClr>
-                            </a:outerShdw>
-                          </a:effectLst>
+                          <a:effectLst/>
                         </a:rPr>
                         <a:t>年</a:t>
                       </a:r>
                       <a:r>
-                        <a:rPr kumimoji="1" lang="en-US" altLang="ja-JP" sz="4400" b="1" cap="none" spc="0" dirty="0" smtClean="0">
+                        <a:rPr kumimoji="1" lang="en-US" altLang="ja-JP" sz="4400" b="0" cap="none" spc="0" dirty="0" smtClean="0">
                           <a:ln w="12700">
-                            <a:solidFill>
-                              <a:schemeClr val="tx2">
-                                <a:satMod val="155000"/>
-                              </a:schemeClr>
-                            </a:solidFill>
+                            <a:noFill/>
                             <a:prstDash val="solid"/>
                           </a:ln>
                           <a:solidFill>
-                            <a:schemeClr val="bg2">
-                              <a:tint val="85000"/>
-                              <a:satMod val="155000"/>
-                            </a:schemeClr>
+                            <a:schemeClr val="tx1"/>
                           </a:solidFill>
-                          <a:effectLst>
-                            <a:outerShdw blurRad="41275" dist="20320" dir="1800000" algn="tl" rotWithShape="0">
-                              <a:srgbClr val="000000">
-                                <a:alpha val="40000"/>
-                              </a:srgbClr>
-                            </a:outerShdw>
-                          </a:effectLst>
+                          <a:effectLst/>
                         </a:rPr>
                         <a:t>12</a:t>
                       </a:r>
                       <a:r>
-                        <a:rPr kumimoji="1" lang="ja-JP" altLang="en-US" sz="4400" b="1" cap="none" spc="0" dirty="0" smtClean="0">
+                        <a:rPr kumimoji="1" lang="ja-JP" altLang="en-US" sz="4400" b="0" cap="none" spc="0" dirty="0" smtClean="0">
                           <a:ln w="12700">
-                            <a:solidFill>
-                              <a:schemeClr val="tx2">
-                                <a:satMod val="155000"/>
-                              </a:schemeClr>
-                            </a:solidFill>
+                            <a:noFill/>
                             <a:prstDash val="solid"/>
                           </a:ln>
                           <a:solidFill>
-                            <a:schemeClr val="bg2">
-                              <a:tint val="85000"/>
-                              <a:satMod val="155000"/>
-                            </a:schemeClr>
+                            <a:schemeClr val="tx1"/>
                           </a:solidFill>
-                          <a:effectLst>
-                            <a:outerShdw blurRad="41275" dist="20320" dir="1800000" algn="tl" rotWithShape="0">
-                              <a:srgbClr val="000000">
-                                <a:alpha val="40000"/>
-                              </a:srgbClr>
-                            </a:outerShdw>
-                          </a:effectLst>
+                          <a:effectLst/>
                         </a:rPr>
                         <a:t>月</a:t>
                       </a:r>
-                      <a:endParaRPr kumimoji="1" lang="ja-JP" altLang="en-US" sz="4400" b="1" cap="none" spc="0" dirty="0">
+                      <a:endParaRPr kumimoji="1" lang="ja-JP" altLang="en-US" sz="4400" b="0" cap="none" spc="0" dirty="0">
                         <a:ln w="12700">
-                          <a:solidFill>
-                            <a:schemeClr val="tx2">
-                              <a:satMod val="155000"/>
-                            </a:schemeClr>
-                          </a:solidFill>
+                          <a:noFill/>
                           <a:prstDash val="solid"/>
                         </a:ln>
                         <a:solidFill>
-                          <a:schemeClr val="bg2">
-                            <a:tint val="85000"/>
-                            <a:satMod val="155000"/>
-                          </a:schemeClr>
+                          <a:schemeClr val="tx1"/>
                         </a:solidFill>
-                        <a:effectLst>
-                          <a:outerShdw blurRad="41275" dist="20320" dir="1800000" algn="tl" rotWithShape="0">
-                            <a:srgbClr val="000000">
-                              <a:alpha val="40000"/>
-                            </a:srgbClr>
-                          </a:outerShdw>
-                        </a:effectLst>
+                        <a:effectLst/>
                       </a:endParaRPr>
                     </a:p>
                   </a:txBody>
@@ -11407,104 +10942,52 @@
                     <a:lstStyle/>
                     <a:p>
                       <a:r>
-                        <a:rPr kumimoji="1" lang="ja-JP" altLang="en-US" sz="4400" b="1" cap="none" spc="0" dirty="0" smtClean="0">
+                        <a:rPr kumimoji="1" lang="ja-JP" altLang="en-US" sz="4400" b="0" cap="none" spc="0" dirty="0" smtClean="0">
                           <a:ln w="12700">
-                            <a:solidFill>
-                              <a:schemeClr val="tx2">
-                                <a:satMod val="155000"/>
-                              </a:schemeClr>
-                            </a:solidFill>
+                            <a:noFill/>
                             <a:prstDash val="solid"/>
                           </a:ln>
                           <a:solidFill>
-                            <a:schemeClr val="bg2">
-                              <a:tint val="85000"/>
-                              <a:satMod val="155000"/>
-                            </a:schemeClr>
+                            <a:schemeClr val="tx1"/>
                           </a:solidFill>
-                          <a:effectLst>
-                            <a:outerShdw blurRad="41275" dist="20320" dir="1800000" algn="tl" rotWithShape="0">
-                              <a:srgbClr val="000000">
-                                <a:alpha val="40000"/>
-                              </a:srgbClr>
-                            </a:outerShdw>
-                          </a:effectLst>
+                          <a:effectLst/>
                         </a:rPr>
                         <a:t>過去のプロジェクトをシステムに適用し，運用と検証，</a:t>
                       </a:r>
-                      <a:endParaRPr kumimoji="1" lang="en-US" altLang="ja-JP" sz="4400" b="1" cap="none" spc="0" dirty="0" smtClean="0">
+                      <a:endParaRPr kumimoji="1" lang="en-US" altLang="ja-JP" sz="4400" b="0" cap="none" spc="0" dirty="0" smtClean="0">
                         <a:ln w="12700">
-                          <a:solidFill>
-                            <a:schemeClr val="tx2">
-                              <a:satMod val="155000"/>
-                            </a:schemeClr>
-                          </a:solidFill>
+                          <a:noFill/>
                           <a:prstDash val="solid"/>
                         </a:ln>
                         <a:solidFill>
-                          <a:schemeClr val="bg2">
-                            <a:tint val="85000"/>
-                            <a:satMod val="155000"/>
-                          </a:schemeClr>
+                          <a:schemeClr val="tx1"/>
                         </a:solidFill>
-                        <a:effectLst>
-                          <a:outerShdw blurRad="41275" dist="20320" dir="1800000" algn="tl" rotWithShape="0">
-                            <a:srgbClr val="000000">
-                              <a:alpha val="40000"/>
-                            </a:srgbClr>
-                          </a:outerShdw>
-                        </a:effectLst>
+                        <a:effectLst/>
                       </a:endParaRPr>
                     </a:p>
                     <a:p>
                       <a:r>
-                        <a:rPr kumimoji="1" lang="ja-JP" altLang="en-US" sz="4400" b="1" cap="none" spc="0" dirty="0" smtClean="0">
+                        <a:rPr kumimoji="1" lang="ja-JP" altLang="en-US" sz="4400" b="0" cap="none" spc="0" dirty="0" smtClean="0">
                           <a:ln w="12700">
-                            <a:solidFill>
-                              <a:schemeClr val="tx2">
-                                <a:satMod val="155000"/>
-                              </a:schemeClr>
-                            </a:solidFill>
+                            <a:noFill/>
                             <a:prstDash val="solid"/>
                           </a:ln>
                           <a:solidFill>
-                            <a:schemeClr val="bg2">
-                              <a:tint val="85000"/>
-                              <a:satMod val="155000"/>
-                            </a:schemeClr>
+                            <a:schemeClr val="tx1"/>
                           </a:solidFill>
-                          <a:effectLst>
-                            <a:outerShdw blurRad="41275" dist="20320" dir="1800000" algn="tl" rotWithShape="0">
-                              <a:srgbClr val="000000">
-                                <a:alpha val="40000"/>
-                              </a:srgbClr>
-                            </a:outerShdw>
-                          </a:effectLst>
+                          <a:effectLst/>
                         </a:rPr>
                         <a:t>運用と検証から考察</a:t>
                       </a:r>
-                      <a:endParaRPr kumimoji="1" lang="en-US" altLang="ja-JP" sz="4400" b="1" cap="none" spc="0" dirty="0" smtClean="0">
+                      <a:endParaRPr kumimoji="1" lang="en-US" altLang="ja-JP" sz="4400" b="0" cap="none" spc="0" dirty="0" smtClean="0">
                         <a:ln w="12700">
-                          <a:solidFill>
-                            <a:schemeClr val="tx2">
-                              <a:satMod val="155000"/>
-                            </a:schemeClr>
-                          </a:solidFill>
+                          <a:noFill/>
                           <a:prstDash val="solid"/>
                         </a:ln>
                         <a:solidFill>
-                          <a:schemeClr val="bg2">
-                            <a:tint val="85000"/>
-                            <a:satMod val="155000"/>
-                          </a:schemeClr>
+                          <a:schemeClr val="tx1"/>
                         </a:solidFill>
-                        <a:effectLst>
-                          <a:outerShdw blurRad="41275" dist="20320" dir="1800000" algn="tl" rotWithShape="0">
-                            <a:srgbClr val="000000">
-                              <a:alpha val="40000"/>
-                            </a:srgbClr>
-                          </a:outerShdw>
-                        </a:effectLst>
+                        <a:effectLst/>
                       </a:endParaRPr>
                     </a:p>
                   </a:txBody>
@@ -11518,183 +11001,92 @@
                     <a:lstStyle/>
                     <a:p>
                       <a:r>
-                        <a:rPr kumimoji="1" lang="en-US" altLang="ja-JP" sz="4400" b="1" cap="none" spc="0" dirty="0" smtClean="0">
+                        <a:rPr kumimoji="1" lang="en-US" altLang="ja-JP" sz="4400" b="0" cap="none" spc="0" dirty="0" smtClean="0">
                           <a:ln w="12700">
-                            <a:solidFill>
-                              <a:schemeClr val="tx2">
-                                <a:satMod val="155000"/>
-                              </a:schemeClr>
-                            </a:solidFill>
+                            <a:noFill/>
                             <a:prstDash val="solid"/>
                           </a:ln>
                           <a:solidFill>
-                            <a:schemeClr val="bg2">
-                              <a:tint val="85000"/>
-                              <a:satMod val="155000"/>
-                            </a:schemeClr>
+                            <a:schemeClr val="tx1"/>
                           </a:solidFill>
-                          <a:effectLst>
-                            <a:outerShdw blurRad="41275" dist="20320" dir="1800000" algn="tl" rotWithShape="0">
-                              <a:srgbClr val="000000">
-                                <a:alpha val="40000"/>
-                              </a:srgbClr>
-                            </a:outerShdw>
-                          </a:effectLst>
+                          <a:effectLst/>
                         </a:rPr>
                         <a:t>2014</a:t>
                       </a:r>
                       <a:r>
-                        <a:rPr kumimoji="1" lang="ja-JP" altLang="en-US" sz="4400" b="1" cap="none" spc="0" dirty="0" smtClean="0">
+                        <a:rPr kumimoji="1" lang="ja-JP" altLang="en-US" sz="4400" b="0" cap="none" spc="0" dirty="0" smtClean="0">
                           <a:ln w="12700">
-                            <a:solidFill>
-                              <a:schemeClr val="tx2">
-                                <a:satMod val="155000"/>
-                              </a:schemeClr>
-                            </a:solidFill>
+                            <a:noFill/>
                             <a:prstDash val="solid"/>
                           </a:ln>
                           <a:solidFill>
-                            <a:schemeClr val="bg2">
-                              <a:tint val="85000"/>
-                              <a:satMod val="155000"/>
-                            </a:schemeClr>
+                            <a:schemeClr val="tx1"/>
                           </a:solidFill>
-                          <a:effectLst>
-                            <a:outerShdw blurRad="41275" dist="20320" dir="1800000" algn="tl" rotWithShape="0">
-                              <a:srgbClr val="000000">
-                                <a:alpha val="40000"/>
-                              </a:srgbClr>
-                            </a:outerShdw>
-                          </a:effectLst>
+                          <a:effectLst/>
                         </a:rPr>
                         <a:t>年</a:t>
                       </a:r>
                       <a:r>
-                        <a:rPr kumimoji="1" lang="en-US" altLang="ja-JP" sz="4400" b="1" cap="none" spc="0" dirty="0" smtClean="0">
+                        <a:rPr kumimoji="1" lang="en-US" altLang="ja-JP" sz="4400" b="0" cap="none" spc="0" dirty="0" smtClean="0">
                           <a:ln w="12700">
-                            <a:solidFill>
-                              <a:schemeClr val="tx2">
-                                <a:satMod val="155000"/>
-                              </a:schemeClr>
-                            </a:solidFill>
+                            <a:noFill/>
                             <a:prstDash val="solid"/>
                           </a:ln>
                           <a:solidFill>
-                            <a:schemeClr val="bg2">
-                              <a:tint val="85000"/>
-                              <a:satMod val="155000"/>
-                            </a:schemeClr>
+                            <a:schemeClr val="tx1"/>
                           </a:solidFill>
-                          <a:effectLst>
-                            <a:outerShdw blurRad="41275" dist="20320" dir="1800000" algn="tl" rotWithShape="0">
-                              <a:srgbClr val="000000">
-                                <a:alpha val="40000"/>
-                              </a:srgbClr>
-                            </a:outerShdw>
-                          </a:effectLst>
+                          <a:effectLst/>
                         </a:rPr>
                         <a:t>1</a:t>
                       </a:r>
                       <a:r>
-                        <a:rPr kumimoji="1" lang="ja-JP" altLang="en-US" sz="4400" b="1" cap="none" spc="0" dirty="0" smtClean="0">
+                        <a:rPr kumimoji="1" lang="ja-JP" altLang="en-US" sz="4400" b="0" cap="none" spc="0" dirty="0" smtClean="0">
                           <a:ln w="12700">
-                            <a:solidFill>
-                              <a:schemeClr val="tx2">
-                                <a:satMod val="155000"/>
-                              </a:schemeClr>
-                            </a:solidFill>
+                            <a:noFill/>
                             <a:prstDash val="solid"/>
                           </a:ln>
                           <a:solidFill>
-                            <a:schemeClr val="bg2">
-                              <a:tint val="85000"/>
-                              <a:satMod val="155000"/>
-                            </a:schemeClr>
+                            <a:schemeClr val="tx1"/>
                           </a:solidFill>
-                          <a:effectLst>
-                            <a:outerShdw blurRad="41275" dist="20320" dir="1800000" algn="tl" rotWithShape="0">
-                              <a:srgbClr val="000000">
-                                <a:alpha val="40000"/>
-                              </a:srgbClr>
-                            </a:outerShdw>
-                          </a:effectLst>
+                          <a:effectLst/>
                         </a:rPr>
                         <a:t>月～</a:t>
                       </a:r>
                       <a:r>
-                        <a:rPr kumimoji="1" lang="en-US" altLang="ja-JP" sz="4400" b="1" cap="none" spc="0" dirty="0" smtClean="0">
+                        <a:rPr kumimoji="1" lang="en-US" altLang="ja-JP" sz="4400" b="0" cap="none" spc="0" dirty="0" smtClean="0">
                           <a:ln w="12700">
-                            <a:solidFill>
-                              <a:schemeClr val="tx2">
-                                <a:satMod val="155000"/>
-                              </a:schemeClr>
-                            </a:solidFill>
+                            <a:noFill/>
                             <a:prstDash val="solid"/>
                           </a:ln>
                           <a:solidFill>
-                            <a:schemeClr val="bg2">
-                              <a:tint val="85000"/>
-                              <a:satMod val="155000"/>
-                            </a:schemeClr>
+                            <a:schemeClr val="tx1"/>
                           </a:solidFill>
-                          <a:effectLst>
-                            <a:outerShdw blurRad="41275" dist="20320" dir="1800000" algn="tl" rotWithShape="0">
-                              <a:srgbClr val="000000">
-                                <a:alpha val="40000"/>
-                              </a:srgbClr>
-                            </a:outerShdw>
-                          </a:effectLst>
+                          <a:effectLst/>
                         </a:rPr>
                         <a:t>2</a:t>
                       </a:r>
                       <a:r>
-                        <a:rPr kumimoji="1" lang="ja-JP" altLang="en-US" sz="4400" b="1" cap="none" spc="0" dirty="0" smtClean="0">
+                        <a:rPr kumimoji="1" lang="ja-JP" altLang="en-US" sz="4400" b="0" cap="none" spc="0" dirty="0" smtClean="0">
                           <a:ln w="12700">
-                            <a:solidFill>
-                              <a:schemeClr val="tx2">
-                                <a:satMod val="155000"/>
-                              </a:schemeClr>
-                            </a:solidFill>
+                            <a:noFill/>
                             <a:prstDash val="solid"/>
                           </a:ln>
                           <a:solidFill>
-                            <a:schemeClr val="bg2">
-                              <a:tint val="85000"/>
-                              <a:satMod val="155000"/>
-                            </a:schemeClr>
+                            <a:schemeClr val="tx1"/>
                           </a:solidFill>
-                          <a:effectLst>
-                            <a:outerShdw blurRad="41275" dist="20320" dir="1800000" algn="tl" rotWithShape="0">
-                              <a:srgbClr val="000000">
-                                <a:alpha val="40000"/>
-                              </a:srgbClr>
-                            </a:outerShdw>
-                          </a:effectLst>
+                          <a:effectLst/>
                         </a:rPr>
                         <a:t>月</a:t>
                       </a:r>
-                      <a:endParaRPr kumimoji="1" lang="ja-JP" altLang="en-US" sz="4400" b="1" cap="none" spc="0" dirty="0">
+                      <a:endParaRPr kumimoji="1" lang="ja-JP" altLang="en-US" sz="4400" b="0" cap="none" spc="0" dirty="0">
                         <a:ln w="12700">
-                          <a:solidFill>
-                            <a:schemeClr val="tx2">
-                              <a:satMod val="155000"/>
-                            </a:schemeClr>
-                          </a:solidFill>
+                          <a:noFill/>
                           <a:prstDash val="solid"/>
                         </a:ln>
                         <a:solidFill>
-                          <a:schemeClr val="bg2">
-                            <a:tint val="85000"/>
-                            <a:satMod val="155000"/>
-                          </a:schemeClr>
+                          <a:schemeClr val="tx1"/>
                         </a:solidFill>
-                        <a:effectLst>
-                          <a:outerShdw blurRad="41275" dist="20320" dir="1800000" algn="tl" rotWithShape="0">
-                            <a:srgbClr val="000000">
-                              <a:alpha val="40000"/>
-                            </a:srgbClr>
-                          </a:outerShdw>
-                        </a:effectLst>
+                        <a:effectLst/>
                       </a:endParaRPr>
                     </a:p>
                   </a:txBody>
@@ -11706,53 +11098,27 @@
                     <a:lstStyle/>
                     <a:p>
                       <a:r>
-                        <a:rPr kumimoji="1" lang="ja-JP" altLang="en-US" sz="4400" b="1" cap="none" spc="0" dirty="0" smtClean="0">
+                        <a:rPr kumimoji="1" lang="ja-JP" altLang="en-US" sz="4400" b="0" cap="none" spc="0" dirty="0" smtClean="0">
                           <a:ln w="12700">
-                            <a:solidFill>
-                              <a:schemeClr val="tx2">
-                                <a:satMod val="155000"/>
-                              </a:schemeClr>
-                            </a:solidFill>
+                            <a:noFill/>
                             <a:prstDash val="solid"/>
                           </a:ln>
                           <a:solidFill>
-                            <a:schemeClr val="bg2">
-                              <a:tint val="85000"/>
-                              <a:satMod val="155000"/>
-                            </a:schemeClr>
+                            <a:schemeClr val="tx1"/>
                           </a:solidFill>
-                          <a:effectLst>
-                            <a:outerShdw blurRad="41275" dist="20320" dir="1800000" algn="tl" rotWithShape="0">
-                              <a:srgbClr val="000000">
-                                <a:alpha val="40000"/>
-                              </a:srgbClr>
-                            </a:outerShdw>
-                          </a:effectLst>
+                          <a:effectLst/>
                         </a:rPr>
                         <a:t>論文の執筆，発表資料の作成</a:t>
                       </a:r>
-                      <a:endParaRPr kumimoji="1" lang="ja-JP" altLang="en-US" sz="4400" b="1" cap="none" spc="0" dirty="0">
+                      <a:endParaRPr kumimoji="1" lang="ja-JP" altLang="en-US" sz="4400" b="0" cap="none" spc="0" dirty="0">
                         <a:ln w="12700">
-                          <a:solidFill>
-                            <a:schemeClr val="tx2">
-                              <a:satMod val="155000"/>
-                            </a:schemeClr>
-                          </a:solidFill>
+                          <a:noFill/>
                           <a:prstDash val="solid"/>
                         </a:ln>
                         <a:solidFill>
-                          <a:schemeClr val="bg2">
-                            <a:tint val="85000"/>
-                            <a:satMod val="155000"/>
-                          </a:schemeClr>
+                          <a:schemeClr val="tx1"/>
                         </a:solidFill>
-                        <a:effectLst>
-                          <a:outerShdw blurRad="41275" dist="20320" dir="1800000" algn="tl" rotWithShape="0">
-                            <a:srgbClr val="000000">
-                              <a:alpha val="40000"/>
-                            </a:srgbClr>
-                          </a:outerShdw>
-                        </a:effectLst>
+                        <a:effectLst/>
                       </a:endParaRPr>
                     </a:p>
                   </a:txBody>
